--- a/pics/2020-11-23-gram_schmidt/pics.pptx
+++ b/pics/2020-11-23-gram_schmidt/pics.pptx
@@ -6,6 +6,7 @@
   </p:sldMasterIdLst>
   <p:sldIdLst>
     <p:sldId id="256" r:id="rId2"/>
+    <p:sldId id="257" r:id="rId3"/>
   </p:sldIdLst>
   <p:sldSz cx="9144000" cy="6858000" type="screen4x3"/>
   <p:notesSz cx="6858000" cy="9144000"/>
@@ -3141,8 +3142,8 @@
           </a:p>
         </p:txBody>
       </p:sp>
-      <mc:AlternateContent xmlns:mc="http://schemas.openxmlformats.org/markup-compatibility/2006">
-        <mc:Choice xmlns:a14="http://schemas.microsoft.com/office/drawing/2010/main" Requires="a14">
+      <mc:AlternateContent xmlns:mc="http://schemas.openxmlformats.org/markup-compatibility/2006" xmlns:a14="http://schemas.microsoft.com/office/drawing/2010/main">
+        <mc:Choice Requires="a14">
           <p:sp>
             <p:nvSpPr>
               <p:cNvPr id="4" name="TextBox 3"/>
@@ -3165,6 +3166,7 @@
               </a:bodyPr>
               <a:lstStyle/>
               <a:p>
+                <a:pPr/>
                 <a14:m>
                   <m:oMathPara xmlns:m="http://schemas.openxmlformats.org/officeDocument/2006/math">
                     <m:oMathParaPr>
@@ -3215,7 +3217,7 @@
                             <a:rPr lang="en-US" altLang="ko-KR" sz="5400" b="0" i="1" smtClean="0">
                               <a:latin typeface="Cambria Math"/>
                             </a:rPr>
-                            <m:t>𝑣</m:t>
+                            <m:t>𝑎</m:t>
                           </m:r>
                         </m:e>
                         <m:sub>
@@ -3299,7 +3301,7 @@
                             <a:rPr lang="en-US" altLang="ko-KR" sz="5400" b="0" i="1" smtClean="0">
                               <a:latin typeface="Cambria Math"/>
                             </a:rPr>
-                            <m:t>𝑣</m:t>
+                            <m:t>𝑎</m:t>
                           </m:r>
                         </m:e>
                         <m:sub>
@@ -3325,7 +3327,7 @@
             </p:txBody>
           </p:sp>
         </mc:Choice>
-        <mc:Fallback>
+        <mc:Fallback xmlns="">
           <p:sp>
             <p:nvSpPr>
               <p:cNvPr id="4" name="TextBox 3"/>
@@ -3364,8 +3366,8 @@
           </p:sp>
         </mc:Fallback>
       </mc:AlternateContent>
-      <mc:AlternateContent xmlns:mc="http://schemas.openxmlformats.org/markup-compatibility/2006">
-        <mc:Choice xmlns:a14="http://schemas.microsoft.com/office/drawing/2010/main" Requires="a14">
+      <mc:AlternateContent xmlns:mc="http://schemas.openxmlformats.org/markup-compatibility/2006" xmlns:a14="http://schemas.microsoft.com/office/drawing/2010/main">
+        <mc:Choice Requires="a14">
           <p:sp>
             <p:nvSpPr>
               <p:cNvPr id="6" name="TextBox 5"/>
@@ -3404,7 +3406,7 @@
                           <a:rPr lang="en-US" altLang="ko-KR" sz="3200" b="0" i="1" smtClean="0">
                             <a:latin typeface="Cambria Math"/>
                           </a:rPr>
-                          <m:t>𝑣</m:t>
+                          <m:t>𝑎</m:t>
                         </m:r>
                       </m:e>
                       <m:sub>
@@ -3469,7 +3471,7 @@
             </p:txBody>
           </p:sp>
         </mc:Choice>
-        <mc:Fallback>
+        <mc:Fallback xmlns="">
           <p:sp>
             <p:nvSpPr>
               <p:cNvPr id="6" name="TextBox 5"/>
@@ -3489,7 +3491,7 @@
               <a:blipFill rotWithShape="1">
                 <a:blip r:embed="rId3"/>
                 <a:stretch>
-                  <a:fillRect t="-13684" r="-2720" b="-34737"/>
+                  <a:fillRect t="-13684" r="-2850" b="-34737"/>
                 </a:stretch>
               </a:blipFill>
             </p:spPr>
@@ -3550,6 +3552,1041 @@
     <p:extLst>
       <p:ext uri="{BB962C8B-B14F-4D97-AF65-F5344CB8AC3E}">
         <p14:creationId xmlns:p14="http://schemas.microsoft.com/office/powerpoint/2010/main" val="2789664253"/>
+      </p:ext>
+    </p:extLst>
+  </p:cSld>
+  <p:clrMapOvr>
+    <a:masterClrMapping/>
+  </p:clrMapOvr>
+</p:sld>
+</file>
+
+<file path=ppt/slides/slide2.xml><?xml version="1.0" encoding="utf-8"?>
+<p:sld xmlns:a="http://schemas.openxmlformats.org/drawingml/2006/main" xmlns:r="http://schemas.openxmlformats.org/officeDocument/2006/relationships" xmlns:p="http://schemas.openxmlformats.org/presentationml/2006/main">
+  <p:cSld>
+    <p:spTree>
+      <p:nvGrpSpPr>
+        <p:cNvPr id="1" name=""/>
+        <p:cNvGrpSpPr/>
+        <p:nvPr/>
+      </p:nvGrpSpPr>
+      <p:grpSpPr>
+        <a:xfrm>
+          <a:off x="0" y="0"/>
+          <a:ext cx="0" cy="0"/>
+          <a:chOff x="0" y="0"/>
+          <a:chExt cx="0" cy="0"/>
+        </a:xfrm>
+      </p:grpSpPr>
+      <p:grpSp>
+        <p:nvGrpSpPr>
+          <p:cNvPr id="35" name="그룹 34"/>
+          <p:cNvGrpSpPr/>
+          <p:nvPr/>
+        </p:nvGrpSpPr>
+        <p:grpSpPr>
+          <a:xfrm rot="20700000">
+            <a:off x="790029" y="1584116"/>
+            <a:ext cx="7364872" cy="3461576"/>
+            <a:chOff x="1149314" y="1262296"/>
+            <a:chExt cx="7364872" cy="3461576"/>
+          </a:xfrm>
+        </p:grpSpPr>
+        <p:cxnSp>
+          <p:nvCxnSpPr>
+            <p:cNvPr id="7" name="직선 화살표 연결선 6"/>
+            <p:cNvCxnSpPr/>
+            <p:nvPr/>
+          </p:nvCxnSpPr>
+          <p:spPr>
+            <a:xfrm>
+              <a:off x="1691680" y="4149080"/>
+              <a:ext cx="5832648" cy="0"/>
+            </a:xfrm>
+            <a:prstGeom prst="straightConnector1">
+              <a:avLst/>
+            </a:prstGeom>
+            <a:ln w="28575">
+              <a:solidFill>
+                <a:schemeClr val="tx1"/>
+              </a:solidFill>
+              <a:tailEnd type="arrow"/>
+            </a:ln>
+          </p:spPr>
+          <p:style>
+            <a:lnRef idx="1">
+              <a:schemeClr val="accent1"/>
+            </a:lnRef>
+            <a:fillRef idx="0">
+              <a:schemeClr val="accent1"/>
+            </a:fillRef>
+            <a:effectRef idx="0">
+              <a:schemeClr val="accent1"/>
+            </a:effectRef>
+            <a:fontRef idx="minor">
+              <a:schemeClr val="tx1"/>
+            </a:fontRef>
+          </p:style>
+        </p:cxnSp>
+        <p:cxnSp>
+          <p:nvCxnSpPr>
+            <p:cNvPr id="9" name="직선 화살표 연결선 8"/>
+            <p:cNvCxnSpPr/>
+            <p:nvPr/>
+          </p:nvCxnSpPr>
+          <p:spPr>
+            <a:xfrm flipV="1">
+              <a:off x="1691680" y="1772816"/>
+              <a:ext cx="0" cy="2376264"/>
+            </a:xfrm>
+            <a:prstGeom prst="straightConnector1">
+              <a:avLst/>
+            </a:prstGeom>
+            <a:ln w="28575">
+              <a:solidFill>
+                <a:schemeClr val="tx1"/>
+              </a:solidFill>
+              <a:tailEnd type="arrow"/>
+            </a:ln>
+          </p:spPr>
+          <p:style>
+            <a:lnRef idx="1">
+              <a:schemeClr val="accent1"/>
+            </a:lnRef>
+            <a:fillRef idx="0">
+              <a:schemeClr val="accent1"/>
+            </a:fillRef>
+            <a:effectRef idx="0">
+              <a:schemeClr val="accent1"/>
+            </a:effectRef>
+            <a:fontRef idx="minor">
+              <a:schemeClr val="tx1"/>
+            </a:fontRef>
+          </p:style>
+        </p:cxnSp>
+        <p:cxnSp>
+          <p:nvCxnSpPr>
+            <p:cNvPr id="10" name="직선 화살표 연결선 9"/>
+            <p:cNvCxnSpPr/>
+            <p:nvPr/>
+          </p:nvCxnSpPr>
+          <p:spPr>
+            <a:xfrm flipV="1">
+              <a:off x="1691680" y="2960948"/>
+              <a:ext cx="0" cy="1188132"/>
+            </a:xfrm>
+            <a:prstGeom prst="straightConnector1">
+              <a:avLst/>
+            </a:prstGeom>
+            <a:ln w="28575">
+              <a:solidFill>
+                <a:schemeClr val="tx1"/>
+              </a:solidFill>
+              <a:tailEnd type="arrow"/>
+            </a:ln>
+          </p:spPr>
+          <p:style>
+            <a:lnRef idx="1">
+              <a:schemeClr val="accent1"/>
+            </a:lnRef>
+            <a:fillRef idx="0">
+              <a:schemeClr val="accent1"/>
+            </a:fillRef>
+            <a:effectRef idx="0">
+              <a:schemeClr val="accent1"/>
+            </a:effectRef>
+            <a:fontRef idx="minor">
+              <a:schemeClr val="tx1"/>
+            </a:fontRef>
+          </p:style>
+        </p:cxnSp>
+        <p:cxnSp>
+          <p:nvCxnSpPr>
+            <p:cNvPr id="13" name="직선 화살표 연결선 12"/>
+            <p:cNvCxnSpPr/>
+            <p:nvPr/>
+          </p:nvCxnSpPr>
+          <p:spPr>
+            <a:xfrm>
+              <a:off x="1691680" y="4149080"/>
+              <a:ext cx="4752528" cy="0"/>
+            </a:xfrm>
+            <a:prstGeom prst="straightConnector1">
+              <a:avLst/>
+            </a:prstGeom>
+            <a:ln w="28575">
+              <a:solidFill>
+                <a:schemeClr val="tx1"/>
+              </a:solidFill>
+              <a:tailEnd type="arrow"/>
+            </a:ln>
+          </p:spPr>
+          <p:style>
+            <a:lnRef idx="1">
+              <a:schemeClr val="accent1"/>
+            </a:lnRef>
+            <a:fillRef idx="0">
+              <a:schemeClr val="accent1"/>
+            </a:fillRef>
+            <a:effectRef idx="0">
+              <a:schemeClr val="accent1"/>
+            </a:effectRef>
+            <a:fontRef idx="minor">
+              <a:schemeClr val="tx1"/>
+            </a:fontRef>
+          </p:style>
+        </p:cxnSp>
+        <p:cxnSp>
+          <p:nvCxnSpPr>
+            <p:cNvPr id="20" name="직선 화살표 연결선 19"/>
+            <p:cNvCxnSpPr/>
+            <p:nvPr/>
+          </p:nvCxnSpPr>
+          <p:spPr>
+            <a:xfrm rot="5400000" flipV="1">
+              <a:off x="2285746" y="3555014"/>
+              <a:ext cx="0" cy="1188132"/>
+            </a:xfrm>
+            <a:prstGeom prst="straightConnector1">
+              <a:avLst/>
+            </a:prstGeom>
+            <a:ln w="28575">
+              <a:solidFill>
+                <a:schemeClr val="tx1"/>
+              </a:solidFill>
+              <a:tailEnd type="arrow"/>
+            </a:ln>
+          </p:spPr>
+          <p:style>
+            <a:lnRef idx="1">
+              <a:schemeClr val="accent1"/>
+            </a:lnRef>
+            <a:fillRef idx="0">
+              <a:schemeClr val="accent1"/>
+            </a:fillRef>
+            <a:effectRef idx="0">
+              <a:schemeClr val="accent1"/>
+            </a:effectRef>
+            <a:fontRef idx="minor">
+              <a:schemeClr val="tx1"/>
+            </a:fontRef>
+          </p:style>
+        </p:cxnSp>
+        <mc:AlternateContent xmlns:mc="http://schemas.openxmlformats.org/markup-compatibility/2006">
+          <mc:Choice xmlns:a14="http://schemas.microsoft.com/office/drawing/2010/main" Requires="a14">
+            <p:sp>
+              <p:nvSpPr>
+                <p:cNvPr id="22" name="TextBox 21"/>
+                <p:cNvSpPr txBox="1"/>
+                <p:nvPr/>
+              </p:nvSpPr>
+              <p:spPr>
+                <a:xfrm>
+                  <a:off x="2486759" y="4077072"/>
+                  <a:ext cx="657168" cy="523220"/>
+                </a:xfrm>
+                <a:prstGeom prst="rect">
+                  <a:avLst/>
+                </a:prstGeom>
+                <a:noFill/>
+              </p:spPr>
+              <p:txBody>
+                <a:bodyPr wrap="none" rtlCol="0">
+                  <a:spAutoFit/>
+                </a:bodyPr>
+                <a:lstStyle/>
+                <a:p>
+                  <a:pPr algn="ctr"/>
+                  <a14:m>
+                    <m:oMathPara xmlns:m="http://schemas.openxmlformats.org/officeDocument/2006/math">
+                      <m:oMathParaPr>
+                        <m:jc m:val="centerGroup"/>
+                      </m:oMathParaPr>
+                      <m:oMath xmlns:m="http://schemas.openxmlformats.org/officeDocument/2006/math">
+                        <m:sSub>
+                          <m:sSubPr>
+                            <m:ctrlPr>
+                              <a:rPr lang="en-US" altLang="ko-KR" sz="2800" b="0" i="1" smtClean="0">
+                                <a:latin typeface="Cambria Math"/>
+                              </a:rPr>
+                            </m:ctrlPr>
+                          </m:sSubPr>
+                          <m:e>
+                            <m:r>
+                              <a:rPr lang="en-US" altLang="ko-KR" sz="2800" b="0" i="1" smtClean="0">
+                                <a:latin typeface="Cambria Math"/>
+                              </a:rPr>
+                              <m:t>𝑞</m:t>
+                            </m:r>
+                          </m:e>
+                          <m:sub>
+                            <m:r>
+                              <a:rPr lang="en-US" altLang="ko-KR" sz="2800" b="0" i="1" smtClean="0">
+                                <a:latin typeface="Cambria Math"/>
+                              </a:rPr>
+                              <m:t>1</m:t>
+                            </m:r>
+                          </m:sub>
+                        </m:sSub>
+                      </m:oMath>
+                    </m:oMathPara>
+                  </a14:m>
+                  <a:endParaRPr lang="ko-KR" altLang="en-US" sz="2800" dirty="0"/>
+                </a:p>
+              </p:txBody>
+            </p:sp>
+          </mc:Choice>
+          <mc:Fallback>
+            <p:sp>
+              <p:nvSpPr>
+                <p:cNvPr id="22" name="TextBox 21"/>
+                <p:cNvSpPr txBox="1">
+                  <a:spLocks noRot="1" noChangeAspect="1" noMove="1" noResize="1" noEditPoints="1" noAdjustHandles="1" noChangeArrowheads="1" noChangeShapeType="1" noTextEdit="1"/>
+                </p:cNvSpPr>
+                <p:nvPr/>
+              </p:nvSpPr>
+              <p:spPr>
+                <a:xfrm>
+                  <a:off x="2486759" y="4077072"/>
+                  <a:ext cx="657168" cy="523220"/>
+                </a:xfrm>
+                <a:prstGeom prst="rect">
+                  <a:avLst/>
+                </a:prstGeom>
+                <a:blipFill rotWithShape="1">
+                  <a:blip r:embed="rId2"/>
+                  <a:stretch>
+                    <a:fillRect/>
+                  </a:stretch>
+                </a:blipFill>
+              </p:spPr>
+              <p:txBody>
+                <a:bodyPr/>
+                <a:lstStyle/>
+                <a:p>
+                  <a:r>
+                    <a:rPr lang="ko-KR" altLang="en-US">
+                      <a:noFill/>
+                    </a:rPr>
+                    <a:t> </a:t>
+                  </a:r>
+                </a:p>
+              </p:txBody>
+            </p:sp>
+          </mc:Fallback>
+        </mc:AlternateContent>
+        <mc:AlternateContent xmlns:mc="http://schemas.openxmlformats.org/markup-compatibility/2006">
+          <mc:Choice xmlns:a14="http://schemas.microsoft.com/office/drawing/2010/main" Requires="a14">
+            <p:sp>
+              <p:nvSpPr>
+                <p:cNvPr id="23" name="TextBox 22"/>
+                <p:cNvSpPr txBox="1"/>
+                <p:nvPr/>
+              </p:nvSpPr>
+              <p:spPr>
+                <a:xfrm>
+                  <a:off x="1149314" y="2761764"/>
+                  <a:ext cx="665439" cy="523220"/>
+                </a:xfrm>
+                <a:prstGeom prst="rect">
+                  <a:avLst/>
+                </a:prstGeom>
+                <a:noFill/>
+              </p:spPr>
+              <p:txBody>
+                <a:bodyPr wrap="none" rtlCol="0">
+                  <a:spAutoFit/>
+                </a:bodyPr>
+                <a:lstStyle/>
+                <a:p>
+                  <a:pPr algn="ctr"/>
+                  <a14:m>
+                    <m:oMathPara xmlns:m="http://schemas.openxmlformats.org/officeDocument/2006/math">
+                      <m:oMathParaPr>
+                        <m:jc m:val="centerGroup"/>
+                      </m:oMathParaPr>
+                      <m:oMath xmlns:m="http://schemas.openxmlformats.org/officeDocument/2006/math">
+                        <m:sSub>
+                          <m:sSubPr>
+                            <m:ctrlPr>
+                              <a:rPr lang="en-US" altLang="ko-KR" sz="2800" b="0" i="1" smtClean="0">
+                                <a:latin typeface="Cambria Math"/>
+                              </a:rPr>
+                            </m:ctrlPr>
+                          </m:sSubPr>
+                          <m:e>
+                            <m:r>
+                              <a:rPr lang="en-US" altLang="ko-KR" sz="2800" b="0" i="1" smtClean="0">
+                                <a:latin typeface="Cambria Math"/>
+                              </a:rPr>
+                              <m:t>𝑞</m:t>
+                            </m:r>
+                          </m:e>
+                          <m:sub>
+                            <m:r>
+                              <a:rPr lang="en-US" altLang="ko-KR" sz="2800" b="0" i="1" smtClean="0">
+                                <a:latin typeface="Cambria Math"/>
+                              </a:rPr>
+                              <m:t>2</m:t>
+                            </m:r>
+                          </m:sub>
+                        </m:sSub>
+                      </m:oMath>
+                    </m:oMathPara>
+                  </a14:m>
+                  <a:endParaRPr lang="ko-KR" altLang="en-US" sz="2800" dirty="0"/>
+                </a:p>
+              </p:txBody>
+            </p:sp>
+          </mc:Choice>
+          <mc:Fallback>
+            <p:sp>
+              <p:nvSpPr>
+                <p:cNvPr id="23" name="TextBox 22"/>
+                <p:cNvSpPr txBox="1">
+                  <a:spLocks noRot="1" noChangeAspect="1" noMove="1" noResize="1" noEditPoints="1" noAdjustHandles="1" noChangeArrowheads="1" noChangeShapeType="1" noTextEdit="1"/>
+                </p:cNvSpPr>
+                <p:nvPr/>
+              </p:nvSpPr>
+              <p:spPr>
+                <a:xfrm>
+                  <a:off x="1149314" y="2761764"/>
+                  <a:ext cx="665439" cy="523220"/>
+                </a:xfrm>
+                <a:prstGeom prst="rect">
+                  <a:avLst/>
+                </a:prstGeom>
+                <a:blipFill rotWithShape="1">
+                  <a:blip r:embed="rId3"/>
+                  <a:stretch>
+                    <a:fillRect/>
+                  </a:stretch>
+                </a:blipFill>
+              </p:spPr>
+              <p:txBody>
+                <a:bodyPr/>
+                <a:lstStyle/>
+                <a:p>
+                  <a:r>
+                    <a:rPr lang="ko-KR" altLang="en-US">
+                      <a:noFill/>
+                    </a:rPr>
+                    <a:t> </a:t>
+                  </a:r>
+                </a:p>
+              </p:txBody>
+            </p:sp>
+          </mc:Fallback>
+        </mc:AlternateContent>
+        <mc:AlternateContent xmlns:mc="http://schemas.openxmlformats.org/markup-compatibility/2006">
+          <mc:Choice xmlns:a14="http://schemas.microsoft.com/office/drawing/2010/main" Requires="a14">
+            <p:sp>
+              <p:nvSpPr>
+                <p:cNvPr id="24" name="TextBox 23"/>
+                <p:cNvSpPr txBox="1"/>
+                <p:nvPr/>
+              </p:nvSpPr>
+              <p:spPr>
+                <a:xfrm>
+                  <a:off x="5185956" y="4163654"/>
+                  <a:ext cx="1614032" cy="560218"/>
+                </a:xfrm>
+                <a:prstGeom prst="rect">
+                  <a:avLst/>
+                </a:prstGeom>
+                <a:noFill/>
+              </p:spPr>
+              <p:txBody>
+                <a:bodyPr wrap="none" rtlCol="0">
+                  <a:spAutoFit/>
+                </a:bodyPr>
+                <a:lstStyle/>
+                <a:p>
+                  <a:pPr algn="ctr"/>
+                  <a14:m>
+                    <m:oMathPara xmlns:m="http://schemas.openxmlformats.org/officeDocument/2006/math">
+                      <m:oMathParaPr>
+                        <m:jc m:val="centerGroup"/>
+                      </m:oMathParaPr>
+                      <m:oMath xmlns:m="http://schemas.openxmlformats.org/officeDocument/2006/math">
+                        <m:sSub>
+                          <m:sSubPr>
+                            <m:ctrlPr>
+                              <a:rPr lang="en-US" altLang="ko-KR" sz="2800" b="0" i="0" smtClean="0">
+                                <a:latin typeface="Cambria Math"/>
+                              </a:rPr>
+                            </m:ctrlPr>
+                          </m:sSubPr>
+                          <m:e>
+                            <m:r>
+                              <m:rPr>
+                                <m:sty m:val="p"/>
+                              </m:rPr>
+                              <a:rPr lang="en-US" altLang="ko-KR" sz="2800" b="0" i="0" smtClean="0">
+                                <a:latin typeface="Cambria Math"/>
+                              </a:rPr>
+                              <m:t>proj</m:t>
+                            </m:r>
+                          </m:e>
+                          <m:sub>
+                            <m:sSub>
+                              <m:sSubPr>
+                                <m:ctrlPr>
+                                  <a:rPr lang="en-US" altLang="ko-KR" sz="2800" b="0" i="0" smtClean="0">
+                                    <a:latin typeface="Cambria Math"/>
+                                  </a:rPr>
+                                </m:ctrlPr>
+                              </m:sSubPr>
+                              <m:e>
+                                <m:r>
+                                  <m:rPr>
+                                    <m:sty m:val="p"/>
+                                  </m:rPr>
+                                  <a:rPr lang="en-US" altLang="ko-KR" sz="2800" b="0" i="0" smtClean="0">
+                                    <a:latin typeface="Cambria Math"/>
+                                  </a:rPr>
+                                  <m:t>u</m:t>
+                                </m:r>
+                              </m:e>
+                              <m:sub>
+                                <m:r>
+                                  <a:rPr lang="en-US" altLang="ko-KR" sz="2800" b="0" i="0" smtClean="0">
+                                    <a:latin typeface="Cambria Math"/>
+                                  </a:rPr>
+                                  <m:t>1</m:t>
+                                </m:r>
+                              </m:sub>
+                            </m:sSub>
+                          </m:sub>
+                        </m:sSub>
+                        <m:sSub>
+                          <m:sSubPr>
+                            <m:ctrlPr>
+                              <a:rPr lang="en-US" altLang="ko-KR" sz="2800" b="0" i="0" smtClean="0">
+                                <a:latin typeface="Cambria Math"/>
+                              </a:rPr>
+                            </m:ctrlPr>
+                          </m:sSubPr>
+                          <m:e>
+                            <m:r>
+                              <m:rPr>
+                                <m:sty m:val="p"/>
+                              </m:rPr>
+                              <a:rPr lang="en-US" altLang="ko-KR" sz="2800" b="0" i="0" smtClean="0">
+                                <a:latin typeface="Cambria Math"/>
+                              </a:rPr>
+                              <m:t>a</m:t>
+                            </m:r>
+                          </m:e>
+                          <m:sub>
+                            <m:r>
+                              <a:rPr lang="en-US" altLang="ko-KR" sz="2800" b="0" i="0" smtClean="0">
+                                <a:latin typeface="Cambria Math"/>
+                              </a:rPr>
+                              <m:t>2</m:t>
+                            </m:r>
+                          </m:sub>
+                        </m:sSub>
+                      </m:oMath>
+                    </m:oMathPara>
+                  </a14:m>
+                  <a:endParaRPr lang="ko-KR" altLang="en-US" sz="2800" dirty="0"/>
+                </a:p>
+              </p:txBody>
+            </p:sp>
+          </mc:Choice>
+          <mc:Fallback>
+            <p:sp>
+              <p:nvSpPr>
+                <p:cNvPr id="24" name="TextBox 23"/>
+                <p:cNvSpPr txBox="1">
+                  <a:spLocks noRot="1" noChangeAspect="1" noMove="1" noResize="1" noEditPoints="1" noAdjustHandles="1" noChangeArrowheads="1" noChangeShapeType="1" noTextEdit="1"/>
+                </p:cNvSpPr>
+                <p:nvPr/>
+              </p:nvSpPr>
+              <p:spPr>
+                <a:xfrm>
+                  <a:off x="5185956" y="4163654"/>
+                  <a:ext cx="1614032" cy="560218"/>
+                </a:xfrm>
+                <a:prstGeom prst="rect">
+                  <a:avLst/>
+                </a:prstGeom>
+                <a:blipFill rotWithShape="1">
+                  <a:blip r:embed="rId4"/>
+                  <a:stretch>
+                    <a:fillRect/>
+                  </a:stretch>
+                </a:blipFill>
+              </p:spPr>
+              <p:txBody>
+                <a:bodyPr/>
+                <a:lstStyle/>
+                <a:p>
+                  <a:r>
+                    <a:rPr lang="ko-KR" altLang="en-US">
+                      <a:noFill/>
+                    </a:rPr>
+                    <a:t> </a:t>
+                  </a:r>
+                </a:p>
+              </p:txBody>
+            </p:sp>
+          </mc:Fallback>
+        </mc:AlternateContent>
+        <p:cxnSp>
+          <p:nvCxnSpPr>
+            <p:cNvPr id="26" name="직선 연결선 25"/>
+            <p:cNvCxnSpPr/>
+            <p:nvPr/>
+          </p:nvCxnSpPr>
+          <p:spPr>
+            <a:xfrm flipV="1">
+              <a:off x="6428333" y="1785516"/>
+              <a:ext cx="0" cy="2363564"/>
+            </a:xfrm>
+            <a:prstGeom prst="line">
+              <a:avLst/>
+            </a:prstGeom>
+            <a:ln>
+              <a:solidFill>
+                <a:schemeClr val="tx1"/>
+              </a:solidFill>
+              <a:prstDash val="lgDash"/>
+            </a:ln>
+          </p:spPr>
+          <p:style>
+            <a:lnRef idx="1">
+              <a:schemeClr val="accent1"/>
+            </a:lnRef>
+            <a:fillRef idx="0">
+              <a:schemeClr val="accent1"/>
+            </a:fillRef>
+            <a:effectRef idx="0">
+              <a:schemeClr val="accent1"/>
+            </a:effectRef>
+            <a:fontRef idx="minor">
+              <a:schemeClr val="tx1"/>
+            </a:fontRef>
+          </p:style>
+        </p:cxnSp>
+        <p:cxnSp>
+          <p:nvCxnSpPr>
+            <p:cNvPr id="27" name="직선 연결선 26"/>
+            <p:cNvCxnSpPr/>
+            <p:nvPr/>
+          </p:nvCxnSpPr>
+          <p:spPr>
+            <a:xfrm flipH="1">
+              <a:off x="1691680" y="1785516"/>
+              <a:ext cx="4736653" cy="0"/>
+            </a:xfrm>
+            <a:prstGeom prst="line">
+              <a:avLst/>
+            </a:prstGeom>
+            <a:ln>
+              <a:solidFill>
+                <a:schemeClr val="tx1"/>
+              </a:solidFill>
+              <a:prstDash val="lgDash"/>
+            </a:ln>
+          </p:spPr>
+          <p:style>
+            <a:lnRef idx="1">
+              <a:schemeClr val="accent1"/>
+            </a:lnRef>
+            <a:fillRef idx="0">
+              <a:schemeClr val="accent1"/>
+            </a:fillRef>
+            <a:effectRef idx="0">
+              <a:schemeClr val="accent1"/>
+            </a:effectRef>
+            <a:fontRef idx="minor">
+              <a:schemeClr val="tx1"/>
+            </a:fontRef>
+          </p:style>
+        </p:cxnSp>
+        <p:cxnSp>
+          <p:nvCxnSpPr>
+            <p:cNvPr id="31" name="직선 화살표 연결선 30"/>
+            <p:cNvCxnSpPr/>
+            <p:nvPr/>
+          </p:nvCxnSpPr>
+          <p:spPr>
+            <a:xfrm flipV="1">
+              <a:off x="1691680" y="1785516"/>
+              <a:ext cx="4752528" cy="2363564"/>
+            </a:xfrm>
+            <a:prstGeom prst="straightConnector1">
+              <a:avLst/>
+            </a:prstGeom>
+            <a:ln w="38100">
+              <a:solidFill>
+                <a:schemeClr val="tx1"/>
+              </a:solidFill>
+              <a:tailEnd type="arrow"/>
+            </a:ln>
+          </p:spPr>
+          <p:style>
+            <a:lnRef idx="1">
+              <a:schemeClr val="accent1"/>
+            </a:lnRef>
+            <a:fillRef idx="0">
+              <a:schemeClr val="accent1"/>
+            </a:fillRef>
+            <a:effectRef idx="0">
+              <a:schemeClr val="accent1"/>
+            </a:effectRef>
+            <a:fontRef idx="minor">
+              <a:schemeClr val="tx1"/>
+            </a:fontRef>
+          </p:style>
+        </p:cxnSp>
+        <mc:AlternateContent xmlns:mc="http://schemas.openxmlformats.org/markup-compatibility/2006">
+          <mc:Choice xmlns:a14="http://schemas.microsoft.com/office/drawing/2010/main" Requires="a14">
+            <p:sp>
+              <p:nvSpPr>
+                <p:cNvPr id="32" name="TextBox 31"/>
+                <p:cNvSpPr txBox="1"/>
+                <p:nvPr/>
+              </p:nvSpPr>
+              <p:spPr>
+                <a:xfrm>
+                  <a:off x="7010697" y="4200652"/>
+                  <a:ext cx="1503489" cy="523220"/>
+                </a:xfrm>
+                <a:prstGeom prst="rect">
+                  <a:avLst/>
+                </a:prstGeom>
+                <a:noFill/>
+              </p:spPr>
+              <p:txBody>
+                <a:bodyPr wrap="none" rtlCol="0">
+                  <a:spAutoFit/>
+                </a:bodyPr>
+                <a:lstStyle/>
+                <a:p>
+                  <a:pPr algn="ctr"/>
+                  <a14:m>
+                    <m:oMathPara xmlns:m="http://schemas.openxmlformats.org/officeDocument/2006/math">
+                      <m:oMathParaPr>
+                        <m:jc m:val="centerGroup"/>
+                      </m:oMathParaPr>
+                      <m:oMath xmlns:m="http://schemas.openxmlformats.org/officeDocument/2006/math">
+                        <m:sSub>
+                          <m:sSubPr>
+                            <m:ctrlPr>
+                              <a:rPr lang="en-US" altLang="ko-KR" sz="2800" b="0" i="1" smtClean="0">
+                                <a:latin typeface="Cambria Math"/>
+                              </a:rPr>
+                            </m:ctrlPr>
+                          </m:sSubPr>
+                          <m:e>
+                            <m:r>
+                              <a:rPr lang="en-US" altLang="ko-KR" sz="2800" b="0" i="1" smtClean="0">
+                                <a:latin typeface="Cambria Math"/>
+                              </a:rPr>
+                              <m:t>𝑎</m:t>
+                            </m:r>
+                          </m:e>
+                          <m:sub>
+                            <m:r>
+                              <a:rPr lang="en-US" altLang="ko-KR" sz="2800" b="0" i="1" smtClean="0">
+                                <a:latin typeface="Cambria Math"/>
+                              </a:rPr>
+                              <m:t>1</m:t>
+                            </m:r>
+                          </m:sub>
+                        </m:sSub>
+                        <m:r>
+                          <a:rPr lang="en-US" altLang="ko-KR" sz="2800" b="0" i="1" smtClean="0">
+                            <a:latin typeface="Cambria Math"/>
+                          </a:rPr>
+                          <m:t>=</m:t>
+                        </m:r>
+                        <m:sSub>
+                          <m:sSubPr>
+                            <m:ctrlPr>
+                              <a:rPr lang="en-US" altLang="ko-KR" sz="2800" b="0" i="1" smtClean="0">
+                                <a:latin typeface="Cambria Math"/>
+                              </a:rPr>
+                            </m:ctrlPr>
+                          </m:sSubPr>
+                          <m:e>
+                            <m:r>
+                              <a:rPr lang="en-US" altLang="ko-KR" sz="2800" b="0" i="1" smtClean="0">
+                                <a:latin typeface="Cambria Math"/>
+                              </a:rPr>
+                              <m:t>𝑢</m:t>
+                            </m:r>
+                          </m:e>
+                          <m:sub>
+                            <m:r>
+                              <a:rPr lang="en-US" altLang="ko-KR" sz="2800" b="0" i="1" smtClean="0">
+                                <a:latin typeface="Cambria Math"/>
+                              </a:rPr>
+                              <m:t>1</m:t>
+                            </m:r>
+                          </m:sub>
+                        </m:sSub>
+                      </m:oMath>
+                    </m:oMathPara>
+                  </a14:m>
+                  <a:endParaRPr lang="ko-KR" altLang="en-US" sz="2800" dirty="0"/>
+                </a:p>
+              </p:txBody>
+            </p:sp>
+          </mc:Choice>
+          <mc:Fallback>
+            <p:sp>
+              <p:nvSpPr>
+                <p:cNvPr id="32" name="TextBox 31"/>
+                <p:cNvSpPr txBox="1">
+                  <a:spLocks noRot="1" noChangeAspect="1" noMove="1" noResize="1" noEditPoints="1" noAdjustHandles="1" noChangeArrowheads="1" noChangeShapeType="1" noTextEdit="1"/>
+                </p:cNvSpPr>
+                <p:nvPr/>
+              </p:nvSpPr>
+              <p:spPr>
+                <a:xfrm>
+                  <a:off x="7010697" y="4200652"/>
+                  <a:ext cx="1503489" cy="523220"/>
+                </a:xfrm>
+                <a:prstGeom prst="rect">
+                  <a:avLst/>
+                </a:prstGeom>
+                <a:blipFill rotWithShape="1">
+                  <a:blip r:embed="rId5"/>
+                  <a:stretch>
+                    <a:fillRect/>
+                  </a:stretch>
+                </a:blipFill>
+              </p:spPr>
+              <p:txBody>
+                <a:bodyPr/>
+                <a:lstStyle/>
+                <a:p>
+                  <a:r>
+                    <a:rPr lang="ko-KR" altLang="en-US">
+                      <a:noFill/>
+                    </a:rPr>
+                    <a:t> </a:t>
+                  </a:r>
+                </a:p>
+              </p:txBody>
+            </p:sp>
+          </mc:Fallback>
+        </mc:AlternateContent>
+        <mc:AlternateContent xmlns:mc="http://schemas.openxmlformats.org/markup-compatibility/2006">
+          <mc:Choice xmlns:a14="http://schemas.microsoft.com/office/drawing/2010/main" Requires="a14">
+            <p:sp>
+              <p:nvSpPr>
+                <p:cNvPr id="33" name="TextBox 32"/>
+                <p:cNvSpPr txBox="1"/>
+                <p:nvPr/>
+              </p:nvSpPr>
+              <p:spPr>
+                <a:xfrm>
+                  <a:off x="6388146" y="1262296"/>
+                  <a:ext cx="678839" cy="523220"/>
+                </a:xfrm>
+                <a:prstGeom prst="rect">
+                  <a:avLst/>
+                </a:prstGeom>
+                <a:noFill/>
+              </p:spPr>
+              <p:txBody>
+                <a:bodyPr wrap="none" rtlCol="0">
+                  <a:spAutoFit/>
+                </a:bodyPr>
+                <a:lstStyle/>
+                <a:p>
+                  <a:pPr algn="ctr"/>
+                  <a14:m>
+                    <m:oMathPara xmlns:m="http://schemas.openxmlformats.org/officeDocument/2006/math">
+                      <m:oMathParaPr>
+                        <m:jc m:val="centerGroup"/>
+                      </m:oMathParaPr>
+                      <m:oMath xmlns:m="http://schemas.openxmlformats.org/officeDocument/2006/math">
+                        <m:sSub>
+                          <m:sSubPr>
+                            <m:ctrlPr>
+                              <a:rPr lang="en-US" altLang="ko-KR" sz="2800" b="0" i="1" smtClean="0">
+                                <a:latin typeface="Cambria Math"/>
+                              </a:rPr>
+                            </m:ctrlPr>
+                          </m:sSubPr>
+                          <m:e>
+                            <m:r>
+                              <a:rPr lang="en-US" altLang="ko-KR" sz="2800" b="0" i="1" smtClean="0">
+                                <a:latin typeface="Cambria Math"/>
+                              </a:rPr>
+                              <m:t>𝑎</m:t>
+                            </m:r>
+                          </m:e>
+                          <m:sub>
+                            <m:r>
+                              <a:rPr lang="en-US" altLang="ko-KR" sz="2800" b="0" i="1" smtClean="0">
+                                <a:latin typeface="Cambria Math"/>
+                              </a:rPr>
+                              <m:t>2</m:t>
+                            </m:r>
+                          </m:sub>
+                        </m:sSub>
+                      </m:oMath>
+                    </m:oMathPara>
+                  </a14:m>
+                  <a:endParaRPr lang="ko-KR" altLang="en-US" sz="2800" dirty="0"/>
+                </a:p>
+              </p:txBody>
+            </p:sp>
+          </mc:Choice>
+          <mc:Fallback>
+            <p:sp>
+              <p:nvSpPr>
+                <p:cNvPr id="33" name="TextBox 32"/>
+                <p:cNvSpPr txBox="1">
+                  <a:spLocks noRot="1" noChangeAspect="1" noMove="1" noResize="1" noEditPoints="1" noAdjustHandles="1" noChangeArrowheads="1" noChangeShapeType="1" noTextEdit="1"/>
+                </p:cNvSpPr>
+                <p:nvPr/>
+              </p:nvSpPr>
+              <p:spPr>
+                <a:xfrm>
+                  <a:off x="6388146" y="1262296"/>
+                  <a:ext cx="678839" cy="523220"/>
+                </a:xfrm>
+                <a:prstGeom prst="rect">
+                  <a:avLst/>
+                </a:prstGeom>
+                <a:blipFill rotWithShape="1">
+                  <a:blip r:embed="rId6"/>
+                  <a:stretch>
+                    <a:fillRect/>
+                  </a:stretch>
+                </a:blipFill>
+              </p:spPr>
+              <p:txBody>
+                <a:bodyPr/>
+                <a:lstStyle/>
+                <a:p>
+                  <a:r>
+                    <a:rPr lang="ko-KR" altLang="en-US">
+                      <a:noFill/>
+                    </a:rPr>
+                    <a:t> </a:t>
+                  </a:r>
+                </a:p>
+              </p:txBody>
+            </p:sp>
+          </mc:Fallback>
+        </mc:AlternateContent>
+        <mc:AlternateContent xmlns:mc="http://schemas.openxmlformats.org/markup-compatibility/2006">
+          <mc:Choice xmlns:a14="http://schemas.microsoft.com/office/drawing/2010/main" Requires="a14">
+            <p:sp>
+              <p:nvSpPr>
+                <p:cNvPr id="34" name="TextBox 33"/>
+                <p:cNvSpPr txBox="1"/>
+                <p:nvPr/>
+              </p:nvSpPr>
+              <p:spPr>
+                <a:xfrm>
+                  <a:off x="1167661" y="1424485"/>
+                  <a:ext cx="685251" cy="523220"/>
+                </a:xfrm>
+                <a:prstGeom prst="rect">
+                  <a:avLst/>
+                </a:prstGeom>
+                <a:noFill/>
+              </p:spPr>
+              <p:txBody>
+                <a:bodyPr wrap="none" rtlCol="0">
+                  <a:spAutoFit/>
+                </a:bodyPr>
+                <a:lstStyle/>
+                <a:p>
+                  <a:pPr algn="ctr"/>
+                  <a14:m>
+                    <m:oMathPara xmlns:m="http://schemas.openxmlformats.org/officeDocument/2006/math">
+                      <m:oMathParaPr>
+                        <m:jc m:val="centerGroup"/>
+                      </m:oMathParaPr>
+                      <m:oMath xmlns:m="http://schemas.openxmlformats.org/officeDocument/2006/math">
+                        <m:sSub>
+                          <m:sSubPr>
+                            <m:ctrlPr>
+                              <a:rPr lang="en-US" altLang="ko-KR" sz="2800" b="0" i="1" smtClean="0">
+                                <a:latin typeface="Cambria Math"/>
+                              </a:rPr>
+                            </m:ctrlPr>
+                          </m:sSubPr>
+                          <m:e>
+                            <m:r>
+                              <a:rPr lang="en-US" altLang="ko-KR" sz="2800" b="0" i="1" smtClean="0">
+                                <a:latin typeface="Cambria Math"/>
+                              </a:rPr>
+                              <m:t>𝑢</m:t>
+                            </m:r>
+                          </m:e>
+                          <m:sub>
+                            <m:r>
+                              <a:rPr lang="en-US" altLang="ko-KR" sz="2800" b="0" i="1" smtClean="0">
+                                <a:latin typeface="Cambria Math"/>
+                              </a:rPr>
+                              <m:t>2</m:t>
+                            </m:r>
+                          </m:sub>
+                        </m:sSub>
+                      </m:oMath>
+                    </m:oMathPara>
+                  </a14:m>
+                  <a:endParaRPr lang="ko-KR" altLang="en-US" sz="2800" dirty="0"/>
+                </a:p>
+              </p:txBody>
+            </p:sp>
+          </mc:Choice>
+          <mc:Fallback>
+            <p:sp>
+              <p:nvSpPr>
+                <p:cNvPr id="34" name="TextBox 33"/>
+                <p:cNvSpPr txBox="1">
+                  <a:spLocks noRot="1" noChangeAspect="1" noMove="1" noResize="1" noEditPoints="1" noAdjustHandles="1" noChangeArrowheads="1" noChangeShapeType="1" noTextEdit="1"/>
+                </p:cNvSpPr>
+                <p:nvPr/>
+              </p:nvSpPr>
+              <p:spPr>
+                <a:xfrm>
+                  <a:off x="1167661" y="1424485"/>
+                  <a:ext cx="685251" cy="523220"/>
+                </a:xfrm>
+                <a:prstGeom prst="rect">
+                  <a:avLst/>
+                </a:prstGeom>
+                <a:blipFill rotWithShape="1">
+                  <a:blip r:embed="rId7"/>
+                  <a:stretch>
+                    <a:fillRect/>
+                  </a:stretch>
+                </a:blipFill>
+              </p:spPr>
+              <p:txBody>
+                <a:bodyPr/>
+                <a:lstStyle/>
+                <a:p>
+                  <a:r>
+                    <a:rPr lang="ko-KR" altLang="en-US">
+                      <a:noFill/>
+                    </a:rPr>
+                    <a:t> </a:t>
+                  </a:r>
+                </a:p>
+              </p:txBody>
+            </p:sp>
+          </mc:Fallback>
+        </mc:AlternateContent>
+      </p:grpSp>
+    </p:spTree>
+    <p:extLst>
+      <p:ext uri="{BB962C8B-B14F-4D97-AF65-F5344CB8AC3E}">
+        <p14:creationId xmlns:p14="http://schemas.microsoft.com/office/powerpoint/2010/main" val="2202131605"/>
       </p:ext>
     </p:extLst>
   </p:cSld>

--- a/pics/2020-11-23-gram_schmidt/pics.pptx
+++ b/pics/2020-11-23-gram_schmidt/pics.pptx
@@ -5,8 +5,10 @@
     <p:sldMasterId id="2147483648" r:id="rId1"/>
   </p:sldMasterIdLst>
   <p:sldIdLst>
-    <p:sldId id="256" r:id="rId2"/>
-    <p:sldId id="257" r:id="rId3"/>
+    <p:sldId id="258" r:id="rId2"/>
+    <p:sldId id="259" r:id="rId3"/>
+    <p:sldId id="256" r:id="rId4"/>
+    <p:sldId id="257" r:id="rId5"/>
   </p:sldIdLst>
   <p:sldSz cx="9144000" cy="6858000" type="screen4x3"/>
   <p:notesSz cx="6858000" cy="9144000"/>
@@ -105,6 +107,22 @@
       </a:defRPr>
     </a:lvl9pPr>
   </p:defaultTextStyle>
+  <p:extLst>
+    <p:ext uri="{EFAFB233-063F-42B5-8137-9DF3F51BA10A}">
+      <p15:sldGuideLst xmlns:p15="http://schemas.microsoft.com/office/powerpoint/2012/main">
+        <p15:guide id="1" orient="horz" pos="2160">
+          <p15:clr>
+            <a:srgbClr val="A4A3A4"/>
+          </p15:clr>
+        </p15:guide>
+        <p15:guide id="2" pos="2880">
+          <p15:clr>
+            <a:srgbClr val="A4A3A4"/>
+          </p15:clr>
+        </p15:guide>
+      </p15:sldGuideLst>
+    </p:ext>
+  </p:extLst>
 </p:presentation>
 </file>
 
@@ -146,10 +164,9 @@
           <a:lstStyle/>
           <a:p>
             <a:r>
-              <a:rPr lang="ko-KR" altLang="en-US" smtClean="0"/>
+              <a:rPr lang="ko-KR" altLang="en-US"/>
               <a:t>마스터 제목 스타일 편집</a:t>
             </a:r>
-            <a:endParaRPr lang="ko-KR" altLang="en-US"/>
           </a:p>
         </p:txBody>
       </p:sp>
@@ -265,10 +282,9 @@
           </a:lstStyle>
           <a:p>
             <a:r>
-              <a:rPr lang="ko-KR" altLang="en-US" smtClean="0"/>
+              <a:rPr lang="ko-KR" altLang="en-US"/>
               <a:t>마스터 부제목 스타일 편집</a:t>
             </a:r>
-            <a:endParaRPr lang="ko-KR" altLang="en-US"/>
           </a:p>
         </p:txBody>
       </p:sp>
@@ -289,7 +305,7 @@
           <a:p>
             <a:fld id="{5E8ADD9A-8404-4EFD-A151-495D085594E9}" type="datetimeFigureOut">
               <a:rPr lang="ko-KR" altLang="en-US" smtClean="0"/>
-              <a:t>2020-11-25</a:t>
+              <a:t>2021-01-31</a:t>
             </a:fld>
             <a:endParaRPr lang="ko-KR" altLang="en-US"/>
           </a:p>
@@ -383,10 +399,9 @@
           <a:lstStyle/>
           <a:p>
             <a:r>
-              <a:rPr lang="ko-KR" altLang="en-US" smtClean="0"/>
+              <a:rPr lang="ko-KR" altLang="en-US"/>
               <a:t>마스터 제목 스타일 편집</a:t>
             </a:r>
-            <a:endParaRPr lang="ko-KR" altLang="en-US"/>
           </a:p>
         </p:txBody>
       </p:sp>
@@ -407,38 +422,37 @@
           <a:p>
             <a:pPr lvl="0"/>
             <a:r>
-              <a:rPr lang="ko-KR" altLang="en-US" smtClean="0"/>
+              <a:rPr lang="ko-KR" altLang="en-US"/>
               <a:t>마스터 텍스트 스타일을 편집합니다</a:t>
             </a:r>
           </a:p>
           <a:p>
             <a:pPr lvl="1"/>
             <a:r>
-              <a:rPr lang="ko-KR" altLang="en-US" smtClean="0"/>
+              <a:rPr lang="ko-KR" altLang="en-US"/>
               <a:t>둘째 수준</a:t>
             </a:r>
           </a:p>
           <a:p>
             <a:pPr lvl="2"/>
             <a:r>
-              <a:rPr lang="ko-KR" altLang="en-US" smtClean="0"/>
+              <a:rPr lang="ko-KR" altLang="en-US"/>
               <a:t>셋째 수준</a:t>
             </a:r>
           </a:p>
           <a:p>
             <a:pPr lvl="3"/>
             <a:r>
-              <a:rPr lang="ko-KR" altLang="en-US" smtClean="0"/>
+              <a:rPr lang="ko-KR" altLang="en-US"/>
               <a:t>넷째 수준</a:t>
             </a:r>
           </a:p>
           <a:p>
             <a:pPr lvl="4"/>
             <a:r>
-              <a:rPr lang="ko-KR" altLang="en-US" smtClean="0"/>
+              <a:rPr lang="ko-KR" altLang="en-US"/>
               <a:t>다섯째 수준</a:t>
             </a:r>
-            <a:endParaRPr lang="ko-KR" altLang="en-US"/>
           </a:p>
         </p:txBody>
       </p:sp>
@@ -459,7 +473,7 @@
           <a:p>
             <a:fld id="{5E8ADD9A-8404-4EFD-A151-495D085594E9}" type="datetimeFigureOut">
               <a:rPr lang="ko-KR" altLang="en-US" smtClean="0"/>
-              <a:t>2020-11-25</a:t>
+              <a:t>2021-01-31</a:t>
             </a:fld>
             <a:endParaRPr lang="ko-KR" altLang="en-US"/>
           </a:p>
@@ -558,10 +572,9 @@
           <a:lstStyle/>
           <a:p>
             <a:r>
-              <a:rPr lang="ko-KR" altLang="en-US" smtClean="0"/>
+              <a:rPr lang="ko-KR" altLang="en-US"/>
               <a:t>마스터 제목 스타일 편집</a:t>
             </a:r>
-            <a:endParaRPr lang="ko-KR" altLang="en-US"/>
           </a:p>
         </p:txBody>
       </p:sp>
@@ -587,38 +600,37 @@
           <a:p>
             <a:pPr lvl="0"/>
             <a:r>
-              <a:rPr lang="ko-KR" altLang="en-US" smtClean="0"/>
+              <a:rPr lang="ko-KR" altLang="en-US"/>
               <a:t>마스터 텍스트 스타일을 편집합니다</a:t>
             </a:r>
           </a:p>
           <a:p>
             <a:pPr lvl="1"/>
             <a:r>
-              <a:rPr lang="ko-KR" altLang="en-US" smtClean="0"/>
+              <a:rPr lang="ko-KR" altLang="en-US"/>
               <a:t>둘째 수준</a:t>
             </a:r>
           </a:p>
           <a:p>
             <a:pPr lvl="2"/>
             <a:r>
-              <a:rPr lang="ko-KR" altLang="en-US" smtClean="0"/>
+              <a:rPr lang="ko-KR" altLang="en-US"/>
               <a:t>셋째 수준</a:t>
             </a:r>
           </a:p>
           <a:p>
             <a:pPr lvl="3"/>
             <a:r>
-              <a:rPr lang="ko-KR" altLang="en-US" smtClean="0"/>
+              <a:rPr lang="ko-KR" altLang="en-US"/>
               <a:t>넷째 수준</a:t>
             </a:r>
           </a:p>
           <a:p>
             <a:pPr lvl="4"/>
             <a:r>
-              <a:rPr lang="ko-KR" altLang="en-US" smtClean="0"/>
+              <a:rPr lang="ko-KR" altLang="en-US"/>
               <a:t>다섯째 수준</a:t>
             </a:r>
-            <a:endParaRPr lang="ko-KR" altLang="en-US"/>
           </a:p>
         </p:txBody>
       </p:sp>
@@ -639,7 +651,7 @@
           <a:p>
             <a:fld id="{5E8ADD9A-8404-4EFD-A151-495D085594E9}" type="datetimeFigureOut">
               <a:rPr lang="ko-KR" altLang="en-US" smtClean="0"/>
-              <a:t>2020-11-25</a:t>
+              <a:t>2021-01-31</a:t>
             </a:fld>
             <a:endParaRPr lang="ko-KR" altLang="en-US"/>
           </a:p>
@@ -733,10 +745,9 @@
           <a:lstStyle/>
           <a:p>
             <a:r>
-              <a:rPr lang="ko-KR" altLang="en-US" smtClean="0"/>
+              <a:rPr lang="ko-KR" altLang="en-US"/>
               <a:t>마스터 제목 스타일 편집</a:t>
             </a:r>
-            <a:endParaRPr lang="ko-KR" altLang="en-US"/>
           </a:p>
         </p:txBody>
       </p:sp>
@@ -757,38 +768,37 @@
           <a:p>
             <a:pPr lvl="0"/>
             <a:r>
-              <a:rPr lang="ko-KR" altLang="en-US" smtClean="0"/>
+              <a:rPr lang="ko-KR" altLang="en-US"/>
               <a:t>마스터 텍스트 스타일을 편집합니다</a:t>
             </a:r>
           </a:p>
           <a:p>
             <a:pPr lvl="1"/>
             <a:r>
-              <a:rPr lang="ko-KR" altLang="en-US" smtClean="0"/>
+              <a:rPr lang="ko-KR" altLang="en-US"/>
               <a:t>둘째 수준</a:t>
             </a:r>
           </a:p>
           <a:p>
             <a:pPr lvl="2"/>
             <a:r>
-              <a:rPr lang="ko-KR" altLang="en-US" smtClean="0"/>
+              <a:rPr lang="ko-KR" altLang="en-US"/>
               <a:t>셋째 수준</a:t>
             </a:r>
           </a:p>
           <a:p>
             <a:pPr lvl="3"/>
             <a:r>
-              <a:rPr lang="ko-KR" altLang="en-US" smtClean="0"/>
+              <a:rPr lang="ko-KR" altLang="en-US"/>
               <a:t>넷째 수준</a:t>
             </a:r>
           </a:p>
           <a:p>
             <a:pPr lvl="4"/>
             <a:r>
-              <a:rPr lang="ko-KR" altLang="en-US" smtClean="0"/>
+              <a:rPr lang="ko-KR" altLang="en-US"/>
               <a:t>다섯째 수준</a:t>
             </a:r>
-            <a:endParaRPr lang="ko-KR" altLang="en-US"/>
           </a:p>
         </p:txBody>
       </p:sp>
@@ -809,7 +819,7 @@
           <a:p>
             <a:fld id="{5E8ADD9A-8404-4EFD-A151-495D085594E9}" type="datetimeFigureOut">
               <a:rPr lang="ko-KR" altLang="en-US" smtClean="0"/>
-              <a:t>2020-11-25</a:t>
+              <a:t>2021-01-31</a:t>
             </a:fld>
             <a:endParaRPr lang="ko-KR" altLang="en-US"/>
           </a:p>
@@ -912,10 +922,9 @@
           </a:lstStyle>
           <a:p>
             <a:r>
-              <a:rPr lang="ko-KR" altLang="en-US" smtClean="0"/>
+              <a:rPr lang="ko-KR" altLang="en-US"/>
               <a:t>마스터 제목 스타일 편집</a:t>
             </a:r>
-            <a:endParaRPr lang="ko-KR" altLang="en-US"/>
           </a:p>
         </p:txBody>
       </p:sp>
@@ -1032,7 +1041,7 @@
           <a:p>
             <a:pPr lvl="0"/>
             <a:r>
-              <a:rPr lang="ko-KR" altLang="en-US" smtClean="0"/>
+              <a:rPr lang="ko-KR" altLang="en-US"/>
               <a:t>마스터 텍스트 스타일을 편집합니다</a:t>
             </a:r>
           </a:p>
@@ -1055,7 +1064,7 @@
           <a:p>
             <a:fld id="{5E8ADD9A-8404-4EFD-A151-495D085594E9}" type="datetimeFigureOut">
               <a:rPr lang="ko-KR" altLang="en-US" smtClean="0"/>
-              <a:t>2020-11-25</a:t>
+              <a:t>2021-01-31</a:t>
             </a:fld>
             <a:endParaRPr lang="ko-KR" altLang="en-US"/>
           </a:p>
@@ -1149,10 +1158,9 @@
           <a:lstStyle/>
           <a:p>
             <a:r>
-              <a:rPr lang="ko-KR" altLang="en-US" smtClean="0"/>
+              <a:rPr lang="ko-KR" altLang="en-US"/>
               <a:t>마스터 제목 스타일 편집</a:t>
             </a:r>
-            <a:endParaRPr lang="ko-KR" altLang="en-US"/>
           </a:p>
         </p:txBody>
       </p:sp>
@@ -1206,38 +1214,37 @@
           <a:p>
             <a:pPr lvl="0"/>
             <a:r>
-              <a:rPr lang="ko-KR" altLang="en-US" smtClean="0"/>
+              <a:rPr lang="ko-KR" altLang="en-US"/>
               <a:t>마스터 텍스트 스타일을 편집합니다</a:t>
             </a:r>
           </a:p>
           <a:p>
             <a:pPr lvl="1"/>
             <a:r>
-              <a:rPr lang="ko-KR" altLang="en-US" smtClean="0"/>
+              <a:rPr lang="ko-KR" altLang="en-US"/>
               <a:t>둘째 수준</a:t>
             </a:r>
           </a:p>
           <a:p>
             <a:pPr lvl="2"/>
             <a:r>
-              <a:rPr lang="ko-KR" altLang="en-US" smtClean="0"/>
+              <a:rPr lang="ko-KR" altLang="en-US"/>
               <a:t>셋째 수준</a:t>
             </a:r>
           </a:p>
           <a:p>
             <a:pPr lvl="3"/>
             <a:r>
-              <a:rPr lang="ko-KR" altLang="en-US" smtClean="0"/>
+              <a:rPr lang="ko-KR" altLang="en-US"/>
               <a:t>넷째 수준</a:t>
             </a:r>
           </a:p>
           <a:p>
             <a:pPr lvl="4"/>
             <a:r>
-              <a:rPr lang="ko-KR" altLang="en-US" smtClean="0"/>
+              <a:rPr lang="ko-KR" altLang="en-US"/>
               <a:t>다섯째 수준</a:t>
             </a:r>
-            <a:endParaRPr lang="ko-KR" altLang="en-US"/>
           </a:p>
         </p:txBody>
       </p:sp>
@@ -1291,38 +1298,37 @@
           <a:p>
             <a:pPr lvl="0"/>
             <a:r>
-              <a:rPr lang="ko-KR" altLang="en-US" smtClean="0"/>
+              <a:rPr lang="ko-KR" altLang="en-US"/>
               <a:t>마스터 텍스트 스타일을 편집합니다</a:t>
             </a:r>
           </a:p>
           <a:p>
             <a:pPr lvl="1"/>
             <a:r>
-              <a:rPr lang="ko-KR" altLang="en-US" smtClean="0"/>
+              <a:rPr lang="ko-KR" altLang="en-US"/>
               <a:t>둘째 수준</a:t>
             </a:r>
           </a:p>
           <a:p>
             <a:pPr lvl="2"/>
             <a:r>
-              <a:rPr lang="ko-KR" altLang="en-US" smtClean="0"/>
+              <a:rPr lang="ko-KR" altLang="en-US"/>
               <a:t>셋째 수준</a:t>
             </a:r>
           </a:p>
           <a:p>
             <a:pPr lvl="3"/>
             <a:r>
-              <a:rPr lang="ko-KR" altLang="en-US" smtClean="0"/>
+              <a:rPr lang="ko-KR" altLang="en-US"/>
               <a:t>넷째 수준</a:t>
             </a:r>
           </a:p>
           <a:p>
             <a:pPr lvl="4"/>
             <a:r>
-              <a:rPr lang="ko-KR" altLang="en-US" smtClean="0"/>
+              <a:rPr lang="ko-KR" altLang="en-US"/>
               <a:t>다섯째 수준</a:t>
             </a:r>
-            <a:endParaRPr lang="ko-KR" altLang="en-US"/>
           </a:p>
         </p:txBody>
       </p:sp>
@@ -1343,7 +1349,7 @@
           <a:p>
             <a:fld id="{5E8ADD9A-8404-4EFD-A151-495D085594E9}" type="datetimeFigureOut">
               <a:rPr lang="ko-KR" altLang="en-US" smtClean="0"/>
-              <a:t>2020-11-25</a:t>
+              <a:t>2021-01-31</a:t>
             </a:fld>
             <a:endParaRPr lang="ko-KR" altLang="en-US"/>
           </a:p>
@@ -1441,10 +1447,9 @@
           </a:lstStyle>
           <a:p>
             <a:r>
-              <a:rPr lang="ko-KR" altLang="en-US" smtClean="0"/>
+              <a:rPr lang="ko-KR" altLang="en-US"/>
               <a:t>마스터 제목 스타일 편집</a:t>
             </a:r>
-            <a:endParaRPr lang="ko-KR" altLang="en-US"/>
           </a:p>
         </p:txBody>
       </p:sp>
@@ -1507,7 +1512,7 @@
           <a:p>
             <a:pPr lvl="0"/>
             <a:r>
-              <a:rPr lang="ko-KR" altLang="en-US" smtClean="0"/>
+              <a:rPr lang="ko-KR" altLang="en-US"/>
               <a:t>마스터 텍스트 스타일을 편집합니다</a:t>
             </a:r>
           </a:p>
@@ -1563,38 +1568,37 @@
           <a:p>
             <a:pPr lvl="0"/>
             <a:r>
-              <a:rPr lang="ko-KR" altLang="en-US" smtClean="0"/>
+              <a:rPr lang="ko-KR" altLang="en-US"/>
               <a:t>마스터 텍스트 스타일을 편집합니다</a:t>
             </a:r>
           </a:p>
           <a:p>
             <a:pPr lvl="1"/>
             <a:r>
-              <a:rPr lang="ko-KR" altLang="en-US" smtClean="0"/>
+              <a:rPr lang="ko-KR" altLang="en-US"/>
               <a:t>둘째 수준</a:t>
             </a:r>
           </a:p>
           <a:p>
             <a:pPr lvl="2"/>
             <a:r>
-              <a:rPr lang="ko-KR" altLang="en-US" smtClean="0"/>
+              <a:rPr lang="ko-KR" altLang="en-US"/>
               <a:t>셋째 수준</a:t>
             </a:r>
           </a:p>
           <a:p>
             <a:pPr lvl="3"/>
             <a:r>
-              <a:rPr lang="ko-KR" altLang="en-US" smtClean="0"/>
+              <a:rPr lang="ko-KR" altLang="en-US"/>
               <a:t>넷째 수준</a:t>
             </a:r>
           </a:p>
           <a:p>
             <a:pPr lvl="4"/>
             <a:r>
-              <a:rPr lang="ko-KR" altLang="en-US" smtClean="0"/>
+              <a:rPr lang="ko-KR" altLang="en-US"/>
               <a:t>다섯째 수준</a:t>
             </a:r>
-            <a:endParaRPr lang="ko-KR" altLang="en-US"/>
           </a:p>
         </p:txBody>
       </p:sp>
@@ -1657,7 +1661,7 @@
           <a:p>
             <a:pPr lvl="0"/>
             <a:r>
-              <a:rPr lang="ko-KR" altLang="en-US" smtClean="0"/>
+              <a:rPr lang="ko-KR" altLang="en-US"/>
               <a:t>마스터 텍스트 스타일을 편집합니다</a:t>
             </a:r>
           </a:p>
@@ -1713,38 +1717,37 @@
           <a:p>
             <a:pPr lvl="0"/>
             <a:r>
-              <a:rPr lang="ko-KR" altLang="en-US" smtClean="0"/>
+              <a:rPr lang="ko-KR" altLang="en-US"/>
               <a:t>마스터 텍스트 스타일을 편집합니다</a:t>
             </a:r>
           </a:p>
           <a:p>
             <a:pPr lvl="1"/>
             <a:r>
-              <a:rPr lang="ko-KR" altLang="en-US" smtClean="0"/>
+              <a:rPr lang="ko-KR" altLang="en-US"/>
               <a:t>둘째 수준</a:t>
             </a:r>
           </a:p>
           <a:p>
             <a:pPr lvl="2"/>
             <a:r>
-              <a:rPr lang="ko-KR" altLang="en-US" smtClean="0"/>
+              <a:rPr lang="ko-KR" altLang="en-US"/>
               <a:t>셋째 수준</a:t>
             </a:r>
           </a:p>
           <a:p>
             <a:pPr lvl="3"/>
             <a:r>
-              <a:rPr lang="ko-KR" altLang="en-US" smtClean="0"/>
+              <a:rPr lang="ko-KR" altLang="en-US"/>
               <a:t>넷째 수준</a:t>
             </a:r>
           </a:p>
           <a:p>
             <a:pPr lvl="4"/>
             <a:r>
-              <a:rPr lang="ko-KR" altLang="en-US" smtClean="0"/>
+              <a:rPr lang="ko-KR" altLang="en-US"/>
               <a:t>다섯째 수준</a:t>
             </a:r>
-            <a:endParaRPr lang="ko-KR" altLang="en-US"/>
           </a:p>
         </p:txBody>
       </p:sp>
@@ -1765,7 +1768,7 @@
           <a:p>
             <a:fld id="{5E8ADD9A-8404-4EFD-A151-495D085594E9}" type="datetimeFigureOut">
               <a:rPr lang="ko-KR" altLang="en-US" smtClean="0"/>
-              <a:t>2020-11-25</a:t>
+              <a:t>2021-01-31</a:t>
             </a:fld>
             <a:endParaRPr lang="ko-KR" altLang="en-US"/>
           </a:p>
@@ -1859,10 +1862,9 @@
           <a:lstStyle/>
           <a:p>
             <a:r>
-              <a:rPr lang="ko-KR" altLang="en-US" smtClean="0"/>
+              <a:rPr lang="ko-KR" altLang="en-US"/>
               <a:t>마스터 제목 스타일 편집</a:t>
             </a:r>
-            <a:endParaRPr lang="ko-KR" altLang="en-US"/>
           </a:p>
         </p:txBody>
       </p:sp>
@@ -1883,7 +1885,7 @@
           <a:p>
             <a:fld id="{5E8ADD9A-8404-4EFD-A151-495D085594E9}" type="datetimeFigureOut">
               <a:rPr lang="ko-KR" altLang="en-US" smtClean="0"/>
-              <a:t>2020-11-25</a:t>
+              <a:t>2021-01-31</a:t>
             </a:fld>
             <a:endParaRPr lang="ko-KR" altLang="en-US"/>
           </a:p>
@@ -1978,7 +1980,7 @@
           <a:p>
             <a:fld id="{5E8ADD9A-8404-4EFD-A151-495D085594E9}" type="datetimeFigureOut">
               <a:rPr lang="ko-KR" altLang="en-US" smtClean="0"/>
-              <a:t>2020-11-25</a:t>
+              <a:t>2021-01-31</a:t>
             </a:fld>
             <a:endParaRPr lang="ko-KR" altLang="en-US"/>
           </a:p>
@@ -2081,10 +2083,9 @@
           </a:lstStyle>
           <a:p>
             <a:r>
-              <a:rPr lang="ko-KR" altLang="en-US" smtClean="0"/>
+              <a:rPr lang="ko-KR" altLang="en-US"/>
               <a:t>마스터 제목 스타일 편집</a:t>
             </a:r>
-            <a:endParaRPr lang="ko-KR" altLang="en-US"/>
           </a:p>
         </p:txBody>
       </p:sp>
@@ -2138,38 +2139,37 @@
           <a:p>
             <a:pPr lvl="0"/>
             <a:r>
-              <a:rPr lang="ko-KR" altLang="en-US" smtClean="0"/>
+              <a:rPr lang="ko-KR" altLang="en-US"/>
               <a:t>마스터 텍스트 스타일을 편집합니다</a:t>
             </a:r>
           </a:p>
           <a:p>
             <a:pPr lvl="1"/>
             <a:r>
-              <a:rPr lang="ko-KR" altLang="en-US" smtClean="0"/>
+              <a:rPr lang="ko-KR" altLang="en-US"/>
               <a:t>둘째 수준</a:t>
             </a:r>
           </a:p>
           <a:p>
             <a:pPr lvl="2"/>
             <a:r>
-              <a:rPr lang="ko-KR" altLang="en-US" smtClean="0"/>
+              <a:rPr lang="ko-KR" altLang="en-US"/>
               <a:t>셋째 수준</a:t>
             </a:r>
           </a:p>
           <a:p>
             <a:pPr lvl="3"/>
             <a:r>
-              <a:rPr lang="ko-KR" altLang="en-US" smtClean="0"/>
+              <a:rPr lang="ko-KR" altLang="en-US"/>
               <a:t>넷째 수준</a:t>
             </a:r>
           </a:p>
           <a:p>
             <a:pPr lvl="4"/>
             <a:r>
-              <a:rPr lang="ko-KR" altLang="en-US" smtClean="0"/>
+              <a:rPr lang="ko-KR" altLang="en-US"/>
               <a:t>다섯째 수준</a:t>
             </a:r>
-            <a:endParaRPr lang="ko-KR" altLang="en-US"/>
           </a:p>
         </p:txBody>
       </p:sp>
@@ -2232,7 +2232,7 @@
           <a:p>
             <a:pPr lvl="0"/>
             <a:r>
-              <a:rPr lang="ko-KR" altLang="en-US" smtClean="0"/>
+              <a:rPr lang="ko-KR" altLang="en-US"/>
               <a:t>마스터 텍스트 스타일을 편집합니다</a:t>
             </a:r>
           </a:p>
@@ -2255,7 +2255,7 @@
           <a:p>
             <a:fld id="{5E8ADD9A-8404-4EFD-A151-495D085594E9}" type="datetimeFigureOut">
               <a:rPr lang="ko-KR" altLang="en-US" smtClean="0"/>
-              <a:t>2020-11-25</a:t>
+              <a:t>2021-01-31</a:t>
             </a:fld>
             <a:endParaRPr lang="ko-KR" altLang="en-US"/>
           </a:p>
@@ -2358,10 +2358,9 @@
           </a:lstStyle>
           <a:p>
             <a:r>
-              <a:rPr lang="ko-KR" altLang="en-US" smtClean="0"/>
+              <a:rPr lang="ko-KR" altLang="en-US"/>
               <a:t>마스터 제목 스타일 편집</a:t>
             </a:r>
-            <a:endParaRPr lang="ko-KR" altLang="en-US"/>
           </a:p>
         </p:txBody>
       </p:sp>
@@ -2485,7 +2484,7 @@
           <a:p>
             <a:pPr lvl="0"/>
             <a:r>
-              <a:rPr lang="ko-KR" altLang="en-US" smtClean="0"/>
+              <a:rPr lang="ko-KR" altLang="en-US"/>
               <a:t>마스터 텍스트 스타일을 편집합니다</a:t>
             </a:r>
           </a:p>
@@ -2508,7 +2507,7 @@
           <a:p>
             <a:fld id="{5E8ADD9A-8404-4EFD-A151-495D085594E9}" type="datetimeFigureOut">
               <a:rPr lang="ko-KR" altLang="en-US" smtClean="0"/>
-              <a:t>2020-11-25</a:t>
+              <a:t>2021-01-31</a:t>
             </a:fld>
             <a:endParaRPr lang="ko-KR" altLang="en-US"/>
           </a:p>
@@ -2617,10 +2616,9 @@
           <a:lstStyle/>
           <a:p>
             <a:r>
-              <a:rPr lang="ko-KR" altLang="en-US" smtClean="0"/>
+              <a:rPr lang="ko-KR" altLang="en-US"/>
               <a:t>마스터 제목 스타일 편집</a:t>
             </a:r>
-            <a:endParaRPr lang="ko-KR" altLang="en-US"/>
           </a:p>
         </p:txBody>
       </p:sp>
@@ -2651,38 +2649,37 @@
           <a:p>
             <a:pPr lvl="0"/>
             <a:r>
-              <a:rPr lang="ko-KR" altLang="en-US" smtClean="0"/>
+              <a:rPr lang="ko-KR" altLang="en-US"/>
               <a:t>마스터 텍스트 스타일을 편집합니다</a:t>
             </a:r>
           </a:p>
           <a:p>
             <a:pPr lvl="1"/>
             <a:r>
-              <a:rPr lang="ko-KR" altLang="en-US" smtClean="0"/>
+              <a:rPr lang="ko-KR" altLang="en-US"/>
               <a:t>둘째 수준</a:t>
             </a:r>
           </a:p>
           <a:p>
             <a:pPr lvl="2"/>
             <a:r>
-              <a:rPr lang="ko-KR" altLang="en-US" smtClean="0"/>
+              <a:rPr lang="ko-KR" altLang="en-US"/>
               <a:t>셋째 수준</a:t>
             </a:r>
           </a:p>
           <a:p>
             <a:pPr lvl="3"/>
             <a:r>
-              <a:rPr lang="ko-KR" altLang="en-US" smtClean="0"/>
+              <a:rPr lang="ko-KR" altLang="en-US"/>
               <a:t>넷째 수준</a:t>
             </a:r>
           </a:p>
           <a:p>
             <a:pPr lvl="4"/>
             <a:r>
-              <a:rPr lang="ko-KR" altLang="en-US" smtClean="0"/>
+              <a:rPr lang="ko-KR" altLang="en-US"/>
               <a:t>다섯째 수준</a:t>
             </a:r>
-            <a:endParaRPr lang="ko-KR" altLang="en-US"/>
           </a:p>
         </p:txBody>
       </p:sp>
@@ -2721,7 +2718,7 @@
           <a:p>
             <a:fld id="{5E8ADD9A-8404-4EFD-A151-495D085594E9}" type="datetimeFigureOut">
               <a:rPr lang="ko-KR" altLang="en-US" smtClean="0"/>
-              <a:t>2020-11-25</a:t>
+              <a:t>2021-01-31</a:t>
             </a:fld>
             <a:endParaRPr lang="ko-KR" altLang="en-US"/>
           </a:p>
@@ -3098,6 +3095,2294 @@
       </p:grpSpPr>
       <p:sp>
         <p:nvSpPr>
+          <p:cNvPr id="13" name="원호 12">
+            <a:extLst>
+              <a:ext uri="{FF2B5EF4-FFF2-40B4-BE49-F238E27FC236}">
+                <a16:creationId xmlns:a16="http://schemas.microsoft.com/office/drawing/2014/main" id="{888DF389-40DF-44D4-9804-A162E620F3E1}"/>
+              </a:ext>
+            </a:extLst>
+          </p:cNvPr>
+          <p:cNvSpPr/>
+          <p:nvPr/>
+        </p:nvSpPr>
+        <p:spPr>
+          <a:xfrm>
+            <a:off x="2489853" y="4937662"/>
+            <a:ext cx="1427989" cy="1427989"/>
+          </a:xfrm>
+          <a:prstGeom prst="arc">
+            <a:avLst>
+              <a:gd name="adj1" fmla="val 17125588"/>
+              <a:gd name="adj2" fmla="val 19622520"/>
+            </a:avLst>
+          </a:prstGeom>
+          <a:ln>
+            <a:solidFill>
+              <a:schemeClr val="tx1"/>
+            </a:solidFill>
+            <a:prstDash val="dash"/>
+          </a:ln>
+        </p:spPr>
+        <p:style>
+          <a:lnRef idx="1">
+            <a:schemeClr val="accent1"/>
+          </a:lnRef>
+          <a:fillRef idx="0">
+            <a:schemeClr val="accent1"/>
+          </a:fillRef>
+          <a:effectRef idx="0">
+            <a:schemeClr val="accent1"/>
+          </a:effectRef>
+          <a:fontRef idx="minor">
+            <a:schemeClr val="tx1"/>
+          </a:fontRef>
+        </p:style>
+        <p:txBody>
+          <a:bodyPr rtlCol="0" anchor="ctr"/>
+          <a:lstStyle/>
+          <a:p>
+            <a:pPr algn="ctr"/>
+            <a:endParaRPr lang="ko-KR" altLang="en-US"/>
+          </a:p>
+        </p:txBody>
+      </p:sp>
+      <p:cxnSp>
+        <p:nvCxnSpPr>
+          <p:cNvPr id="6" name="직선 화살표 연결선 5">
+            <a:extLst>
+              <a:ext uri="{FF2B5EF4-FFF2-40B4-BE49-F238E27FC236}">
+                <a16:creationId xmlns:a16="http://schemas.microsoft.com/office/drawing/2014/main" id="{41871895-115B-4C2D-8AA2-35A27E339D32}"/>
+              </a:ext>
+            </a:extLst>
+          </p:cNvPr>
+          <p:cNvCxnSpPr>
+            <a:cxnSpLocks/>
+          </p:cNvCxnSpPr>
+          <p:nvPr/>
+        </p:nvCxnSpPr>
+        <p:spPr>
+          <a:xfrm flipV="1">
+            <a:off x="3203848" y="1296098"/>
+            <a:ext cx="4607188" cy="4534057"/>
+          </a:xfrm>
+          <a:prstGeom prst="straightConnector1">
+            <a:avLst/>
+          </a:prstGeom>
+          <a:ln w="57150">
+            <a:solidFill>
+              <a:schemeClr val="tx1"/>
+            </a:solidFill>
+            <a:tailEnd type="triangle"/>
+          </a:ln>
+        </p:spPr>
+        <p:style>
+          <a:lnRef idx="1">
+            <a:schemeClr val="accent1"/>
+          </a:lnRef>
+          <a:fillRef idx="0">
+            <a:schemeClr val="accent1"/>
+          </a:fillRef>
+          <a:effectRef idx="0">
+            <a:schemeClr val="accent1"/>
+          </a:effectRef>
+          <a:fontRef idx="minor">
+            <a:schemeClr val="tx1"/>
+          </a:fontRef>
+        </p:style>
+      </p:cxnSp>
+      <p:cxnSp>
+        <p:nvCxnSpPr>
+          <p:cNvPr id="10" name="직선 연결선 9">
+            <a:extLst>
+              <a:ext uri="{FF2B5EF4-FFF2-40B4-BE49-F238E27FC236}">
+                <a16:creationId xmlns:a16="http://schemas.microsoft.com/office/drawing/2014/main" id="{A9909453-2E4A-47E9-BF6C-31F5730E0AA2}"/>
+              </a:ext>
+            </a:extLst>
+          </p:cNvPr>
+          <p:cNvCxnSpPr>
+            <a:cxnSpLocks/>
+          </p:cNvCxnSpPr>
+          <p:nvPr/>
+        </p:nvCxnSpPr>
+        <p:spPr>
+          <a:xfrm>
+            <a:off x="4154767" y="980728"/>
+            <a:ext cx="1947603" cy="1947603"/>
+          </a:xfrm>
+          <a:prstGeom prst="line">
+            <a:avLst/>
+          </a:prstGeom>
+          <a:ln>
+            <a:solidFill>
+              <a:schemeClr val="tx1"/>
+            </a:solidFill>
+            <a:prstDash val="dash"/>
+          </a:ln>
+        </p:spPr>
+        <p:style>
+          <a:lnRef idx="1">
+            <a:schemeClr val="accent1"/>
+          </a:lnRef>
+          <a:fillRef idx="0">
+            <a:schemeClr val="accent1"/>
+          </a:fillRef>
+          <a:effectRef idx="0">
+            <a:schemeClr val="accent1"/>
+          </a:effectRef>
+          <a:fontRef idx="minor">
+            <a:schemeClr val="tx1"/>
+          </a:fontRef>
+        </p:style>
+      </p:cxnSp>
+      <p:cxnSp>
+        <p:nvCxnSpPr>
+          <p:cNvPr id="11" name="직선 화살표 연결선 10">
+            <a:extLst>
+              <a:ext uri="{FF2B5EF4-FFF2-40B4-BE49-F238E27FC236}">
+                <a16:creationId xmlns:a16="http://schemas.microsoft.com/office/drawing/2014/main" id="{E11BA27E-F99C-44A9-8E1C-71DC2258D47E}"/>
+              </a:ext>
+            </a:extLst>
+          </p:cNvPr>
+          <p:cNvCxnSpPr>
+            <a:cxnSpLocks/>
+          </p:cNvCxnSpPr>
+          <p:nvPr/>
+        </p:nvCxnSpPr>
+        <p:spPr>
+          <a:xfrm flipV="1">
+            <a:off x="3216548" y="2968267"/>
+            <a:ext cx="2908048" cy="2861889"/>
+          </a:xfrm>
+          <a:prstGeom prst="straightConnector1">
+            <a:avLst/>
+          </a:prstGeom>
+          <a:ln w="76200">
+            <a:solidFill>
+              <a:srgbClr val="FF0000"/>
+            </a:solidFill>
+            <a:headEnd type="none" w="med" len="med"/>
+            <a:tailEnd type="none" w="med" len="med"/>
+          </a:ln>
+        </p:spPr>
+        <p:style>
+          <a:lnRef idx="1">
+            <a:schemeClr val="accent1"/>
+          </a:lnRef>
+          <a:fillRef idx="0">
+            <a:schemeClr val="accent1"/>
+          </a:fillRef>
+          <a:effectRef idx="0">
+            <a:schemeClr val="accent1"/>
+          </a:effectRef>
+          <a:fontRef idx="minor">
+            <a:schemeClr val="tx1"/>
+          </a:fontRef>
+        </p:style>
+      </p:cxnSp>
+      <mc:AlternateContent xmlns:mc="http://schemas.openxmlformats.org/markup-compatibility/2006">
+        <mc:Choice xmlns:a14="http://schemas.microsoft.com/office/drawing/2010/main" Requires="a14">
+          <p:sp>
+            <p:nvSpPr>
+              <p:cNvPr id="14" name="TextBox 13">
+                <a:extLst>
+                  <a:ext uri="{FF2B5EF4-FFF2-40B4-BE49-F238E27FC236}">
+                    <a16:creationId xmlns:a16="http://schemas.microsoft.com/office/drawing/2014/main" id="{F845D679-1B65-4B49-A4EA-166A9898B0D1}"/>
+                  </a:ext>
+                </a:extLst>
+              </p:cNvPr>
+              <p:cNvSpPr txBox="1"/>
+              <p:nvPr/>
+            </p:nvSpPr>
+            <p:spPr>
+              <a:xfrm>
+                <a:off x="3447206" y="4521579"/>
+                <a:ext cx="571823" cy="584775"/>
+              </a:xfrm>
+              <a:prstGeom prst="rect">
+                <a:avLst/>
+              </a:prstGeom>
+              <a:noFill/>
+            </p:spPr>
+            <p:txBody>
+              <a:bodyPr wrap="none" rtlCol="0">
+                <a:spAutoFit/>
+              </a:bodyPr>
+              <a:lstStyle/>
+              <a:p>
+                <a14:m>
+                  <m:oMathPara xmlns:m="http://schemas.openxmlformats.org/officeDocument/2006/math">
+                    <m:oMathParaPr>
+                      <m:jc m:val="centerGroup"/>
+                    </m:oMathParaPr>
+                    <m:oMath xmlns:m="http://schemas.openxmlformats.org/officeDocument/2006/math">
+                      <m:r>
+                        <a:rPr lang="en-US" altLang="ko-KR" sz="3200" b="0" i="1" smtClean="0">
+                          <a:latin typeface="Cambria Math" panose="02040503050406030204" pitchFamily="18" charset="0"/>
+                        </a:rPr>
+                        <m:t>𝜃</m:t>
+                      </m:r>
+                    </m:oMath>
+                  </m:oMathPara>
+                </a14:m>
+                <a:endParaRPr lang="ko-KR" altLang="en-US" sz="3200" dirty="0"/>
+              </a:p>
+            </p:txBody>
+          </p:sp>
+        </mc:Choice>
+        <mc:Fallback>
+          <p:sp>
+            <p:nvSpPr>
+              <p:cNvPr id="14" name="TextBox 13">
+                <a:extLst>
+                  <a:ext uri="{FF2B5EF4-FFF2-40B4-BE49-F238E27FC236}">
+                    <a16:creationId xmlns:a16="http://schemas.microsoft.com/office/drawing/2014/main" id="{F845D679-1B65-4B49-A4EA-166A9898B0D1}"/>
+                  </a:ext>
+                </a:extLst>
+              </p:cNvPr>
+              <p:cNvSpPr txBox="1">
+                <a:spLocks noRot="1" noChangeAspect="1" noMove="1" noResize="1" noEditPoints="1" noAdjustHandles="1" noChangeArrowheads="1" noChangeShapeType="1" noTextEdit="1"/>
+              </p:cNvSpPr>
+              <p:nvPr/>
+            </p:nvSpPr>
+            <p:spPr>
+              <a:xfrm>
+                <a:off x="3447206" y="4521579"/>
+                <a:ext cx="571823" cy="584775"/>
+              </a:xfrm>
+              <a:prstGeom prst="rect">
+                <a:avLst/>
+              </a:prstGeom>
+              <a:blipFill>
+                <a:blip r:embed="rId2"/>
+                <a:stretch>
+                  <a:fillRect/>
+                </a:stretch>
+              </a:blipFill>
+            </p:spPr>
+            <p:txBody>
+              <a:bodyPr/>
+              <a:lstStyle/>
+              <a:p>
+                <a:r>
+                  <a:rPr lang="ko-KR" altLang="en-US">
+                    <a:noFill/>
+                  </a:rPr>
+                  <a:t> </a:t>
+                </a:r>
+              </a:p>
+            </p:txBody>
+          </p:sp>
+        </mc:Fallback>
+      </mc:AlternateContent>
+      <mc:AlternateContent xmlns:mc="http://schemas.openxmlformats.org/markup-compatibility/2006">
+        <mc:Choice xmlns:a14="http://schemas.microsoft.com/office/drawing/2010/main" Requires="a14">
+          <p:sp>
+            <p:nvSpPr>
+              <p:cNvPr id="16" name="TextBox 15">
+                <a:extLst>
+                  <a:ext uri="{FF2B5EF4-FFF2-40B4-BE49-F238E27FC236}">
+                    <a16:creationId xmlns:a16="http://schemas.microsoft.com/office/drawing/2014/main" id="{DC8C783C-A7A5-40AB-958D-D307F63BE019}"/>
+                  </a:ext>
+                </a:extLst>
+              </p:cNvPr>
+              <p:cNvSpPr txBox="1"/>
+              <p:nvPr/>
+            </p:nvSpPr>
+            <p:spPr>
+              <a:xfrm>
+                <a:off x="3497965" y="776629"/>
+                <a:ext cx="559191" cy="657681"/>
+              </a:xfrm>
+              <a:prstGeom prst="rect">
+                <a:avLst/>
+              </a:prstGeom>
+              <a:noFill/>
+            </p:spPr>
+            <p:txBody>
+              <a:bodyPr wrap="none" rtlCol="0">
+                <a:spAutoFit/>
+              </a:bodyPr>
+              <a:lstStyle/>
+              <a:p>
+                <a14:m>
+                  <m:oMathPara xmlns:m="http://schemas.openxmlformats.org/officeDocument/2006/math">
+                    <m:oMathParaPr>
+                      <m:jc m:val="centerGroup"/>
+                    </m:oMathParaPr>
+                    <m:oMath xmlns:m="http://schemas.openxmlformats.org/officeDocument/2006/math">
+                      <m:acc>
+                        <m:accPr>
+                          <m:chr m:val="⃗"/>
+                          <m:ctrlPr>
+                            <a:rPr lang="en-US" altLang="ko-KR" sz="3200" b="0" i="1" smtClean="0">
+                              <a:latin typeface="Cambria Math" panose="02040503050406030204" pitchFamily="18" charset="0"/>
+                            </a:rPr>
+                          </m:ctrlPr>
+                        </m:accPr>
+                        <m:e>
+                          <m:r>
+                            <a:rPr lang="en-US" altLang="ko-KR" sz="3200" b="0" i="1" smtClean="0">
+                              <a:latin typeface="Cambria Math" panose="02040503050406030204" pitchFamily="18" charset="0"/>
+                            </a:rPr>
+                            <m:t>𝑏</m:t>
+                          </m:r>
+                        </m:e>
+                      </m:acc>
+                    </m:oMath>
+                  </m:oMathPara>
+                </a14:m>
+                <a:endParaRPr lang="ko-KR" altLang="en-US" sz="3200" dirty="0"/>
+              </a:p>
+            </p:txBody>
+          </p:sp>
+        </mc:Choice>
+        <mc:Fallback>
+          <p:sp>
+            <p:nvSpPr>
+              <p:cNvPr id="16" name="TextBox 15">
+                <a:extLst>
+                  <a:ext uri="{FF2B5EF4-FFF2-40B4-BE49-F238E27FC236}">
+                    <a16:creationId xmlns:a16="http://schemas.microsoft.com/office/drawing/2014/main" id="{DC8C783C-A7A5-40AB-958D-D307F63BE019}"/>
+                  </a:ext>
+                </a:extLst>
+              </p:cNvPr>
+              <p:cNvSpPr txBox="1">
+                <a:spLocks noRot="1" noChangeAspect="1" noMove="1" noResize="1" noEditPoints="1" noAdjustHandles="1" noChangeArrowheads="1" noChangeShapeType="1" noTextEdit="1"/>
+              </p:cNvSpPr>
+              <p:nvPr/>
+            </p:nvSpPr>
+            <p:spPr>
+              <a:xfrm>
+                <a:off x="3497965" y="776629"/>
+                <a:ext cx="559191" cy="657681"/>
+              </a:xfrm>
+              <a:prstGeom prst="rect">
+                <a:avLst/>
+              </a:prstGeom>
+              <a:blipFill>
+                <a:blip r:embed="rId3"/>
+                <a:stretch>
+                  <a:fillRect/>
+                </a:stretch>
+              </a:blipFill>
+            </p:spPr>
+            <p:txBody>
+              <a:bodyPr/>
+              <a:lstStyle/>
+              <a:p>
+                <a:r>
+                  <a:rPr lang="ko-KR" altLang="en-US">
+                    <a:noFill/>
+                  </a:rPr>
+                  <a:t> </a:t>
+                </a:r>
+              </a:p>
+            </p:txBody>
+          </p:sp>
+        </mc:Fallback>
+      </mc:AlternateContent>
+      <mc:AlternateContent xmlns:mc="http://schemas.openxmlformats.org/markup-compatibility/2006">
+        <mc:Choice xmlns:a14="http://schemas.microsoft.com/office/drawing/2010/main" Requires="a14">
+          <p:sp>
+            <p:nvSpPr>
+              <p:cNvPr id="17" name="TextBox 16">
+                <a:extLst>
+                  <a:ext uri="{FF2B5EF4-FFF2-40B4-BE49-F238E27FC236}">
+                    <a16:creationId xmlns:a16="http://schemas.microsoft.com/office/drawing/2014/main" id="{AC074638-91A2-427E-82A2-58A17708AF61}"/>
+                  </a:ext>
+                </a:extLst>
+              </p:cNvPr>
+              <p:cNvSpPr txBox="1"/>
+              <p:nvPr/>
+            </p:nvSpPr>
+            <p:spPr>
+              <a:xfrm>
+                <a:off x="7828591" y="1099941"/>
+                <a:ext cx="568169" cy="584775"/>
+              </a:xfrm>
+              <a:prstGeom prst="rect">
+                <a:avLst/>
+              </a:prstGeom>
+              <a:noFill/>
+            </p:spPr>
+            <p:txBody>
+              <a:bodyPr wrap="none" rtlCol="0">
+                <a:spAutoFit/>
+              </a:bodyPr>
+              <a:lstStyle/>
+              <a:p>
+                <a14:m>
+                  <m:oMathPara xmlns:m="http://schemas.openxmlformats.org/officeDocument/2006/math">
+                    <m:oMathParaPr>
+                      <m:jc m:val="centerGroup"/>
+                    </m:oMathParaPr>
+                    <m:oMath xmlns:m="http://schemas.openxmlformats.org/officeDocument/2006/math">
+                      <m:acc>
+                        <m:accPr>
+                          <m:chr m:val="⃗"/>
+                          <m:ctrlPr>
+                            <a:rPr lang="en-US" altLang="ko-KR" sz="3200" b="0" i="1" smtClean="0">
+                              <a:latin typeface="Cambria Math" panose="02040503050406030204" pitchFamily="18" charset="0"/>
+                            </a:rPr>
+                          </m:ctrlPr>
+                        </m:accPr>
+                        <m:e>
+                          <m:r>
+                            <a:rPr lang="en-US" altLang="ko-KR" sz="3200" b="0" i="1" smtClean="0">
+                              <a:latin typeface="Cambria Math" panose="02040503050406030204" pitchFamily="18" charset="0"/>
+                            </a:rPr>
+                            <m:t>𝑎</m:t>
+                          </m:r>
+                        </m:e>
+                      </m:acc>
+                    </m:oMath>
+                  </m:oMathPara>
+                </a14:m>
+                <a:endParaRPr lang="ko-KR" altLang="en-US" sz="3200" dirty="0"/>
+              </a:p>
+            </p:txBody>
+          </p:sp>
+        </mc:Choice>
+        <mc:Fallback>
+          <p:sp>
+            <p:nvSpPr>
+              <p:cNvPr id="17" name="TextBox 16">
+                <a:extLst>
+                  <a:ext uri="{FF2B5EF4-FFF2-40B4-BE49-F238E27FC236}">
+                    <a16:creationId xmlns:a16="http://schemas.microsoft.com/office/drawing/2014/main" id="{AC074638-91A2-427E-82A2-58A17708AF61}"/>
+                  </a:ext>
+                </a:extLst>
+              </p:cNvPr>
+              <p:cNvSpPr txBox="1">
+                <a:spLocks noRot="1" noChangeAspect="1" noMove="1" noResize="1" noEditPoints="1" noAdjustHandles="1" noChangeArrowheads="1" noChangeShapeType="1" noTextEdit="1"/>
+              </p:cNvSpPr>
+              <p:nvPr/>
+            </p:nvSpPr>
+            <p:spPr>
+              <a:xfrm>
+                <a:off x="7828591" y="1099941"/>
+                <a:ext cx="568169" cy="584775"/>
+              </a:xfrm>
+              <a:prstGeom prst="rect">
+                <a:avLst/>
+              </a:prstGeom>
+              <a:blipFill>
+                <a:blip r:embed="rId4"/>
+                <a:stretch>
+                  <a:fillRect/>
+                </a:stretch>
+              </a:blipFill>
+            </p:spPr>
+            <p:txBody>
+              <a:bodyPr/>
+              <a:lstStyle/>
+              <a:p>
+                <a:r>
+                  <a:rPr lang="ko-KR" altLang="en-US">
+                    <a:noFill/>
+                  </a:rPr>
+                  <a:t> </a:t>
+                </a:r>
+              </a:p>
+            </p:txBody>
+          </p:sp>
+        </mc:Fallback>
+      </mc:AlternateContent>
+      <p:cxnSp>
+        <p:nvCxnSpPr>
+          <p:cNvPr id="24" name="직선 연결선 23">
+            <a:extLst>
+              <a:ext uri="{FF2B5EF4-FFF2-40B4-BE49-F238E27FC236}">
+                <a16:creationId xmlns:a16="http://schemas.microsoft.com/office/drawing/2014/main" id="{22BDED62-7F2B-4B1A-90BE-2E4369F8A961}"/>
+              </a:ext>
+            </a:extLst>
+          </p:cNvPr>
+          <p:cNvCxnSpPr>
+            <a:cxnSpLocks/>
+          </p:cNvCxnSpPr>
+          <p:nvPr/>
+        </p:nvCxnSpPr>
+        <p:spPr>
+          <a:xfrm>
+            <a:off x="1246708" y="3833825"/>
+            <a:ext cx="1996330" cy="1996330"/>
+          </a:xfrm>
+          <a:prstGeom prst="line">
+            <a:avLst/>
+          </a:prstGeom>
+          <a:ln>
+            <a:solidFill>
+              <a:schemeClr val="tx1"/>
+            </a:solidFill>
+            <a:prstDash val="dash"/>
+          </a:ln>
+        </p:spPr>
+        <p:style>
+          <a:lnRef idx="1">
+            <a:schemeClr val="accent1"/>
+          </a:lnRef>
+          <a:fillRef idx="0">
+            <a:schemeClr val="accent1"/>
+          </a:fillRef>
+          <a:effectRef idx="0">
+            <a:schemeClr val="accent1"/>
+          </a:effectRef>
+          <a:fontRef idx="minor">
+            <a:schemeClr val="tx1"/>
+          </a:fontRef>
+        </p:style>
+      </p:cxnSp>
+      <p:cxnSp>
+        <p:nvCxnSpPr>
+          <p:cNvPr id="25" name="직선 화살표 연결선 24">
+            <a:extLst>
+              <a:ext uri="{FF2B5EF4-FFF2-40B4-BE49-F238E27FC236}">
+                <a16:creationId xmlns:a16="http://schemas.microsoft.com/office/drawing/2014/main" id="{DEC2B096-5976-46F7-AE8F-EFB24C3C3A4D}"/>
+              </a:ext>
+            </a:extLst>
+          </p:cNvPr>
+          <p:cNvCxnSpPr>
+            <a:cxnSpLocks/>
+          </p:cNvCxnSpPr>
+          <p:nvPr/>
+        </p:nvCxnSpPr>
+        <p:spPr>
+          <a:xfrm flipV="1">
+            <a:off x="1241957" y="971936"/>
+            <a:ext cx="2908048" cy="2861889"/>
+          </a:xfrm>
+          <a:prstGeom prst="straightConnector1">
+            <a:avLst/>
+          </a:prstGeom>
+          <a:ln w="9525">
+            <a:solidFill>
+              <a:schemeClr val="tx1"/>
+            </a:solidFill>
+            <a:prstDash val="sysDash"/>
+            <a:headEnd type="none" w="med" len="med"/>
+            <a:tailEnd type="none" w="med" len="med"/>
+          </a:ln>
+        </p:spPr>
+        <p:style>
+          <a:lnRef idx="1">
+            <a:schemeClr val="accent1"/>
+          </a:lnRef>
+          <a:fillRef idx="0">
+            <a:schemeClr val="accent1"/>
+          </a:fillRef>
+          <a:effectRef idx="0">
+            <a:schemeClr val="accent1"/>
+          </a:effectRef>
+          <a:fontRef idx="minor">
+            <a:schemeClr val="tx1"/>
+          </a:fontRef>
+        </p:style>
+      </p:cxnSp>
+      <p:cxnSp>
+        <p:nvCxnSpPr>
+          <p:cNvPr id="5" name="직선 화살표 연결선 4">
+            <a:extLst>
+              <a:ext uri="{FF2B5EF4-FFF2-40B4-BE49-F238E27FC236}">
+                <a16:creationId xmlns:a16="http://schemas.microsoft.com/office/drawing/2014/main" id="{12B93C8E-C00E-4002-A3D5-FA0294CD6D7C}"/>
+              </a:ext>
+            </a:extLst>
+          </p:cNvPr>
+          <p:cNvCxnSpPr>
+            <a:cxnSpLocks/>
+          </p:cNvCxnSpPr>
+          <p:nvPr/>
+        </p:nvCxnSpPr>
+        <p:spPr>
+          <a:xfrm flipV="1">
+            <a:off x="3203848" y="970839"/>
+            <a:ext cx="946849" cy="4859316"/>
+          </a:xfrm>
+          <a:prstGeom prst="straightConnector1">
+            <a:avLst/>
+          </a:prstGeom>
+          <a:ln w="57150">
+            <a:solidFill>
+              <a:schemeClr val="tx1"/>
+            </a:solidFill>
+            <a:tailEnd type="triangle"/>
+          </a:ln>
+        </p:spPr>
+        <p:style>
+          <a:lnRef idx="1">
+            <a:schemeClr val="accent1"/>
+          </a:lnRef>
+          <a:fillRef idx="0">
+            <a:schemeClr val="accent1"/>
+          </a:fillRef>
+          <a:effectRef idx="0">
+            <a:schemeClr val="accent1"/>
+          </a:effectRef>
+          <a:fontRef idx="minor">
+            <a:schemeClr val="tx1"/>
+          </a:fontRef>
+        </p:style>
+      </p:cxnSp>
+      <mc:AlternateContent xmlns:mc="http://schemas.openxmlformats.org/markup-compatibility/2006">
+        <mc:Choice xmlns:a14="http://schemas.microsoft.com/office/drawing/2010/main" Requires="a14">
+          <p:sp>
+            <p:nvSpPr>
+              <p:cNvPr id="27" name="TextBox 26">
+                <a:extLst>
+                  <a:ext uri="{FF2B5EF4-FFF2-40B4-BE49-F238E27FC236}">
+                    <a16:creationId xmlns:a16="http://schemas.microsoft.com/office/drawing/2014/main" id="{6613D9F3-7A14-4F77-BF01-40CA03E133F4}"/>
+                  </a:ext>
+                </a:extLst>
+              </p:cNvPr>
+              <p:cNvSpPr txBox="1"/>
+              <p:nvPr/>
+            </p:nvSpPr>
+            <p:spPr>
+              <a:xfrm>
+                <a:off x="4769527" y="4133989"/>
+                <a:ext cx="3173881" cy="621452"/>
+              </a:xfrm>
+              <a:prstGeom prst="rect">
+                <a:avLst/>
+              </a:prstGeom>
+              <a:noFill/>
+            </p:spPr>
+            <p:txBody>
+              <a:bodyPr wrap="none" rtlCol="0">
+                <a:spAutoFit/>
+              </a:bodyPr>
+              <a:lstStyle/>
+              <a:p>
+                <a14:m>
+                  <m:oMathPara xmlns:m="http://schemas.openxmlformats.org/officeDocument/2006/math">
+                    <m:oMathParaPr>
+                      <m:jc m:val="centerGroup"/>
+                    </m:oMathParaPr>
+                    <m:oMath xmlns:m="http://schemas.openxmlformats.org/officeDocument/2006/math">
+                      <m:d>
+                        <m:dPr>
+                          <m:begChr m:val="|"/>
+                          <m:endChr m:val="|"/>
+                          <m:ctrlPr>
+                            <a:rPr lang="en-US" altLang="ko-KR" sz="2800" b="0" i="0" dirty="0" smtClean="0">
+                              <a:solidFill>
+                                <a:srgbClr val="FF0000"/>
+                              </a:solidFill>
+                              <a:latin typeface="Cambria Math" panose="02040503050406030204" pitchFamily="18" charset="0"/>
+                            </a:rPr>
+                          </m:ctrlPr>
+                        </m:dPr>
+                        <m:e>
+                          <m:acc>
+                            <m:accPr>
+                              <m:chr m:val="⃗"/>
+                              <m:ctrlPr>
+                                <a:rPr lang="en-US" altLang="ko-KR" sz="2800" b="0" i="1" dirty="0" smtClean="0">
+                                  <a:solidFill>
+                                    <a:srgbClr val="FF0000"/>
+                                  </a:solidFill>
+                                  <a:latin typeface="Cambria Math" panose="02040503050406030204" pitchFamily="18" charset="0"/>
+                                </a:rPr>
+                              </m:ctrlPr>
+                            </m:accPr>
+                            <m:e>
+                              <m:r>
+                                <a:rPr lang="en-US" altLang="ko-KR" sz="2800" b="0" i="1" dirty="0" smtClean="0">
+                                  <a:solidFill>
+                                    <a:srgbClr val="FF0000"/>
+                                  </a:solidFill>
+                                  <a:latin typeface="Cambria Math" panose="02040503050406030204" pitchFamily="18" charset="0"/>
+                                </a:rPr>
+                                <m:t>𝑏</m:t>
+                              </m:r>
+                            </m:e>
+                          </m:acc>
+                        </m:e>
+                      </m:d>
+                      <m:r>
+                        <m:rPr>
+                          <m:sty m:val="p"/>
+                        </m:rPr>
+                        <a:rPr lang="en-US" altLang="ko-KR" sz="2800" b="0" i="0" dirty="0" smtClean="0">
+                          <a:solidFill>
+                            <a:srgbClr val="FF0000"/>
+                          </a:solidFill>
+                          <a:latin typeface="Cambria Math" panose="02040503050406030204" pitchFamily="18" charset="0"/>
+                        </a:rPr>
+                        <m:t>cos</m:t>
+                      </m:r>
+                      <m:r>
+                        <a:rPr lang="en-US" altLang="ko-KR" sz="2800" b="0" i="1" dirty="0" smtClean="0">
+                          <a:solidFill>
+                            <a:srgbClr val="FF0000"/>
+                          </a:solidFill>
+                          <a:latin typeface="Cambria Math" panose="02040503050406030204" pitchFamily="18" charset="0"/>
+                        </a:rPr>
+                        <m:t>𝜃</m:t>
+                      </m:r>
+                      <m:r>
+                        <a:rPr lang="en-US" altLang="ko-KR" sz="2800" b="0" i="1" dirty="0" smtClean="0">
+                          <a:solidFill>
+                            <a:srgbClr val="FF0000"/>
+                          </a:solidFill>
+                          <a:latin typeface="Cambria Math" panose="02040503050406030204" pitchFamily="18" charset="0"/>
+                        </a:rPr>
+                        <m:t>=</m:t>
+                      </m:r>
+                      <m:r>
+                        <a:rPr lang="en-US" altLang="ko-KR" sz="2800" i="1">
+                          <a:solidFill>
+                            <a:srgbClr val="FF0000"/>
+                          </a:solidFill>
+                          <a:latin typeface="Cambria Math" panose="02040503050406030204" pitchFamily="18" charset="0"/>
+                        </a:rPr>
+                        <m:t>𝑐𝑜𝑚</m:t>
+                      </m:r>
+                      <m:sSub>
+                        <m:sSubPr>
+                          <m:ctrlPr>
+                            <a:rPr lang="en-US" altLang="ko-KR" sz="2800" i="1">
+                              <a:solidFill>
+                                <a:srgbClr val="FF0000"/>
+                              </a:solidFill>
+                              <a:latin typeface="Cambria Math" panose="02040503050406030204" pitchFamily="18" charset="0"/>
+                            </a:rPr>
+                          </m:ctrlPr>
+                        </m:sSubPr>
+                        <m:e>
+                          <m:r>
+                            <a:rPr lang="en-US" altLang="ko-KR" sz="2800" i="1">
+                              <a:solidFill>
+                                <a:srgbClr val="FF0000"/>
+                              </a:solidFill>
+                              <a:latin typeface="Cambria Math" panose="02040503050406030204" pitchFamily="18" charset="0"/>
+                            </a:rPr>
+                            <m:t>𝑝</m:t>
+                          </m:r>
+                        </m:e>
+                        <m:sub>
+                          <m:acc>
+                            <m:accPr>
+                              <m:chr m:val="⃗"/>
+                              <m:ctrlPr>
+                                <a:rPr lang="en-US" altLang="ko-KR" sz="2800" i="1">
+                                  <a:solidFill>
+                                    <a:srgbClr val="FF0000"/>
+                                  </a:solidFill>
+                                  <a:latin typeface="Cambria Math" panose="02040503050406030204" pitchFamily="18" charset="0"/>
+                                </a:rPr>
+                              </m:ctrlPr>
+                            </m:accPr>
+                            <m:e>
+                              <m:r>
+                                <a:rPr lang="en-US" altLang="ko-KR" sz="2800" i="1">
+                                  <a:solidFill>
+                                    <a:srgbClr val="FF0000"/>
+                                  </a:solidFill>
+                                  <a:latin typeface="Cambria Math" panose="02040503050406030204" pitchFamily="18" charset="0"/>
+                                </a:rPr>
+                                <m:t>𝑎</m:t>
+                              </m:r>
+                            </m:e>
+                          </m:acc>
+                        </m:sub>
+                      </m:sSub>
+                      <m:acc>
+                        <m:accPr>
+                          <m:chr m:val="⃗"/>
+                          <m:ctrlPr>
+                            <a:rPr lang="en-US" altLang="ko-KR" sz="2800" i="1">
+                              <a:solidFill>
+                                <a:srgbClr val="FF0000"/>
+                              </a:solidFill>
+                              <a:latin typeface="Cambria Math" panose="02040503050406030204" pitchFamily="18" charset="0"/>
+                            </a:rPr>
+                          </m:ctrlPr>
+                        </m:accPr>
+                        <m:e>
+                          <m:r>
+                            <a:rPr lang="en-US" altLang="ko-KR" sz="2800" i="1">
+                              <a:solidFill>
+                                <a:srgbClr val="FF0000"/>
+                              </a:solidFill>
+                              <a:latin typeface="Cambria Math" panose="02040503050406030204" pitchFamily="18" charset="0"/>
+                            </a:rPr>
+                            <m:t>𝑏</m:t>
+                          </m:r>
+                        </m:e>
+                      </m:acc>
+                    </m:oMath>
+                  </m:oMathPara>
+                </a14:m>
+                <a:endParaRPr lang="en-US" altLang="ko-KR" sz="2800" dirty="0">
+                  <a:solidFill>
+                    <a:srgbClr val="FF0000"/>
+                  </a:solidFill>
+                </a:endParaRPr>
+              </a:p>
+            </p:txBody>
+          </p:sp>
+        </mc:Choice>
+        <mc:Fallback>
+          <p:sp>
+            <p:nvSpPr>
+              <p:cNvPr id="27" name="TextBox 26">
+                <a:extLst>
+                  <a:ext uri="{FF2B5EF4-FFF2-40B4-BE49-F238E27FC236}">
+                    <a16:creationId xmlns:a16="http://schemas.microsoft.com/office/drawing/2014/main" id="{6613D9F3-7A14-4F77-BF01-40CA03E133F4}"/>
+                  </a:ext>
+                </a:extLst>
+              </p:cNvPr>
+              <p:cNvSpPr txBox="1">
+                <a:spLocks noRot="1" noChangeAspect="1" noMove="1" noResize="1" noEditPoints="1" noAdjustHandles="1" noChangeArrowheads="1" noChangeShapeType="1" noTextEdit="1"/>
+              </p:cNvSpPr>
+              <p:nvPr/>
+            </p:nvSpPr>
+            <p:spPr>
+              <a:xfrm>
+                <a:off x="4769527" y="4133989"/>
+                <a:ext cx="3173881" cy="621452"/>
+              </a:xfrm>
+              <a:prstGeom prst="rect">
+                <a:avLst/>
+              </a:prstGeom>
+              <a:blipFill>
+                <a:blip r:embed="rId5"/>
+                <a:stretch>
+                  <a:fillRect/>
+                </a:stretch>
+              </a:blipFill>
+            </p:spPr>
+            <p:txBody>
+              <a:bodyPr/>
+              <a:lstStyle/>
+              <a:p>
+                <a:r>
+                  <a:rPr lang="ko-KR" altLang="en-US">
+                    <a:noFill/>
+                  </a:rPr>
+                  <a:t> </a:t>
+                </a:r>
+              </a:p>
+            </p:txBody>
+          </p:sp>
+        </mc:Fallback>
+      </mc:AlternateContent>
+      <mc:AlternateContent xmlns:mc="http://schemas.openxmlformats.org/markup-compatibility/2006">
+        <mc:Choice xmlns:a14="http://schemas.microsoft.com/office/drawing/2010/main" Requires="a14">
+          <p:sp>
+            <p:nvSpPr>
+              <p:cNvPr id="29" name="TextBox 28">
+                <a:extLst>
+                  <a:ext uri="{FF2B5EF4-FFF2-40B4-BE49-F238E27FC236}">
+                    <a16:creationId xmlns:a16="http://schemas.microsoft.com/office/drawing/2014/main" id="{134DC0A7-85D5-4797-98AD-E086BC3532A9}"/>
+                  </a:ext>
+                </a:extLst>
+              </p:cNvPr>
+              <p:cNvSpPr txBox="1"/>
+              <p:nvPr/>
+            </p:nvSpPr>
+            <p:spPr>
+              <a:xfrm>
+                <a:off x="4283968" y="4701668"/>
+                <a:ext cx="4114720" cy="445635"/>
+              </a:xfrm>
+              <a:prstGeom prst="rect">
+                <a:avLst/>
+              </a:prstGeom>
+              <a:noFill/>
+            </p:spPr>
+            <p:txBody>
+              <a:bodyPr wrap="square">
+                <a:spAutoFit/>
+              </a:bodyPr>
+              <a:lstStyle/>
+              <a:p>
+                <a:pPr algn="ctr"/>
+                <a:r>
+                  <a:rPr lang="ko-KR" altLang="en-US" sz="2000" dirty="0">
+                    <a:latin typeface="배달의민족 주아" panose="02020603020101020101" pitchFamily="18" charset="-127"/>
+                    <a:ea typeface="배달의민족 주아" panose="02020603020101020101" pitchFamily="18" charset="-127"/>
+                  </a:rPr>
+                  <a:t>벡터 </a:t>
+                </a:r>
+                <a14:m>
+                  <m:oMath xmlns:m="http://schemas.openxmlformats.org/officeDocument/2006/math">
+                    <m:acc>
+                      <m:accPr>
+                        <m:chr m:val="⃗"/>
+                        <m:ctrlPr>
+                          <a:rPr lang="en-US" altLang="ko-KR" sz="2000" b="0" i="1" smtClean="0">
+                            <a:latin typeface="Cambria Math" panose="02040503050406030204" pitchFamily="18" charset="0"/>
+                          </a:rPr>
+                        </m:ctrlPr>
+                      </m:accPr>
+                      <m:e>
+                        <m:r>
+                          <a:rPr lang="en-US" altLang="ko-KR" sz="2000" b="0" i="1" smtClean="0">
+                            <a:latin typeface="Cambria Math" panose="02040503050406030204" pitchFamily="18" charset="0"/>
+                          </a:rPr>
+                          <m:t>𝑏</m:t>
+                        </m:r>
+                      </m:e>
+                    </m:acc>
+                    <m:r>
+                      <a:rPr lang="ko-KR" altLang="en-US" sz="2000" i="1" dirty="0">
+                        <a:latin typeface="Cambria Math" panose="02040503050406030204" pitchFamily="18" charset="0"/>
+                      </a:rPr>
+                      <m:t>의</m:t>
+                    </m:r>
+                  </m:oMath>
+                </a14:m>
+                <a:r>
+                  <a:rPr lang="ko-KR" altLang="en-US" sz="2000" dirty="0">
+                    <a:latin typeface="배달의민족 주아" panose="02020603020101020101" pitchFamily="18" charset="-127"/>
+                    <a:ea typeface="배달의민족 주아" panose="02020603020101020101" pitchFamily="18" charset="-127"/>
+                  </a:rPr>
+                  <a:t> </a:t>
+                </a:r>
+                <a14:m>
+                  <m:oMath xmlns:m="http://schemas.openxmlformats.org/officeDocument/2006/math">
+                    <m:acc>
+                      <m:accPr>
+                        <m:chr m:val="⃗"/>
+                        <m:ctrlPr>
+                          <a:rPr lang="en-US" altLang="ko-KR" sz="2000" b="0" i="1" dirty="0" smtClean="0">
+                            <a:latin typeface="Cambria Math" panose="02040503050406030204" pitchFamily="18" charset="0"/>
+                          </a:rPr>
+                        </m:ctrlPr>
+                      </m:accPr>
+                      <m:e>
+                        <m:r>
+                          <a:rPr lang="en-US" altLang="ko-KR" sz="2000" b="0" i="1" dirty="0" smtClean="0">
+                            <a:latin typeface="Cambria Math" panose="02040503050406030204" pitchFamily="18" charset="0"/>
+                          </a:rPr>
+                          <m:t>𝑎</m:t>
+                        </m:r>
+                      </m:e>
+                    </m:acc>
+                    <m:r>
+                      <a:rPr lang="en-US" altLang="ko-KR" sz="2000" b="0" i="1" dirty="0" smtClean="0">
+                        <a:latin typeface="Cambria Math" panose="02040503050406030204" pitchFamily="18" charset="0"/>
+                      </a:rPr>
+                      <m:t> </m:t>
+                    </m:r>
+                  </m:oMath>
+                </a14:m>
+                <a:r>
+                  <a:rPr lang="ko-KR" altLang="en-US" sz="2000" dirty="0">
+                    <a:latin typeface="배달의민족 주아" panose="02020603020101020101" pitchFamily="18" charset="-127"/>
+                    <a:ea typeface="배달의민족 주아" panose="02020603020101020101" pitchFamily="18" charset="-127"/>
+                  </a:rPr>
+                  <a:t>방향 컴포넌트 </a:t>
+                </a:r>
+                <a:r>
+                  <a:rPr lang="en-US" altLang="ko-KR" sz="2000" dirty="0">
+                    <a:latin typeface="배달의민족 주아" panose="02020603020101020101" pitchFamily="18" charset="-127"/>
+                    <a:ea typeface="배달의민족 주아" panose="02020603020101020101" pitchFamily="18" charset="-127"/>
+                  </a:rPr>
+                  <a:t>(</a:t>
+                </a:r>
+                <a:r>
+                  <a:rPr lang="ko-KR" altLang="en-US" sz="2000" dirty="0">
+                    <a:latin typeface="배달의민족 주아" panose="02020603020101020101" pitchFamily="18" charset="-127"/>
+                    <a:ea typeface="배달의민족 주아" panose="02020603020101020101" pitchFamily="18" charset="-127"/>
+                  </a:rPr>
+                  <a:t>스칼라</a:t>
+                </a:r>
+                <a:r>
+                  <a:rPr lang="en-US" altLang="ko-KR" sz="2000" dirty="0">
+                    <a:latin typeface="배달의민족 주아" panose="02020603020101020101" pitchFamily="18" charset="-127"/>
+                    <a:ea typeface="배달의민족 주아" panose="02020603020101020101" pitchFamily="18" charset="-127"/>
+                  </a:rPr>
+                  <a:t>)</a:t>
+                </a:r>
+              </a:p>
+            </p:txBody>
+          </p:sp>
+        </mc:Choice>
+        <mc:Fallback>
+          <p:sp>
+            <p:nvSpPr>
+              <p:cNvPr id="29" name="TextBox 28">
+                <a:extLst>
+                  <a:ext uri="{FF2B5EF4-FFF2-40B4-BE49-F238E27FC236}">
+                    <a16:creationId xmlns:a16="http://schemas.microsoft.com/office/drawing/2014/main" id="{134DC0A7-85D5-4797-98AD-E086BC3532A9}"/>
+                  </a:ext>
+                </a:extLst>
+              </p:cNvPr>
+              <p:cNvSpPr txBox="1">
+                <a:spLocks noRot="1" noChangeAspect="1" noMove="1" noResize="1" noEditPoints="1" noAdjustHandles="1" noChangeArrowheads="1" noChangeShapeType="1" noTextEdit="1"/>
+              </p:cNvSpPr>
+              <p:nvPr/>
+            </p:nvSpPr>
+            <p:spPr>
+              <a:xfrm>
+                <a:off x="4283968" y="4701668"/>
+                <a:ext cx="4114720" cy="445635"/>
+              </a:xfrm>
+              <a:prstGeom prst="rect">
+                <a:avLst/>
+              </a:prstGeom>
+              <a:blipFill>
+                <a:blip r:embed="rId6"/>
+                <a:stretch>
+                  <a:fillRect t="-9589" b="-26027"/>
+                </a:stretch>
+              </a:blipFill>
+            </p:spPr>
+            <p:txBody>
+              <a:bodyPr/>
+              <a:lstStyle/>
+              <a:p>
+                <a:r>
+                  <a:rPr lang="ko-KR" altLang="en-US">
+                    <a:noFill/>
+                  </a:rPr>
+                  <a:t> </a:t>
+                </a:r>
+              </a:p>
+            </p:txBody>
+          </p:sp>
+        </mc:Fallback>
+      </mc:AlternateContent>
+    </p:spTree>
+    <p:extLst>
+      <p:ext uri="{BB962C8B-B14F-4D97-AF65-F5344CB8AC3E}">
+        <p14:creationId xmlns:p14="http://schemas.microsoft.com/office/powerpoint/2010/main" val="2203934715"/>
+      </p:ext>
+    </p:extLst>
+  </p:cSld>
+  <p:clrMapOvr>
+    <a:masterClrMapping/>
+  </p:clrMapOvr>
+</p:sld>
+</file>
+
+<file path=ppt/slides/slide2.xml><?xml version="1.0" encoding="utf-8"?>
+<p:sld xmlns:a="http://schemas.openxmlformats.org/drawingml/2006/main" xmlns:r="http://schemas.openxmlformats.org/officeDocument/2006/relationships" xmlns:p="http://schemas.openxmlformats.org/presentationml/2006/main">
+  <p:cSld>
+    <p:spTree>
+      <p:nvGrpSpPr>
+        <p:cNvPr id="1" name=""/>
+        <p:cNvGrpSpPr/>
+        <p:nvPr/>
+      </p:nvGrpSpPr>
+      <p:grpSpPr>
+        <a:xfrm>
+          <a:off x="0" y="0"/>
+          <a:ext cx="0" cy="0"/>
+          <a:chOff x="0" y="0"/>
+          <a:chExt cx="0" cy="0"/>
+        </a:xfrm>
+      </p:grpSpPr>
+      <p:sp>
+        <p:nvSpPr>
+          <p:cNvPr id="13" name="원호 12">
+            <a:extLst>
+              <a:ext uri="{FF2B5EF4-FFF2-40B4-BE49-F238E27FC236}">
+                <a16:creationId xmlns:a16="http://schemas.microsoft.com/office/drawing/2014/main" id="{888DF389-40DF-44D4-9804-A162E620F3E1}"/>
+              </a:ext>
+            </a:extLst>
+          </p:cNvPr>
+          <p:cNvSpPr/>
+          <p:nvPr/>
+        </p:nvSpPr>
+        <p:spPr>
+          <a:xfrm>
+            <a:off x="2071614" y="4803535"/>
+            <a:ext cx="1427989" cy="1427989"/>
+          </a:xfrm>
+          <a:prstGeom prst="arc">
+            <a:avLst>
+              <a:gd name="adj1" fmla="val 17125588"/>
+              <a:gd name="adj2" fmla="val 19622520"/>
+            </a:avLst>
+          </a:prstGeom>
+          <a:ln>
+            <a:solidFill>
+              <a:schemeClr val="tx1"/>
+            </a:solidFill>
+            <a:prstDash val="dash"/>
+          </a:ln>
+        </p:spPr>
+        <p:style>
+          <a:lnRef idx="1">
+            <a:schemeClr val="accent1"/>
+          </a:lnRef>
+          <a:fillRef idx="0">
+            <a:schemeClr val="accent1"/>
+          </a:fillRef>
+          <a:effectRef idx="0">
+            <a:schemeClr val="accent1"/>
+          </a:effectRef>
+          <a:fontRef idx="minor">
+            <a:schemeClr val="tx1"/>
+          </a:fontRef>
+        </p:style>
+        <p:txBody>
+          <a:bodyPr rtlCol="0" anchor="ctr"/>
+          <a:lstStyle/>
+          <a:p>
+            <a:pPr algn="ctr"/>
+            <a:endParaRPr lang="ko-KR" altLang="en-US"/>
+          </a:p>
+        </p:txBody>
+      </p:sp>
+      <p:cxnSp>
+        <p:nvCxnSpPr>
+          <p:cNvPr id="6" name="직선 화살표 연결선 5">
+            <a:extLst>
+              <a:ext uri="{FF2B5EF4-FFF2-40B4-BE49-F238E27FC236}">
+                <a16:creationId xmlns:a16="http://schemas.microsoft.com/office/drawing/2014/main" id="{41871895-115B-4C2D-8AA2-35A27E339D32}"/>
+              </a:ext>
+            </a:extLst>
+          </p:cNvPr>
+          <p:cNvCxnSpPr>
+            <a:cxnSpLocks/>
+          </p:cNvCxnSpPr>
+          <p:nvPr/>
+        </p:nvCxnSpPr>
+        <p:spPr>
+          <a:xfrm flipV="1">
+            <a:off x="2785609" y="1161971"/>
+            <a:ext cx="4607188" cy="4534057"/>
+          </a:xfrm>
+          <a:prstGeom prst="straightConnector1">
+            <a:avLst/>
+          </a:prstGeom>
+          <a:ln w="57150">
+            <a:solidFill>
+              <a:schemeClr val="tx1"/>
+            </a:solidFill>
+            <a:tailEnd type="triangle"/>
+          </a:ln>
+        </p:spPr>
+        <p:style>
+          <a:lnRef idx="1">
+            <a:schemeClr val="accent1"/>
+          </a:lnRef>
+          <a:fillRef idx="0">
+            <a:schemeClr val="accent1"/>
+          </a:fillRef>
+          <a:effectRef idx="0">
+            <a:schemeClr val="accent1"/>
+          </a:effectRef>
+          <a:fontRef idx="minor">
+            <a:schemeClr val="tx1"/>
+          </a:fontRef>
+        </p:style>
+      </p:cxnSp>
+      <p:cxnSp>
+        <p:nvCxnSpPr>
+          <p:cNvPr id="10" name="직선 연결선 9">
+            <a:extLst>
+              <a:ext uri="{FF2B5EF4-FFF2-40B4-BE49-F238E27FC236}">
+                <a16:creationId xmlns:a16="http://schemas.microsoft.com/office/drawing/2014/main" id="{A9909453-2E4A-47E9-BF6C-31F5730E0AA2}"/>
+              </a:ext>
+            </a:extLst>
+          </p:cNvPr>
+          <p:cNvCxnSpPr>
+            <a:cxnSpLocks/>
+          </p:cNvCxnSpPr>
+          <p:nvPr/>
+        </p:nvCxnSpPr>
+        <p:spPr>
+          <a:xfrm>
+            <a:off x="3736528" y="846601"/>
+            <a:ext cx="1947603" cy="1947603"/>
+          </a:xfrm>
+          <a:prstGeom prst="line">
+            <a:avLst/>
+          </a:prstGeom>
+          <a:ln>
+            <a:solidFill>
+              <a:schemeClr val="tx1"/>
+            </a:solidFill>
+            <a:prstDash val="dash"/>
+          </a:ln>
+        </p:spPr>
+        <p:style>
+          <a:lnRef idx="1">
+            <a:schemeClr val="accent1"/>
+          </a:lnRef>
+          <a:fillRef idx="0">
+            <a:schemeClr val="accent1"/>
+          </a:fillRef>
+          <a:effectRef idx="0">
+            <a:schemeClr val="accent1"/>
+          </a:effectRef>
+          <a:fontRef idx="minor">
+            <a:schemeClr val="tx1"/>
+          </a:fontRef>
+        </p:style>
+      </p:cxnSp>
+      <p:cxnSp>
+        <p:nvCxnSpPr>
+          <p:cNvPr id="11" name="직선 화살표 연결선 10">
+            <a:extLst>
+              <a:ext uri="{FF2B5EF4-FFF2-40B4-BE49-F238E27FC236}">
+                <a16:creationId xmlns:a16="http://schemas.microsoft.com/office/drawing/2014/main" id="{E11BA27E-F99C-44A9-8E1C-71DC2258D47E}"/>
+              </a:ext>
+            </a:extLst>
+          </p:cNvPr>
+          <p:cNvCxnSpPr>
+            <a:cxnSpLocks/>
+          </p:cNvCxnSpPr>
+          <p:nvPr/>
+        </p:nvCxnSpPr>
+        <p:spPr>
+          <a:xfrm flipV="1">
+            <a:off x="2798309" y="2834140"/>
+            <a:ext cx="2908048" cy="2861889"/>
+          </a:xfrm>
+          <a:prstGeom prst="straightConnector1">
+            <a:avLst/>
+          </a:prstGeom>
+          <a:ln w="76200">
+            <a:solidFill>
+              <a:srgbClr val="FF0000"/>
+            </a:solidFill>
+            <a:headEnd type="none" w="med" len="med"/>
+            <a:tailEnd type="arrow" w="med" len="med"/>
+          </a:ln>
+        </p:spPr>
+        <p:style>
+          <a:lnRef idx="1">
+            <a:schemeClr val="accent1"/>
+          </a:lnRef>
+          <a:fillRef idx="0">
+            <a:schemeClr val="accent1"/>
+          </a:fillRef>
+          <a:effectRef idx="0">
+            <a:schemeClr val="accent1"/>
+          </a:effectRef>
+          <a:fontRef idx="minor">
+            <a:schemeClr val="tx1"/>
+          </a:fontRef>
+        </p:style>
+      </p:cxnSp>
+      <mc:AlternateContent xmlns:mc="http://schemas.openxmlformats.org/markup-compatibility/2006">
+        <mc:Choice xmlns:a14="http://schemas.microsoft.com/office/drawing/2010/main" Requires="a14">
+          <p:sp>
+            <p:nvSpPr>
+              <p:cNvPr id="14" name="TextBox 13">
+                <a:extLst>
+                  <a:ext uri="{FF2B5EF4-FFF2-40B4-BE49-F238E27FC236}">
+                    <a16:creationId xmlns:a16="http://schemas.microsoft.com/office/drawing/2014/main" id="{F845D679-1B65-4B49-A4EA-166A9898B0D1}"/>
+                  </a:ext>
+                </a:extLst>
+              </p:cNvPr>
+              <p:cNvSpPr txBox="1"/>
+              <p:nvPr/>
+            </p:nvSpPr>
+            <p:spPr>
+              <a:xfrm>
+                <a:off x="3028967" y="4387452"/>
+                <a:ext cx="571823" cy="584775"/>
+              </a:xfrm>
+              <a:prstGeom prst="rect">
+                <a:avLst/>
+              </a:prstGeom>
+              <a:noFill/>
+            </p:spPr>
+            <p:txBody>
+              <a:bodyPr wrap="none" rtlCol="0">
+                <a:spAutoFit/>
+              </a:bodyPr>
+              <a:lstStyle/>
+              <a:p>
+                <a14:m>
+                  <m:oMathPara xmlns:m="http://schemas.openxmlformats.org/officeDocument/2006/math">
+                    <m:oMathParaPr>
+                      <m:jc m:val="centerGroup"/>
+                    </m:oMathParaPr>
+                    <m:oMath xmlns:m="http://schemas.openxmlformats.org/officeDocument/2006/math">
+                      <m:r>
+                        <a:rPr lang="en-US" altLang="ko-KR" sz="3200" b="0" i="1" smtClean="0">
+                          <a:latin typeface="Cambria Math" panose="02040503050406030204" pitchFamily="18" charset="0"/>
+                        </a:rPr>
+                        <m:t>𝜃</m:t>
+                      </m:r>
+                    </m:oMath>
+                  </m:oMathPara>
+                </a14:m>
+                <a:endParaRPr lang="ko-KR" altLang="en-US" sz="3200" dirty="0"/>
+              </a:p>
+            </p:txBody>
+          </p:sp>
+        </mc:Choice>
+        <mc:Fallback>
+          <p:sp>
+            <p:nvSpPr>
+              <p:cNvPr id="14" name="TextBox 13">
+                <a:extLst>
+                  <a:ext uri="{FF2B5EF4-FFF2-40B4-BE49-F238E27FC236}">
+                    <a16:creationId xmlns:a16="http://schemas.microsoft.com/office/drawing/2014/main" id="{F845D679-1B65-4B49-A4EA-166A9898B0D1}"/>
+                  </a:ext>
+                </a:extLst>
+              </p:cNvPr>
+              <p:cNvSpPr txBox="1">
+                <a:spLocks noRot="1" noChangeAspect="1" noMove="1" noResize="1" noEditPoints="1" noAdjustHandles="1" noChangeArrowheads="1" noChangeShapeType="1" noTextEdit="1"/>
+              </p:cNvSpPr>
+              <p:nvPr/>
+            </p:nvSpPr>
+            <p:spPr>
+              <a:xfrm>
+                <a:off x="3028967" y="4387452"/>
+                <a:ext cx="571823" cy="584775"/>
+              </a:xfrm>
+              <a:prstGeom prst="rect">
+                <a:avLst/>
+              </a:prstGeom>
+              <a:blipFill>
+                <a:blip r:embed="rId2"/>
+                <a:stretch>
+                  <a:fillRect/>
+                </a:stretch>
+              </a:blipFill>
+            </p:spPr>
+            <p:txBody>
+              <a:bodyPr/>
+              <a:lstStyle/>
+              <a:p>
+                <a:r>
+                  <a:rPr lang="ko-KR" altLang="en-US">
+                    <a:noFill/>
+                  </a:rPr>
+                  <a:t> </a:t>
+                </a:r>
+              </a:p>
+            </p:txBody>
+          </p:sp>
+        </mc:Fallback>
+      </mc:AlternateContent>
+      <mc:AlternateContent xmlns:mc="http://schemas.openxmlformats.org/markup-compatibility/2006">
+        <mc:Choice xmlns:a14="http://schemas.microsoft.com/office/drawing/2010/main" Requires="a14">
+          <p:sp>
+            <p:nvSpPr>
+              <p:cNvPr id="16" name="TextBox 15">
+                <a:extLst>
+                  <a:ext uri="{FF2B5EF4-FFF2-40B4-BE49-F238E27FC236}">
+                    <a16:creationId xmlns:a16="http://schemas.microsoft.com/office/drawing/2014/main" id="{DC8C783C-A7A5-40AB-958D-D307F63BE019}"/>
+                  </a:ext>
+                </a:extLst>
+              </p:cNvPr>
+              <p:cNvSpPr txBox="1"/>
+              <p:nvPr/>
+            </p:nvSpPr>
+            <p:spPr>
+              <a:xfrm>
+                <a:off x="3079726" y="642502"/>
+                <a:ext cx="559191" cy="657681"/>
+              </a:xfrm>
+              <a:prstGeom prst="rect">
+                <a:avLst/>
+              </a:prstGeom>
+              <a:noFill/>
+            </p:spPr>
+            <p:txBody>
+              <a:bodyPr wrap="none" rtlCol="0">
+                <a:spAutoFit/>
+              </a:bodyPr>
+              <a:lstStyle/>
+              <a:p>
+                <a14:m>
+                  <m:oMathPara xmlns:m="http://schemas.openxmlformats.org/officeDocument/2006/math">
+                    <m:oMathParaPr>
+                      <m:jc m:val="centerGroup"/>
+                    </m:oMathParaPr>
+                    <m:oMath xmlns:m="http://schemas.openxmlformats.org/officeDocument/2006/math">
+                      <m:acc>
+                        <m:accPr>
+                          <m:chr m:val="⃗"/>
+                          <m:ctrlPr>
+                            <a:rPr lang="en-US" altLang="ko-KR" sz="3200" b="0" i="1" smtClean="0">
+                              <a:latin typeface="Cambria Math" panose="02040503050406030204" pitchFamily="18" charset="0"/>
+                            </a:rPr>
+                          </m:ctrlPr>
+                        </m:accPr>
+                        <m:e>
+                          <m:r>
+                            <a:rPr lang="en-US" altLang="ko-KR" sz="3200" b="0" i="1" smtClean="0">
+                              <a:latin typeface="Cambria Math" panose="02040503050406030204" pitchFamily="18" charset="0"/>
+                            </a:rPr>
+                            <m:t>𝑏</m:t>
+                          </m:r>
+                        </m:e>
+                      </m:acc>
+                    </m:oMath>
+                  </m:oMathPara>
+                </a14:m>
+                <a:endParaRPr lang="ko-KR" altLang="en-US" sz="3200" dirty="0"/>
+              </a:p>
+            </p:txBody>
+          </p:sp>
+        </mc:Choice>
+        <mc:Fallback>
+          <p:sp>
+            <p:nvSpPr>
+              <p:cNvPr id="16" name="TextBox 15">
+                <a:extLst>
+                  <a:ext uri="{FF2B5EF4-FFF2-40B4-BE49-F238E27FC236}">
+                    <a16:creationId xmlns:a16="http://schemas.microsoft.com/office/drawing/2014/main" id="{DC8C783C-A7A5-40AB-958D-D307F63BE019}"/>
+                  </a:ext>
+                </a:extLst>
+              </p:cNvPr>
+              <p:cNvSpPr txBox="1">
+                <a:spLocks noRot="1" noChangeAspect="1" noMove="1" noResize="1" noEditPoints="1" noAdjustHandles="1" noChangeArrowheads="1" noChangeShapeType="1" noTextEdit="1"/>
+              </p:cNvSpPr>
+              <p:nvPr/>
+            </p:nvSpPr>
+            <p:spPr>
+              <a:xfrm>
+                <a:off x="3079726" y="642502"/>
+                <a:ext cx="559191" cy="657681"/>
+              </a:xfrm>
+              <a:prstGeom prst="rect">
+                <a:avLst/>
+              </a:prstGeom>
+              <a:blipFill>
+                <a:blip r:embed="rId3"/>
+                <a:stretch>
+                  <a:fillRect/>
+                </a:stretch>
+              </a:blipFill>
+            </p:spPr>
+            <p:txBody>
+              <a:bodyPr/>
+              <a:lstStyle/>
+              <a:p>
+                <a:r>
+                  <a:rPr lang="ko-KR" altLang="en-US">
+                    <a:noFill/>
+                  </a:rPr>
+                  <a:t> </a:t>
+                </a:r>
+              </a:p>
+            </p:txBody>
+          </p:sp>
+        </mc:Fallback>
+      </mc:AlternateContent>
+      <mc:AlternateContent xmlns:mc="http://schemas.openxmlformats.org/markup-compatibility/2006">
+        <mc:Choice xmlns:a14="http://schemas.microsoft.com/office/drawing/2010/main" Requires="a14">
+          <p:sp>
+            <p:nvSpPr>
+              <p:cNvPr id="17" name="TextBox 16">
+                <a:extLst>
+                  <a:ext uri="{FF2B5EF4-FFF2-40B4-BE49-F238E27FC236}">
+                    <a16:creationId xmlns:a16="http://schemas.microsoft.com/office/drawing/2014/main" id="{AC074638-91A2-427E-82A2-58A17708AF61}"/>
+                  </a:ext>
+                </a:extLst>
+              </p:cNvPr>
+              <p:cNvSpPr txBox="1"/>
+              <p:nvPr/>
+            </p:nvSpPr>
+            <p:spPr>
+              <a:xfrm>
+                <a:off x="7410352" y="965814"/>
+                <a:ext cx="568169" cy="584775"/>
+              </a:xfrm>
+              <a:prstGeom prst="rect">
+                <a:avLst/>
+              </a:prstGeom>
+              <a:noFill/>
+            </p:spPr>
+            <p:txBody>
+              <a:bodyPr wrap="none" rtlCol="0">
+                <a:spAutoFit/>
+              </a:bodyPr>
+              <a:lstStyle/>
+              <a:p>
+                <a14:m>
+                  <m:oMathPara xmlns:m="http://schemas.openxmlformats.org/officeDocument/2006/math">
+                    <m:oMathParaPr>
+                      <m:jc m:val="centerGroup"/>
+                    </m:oMathParaPr>
+                    <m:oMath xmlns:m="http://schemas.openxmlformats.org/officeDocument/2006/math">
+                      <m:acc>
+                        <m:accPr>
+                          <m:chr m:val="⃗"/>
+                          <m:ctrlPr>
+                            <a:rPr lang="en-US" altLang="ko-KR" sz="3200" b="0" i="1" smtClean="0">
+                              <a:latin typeface="Cambria Math" panose="02040503050406030204" pitchFamily="18" charset="0"/>
+                            </a:rPr>
+                          </m:ctrlPr>
+                        </m:accPr>
+                        <m:e>
+                          <m:r>
+                            <a:rPr lang="en-US" altLang="ko-KR" sz="3200" b="0" i="1" smtClean="0">
+                              <a:latin typeface="Cambria Math" panose="02040503050406030204" pitchFamily="18" charset="0"/>
+                            </a:rPr>
+                            <m:t>𝑎</m:t>
+                          </m:r>
+                        </m:e>
+                      </m:acc>
+                    </m:oMath>
+                  </m:oMathPara>
+                </a14:m>
+                <a:endParaRPr lang="ko-KR" altLang="en-US" sz="3200" dirty="0"/>
+              </a:p>
+            </p:txBody>
+          </p:sp>
+        </mc:Choice>
+        <mc:Fallback>
+          <p:sp>
+            <p:nvSpPr>
+              <p:cNvPr id="17" name="TextBox 16">
+                <a:extLst>
+                  <a:ext uri="{FF2B5EF4-FFF2-40B4-BE49-F238E27FC236}">
+                    <a16:creationId xmlns:a16="http://schemas.microsoft.com/office/drawing/2014/main" id="{AC074638-91A2-427E-82A2-58A17708AF61}"/>
+                  </a:ext>
+                </a:extLst>
+              </p:cNvPr>
+              <p:cNvSpPr txBox="1">
+                <a:spLocks noRot="1" noChangeAspect="1" noMove="1" noResize="1" noEditPoints="1" noAdjustHandles="1" noChangeArrowheads="1" noChangeShapeType="1" noTextEdit="1"/>
+              </p:cNvSpPr>
+              <p:nvPr/>
+            </p:nvSpPr>
+            <p:spPr>
+              <a:xfrm>
+                <a:off x="7410352" y="965814"/>
+                <a:ext cx="568169" cy="584775"/>
+              </a:xfrm>
+              <a:prstGeom prst="rect">
+                <a:avLst/>
+              </a:prstGeom>
+              <a:blipFill>
+                <a:blip r:embed="rId4"/>
+                <a:stretch>
+                  <a:fillRect/>
+                </a:stretch>
+              </a:blipFill>
+            </p:spPr>
+            <p:txBody>
+              <a:bodyPr/>
+              <a:lstStyle/>
+              <a:p>
+                <a:r>
+                  <a:rPr lang="ko-KR" altLang="en-US">
+                    <a:noFill/>
+                  </a:rPr>
+                  <a:t> </a:t>
+                </a:r>
+              </a:p>
+            </p:txBody>
+          </p:sp>
+        </mc:Fallback>
+      </mc:AlternateContent>
+      <p:cxnSp>
+        <p:nvCxnSpPr>
+          <p:cNvPr id="24" name="직선 연결선 23">
+            <a:extLst>
+              <a:ext uri="{FF2B5EF4-FFF2-40B4-BE49-F238E27FC236}">
+                <a16:creationId xmlns:a16="http://schemas.microsoft.com/office/drawing/2014/main" id="{22BDED62-7F2B-4B1A-90BE-2E4369F8A961}"/>
+              </a:ext>
+            </a:extLst>
+          </p:cNvPr>
+          <p:cNvCxnSpPr>
+            <a:cxnSpLocks/>
+          </p:cNvCxnSpPr>
+          <p:nvPr/>
+        </p:nvCxnSpPr>
+        <p:spPr>
+          <a:xfrm>
+            <a:off x="828469" y="3699698"/>
+            <a:ext cx="1996330" cy="1996330"/>
+          </a:xfrm>
+          <a:prstGeom prst="line">
+            <a:avLst/>
+          </a:prstGeom>
+          <a:ln>
+            <a:solidFill>
+              <a:schemeClr val="tx1"/>
+            </a:solidFill>
+            <a:prstDash val="dash"/>
+          </a:ln>
+        </p:spPr>
+        <p:style>
+          <a:lnRef idx="1">
+            <a:schemeClr val="accent1"/>
+          </a:lnRef>
+          <a:fillRef idx="0">
+            <a:schemeClr val="accent1"/>
+          </a:fillRef>
+          <a:effectRef idx="0">
+            <a:schemeClr val="accent1"/>
+          </a:effectRef>
+          <a:fontRef idx="minor">
+            <a:schemeClr val="tx1"/>
+          </a:fontRef>
+        </p:style>
+      </p:cxnSp>
+      <p:cxnSp>
+        <p:nvCxnSpPr>
+          <p:cNvPr id="25" name="직선 화살표 연결선 24">
+            <a:extLst>
+              <a:ext uri="{FF2B5EF4-FFF2-40B4-BE49-F238E27FC236}">
+                <a16:creationId xmlns:a16="http://schemas.microsoft.com/office/drawing/2014/main" id="{DEC2B096-5976-46F7-AE8F-EFB24C3C3A4D}"/>
+              </a:ext>
+            </a:extLst>
+          </p:cNvPr>
+          <p:cNvCxnSpPr>
+            <a:cxnSpLocks/>
+          </p:cNvCxnSpPr>
+          <p:nvPr/>
+        </p:nvCxnSpPr>
+        <p:spPr>
+          <a:xfrm flipV="1">
+            <a:off x="823718" y="837809"/>
+            <a:ext cx="2908048" cy="2861889"/>
+          </a:xfrm>
+          <a:prstGeom prst="straightConnector1">
+            <a:avLst/>
+          </a:prstGeom>
+          <a:ln w="9525">
+            <a:solidFill>
+              <a:schemeClr val="tx1"/>
+            </a:solidFill>
+            <a:prstDash val="sysDash"/>
+            <a:headEnd type="none" w="med" len="med"/>
+            <a:tailEnd type="none" w="med" len="med"/>
+          </a:ln>
+        </p:spPr>
+        <p:style>
+          <a:lnRef idx="1">
+            <a:schemeClr val="accent1"/>
+          </a:lnRef>
+          <a:fillRef idx="0">
+            <a:schemeClr val="accent1"/>
+          </a:fillRef>
+          <a:effectRef idx="0">
+            <a:schemeClr val="accent1"/>
+          </a:effectRef>
+          <a:fontRef idx="minor">
+            <a:schemeClr val="tx1"/>
+          </a:fontRef>
+        </p:style>
+      </p:cxnSp>
+      <p:cxnSp>
+        <p:nvCxnSpPr>
+          <p:cNvPr id="5" name="직선 화살표 연결선 4">
+            <a:extLst>
+              <a:ext uri="{FF2B5EF4-FFF2-40B4-BE49-F238E27FC236}">
+                <a16:creationId xmlns:a16="http://schemas.microsoft.com/office/drawing/2014/main" id="{12B93C8E-C00E-4002-A3D5-FA0294CD6D7C}"/>
+              </a:ext>
+            </a:extLst>
+          </p:cNvPr>
+          <p:cNvCxnSpPr>
+            <a:cxnSpLocks/>
+          </p:cNvCxnSpPr>
+          <p:nvPr/>
+        </p:nvCxnSpPr>
+        <p:spPr>
+          <a:xfrm flipV="1">
+            <a:off x="2785609" y="836712"/>
+            <a:ext cx="946849" cy="4859316"/>
+          </a:xfrm>
+          <a:prstGeom prst="straightConnector1">
+            <a:avLst/>
+          </a:prstGeom>
+          <a:ln w="57150">
+            <a:solidFill>
+              <a:schemeClr val="tx1"/>
+            </a:solidFill>
+            <a:tailEnd type="triangle"/>
+          </a:ln>
+        </p:spPr>
+        <p:style>
+          <a:lnRef idx="1">
+            <a:schemeClr val="accent1"/>
+          </a:lnRef>
+          <a:fillRef idx="0">
+            <a:schemeClr val="accent1"/>
+          </a:fillRef>
+          <a:effectRef idx="0">
+            <a:schemeClr val="accent1"/>
+          </a:effectRef>
+          <a:fontRef idx="minor">
+            <a:schemeClr val="tx1"/>
+          </a:fontRef>
+        </p:style>
+      </p:cxnSp>
+      <mc:AlternateContent xmlns:mc="http://schemas.openxmlformats.org/markup-compatibility/2006">
+        <mc:Choice xmlns:a14="http://schemas.microsoft.com/office/drawing/2010/main" Requires="a14">
+          <p:sp>
+            <p:nvSpPr>
+              <p:cNvPr id="27" name="TextBox 26">
+                <a:extLst>
+                  <a:ext uri="{FF2B5EF4-FFF2-40B4-BE49-F238E27FC236}">
+                    <a16:creationId xmlns:a16="http://schemas.microsoft.com/office/drawing/2014/main" id="{6613D9F3-7A14-4F77-BF01-40CA03E133F4}"/>
+                  </a:ext>
+                </a:extLst>
+              </p:cNvPr>
+              <p:cNvSpPr txBox="1"/>
+              <p:nvPr/>
+            </p:nvSpPr>
+            <p:spPr>
+              <a:xfrm>
+                <a:off x="4067944" y="4105304"/>
+                <a:ext cx="4224939" cy="1060483"/>
+              </a:xfrm>
+              <a:prstGeom prst="rect">
+                <a:avLst/>
+              </a:prstGeom>
+              <a:noFill/>
+            </p:spPr>
+            <p:txBody>
+              <a:bodyPr wrap="none" rtlCol="0">
+                <a:spAutoFit/>
+              </a:bodyPr>
+              <a:lstStyle/>
+              <a:p>
+                <a14:m>
+                  <m:oMathPara xmlns:m="http://schemas.openxmlformats.org/officeDocument/2006/math">
+                    <m:oMathParaPr>
+                      <m:jc m:val="centerGroup"/>
+                    </m:oMathParaPr>
+                    <m:oMath xmlns:m="http://schemas.openxmlformats.org/officeDocument/2006/math">
+                      <m:r>
+                        <a:rPr lang="en-US" altLang="ko-KR" sz="2800" b="0" i="1" dirty="0" smtClean="0">
+                          <a:solidFill>
+                            <a:srgbClr val="FF0000"/>
+                          </a:solidFill>
+                          <a:latin typeface="Cambria Math" panose="02040503050406030204" pitchFamily="18" charset="0"/>
+                        </a:rPr>
+                        <m:t>𝑐𝑜𝑚</m:t>
+                      </m:r>
+                      <m:sSub>
+                        <m:sSubPr>
+                          <m:ctrlPr>
+                            <a:rPr lang="en-US" altLang="ko-KR" sz="2800" b="0" i="1" dirty="0" smtClean="0">
+                              <a:solidFill>
+                                <a:srgbClr val="FF0000"/>
+                              </a:solidFill>
+                              <a:latin typeface="Cambria Math" panose="02040503050406030204" pitchFamily="18" charset="0"/>
+                            </a:rPr>
+                          </m:ctrlPr>
+                        </m:sSubPr>
+                        <m:e>
+                          <m:r>
+                            <a:rPr lang="en-US" altLang="ko-KR" sz="2800" b="0" i="1" dirty="0" smtClean="0">
+                              <a:solidFill>
+                                <a:srgbClr val="FF0000"/>
+                              </a:solidFill>
+                              <a:latin typeface="Cambria Math" panose="02040503050406030204" pitchFamily="18" charset="0"/>
+                            </a:rPr>
+                            <m:t>𝑝</m:t>
+                          </m:r>
+                        </m:e>
+                        <m:sub>
+                          <m:acc>
+                            <m:accPr>
+                              <m:chr m:val="⃗"/>
+                              <m:ctrlPr>
+                                <a:rPr lang="en-US" altLang="ko-KR" sz="2800" b="0" i="1" dirty="0" smtClean="0">
+                                  <a:solidFill>
+                                    <a:srgbClr val="FF0000"/>
+                                  </a:solidFill>
+                                  <a:latin typeface="Cambria Math" panose="02040503050406030204" pitchFamily="18" charset="0"/>
+                                </a:rPr>
+                              </m:ctrlPr>
+                            </m:accPr>
+                            <m:e>
+                              <m:r>
+                                <a:rPr lang="en-US" altLang="ko-KR" sz="2800" b="0" i="1" dirty="0" smtClean="0">
+                                  <a:solidFill>
+                                    <a:srgbClr val="FF0000"/>
+                                  </a:solidFill>
+                                  <a:latin typeface="Cambria Math" panose="02040503050406030204" pitchFamily="18" charset="0"/>
+                                </a:rPr>
+                                <m:t>𝑎</m:t>
+                              </m:r>
+                            </m:e>
+                          </m:acc>
+                        </m:sub>
+                      </m:sSub>
+                      <m:acc>
+                        <m:accPr>
+                          <m:chr m:val="⃗"/>
+                          <m:ctrlPr>
+                            <a:rPr lang="en-US" altLang="ko-KR" sz="2800" b="0" i="1" dirty="0" smtClean="0">
+                              <a:solidFill>
+                                <a:srgbClr val="FF0000"/>
+                              </a:solidFill>
+                              <a:latin typeface="Cambria Math" panose="02040503050406030204" pitchFamily="18" charset="0"/>
+                            </a:rPr>
+                          </m:ctrlPr>
+                        </m:accPr>
+                        <m:e>
+                          <m:r>
+                            <a:rPr lang="en-US" altLang="ko-KR" sz="2800" b="0" i="1" dirty="0" smtClean="0">
+                              <a:solidFill>
+                                <a:srgbClr val="FF0000"/>
+                              </a:solidFill>
+                              <a:latin typeface="Cambria Math" panose="02040503050406030204" pitchFamily="18" charset="0"/>
+                            </a:rPr>
+                            <m:t>𝑏</m:t>
+                          </m:r>
+                        </m:e>
+                      </m:acc>
+                      <m:r>
+                        <a:rPr lang="en-US" altLang="ko-KR" sz="2800" b="0" i="1" dirty="0" smtClean="0">
+                          <a:solidFill>
+                            <a:srgbClr val="FF0000"/>
+                          </a:solidFill>
+                          <a:latin typeface="Cambria Math" panose="02040503050406030204" pitchFamily="18" charset="0"/>
+                        </a:rPr>
+                        <m:t>⋅</m:t>
+                      </m:r>
+                      <m:d>
+                        <m:dPr>
+                          <m:ctrlPr>
+                            <a:rPr lang="en-US" altLang="ko-KR" sz="2800" b="0" i="1" dirty="0" smtClean="0">
+                              <a:solidFill>
+                                <a:srgbClr val="FF0000"/>
+                              </a:solidFill>
+                              <a:latin typeface="Cambria Math" panose="02040503050406030204" pitchFamily="18" charset="0"/>
+                            </a:rPr>
+                          </m:ctrlPr>
+                        </m:dPr>
+                        <m:e>
+                          <m:f>
+                            <m:fPr>
+                              <m:ctrlPr>
+                                <a:rPr lang="en-US" altLang="ko-KR" sz="2800" b="0" i="1" dirty="0" smtClean="0">
+                                  <a:solidFill>
+                                    <a:srgbClr val="FF0000"/>
+                                  </a:solidFill>
+                                  <a:latin typeface="Cambria Math" panose="02040503050406030204" pitchFamily="18" charset="0"/>
+                                </a:rPr>
+                              </m:ctrlPr>
+                            </m:fPr>
+                            <m:num>
+                              <m:acc>
+                                <m:accPr>
+                                  <m:chr m:val="⃗"/>
+                                  <m:ctrlPr>
+                                    <a:rPr lang="en-US" altLang="ko-KR" sz="2800" b="0" i="1" dirty="0" smtClean="0">
+                                      <a:solidFill>
+                                        <a:srgbClr val="FF0000"/>
+                                      </a:solidFill>
+                                      <a:latin typeface="Cambria Math" panose="02040503050406030204" pitchFamily="18" charset="0"/>
+                                    </a:rPr>
+                                  </m:ctrlPr>
+                                </m:accPr>
+                                <m:e>
+                                  <m:r>
+                                    <a:rPr lang="en-US" altLang="ko-KR" sz="2800" b="0" i="1" dirty="0" smtClean="0">
+                                      <a:solidFill>
+                                        <a:srgbClr val="FF0000"/>
+                                      </a:solidFill>
+                                      <a:latin typeface="Cambria Math" panose="02040503050406030204" pitchFamily="18" charset="0"/>
+                                    </a:rPr>
+                                    <m:t>𝑎</m:t>
+                                  </m:r>
+                                </m:e>
+                              </m:acc>
+                            </m:num>
+                            <m:den>
+                              <m:d>
+                                <m:dPr>
+                                  <m:begChr m:val="|"/>
+                                  <m:endChr m:val="|"/>
+                                  <m:ctrlPr>
+                                    <a:rPr lang="en-US" altLang="ko-KR" sz="2800" b="0" i="1" dirty="0" smtClean="0">
+                                      <a:solidFill>
+                                        <a:srgbClr val="FF0000"/>
+                                      </a:solidFill>
+                                      <a:latin typeface="Cambria Math" panose="02040503050406030204" pitchFamily="18" charset="0"/>
+                                    </a:rPr>
+                                  </m:ctrlPr>
+                                </m:dPr>
+                                <m:e>
+                                  <m:acc>
+                                    <m:accPr>
+                                      <m:chr m:val="⃗"/>
+                                      <m:ctrlPr>
+                                        <a:rPr lang="en-US" altLang="ko-KR" sz="2800" b="0" i="1" dirty="0" smtClean="0">
+                                          <a:solidFill>
+                                            <a:srgbClr val="FF0000"/>
+                                          </a:solidFill>
+                                          <a:latin typeface="Cambria Math" panose="02040503050406030204" pitchFamily="18" charset="0"/>
+                                        </a:rPr>
+                                      </m:ctrlPr>
+                                    </m:accPr>
+                                    <m:e>
+                                      <m:r>
+                                        <a:rPr lang="en-US" altLang="ko-KR" sz="2800" b="0" i="1" dirty="0" smtClean="0">
+                                          <a:solidFill>
+                                            <a:srgbClr val="FF0000"/>
+                                          </a:solidFill>
+                                          <a:latin typeface="Cambria Math" panose="02040503050406030204" pitchFamily="18" charset="0"/>
+                                        </a:rPr>
+                                        <m:t>𝑎</m:t>
+                                      </m:r>
+                                    </m:e>
+                                  </m:acc>
+                                </m:e>
+                              </m:d>
+                            </m:den>
+                          </m:f>
+                        </m:e>
+                      </m:d>
+                      <m:r>
+                        <a:rPr lang="en-US" altLang="ko-KR" sz="2800" b="0" i="1" dirty="0" smtClean="0">
+                          <a:solidFill>
+                            <a:srgbClr val="FF0000"/>
+                          </a:solidFill>
+                          <a:latin typeface="Cambria Math" panose="02040503050406030204" pitchFamily="18" charset="0"/>
+                        </a:rPr>
+                        <m:t>=</m:t>
+                      </m:r>
+                      <m:r>
+                        <a:rPr lang="en-US" altLang="ko-KR" sz="2800" b="0" i="1" smtClean="0">
+                          <a:solidFill>
+                            <a:srgbClr val="FF0000"/>
+                          </a:solidFill>
+                          <a:latin typeface="Cambria Math" panose="02040503050406030204" pitchFamily="18" charset="0"/>
+                        </a:rPr>
+                        <m:t>𝑝𝑟𝑜</m:t>
+                      </m:r>
+                      <m:sSub>
+                        <m:sSubPr>
+                          <m:ctrlPr>
+                            <a:rPr lang="en-US" altLang="ko-KR" sz="2800" b="0" i="1" smtClean="0">
+                              <a:solidFill>
+                                <a:srgbClr val="FF0000"/>
+                              </a:solidFill>
+                              <a:latin typeface="Cambria Math" panose="02040503050406030204" pitchFamily="18" charset="0"/>
+                            </a:rPr>
+                          </m:ctrlPr>
+                        </m:sSubPr>
+                        <m:e>
+                          <m:r>
+                            <a:rPr lang="en-US" altLang="ko-KR" sz="2800" b="0" i="1" smtClean="0">
+                              <a:solidFill>
+                                <a:srgbClr val="FF0000"/>
+                              </a:solidFill>
+                              <a:latin typeface="Cambria Math" panose="02040503050406030204" pitchFamily="18" charset="0"/>
+                            </a:rPr>
+                            <m:t>𝑗</m:t>
+                          </m:r>
+                        </m:e>
+                        <m:sub>
+                          <m:acc>
+                            <m:accPr>
+                              <m:chr m:val="⃗"/>
+                              <m:ctrlPr>
+                                <a:rPr lang="en-US" altLang="ko-KR" sz="2800" b="0" i="1" smtClean="0">
+                                  <a:solidFill>
+                                    <a:srgbClr val="FF0000"/>
+                                  </a:solidFill>
+                                  <a:latin typeface="Cambria Math" panose="02040503050406030204" pitchFamily="18" charset="0"/>
+                                </a:rPr>
+                              </m:ctrlPr>
+                            </m:accPr>
+                            <m:e>
+                              <m:r>
+                                <a:rPr lang="en-US" altLang="ko-KR" sz="2800" b="0" i="1" smtClean="0">
+                                  <a:solidFill>
+                                    <a:srgbClr val="FF0000"/>
+                                  </a:solidFill>
+                                  <a:latin typeface="Cambria Math" panose="02040503050406030204" pitchFamily="18" charset="0"/>
+                                </a:rPr>
+                                <m:t>𝑎</m:t>
+                              </m:r>
+                            </m:e>
+                          </m:acc>
+                        </m:sub>
+                      </m:sSub>
+                      <m:acc>
+                        <m:accPr>
+                          <m:chr m:val="⃗"/>
+                          <m:ctrlPr>
+                            <a:rPr lang="en-US" altLang="ko-KR" sz="2800" i="1">
+                              <a:solidFill>
+                                <a:srgbClr val="FF0000"/>
+                              </a:solidFill>
+                              <a:latin typeface="Cambria Math" panose="02040503050406030204" pitchFamily="18" charset="0"/>
+                            </a:rPr>
+                          </m:ctrlPr>
+                        </m:accPr>
+                        <m:e>
+                          <m:r>
+                            <a:rPr lang="en-US" altLang="ko-KR" sz="2800" i="1">
+                              <a:solidFill>
+                                <a:srgbClr val="FF0000"/>
+                              </a:solidFill>
+                              <a:latin typeface="Cambria Math" panose="02040503050406030204" pitchFamily="18" charset="0"/>
+                            </a:rPr>
+                            <m:t>𝑏</m:t>
+                          </m:r>
+                        </m:e>
+                      </m:acc>
+                    </m:oMath>
+                  </m:oMathPara>
+                </a14:m>
+                <a:endParaRPr lang="en-US" altLang="ko-KR" sz="2800" dirty="0">
+                  <a:solidFill>
+                    <a:srgbClr val="FF0000"/>
+                  </a:solidFill>
+                </a:endParaRPr>
+              </a:p>
+            </p:txBody>
+          </p:sp>
+        </mc:Choice>
+        <mc:Fallback>
+          <p:sp>
+            <p:nvSpPr>
+              <p:cNvPr id="27" name="TextBox 26">
+                <a:extLst>
+                  <a:ext uri="{FF2B5EF4-FFF2-40B4-BE49-F238E27FC236}">
+                    <a16:creationId xmlns:a16="http://schemas.microsoft.com/office/drawing/2014/main" id="{6613D9F3-7A14-4F77-BF01-40CA03E133F4}"/>
+                  </a:ext>
+                </a:extLst>
+              </p:cNvPr>
+              <p:cNvSpPr txBox="1">
+                <a:spLocks noRot="1" noChangeAspect="1" noMove="1" noResize="1" noEditPoints="1" noAdjustHandles="1" noChangeArrowheads="1" noChangeShapeType="1" noTextEdit="1"/>
+              </p:cNvSpPr>
+              <p:nvPr/>
+            </p:nvSpPr>
+            <p:spPr>
+              <a:xfrm>
+                <a:off x="4067944" y="4105304"/>
+                <a:ext cx="4224939" cy="1060483"/>
+              </a:xfrm>
+              <a:prstGeom prst="rect">
+                <a:avLst/>
+              </a:prstGeom>
+              <a:blipFill>
+                <a:blip r:embed="rId5"/>
+                <a:stretch>
+                  <a:fillRect/>
+                </a:stretch>
+              </a:blipFill>
+            </p:spPr>
+            <p:txBody>
+              <a:bodyPr/>
+              <a:lstStyle/>
+              <a:p>
+                <a:r>
+                  <a:rPr lang="ko-KR" altLang="en-US">
+                    <a:noFill/>
+                  </a:rPr>
+                  <a:t> </a:t>
+                </a:r>
+              </a:p>
+            </p:txBody>
+          </p:sp>
+        </mc:Fallback>
+      </mc:AlternateContent>
+      <mc:AlternateContent xmlns:mc="http://schemas.openxmlformats.org/markup-compatibility/2006">
+        <mc:Choice xmlns:a14="http://schemas.microsoft.com/office/drawing/2010/main" Requires="a14">
+          <p:sp>
+            <p:nvSpPr>
+              <p:cNvPr id="29" name="TextBox 28">
+                <a:extLst>
+                  <a:ext uri="{FF2B5EF4-FFF2-40B4-BE49-F238E27FC236}">
+                    <a16:creationId xmlns:a16="http://schemas.microsoft.com/office/drawing/2014/main" id="{134DC0A7-85D5-4797-98AD-E086BC3532A9}"/>
+                  </a:ext>
+                </a:extLst>
+              </p:cNvPr>
+              <p:cNvSpPr txBox="1"/>
+              <p:nvPr/>
+            </p:nvSpPr>
+            <p:spPr>
+              <a:xfrm>
+                <a:off x="3848743" y="5186099"/>
+                <a:ext cx="4663340" cy="549865"/>
+              </a:xfrm>
+              <a:prstGeom prst="rect">
+                <a:avLst/>
+              </a:prstGeom>
+              <a:noFill/>
+            </p:spPr>
+            <p:txBody>
+              <a:bodyPr wrap="square">
+                <a:spAutoFit/>
+              </a:bodyPr>
+              <a:lstStyle/>
+              <a:p>
+                <a:pPr algn="ctr"/>
+                <a:r>
+                  <a:rPr lang="ko-KR" altLang="en-US" sz="2400" dirty="0">
+                    <a:latin typeface="배달의민족 주아" panose="02020603020101020101" pitchFamily="18" charset="-127"/>
+                    <a:ea typeface="배달의민족 주아" panose="02020603020101020101" pitchFamily="18" charset="-127"/>
+                  </a:rPr>
+                  <a:t>벡터 </a:t>
+                </a:r>
+                <a14:m>
+                  <m:oMath xmlns:m="http://schemas.openxmlformats.org/officeDocument/2006/math">
+                    <m:acc>
+                      <m:accPr>
+                        <m:chr m:val="⃗"/>
+                        <m:ctrlPr>
+                          <a:rPr lang="en-US" altLang="ko-KR" sz="2400" b="0" i="1" smtClean="0">
+                            <a:latin typeface="Cambria Math" panose="02040503050406030204" pitchFamily="18" charset="0"/>
+                          </a:rPr>
+                        </m:ctrlPr>
+                      </m:accPr>
+                      <m:e>
+                        <m:r>
+                          <a:rPr lang="en-US" altLang="ko-KR" sz="2400" b="0" i="1" smtClean="0">
+                            <a:latin typeface="Cambria Math" panose="02040503050406030204" pitchFamily="18" charset="0"/>
+                          </a:rPr>
+                          <m:t>𝑏</m:t>
+                        </m:r>
+                      </m:e>
+                    </m:acc>
+                    <m:r>
+                      <a:rPr lang="ko-KR" altLang="en-US" sz="2400" i="1" dirty="0">
+                        <a:latin typeface="Cambria Math" panose="02040503050406030204" pitchFamily="18" charset="0"/>
+                      </a:rPr>
+                      <m:t>의</m:t>
+                    </m:r>
+                  </m:oMath>
+                </a14:m>
+                <a:r>
+                  <a:rPr lang="ko-KR" altLang="en-US" sz="2400" dirty="0">
+                    <a:latin typeface="배달의민족 주아" panose="02020603020101020101" pitchFamily="18" charset="-127"/>
+                    <a:ea typeface="배달의민족 주아" panose="02020603020101020101" pitchFamily="18" charset="-127"/>
+                  </a:rPr>
+                  <a:t> </a:t>
+                </a:r>
+                <a14:m>
+                  <m:oMath xmlns:m="http://schemas.openxmlformats.org/officeDocument/2006/math">
+                    <m:acc>
+                      <m:accPr>
+                        <m:chr m:val="⃗"/>
+                        <m:ctrlPr>
+                          <a:rPr lang="en-US" altLang="ko-KR" sz="2400" b="0" i="1" dirty="0" smtClean="0">
+                            <a:latin typeface="Cambria Math" panose="02040503050406030204" pitchFamily="18" charset="0"/>
+                          </a:rPr>
+                        </m:ctrlPr>
+                      </m:accPr>
+                      <m:e>
+                        <m:r>
+                          <a:rPr lang="en-US" altLang="ko-KR" sz="2400" b="0" i="1" dirty="0" smtClean="0">
+                            <a:latin typeface="Cambria Math" panose="02040503050406030204" pitchFamily="18" charset="0"/>
+                          </a:rPr>
+                          <m:t>𝑎</m:t>
+                        </m:r>
+                      </m:e>
+                    </m:acc>
+                    <m:r>
+                      <a:rPr lang="en-US" altLang="ko-KR" sz="2400" b="0" i="1" dirty="0" smtClean="0">
+                        <a:latin typeface="Cambria Math" panose="02040503050406030204" pitchFamily="18" charset="0"/>
+                      </a:rPr>
+                      <m:t> </m:t>
+                    </m:r>
+                  </m:oMath>
+                </a14:m>
+                <a:r>
+                  <a:rPr lang="ko-KR" altLang="en-US" sz="2400" dirty="0">
+                    <a:latin typeface="배달의민족 주아" panose="02020603020101020101" pitchFamily="18" charset="-127"/>
+                    <a:ea typeface="배달의민족 주아" panose="02020603020101020101" pitchFamily="18" charset="-127"/>
+                  </a:rPr>
+                  <a:t>방향으로의 정사영 </a:t>
+                </a:r>
+                <a:r>
+                  <a:rPr lang="en-US" altLang="ko-KR" sz="2400" dirty="0">
+                    <a:latin typeface="배달의민족 주아" panose="02020603020101020101" pitchFamily="18" charset="-127"/>
+                    <a:ea typeface="배달의민족 주아" panose="02020603020101020101" pitchFamily="18" charset="-127"/>
+                  </a:rPr>
+                  <a:t>(</a:t>
+                </a:r>
+                <a:r>
+                  <a:rPr lang="ko-KR" altLang="en-US" sz="2400" dirty="0">
+                    <a:latin typeface="배달의민족 주아" panose="02020603020101020101" pitchFamily="18" charset="-127"/>
+                    <a:ea typeface="배달의민족 주아" panose="02020603020101020101" pitchFamily="18" charset="-127"/>
+                  </a:rPr>
+                  <a:t>벡터</a:t>
+                </a:r>
+                <a:r>
+                  <a:rPr lang="en-US" altLang="ko-KR" sz="2400" dirty="0">
+                    <a:latin typeface="배달의민족 주아" panose="02020603020101020101" pitchFamily="18" charset="-127"/>
+                    <a:ea typeface="배달의민족 주아" panose="02020603020101020101" pitchFamily="18" charset="-127"/>
+                  </a:rPr>
+                  <a:t>)</a:t>
+                </a:r>
+              </a:p>
+            </p:txBody>
+          </p:sp>
+        </mc:Choice>
+        <mc:Fallback>
+          <p:sp>
+            <p:nvSpPr>
+              <p:cNvPr id="29" name="TextBox 28">
+                <a:extLst>
+                  <a:ext uri="{FF2B5EF4-FFF2-40B4-BE49-F238E27FC236}">
+                    <a16:creationId xmlns:a16="http://schemas.microsoft.com/office/drawing/2014/main" id="{134DC0A7-85D5-4797-98AD-E086BC3532A9}"/>
+                  </a:ext>
+                </a:extLst>
+              </p:cNvPr>
+              <p:cNvSpPr txBox="1">
+                <a:spLocks noRot="1" noChangeAspect="1" noMove="1" noResize="1" noEditPoints="1" noAdjustHandles="1" noChangeArrowheads="1" noChangeShapeType="1" noTextEdit="1"/>
+              </p:cNvSpPr>
+              <p:nvPr/>
+            </p:nvSpPr>
+            <p:spPr>
+              <a:xfrm>
+                <a:off x="3848743" y="5186099"/>
+                <a:ext cx="4663340" cy="549865"/>
+              </a:xfrm>
+              <a:prstGeom prst="rect">
+                <a:avLst/>
+              </a:prstGeom>
+              <a:blipFill>
+                <a:blip r:embed="rId6"/>
+                <a:stretch>
+                  <a:fillRect b="-20000"/>
+                </a:stretch>
+              </a:blipFill>
+            </p:spPr>
+            <p:txBody>
+              <a:bodyPr/>
+              <a:lstStyle/>
+              <a:p>
+                <a:r>
+                  <a:rPr lang="ko-KR" altLang="en-US">
+                    <a:noFill/>
+                  </a:rPr>
+                  <a:t> </a:t>
+                </a:r>
+              </a:p>
+            </p:txBody>
+          </p:sp>
+        </mc:Fallback>
+      </mc:AlternateContent>
+    </p:spTree>
+    <p:extLst>
+      <p:ext uri="{BB962C8B-B14F-4D97-AF65-F5344CB8AC3E}">
+        <p14:creationId xmlns:p14="http://schemas.microsoft.com/office/powerpoint/2010/main" val="2326454113"/>
+      </p:ext>
+    </p:extLst>
+  </p:cSld>
+  <p:clrMapOvr>
+    <a:masterClrMapping/>
+  </p:clrMapOvr>
+</p:sld>
+</file>
+
+<file path=ppt/slides/slide3.xml><?xml version="1.0" encoding="utf-8"?>
+<p:sld xmlns:a="http://schemas.openxmlformats.org/drawingml/2006/main" xmlns:r="http://schemas.openxmlformats.org/officeDocument/2006/relationships" xmlns:p="http://schemas.openxmlformats.org/presentationml/2006/main">
+  <p:cSld>
+    <p:spTree>
+      <p:nvGrpSpPr>
+        <p:cNvPr id="1" name=""/>
+        <p:cNvGrpSpPr/>
+        <p:nvPr/>
+      </p:nvGrpSpPr>
+      <p:grpSpPr>
+        <a:xfrm>
+          <a:off x="0" y="0"/>
+          <a:ext cx="0" cy="0"/>
+          <a:chOff x="0" y="0"/>
+          <a:chExt cx="0" cy="0"/>
+        </a:xfrm>
+      </p:grpSpPr>
+      <p:sp>
+        <p:nvSpPr>
           <p:cNvPr id="5" name="직사각형 4"/>
           <p:cNvSpPr/>
           <p:nvPr/>
@@ -3177,7 +5462,7 @@
                         <m:sSubPr>
                           <m:ctrlPr>
                             <a:rPr lang="en-US" altLang="ko-KR" sz="5400" b="0" i="1" smtClean="0">
-                              <a:latin typeface="Cambria Math"/>
+                              <a:latin typeface="Cambria Math" panose="02040503050406030204" pitchFamily="18" charset="0"/>
                             </a:rPr>
                           </m:ctrlPr>
                         </m:sSubPr>
@@ -3208,7 +5493,7 @@
                         <m:sSubPr>
                           <m:ctrlPr>
                             <a:rPr lang="en-US" altLang="ko-KR" sz="5400" b="0" i="1" smtClean="0">
-                              <a:latin typeface="Cambria Math"/>
+                              <a:latin typeface="Cambria Math" panose="02040503050406030204" pitchFamily="18" charset="0"/>
                             </a:rPr>
                           </m:ctrlPr>
                         </m:sSubPr>
@@ -3239,7 +5524,7 @@
                         <m:sSubPr>
                           <m:ctrlPr>
                             <a:rPr lang="en-US" altLang="ko-KR" sz="5400" b="0" i="1" smtClean="0">
-                              <a:latin typeface="Cambria Math"/>
+                              <a:latin typeface="Cambria Math" panose="02040503050406030204" pitchFamily="18" charset="0"/>
                             </a:rPr>
                           </m:ctrlPr>
                         </m:sSubPr>
@@ -3259,7 +5544,7 @@
                             <m:sSubPr>
                               <m:ctrlPr>
                                 <a:rPr lang="en-US" altLang="ko-KR" sz="5400" b="0" i="1" smtClean="0">
-                                  <a:latin typeface="Cambria Math"/>
+                                  <a:latin typeface="Cambria Math" panose="02040503050406030204" pitchFamily="18" charset="0"/>
                                 </a:rPr>
                               </m:ctrlPr>
                             </m:sSubPr>
@@ -3292,7 +5577,7 @@
                         <m:sSubPr>
                           <m:ctrlPr>
                             <a:rPr lang="en-US" altLang="ko-KR" sz="5400" b="0" i="1" smtClean="0">
-                              <a:latin typeface="Cambria Math"/>
+                              <a:latin typeface="Cambria Math" panose="02040503050406030204" pitchFamily="18" charset="0"/>
                             </a:rPr>
                           </m:ctrlPr>
                         </m:sSubPr>
@@ -3397,7 +5682,7 @@
                       <m:sSubPr>
                         <m:ctrlPr>
                           <a:rPr lang="en-US" altLang="ko-KR" sz="3200" b="0" i="1" smtClean="0">
-                            <a:latin typeface="Cambria Math"/>
+                            <a:latin typeface="Cambria Math" panose="02040503050406030204" pitchFamily="18" charset="0"/>
                           </a:rPr>
                         </m:ctrlPr>
                       </m:sSubPr>
@@ -3421,7 +5706,7 @@
                   </m:oMath>
                 </a14:m>
                 <a:r>
-                  <a:rPr lang="ko-KR" altLang="en-US" sz="3200" dirty="0" smtClean="0">
+                  <a:rPr lang="ko-KR" altLang="en-US" sz="3200" dirty="0">
                     <a:latin typeface="KoPub돋움체 Bold" pitchFamily="18" charset="-127"/>
                     <a:ea typeface="KoPub돋움체 Bold" pitchFamily="18" charset="-127"/>
                   </a:rPr>
@@ -3433,7 +5718,7 @@
                       <m:sSubPr>
                         <m:ctrlPr>
                           <a:rPr lang="en-US" altLang="ko-KR" sz="3200" b="0" i="1" smtClean="0">
-                            <a:latin typeface="Cambria Math"/>
+                            <a:latin typeface="Cambria Math" panose="02040503050406030204" pitchFamily="18" charset="0"/>
                           </a:rPr>
                         </m:ctrlPr>
                       </m:sSubPr>
@@ -3457,16 +5742,12 @@
                   </m:oMath>
                 </a14:m>
                 <a:r>
-                  <a:rPr lang="ko-KR" altLang="en-US" sz="3200" dirty="0" smtClean="0">
+                  <a:rPr lang="ko-KR" altLang="en-US" sz="3200" dirty="0">
                     <a:latin typeface="KoPub돋움체 Bold" pitchFamily="18" charset="-127"/>
                     <a:ea typeface="KoPub돋움체 Bold" pitchFamily="18" charset="-127"/>
                   </a:rPr>
                   <a:t>관련 성분</a:t>
                 </a:r>
-                <a:endParaRPr lang="ko-KR" altLang="en-US" sz="3200" dirty="0">
-                  <a:latin typeface="KoPub돋움체 Bold" pitchFamily="18" charset="-127"/>
-                  <a:ea typeface="KoPub돋움체 Bold" pitchFamily="18" charset="-127"/>
-                </a:endParaRPr>
               </a:p>
             </p:txBody>
           </p:sp>
@@ -3561,7 +5842,7 @@
 </p:sld>
 </file>
 
-<file path=ppt/slides/slide2.xml><?xml version="1.0" encoding="utf-8"?>
+<file path=ppt/slides/slide4.xml><?xml version="1.0" encoding="utf-8"?>
 <p:sld xmlns:a="http://schemas.openxmlformats.org/drawingml/2006/main" xmlns:r="http://schemas.openxmlformats.org/officeDocument/2006/relationships" xmlns:p="http://schemas.openxmlformats.org/presentationml/2006/main">
   <p:cSld>
     <p:spTree>
@@ -3772,8 +6053,8 @@
             </a:fontRef>
           </p:style>
         </p:cxnSp>
-        <mc:AlternateContent xmlns:mc="http://schemas.openxmlformats.org/markup-compatibility/2006">
-          <mc:Choice xmlns:a14="http://schemas.microsoft.com/office/drawing/2010/main" Requires="a14">
+        <mc:AlternateContent xmlns:mc="http://schemas.openxmlformats.org/markup-compatibility/2006" xmlns:a14="http://schemas.microsoft.com/office/drawing/2010/main">
+          <mc:Choice Requires="a14">
             <p:sp>
               <p:nvSpPr>
                 <p:cNvPr id="22" name="TextBox 21"/>
@@ -3807,7 +6088,7 @@
                           <m:sSubPr>
                             <m:ctrlPr>
                               <a:rPr lang="en-US" altLang="ko-KR" sz="2800" b="0" i="1" smtClean="0">
-                                <a:latin typeface="Cambria Math"/>
+                                <a:latin typeface="Cambria Math" panose="02040503050406030204" pitchFamily="18" charset="0"/>
                               </a:rPr>
                             </m:ctrlPr>
                           </m:sSubPr>
@@ -3836,7 +6117,7 @@
               </p:txBody>
             </p:sp>
           </mc:Choice>
-          <mc:Fallback>
+          <mc:Fallback xmlns="">
             <p:sp>
               <p:nvSpPr>
                 <p:cNvPr id="22" name="TextBox 21"/>
@@ -3875,8 +6156,8 @@
             </p:sp>
           </mc:Fallback>
         </mc:AlternateContent>
-        <mc:AlternateContent xmlns:mc="http://schemas.openxmlformats.org/markup-compatibility/2006">
-          <mc:Choice xmlns:a14="http://schemas.microsoft.com/office/drawing/2010/main" Requires="a14">
+        <mc:AlternateContent xmlns:mc="http://schemas.openxmlformats.org/markup-compatibility/2006" xmlns:a14="http://schemas.microsoft.com/office/drawing/2010/main">
+          <mc:Choice Requires="a14">
             <p:sp>
               <p:nvSpPr>
                 <p:cNvPr id="23" name="TextBox 22"/>
@@ -3910,7 +6191,7 @@
                           <m:sSubPr>
                             <m:ctrlPr>
                               <a:rPr lang="en-US" altLang="ko-KR" sz="2800" b="0" i="1" smtClean="0">
-                                <a:latin typeface="Cambria Math"/>
+                                <a:latin typeface="Cambria Math" panose="02040503050406030204" pitchFamily="18" charset="0"/>
                               </a:rPr>
                             </m:ctrlPr>
                           </m:sSubPr>
@@ -3939,7 +6220,7 @@
               </p:txBody>
             </p:sp>
           </mc:Choice>
-          <mc:Fallback>
+          <mc:Fallback xmlns="">
             <p:sp>
               <p:nvSpPr>
                 <p:cNvPr id="23" name="TextBox 22"/>
@@ -3978,8 +6259,8 @@
             </p:sp>
           </mc:Fallback>
         </mc:AlternateContent>
-        <mc:AlternateContent xmlns:mc="http://schemas.openxmlformats.org/markup-compatibility/2006">
-          <mc:Choice xmlns:a14="http://schemas.microsoft.com/office/drawing/2010/main" Requires="a14">
+        <mc:AlternateContent xmlns:mc="http://schemas.openxmlformats.org/markup-compatibility/2006" xmlns:a14="http://schemas.microsoft.com/office/drawing/2010/main">
+          <mc:Choice Requires="a14">
             <p:sp>
               <p:nvSpPr>
                 <p:cNvPr id="24" name="TextBox 23"/>
@@ -4012,8 +6293,8 @@
                         <m:sSub>
                           <m:sSubPr>
                             <m:ctrlPr>
-                              <a:rPr lang="en-US" altLang="ko-KR" sz="2800" b="0" i="0" smtClean="0">
-                                <a:latin typeface="Cambria Math"/>
+                              <a:rPr lang="en-US" altLang="ko-KR" sz="2800" b="0" i="1" smtClean="0">
+                                <a:latin typeface="Cambria Math" panose="02040503050406030204" pitchFamily="18" charset="0"/>
                               </a:rPr>
                             </m:ctrlPr>
                           </m:sSubPr>
@@ -4032,8 +6313,8 @@
                             <m:sSub>
                               <m:sSubPr>
                                 <m:ctrlPr>
-                                  <a:rPr lang="en-US" altLang="ko-KR" sz="2800" b="0" i="0" smtClean="0">
-                                    <a:latin typeface="Cambria Math"/>
+                                  <a:rPr lang="en-US" altLang="ko-KR" sz="2800" b="0" i="1" smtClean="0">
+                                    <a:latin typeface="Cambria Math" panose="02040503050406030204" pitchFamily="18" charset="0"/>
                                   </a:rPr>
                                 </m:ctrlPr>
                               </m:sSubPr>
@@ -4062,8 +6343,8 @@
                         <m:sSub>
                           <m:sSubPr>
                             <m:ctrlPr>
-                              <a:rPr lang="en-US" altLang="ko-KR" sz="2800" b="0" i="0" smtClean="0">
-                                <a:latin typeface="Cambria Math"/>
+                              <a:rPr lang="en-US" altLang="ko-KR" sz="2800" b="0" i="1" smtClean="0">
+                                <a:latin typeface="Cambria Math" panose="02040503050406030204" pitchFamily="18" charset="0"/>
                               </a:rPr>
                             </m:ctrlPr>
                           </m:sSubPr>
@@ -4095,7 +6376,7 @@
               </p:txBody>
             </p:sp>
           </mc:Choice>
-          <mc:Fallback>
+          <mc:Fallback xmlns="">
             <p:sp>
               <p:nvSpPr>
                 <p:cNvPr id="24" name="TextBox 23"/>
@@ -4242,8 +6523,8 @@
             </a:fontRef>
           </p:style>
         </p:cxnSp>
-        <mc:AlternateContent xmlns:mc="http://schemas.openxmlformats.org/markup-compatibility/2006">
-          <mc:Choice xmlns:a14="http://schemas.microsoft.com/office/drawing/2010/main" Requires="a14">
+        <mc:AlternateContent xmlns:mc="http://schemas.openxmlformats.org/markup-compatibility/2006" xmlns:a14="http://schemas.microsoft.com/office/drawing/2010/main">
+          <mc:Choice Requires="a14">
             <p:sp>
               <p:nvSpPr>
                 <p:cNvPr id="32" name="TextBox 31"/>
@@ -4277,7 +6558,7 @@
                           <m:sSubPr>
                             <m:ctrlPr>
                               <a:rPr lang="en-US" altLang="ko-KR" sz="2800" b="0" i="1" smtClean="0">
-                                <a:latin typeface="Cambria Math"/>
+                                <a:latin typeface="Cambria Math" panose="02040503050406030204" pitchFamily="18" charset="0"/>
                               </a:rPr>
                             </m:ctrlPr>
                           </m:sSubPr>
@@ -4308,7 +6589,7 @@
                           <m:sSubPr>
                             <m:ctrlPr>
                               <a:rPr lang="en-US" altLang="ko-KR" sz="2800" b="0" i="1" smtClean="0">
-                                <a:latin typeface="Cambria Math"/>
+                                <a:latin typeface="Cambria Math" panose="02040503050406030204" pitchFamily="18" charset="0"/>
                               </a:rPr>
                             </m:ctrlPr>
                           </m:sSubPr>
@@ -4337,7 +6618,7 @@
               </p:txBody>
             </p:sp>
           </mc:Choice>
-          <mc:Fallback>
+          <mc:Fallback xmlns="">
             <p:sp>
               <p:nvSpPr>
                 <p:cNvPr id="32" name="TextBox 31"/>
@@ -4376,8 +6657,8 @@
             </p:sp>
           </mc:Fallback>
         </mc:AlternateContent>
-        <mc:AlternateContent xmlns:mc="http://schemas.openxmlformats.org/markup-compatibility/2006">
-          <mc:Choice xmlns:a14="http://schemas.microsoft.com/office/drawing/2010/main" Requires="a14">
+        <mc:AlternateContent xmlns:mc="http://schemas.openxmlformats.org/markup-compatibility/2006" xmlns:a14="http://schemas.microsoft.com/office/drawing/2010/main">
+          <mc:Choice Requires="a14">
             <p:sp>
               <p:nvSpPr>
                 <p:cNvPr id="33" name="TextBox 32"/>
@@ -4411,7 +6692,7 @@
                           <m:sSubPr>
                             <m:ctrlPr>
                               <a:rPr lang="en-US" altLang="ko-KR" sz="2800" b="0" i="1" smtClean="0">
-                                <a:latin typeface="Cambria Math"/>
+                                <a:latin typeface="Cambria Math" panose="02040503050406030204" pitchFamily="18" charset="0"/>
                               </a:rPr>
                             </m:ctrlPr>
                           </m:sSubPr>
@@ -4440,7 +6721,7 @@
               </p:txBody>
             </p:sp>
           </mc:Choice>
-          <mc:Fallback>
+          <mc:Fallback xmlns="">
             <p:sp>
               <p:nvSpPr>
                 <p:cNvPr id="33" name="TextBox 32"/>
@@ -4479,8 +6760,8 @@
             </p:sp>
           </mc:Fallback>
         </mc:AlternateContent>
-        <mc:AlternateContent xmlns:mc="http://schemas.openxmlformats.org/markup-compatibility/2006">
-          <mc:Choice xmlns:a14="http://schemas.microsoft.com/office/drawing/2010/main" Requires="a14">
+        <mc:AlternateContent xmlns:mc="http://schemas.openxmlformats.org/markup-compatibility/2006" xmlns:a14="http://schemas.microsoft.com/office/drawing/2010/main">
+          <mc:Choice Requires="a14">
             <p:sp>
               <p:nvSpPr>
                 <p:cNvPr id="34" name="TextBox 33"/>
@@ -4514,7 +6795,7 @@
                           <m:sSubPr>
                             <m:ctrlPr>
                               <a:rPr lang="en-US" altLang="ko-KR" sz="2800" b="0" i="1" smtClean="0">
-                                <a:latin typeface="Cambria Math"/>
+                                <a:latin typeface="Cambria Math" panose="02040503050406030204" pitchFamily="18" charset="0"/>
                               </a:rPr>
                             </m:ctrlPr>
                           </m:sSubPr>
@@ -4543,7 +6824,7 @@
               </p:txBody>
             </p:sp>
           </mc:Choice>
-          <mc:Fallback>
+          <mc:Fallback xmlns="">
             <p:sp>
               <p:nvSpPr>
                 <p:cNvPr id="34" name="TextBox 33"/>

--- a/pics/2020-11-23-gram_schmidt/pics.pptx
+++ b/pics/2020-11-23-gram_schmidt/pics.pptx
@@ -7,8 +7,10 @@
   <p:sldIdLst>
     <p:sldId id="258" r:id="rId2"/>
     <p:sldId id="259" r:id="rId3"/>
-    <p:sldId id="256" r:id="rId4"/>
-    <p:sldId id="257" r:id="rId5"/>
+    <p:sldId id="260" r:id="rId4"/>
+    <p:sldId id="261" r:id="rId5"/>
+    <p:sldId id="256" r:id="rId6"/>
+    <p:sldId id="257" r:id="rId7"/>
   </p:sldIdLst>
   <p:sldSz cx="9144000" cy="6858000" type="screen4x3"/>
   <p:notesSz cx="6858000" cy="9144000"/>
@@ -109,7 +111,7 @@
   </p:defaultTextStyle>
   <p:extLst>
     <p:ext uri="{EFAFB233-063F-42B5-8137-9DF3F51BA10A}">
-      <p15:sldGuideLst xmlns:p15="http://schemas.microsoft.com/office/powerpoint/2012/main">
+      <p15:sldGuideLst xmlns:p15="http://schemas.microsoft.com/office/powerpoint/2012/main" xmlns="">
         <p15:guide id="1" orient="horz" pos="2160">
           <p15:clr>
             <a:srgbClr val="A4A3A4"/>
@@ -305,7 +307,7 @@
           <a:p>
             <a:fld id="{5E8ADD9A-8404-4EFD-A151-495D085594E9}" type="datetimeFigureOut">
               <a:rPr lang="ko-KR" altLang="en-US" smtClean="0"/>
-              <a:t>2021-01-31</a:t>
+              <a:t>2021-02-03</a:t>
             </a:fld>
             <a:endParaRPr lang="ko-KR" altLang="en-US"/>
           </a:p>
@@ -473,7 +475,7 @@
           <a:p>
             <a:fld id="{5E8ADD9A-8404-4EFD-A151-495D085594E9}" type="datetimeFigureOut">
               <a:rPr lang="ko-KR" altLang="en-US" smtClean="0"/>
-              <a:t>2021-01-31</a:t>
+              <a:t>2021-02-03</a:t>
             </a:fld>
             <a:endParaRPr lang="ko-KR" altLang="en-US"/>
           </a:p>
@@ -651,7 +653,7 @@
           <a:p>
             <a:fld id="{5E8ADD9A-8404-4EFD-A151-495D085594E9}" type="datetimeFigureOut">
               <a:rPr lang="ko-KR" altLang="en-US" smtClean="0"/>
-              <a:t>2021-01-31</a:t>
+              <a:t>2021-02-03</a:t>
             </a:fld>
             <a:endParaRPr lang="ko-KR" altLang="en-US"/>
           </a:p>
@@ -819,7 +821,7 @@
           <a:p>
             <a:fld id="{5E8ADD9A-8404-4EFD-A151-495D085594E9}" type="datetimeFigureOut">
               <a:rPr lang="ko-KR" altLang="en-US" smtClean="0"/>
-              <a:t>2021-01-31</a:t>
+              <a:t>2021-02-03</a:t>
             </a:fld>
             <a:endParaRPr lang="ko-KR" altLang="en-US"/>
           </a:p>
@@ -1064,7 +1066,7 @@
           <a:p>
             <a:fld id="{5E8ADD9A-8404-4EFD-A151-495D085594E9}" type="datetimeFigureOut">
               <a:rPr lang="ko-KR" altLang="en-US" smtClean="0"/>
-              <a:t>2021-01-31</a:t>
+              <a:t>2021-02-03</a:t>
             </a:fld>
             <a:endParaRPr lang="ko-KR" altLang="en-US"/>
           </a:p>
@@ -1349,7 +1351,7 @@
           <a:p>
             <a:fld id="{5E8ADD9A-8404-4EFD-A151-495D085594E9}" type="datetimeFigureOut">
               <a:rPr lang="ko-KR" altLang="en-US" smtClean="0"/>
-              <a:t>2021-01-31</a:t>
+              <a:t>2021-02-03</a:t>
             </a:fld>
             <a:endParaRPr lang="ko-KR" altLang="en-US"/>
           </a:p>
@@ -1768,7 +1770,7 @@
           <a:p>
             <a:fld id="{5E8ADD9A-8404-4EFD-A151-495D085594E9}" type="datetimeFigureOut">
               <a:rPr lang="ko-KR" altLang="en-US" smtClean="0"/>
-              <a:t>2021-01-31</a:t>
+              <a:t>2021-02-03</a:t>
             </a:fld>
             <a:endParaRPr lang="ko-KR" altLang="en-US"/>
           </a:p>
@@ -1885,7 +1887,7 @@
           <a:p>
             <a:fld id="{5E8ADD9A-8404-4EFD-A151-495D085594E9}" type="datetimeFigureOut">
               <a:rPr lang="ko-KR" altLang="en-US" smtClean="0"/>
-              <a:t>2021-01-31</a:t>
+              <a:t>2021-02-03</a:t>
             </a:fld>
             <a:endParaRPr lang="ko-KR" altLang="en-US"/>
           </a:p>
@@ -1980,7 +1982,7 @@
           <a:p>
             <a:fld id="{5E8ADD9A-8404-4EFD-A151-495D085594E9}" type="datetimeFigureOut">
               <a:rPr lang="ko-KR" altLang="en-US" smtClean="0"/>
-              <a:t>2021-01-31</a:t>
+              <a:t>2021-02-03</a:t>
             </a:fld>
             <a:endParaRPr lang="ko-KR" altLang="en-US"/>
           </a:p>
@@ -2255,7 +2257,7 @@
           <a:p>
             <a:fld id="{5E8ADD9A-8404-4EFD-A151-495D085594E9}" type="datetimeFigureOut">
               <a:rPr lang="ko-KR" altLang="en-US" smtClean="0"/>
-              <a:t>2021-01-31</a:t>
+              <a:t>2021-02-03</a:t>
             </a:fld>
             <a:endParaRPr lang="ko-KR" altLang="en-US"/>
           </a:p>
@@ -2507,7 +2509,7 @@
           <a:p>
             <a:fld id="{5E8ADD9A-8404-4EFD-A151-495D085594E9}" type="datetimeFigureOut">
               <a:rPr lang="ko-KR" altLang="en-US" smtClean="0"/>
-              <a:t>2021-01-31</a:t>
+              <a:t>2021-02-03</a:t>
             </a:fld>
             <a:endParaRPr lang="ko-KR" altLang="en-US"/>
           </a:p>
@@ -2718,7 +2720,7 @@
           <a:p>
             <a:fld id="{5E8ADD9A-8404-4EFD-A151-495D085594E9}" type="datetimeFigureOut">
               <a:rPr lang="ko-KR" altLang="en-US" smtClean="0"/>
-              <a:t>2021-01-31</a:t>
+              <a:t>2021-02-03</a:t>
             </a:fld>
             <a:endParaRPr lang="ko-KR" altLang="en-US"/>
           </a:p>
@@ -3098,7 +3100,7 @@
           <p:cNvPr id="13" name="원호 12">
             <a:extLst>
               <a:ext uri="{FF2B5EF4-FFF2-40B4-BE49-F238E27FC236}">
-                <a16:creationId xmlns:a16="http://schemas.microsoft.com/office/drawing/2014/main" id="{888DF389-40DF-44D4-9804-A162E620F3E1}"/>
+                <a16:creationId xmlns:a16="http://schemas.microsoft.com/office/drawing/2014/main" xmlns="" id="{888DF389-40DF-44D4-9804-A162E620F3E1}"/>
               </a:ext>
             </a:extLst>
           </p:cNvPr>
@@ -3151,7 +3153,7 @@
           <p:cNvPr id="6" name="직선 화살표 연결선 5">
             <a:extLst>
               <a:ext uri="{FF2B5EF4-FFF2-40B4-BE49-F238E27FC236}">
-                <a16:creationId xmlns:a16="http://schemas.microsoft.com/office/drawing/2014/main" id="{41871895-115B-4C2D-8AA2-35A27E339D32}"/>
+                <a16:creationId xmlns:a16="http://schemas.microsoft.com/office/drawing/2014/main" xmlns="" id="{41871895-115B-4C2D-8AA2-35A27E339D32}"/>
               </a:ext>
             </a:extLst>
           </p:cNvPr>
@@ -3195,7 +3197,7 @@
           <p:cNvPr id="10" name="직선 연결선 9">
             <a:extLst>
               <a:ext uri="{FF2B5EF4-FFF2-40B4-BE49-F238E27FC236}">
-                <a16:creationId xmlns:a16="http://schemas.microsoft.com/office/drawing/2014/main" id="{A9909453-2E4A-47E9-BF6C-31F5730E0AA2}"/>
+                <a16:creationId xmlns:a16="http://schemas.microsoft.com/office/drawing/2014/main" xmlns="" id="{A9909453-2E4A-47E9-BF6C-31F5730E0AA2}"/>
               </a:ext>
             </a:extLst>
           </p:cNvPr>
@@ -3239,7 +3241,7 @@
           <p:cNvPr id="11" name="직선 화살표 연결선 10">
             <a:extLst>
               <a:ext uri="{FF2B5EF4-FFF2-40B4-BE49-F238E27FC236}">
-                <a16:creationId xmlns:a16="http://schemas.microsoft.com/office/drawing/2014/main" id="{E11BA27E-F99C-44A9-8E1C-71DC2258D47E}"/>
+                <a16:creationId xmlns:a16="http://schemas.microsoft.com/office/drawing/2014/main" xmlns="" id="{E11BA27E-F99C-44A9-8E1C-71DC2258D47E}"/>
               </a:ext>
             </a:extLst>
           </p:cNvPr>
@@ -3279,14 +3281,14 @@
           </a:fontRef>
         </p:style>
       </p:cxnSp>
-      <mc:AlternateContent xmlns:mc="http://schemas.openxmlformats.org/markup-compatibility/2006">
-        <mc:Choice xmlns:a14="http://schemas.microsoft.com/office/drawing/2010/main" Requires="a14">
+      <mc:AlternateContent xmlns:mc="http://schemas.openxmlformats.org/markup-compatibility/2006" xmlns:a14="http://schemas.microsoft.com/office/drawing/2010/main">
+        <mc:Choice Requires="a14">
           <p:sp>
             <p:nvSpPr>
               <p:cNvPr id="14" name="TextBox 13">
                 <a:extLst>
                   <a:ext uri="{FF2B5EF4-FFF2-40B4-BE49-F238E27FC236}">
-                    <a16:creationId xmlns:a16="http://schemas.microsoft.com/office/drawing/2014/main" id="{F845D679-1B65-4B49-A4EA-166A9898B0D1}"/>
+                    <a16:creationId xmlns:a16="http://schemas.microsoft.com/office/drawing/2014/main" xmlns="" id="{F845D679-1B65-4B49-A4EA-166A9898B0D1}"/>
                   </a:ext>
                 </a:extLst>
               </p:cNvPr>
@@ -3309,6 +3311,7 @@
               </a:bodyPr>
               <a:lstStyle/>
               <a:p>
+                <a:pPr/>
                 <a14:m>
                   <m:oMathPara xmlns:m="http://schemas.openxmlformats.org/officeDocument/2006/math">
                     <m:oMathParaPr>
@@ -3329,7 +3332,7 @@
             </p:txBody>
           </p:sp>
         </mc:Choice>
-        <mc:Fallback>
+        <mc:Fallback xmlns="">
           <p:sp>
             <p:nvSpPr>
               <p:cNvPr id="14" name="TextBox 13">
@@ -3374,14 +3377,14 @@
           </p:sp>
         </mc:Fallback>
       </mc:AlternateContent>
-      <mc:AlternateContent xmlns:mc="http://schemas.openxmlformats.org/markup-compatibility/2006">
-        <mc:Choice xmlns:a14="http://schemas.microsoft.com/office/drawing/2010/main" Requires="a14">
+      <mc:AlternateContent xmlns:mc="http://schemas.openxmlformats.org/markup-compatibility/2006" xmlns:a14="http://schemas.microsoft.com/office/drawing/2010/main">
+        <mc:Choice Requires="a14">
           <p:sp>
             <p:nvSpPr>
               <p:cNvPr id="16" name="TextBox 15">
                 <a:extLst>
                   <a:ext uri="{FF2B5EF4-FFF2-40B4-BE49-F238E27FC236}">
-                    <a16:creationId xmlns:a16="http://schemas.microsoft.com/office/drawing/2014/main" id="{DC8C783C-A7A5-40AB-958D-D307F63BE019}"/>
+                    <a16:creationId xmlns:a16="http://schemas.microsoft.com/office/drawing/2014/main" xmlns="" id="{DC8C783C-A7A5-40AB-958D-D307F63BE019}"/>
                   </a:ext>
                 </a:extLst>
               </p:cNvPr>
@@ -3404,6 +3407,7 @@
               </a:bodyPr>
               <a:lstStyle/>
               <a:p>
+                <a:pPr/>
                 <a14:m>
                   <m:oMathPara xmlns:m="http://schemas.openxmlformats.org/officeDocument/2006/math">
                     <m:oMathParaPr>
@@ -3415,7 +3419,7 @@
                           <m:chr m:val="⃗"/>
                           <m:ctrlPr>
                             <a:rPr lang="en-US" altLang="ko-KR" sz="3200" b="0" i="1" smtClean="0">
-                              <a:latin typeface="Cambria Math" panose="02040503050406030204" pitchFamily="18" charset="0"/>
+                              <a:latin typeface="Cambria Math"/>
                             </a:rPr>
                           </m:ctrlPr>
                         </m:accPr>
@@ -3436,7 +3440,7 @@
             </p:txBody>
           </p:sp>
         </mc:Choice>
-        <mc:Fallback>
+        <mc:Fallback xmlns="">
           <p:sp>
             <p:nvSpPr>
               <p:cNvPr id="16" name="TextBox 15">
@@ -3481,14 +3485,14 @@
           </p:sp>
         </mc:Fallback>
       </mc:AlternateContent>
-      <mc:AlternateContent xmlns:mc="http://schemas.openxmlformats.org/markup-compatibility/2006">
-        <mc:Choice xmlns:a14="http://schemas.microsoft.com/office/drawing/2010/main" Requires="a14">
+      <mc:AlternateContent xmlns:mc="http://schemas.openxmlformats.org/markup-compatibility/2006" xmlns:a14="http://schemas.microsoft.com/office/drawing/2010/main">
+        <mc:Choice Requires="a14">
           <p:sp>
             <p:nvSpPr>
               <p:cNvPr id="17" name="TextBox 16">
                 <a:extLst>
                   <a:ext uri="{FF2B5EF4-FFF2-40B4-BE49-F238E27FC236}">
-                    <a16:creationId xmlns:a16="http://schemas.microsoft.com/office/drawing/2014/main" id="{AC074638-91A2-427E-82A2-58A17708AF61}"/>
+                    <a16:creationId xmlns:a16="http://schemas.microsoft.com/office/drawing/2014/main" xmlns="" id="{AC074638-91A2-427E-82A2-58A17708AF61}"/>
                   </a:ext>
                 </a:extLst>
               </p:cNvPr>
@@ -3511,6 +3515,7 @@
               </a:bodyPr>
               <a:lstStyle/>
               <a:p>
+                <a:pPr/>
                 <a14:m>
                   <m:oMathPara xmlns:m="http://schemas.openxmlformats.org/officeDocument/2006/math">
                     <m:oMathParaPr>
@@ -3522,7 +3527,7 @@
                           <m:chr m:val="⃗"/>
                           <m:ctrlPr>
                             <a:rPr lang="en-US" altLang="ko-KR" sz="3200" b="0" i="1" smtClean="0">
-                              <a:latin typeface="Cambria Math" panose="02040503050406030204" pitchFamily="18" charset="0"/>
+                              <a:latin typeface="Cambria Math"/>
                             </a:rPr>
                           </m:ctrlPr>
                         </m:accPr>
@@ -3543,7 +3548,7 @@
             </p:txBody>
           </p:sp>
         </mc:Choice>
-        <mc:Fallback>
+        <mc:Fallback xmlns="">
           <p:sp>
             <p:nvSpPr>
               <p:cNvPr id="17" name="TextBox 16">
@@ -3593,7 +3598,7 @@
           <p:cNvPr id="24" name="직선 연결선 23">
             <a:extLst>
               <a:ext uri="{FF2B5EF4-FFF2-40B4-BE49-F238E27FC236}">
-                <a16:creationId xmlns:a16="http://schemas.microsoft.com/office/drawing/2014/main" id="{22BDED62-7F2B-4B1A-90BE-2E4369F8A961}"/>
+                <a16:creationId xmlns:a16="http://schemas.microsoft.com/office/drawing/2014/main" xmlns="" id="{22BDED62-7F2B-4B1A-90BE-2E4369F8A961}"/>
               </a:ext>
             </a:extLst>
           </p:cNvPr>
@@ -3637,7 +3642,7 @@
           <p:cNvPr id="25" name="직선 화살표 연결선 24">
             <a:extLst>
               <a:ext uri="{FF2B5EF4-FFF2-40B4-BE49-F238E27FC236}">
-                <a16:creationId xmlns:a16="http://schemas.microsoft.com/office/drawing/2014/main" id="{DEC2B096-5976-46F7-AE8F-EFB24C3C3A4D}"/>
+                <a16:creationId xmlns:a16="http://schemas.microsoft.com/office/drawing/2014/main" xmlns="" id="{DEC2B096-5976-46F7-AE8F-EFB24C3C3A4D}"/>
               </a:ext>
             </a:extLst>
           </p:cNvPr>
@@ -3683,7 +3688,7 @@
           <p:cNvPr id="5" name="직선 화살표 연결선 4">
             <a:extLst>
               <a:ext uri="{FF2B5EF4-FFF2-40B4-BE49-F238E27FC236}">
-                <a16:creationId xmlns:a16="http://schemas.microsoft.com/office/drawing/2014/main" id="{12B93C8E-C00E-4002-A3D5-FA0294CD6D7C}"/>
+                <a16:creationId xmlns:a16="http://schemas.microsoft.com/office/drawing/2014/main" xmlns="" id="{12B93C8E-C00E-4002-A3D5-FA0294CD6D7C}"/>
               </a:ext>
             </a:extLst>
           </p:cNvPr>
@@ -3722,14 +3727,14 @@
           </a:fontRef>
         </p:style>
       </p:cxnSp>
-      <mc:AlternateContent xmlns:mc="http://schemas.openxmlformats.org/markup-compatibility/2006">
-        <mc:Choice xmlns:a14="http://schemas.microsoft.com/office/drawing/2010/main" Requires="a14">
+      <mc:AlternateContent xmlns:mc="http://schemas.openxmlformats.org/markup-compatibility/2006" xmlns:a14="http://schemas.microsoft.com/office/drawing/2010/main">
+        <mc:Choice Requires="a14">
           <p:sp>
             <p:nvSpPr>
               <p:cNvPr id="27" name="TextBox 26">
                 <a:extLst>
                   <a:ext uri="{FF2B5EF4-FFF2-40B4-BE49-F238E27FC236}">
-                    <a16:creationId xmlns:a16="http://schemas.microsoft.com/office/drawing/2014/main" id="{6613D9F3-7A14-4F77-BF01-40CA03E133F4}"/>
+                    <a16:creationId xmlns:a16="http://schemas.microsoft.com/office/drawing/2014/main" xmlns="" id="{6613D9F3-7A14-4F77-BF01-40CA03E133F4}"/>
                   </a:ext>
                 </a:extLst>
               </p:cNvPr>
@@ -3752,6 +3757,7 @@
               </a:bodyPr>
               <a:lstStyle/>
               <a:p>
+                <a:pPr/>
                 <a14:m>
                   <m:oMathPara xmlns:m="http://schemas.openxmlformats.org/officeDocument/2006/math">
                     <m:oMathParaPr>
@@ -3763,11 +3769,11 @@
                           <m:begChr m:val="|"/>
                           <m:endChr m:val="|"/>
                           <m:ctrlPr>
-                            <a:rPr lang="en-US" altLang="ko-KR" sz="2800" b="0" i="0" dirty="0" smtClean="0">
+                            <a:rPr lang="en-US" altLang="ko-KR" sz="2800" b="0" i="1" dirty="0" smtClean="0">
                               <a:solidFill>
                                 <a:srgbClr val="FF0000"/>
                               </a:solidFill>
-                              <a:latin typeface="Cambria Math" panose="02040503050406030204" pitchFamily="18" charset="0"/>
+                              <a:latin typeface="Cambria Math"/>
                             </a:rPr>
                           </m:ctrlPr>
                         </m:dPr>
@@ -3780,7 +3786,7 @@
                                   <a:solidFill>
                                     <a:srgbClr val="FF0000"/>
                                   </a:solidFill>
-                                  <a:latin typeface="Cambria Math" panose="02040503050406030204" pitchFamily="18" charset="0"/>
+                                  <a:latin typeface="Cambria Math"/>
                                 </a:rPr>
                               </m:ctrlPr>
                             </m:accPr>
@@ -3844,7 +3850,7 @@
                               <a:solidFill>
                                 <a:srgbClr val="FF0000"/>
                               </a:solidFill>
-                              <a:latin typeface="Cambria Math" panose="02040503050406030204" pitchFamily="18" charset="0"/>
+                              <a:latin typeface="Cambria Math"/>
                             </a:rPr>
                           </m:ctrlPr>
                         </m:sSubPr>
@@ -3868,7 +3874,7 @@
                                   <a:solidFill>
                                     <a:srgbClr val="FF0000"/>
                                   </a:solidFill>
-                                  <a:latin typeface="Cambria Math" panose="02040503050406030204" pitchFamily="18" charset="0"/>
+                                  <a:latin typeface="Cambria Math"/>
                                 </a:rPr>
                               </m:ctrlPr>
                             </m:accPr>
@@ -3894,7 +3900,7 @@
                               <a:solidFill>
                                 <a:srgbClr val="FF0000"/>
                               </a:solidFill>
-                              <a:latin typeface="Cambria Math" panose="02040503050406030204" pitchFamily="18" charset="0"/>
+                              <a:latin typeface="Cambria Math"/>
                             </a:rPr>
                           </m:ctrlPr>
                         </m:accPr>
@@ -3922,7 +3928,7 @@
             </p:txBody>
           </p:sp>
         </mc:Choice>
-        <mc:Fallback>
+        <mc:Fallback xmlns="">
           <p:sp>
             <p:nvSpPr>
               <p:cNvPr id="27" name="TextBox 26">
@@ -3967,14 +3973,14 @@
           </p:sp>
         </mc:Fallback>
       </mc:AlternateContent>
-      <mc:AlternateContent xmlns:mc="http://schemas.openxmlformats.org/markup-compatibility/2006">
-        <mc:Choice xmlns:a14="http://schemas.microsoft.com/office/drawing/2010/main" Requires="a14">
+      <mc:AlternateContent xmlns:mc="http://schemas.openxmlformats.org/markup-compatibility/2006" xmlns:a14="http://schemas.microsoft.com/office/drawing/2010/main">
+        <mc:Choice Requires="a14">
           <p:sp>
             <p:nvSpPr>
               <p:cNvPr id="29" name="TextBox 28">
                 <a:extLst>
                   <a:ext uri="{FF2B5EF4-FFF2-40B4-BE49-F238E27FC236}">
-                    <a16:creationId xmlns:a16="http://schemas.microsoft.com/office/drawing/2014/main" id="{134DC0A7-85D5-4797-98AD-E086BC3532A9}"/>
+                    <a16:creationId xmlns:a16="http://schemas.microsoft.com/office/drawing/2014/main" xmlns="" id="{134DC0A7-85D5-4797-98AD-E086BC3532A9}"/>
                   </a:ext>
                 </a:extLst>
               </p:cNvPr>
@@ -4012,7 +4018,7 @@
                         <m:chr m:val="⃗"/>
                         <m:ctrlPr>
                           <a:rPr lang="en-US" altLang="ko-KR" sz="2000" b="0" i="1" smtClean="0">
-                            <a:latin typeface="Cambria Math" panose="02040503050406030204" pitchFamily="18" charset="0"/>
+                            <a:latin typeface="Cambria Math"/>
                           </a:rPr>
                         </m:ctrlPr>
                       </m:accPr>
@@ -4047,7 +4053,7 @@
                         <m:chr m:val="⃗"/>
                         <m:ctrlPr>
                           <a:rPr lang="en-US" altLang="ko-KR" sz="2000" b="0" i="1" dirty="0" smtClean="0">
-                            <a:latin typeface="Cambria Math" panose="02040503050406030204" pitchFamily="18" charset="0"/>
+                            <a:latin typeface="Cambria Math"/>
                           </a:rPr>
                         </m:ctrlPr>
                       </m:accPr>
@@ -4100,7 +4106,7 @@
             </p:txBody>
           </p:sp>
         </mc:Choice>
-        <mc:Fallback>
+        <mc:Fallback xmlns="">
           <p:sp>
             <p:nvSpPr>
               <p:cNvPr id="29" name="TextBox 28">
@@ -4180,7 +4186,7 @@
           <p:cNvPr id="13" name="원호 12">
             <a:extLst>
               <a:ext uri="{FF2B5EF4-FFF2-40B4-BE49-F238E27FC236}">
-                <a16:creationId xmlns:a16="http://schemas.microsoft.com/office/drawing/2014/main" id="{888DF389-40DF-44D4-9804-A162E620F3E1}"/>
+                <a16:creationId xmlns:a16="http://schemas.microsoft.com/office/drawing/2014/main" xmlns="" id="{888DF389-40DF-44D4-9804-A162E620F3E1}"/>
               </a:ext>
             </a:extLst>
           </p:cNvPr>
@@ -4233,7 +4239,7 @@
           <p:cNvPr id="6" name="직선 화살표 연결선 5">
             <a:extLst>
               <a:ext uri="{FF2B5EF4-FFF2-40B4-BE49-F238E27FC236}">
-                <a16:creationId xmlns:a16="http://schemas.microsoft.com/office/drawing/2014/main" id="{41871895-115B-4C2D-8AA2-35A27E339D32}"/>
+                <a16:creationId xmlns:a16="http://schemas.microsoft.com/office/drawing/2014/main" xmlns="" id="{41871895-115B-4C2D-8AA2-35A27E339D32}"/>
               </a:ext>
             </a:extLst>
           </p:cNvPr>
@@ -4277,7 +4283,7 @@
           <p:cNvPr id="10" name="직선 연결선 9">
             <a:extLst>
               <a:ext uri="{FF2B5EF4-FFF2-40B4-BE49-F238E27FC236}">
-                <a16:creationId xmlns:a16="http://schemas.microsoft.com/office/drawing/2014/main" id="{A9909453-2E4A-47E9-BF6C-31F5730E0AA2}"/>
+                <a16:creationId xmlns:a16="http://schemas.microsoft.com/office/drawing/2014/main" xmlns="" id="{A9909453-2E4A-47E9-BF6C-31F5730E0AA2}"/>
               </a:ext>
             </a:extLst>
           </p:cNvPr>
@@ -4321,7 +4327,7 @@
           <p:cNvPr id="11" name="직선 화살표 연결선 10">
             <a:extLst>
               <a:ext uri="{FF2B5EF4-FFF2-40B4-BE49-F238E27FC236}">
-                <a16:creationId xmlns:a16="http://schemas.microsoft.com/office/drawing/2014/main" id="{E11BA27E-F99C-44A9-8E1C-71DC2258D47E}"/>
+                <a16:creationId xmlns:a16="http://schemas.microsoft.com/office/drawing/2014/main" xmlns="" id="{E11BA27E-F99C-44A9-8E1C-71DC2258D47E}"/>
               </a:ext>
             </a:extLst>
           </p:cNvPr>
@@ -4361,14 +4367,14 @@
           </a:fontRef>
         </p:style>
       </p:cxnSp>
-      <mc:AlternateContent xmlns:mc="http://schemas.openxmlformats.org/markup-compatibility/2006">
-        <mc:Choice xmlns:a14="http://schemas.microsoft.com/office/drawing/2010/main" Requires="a14">
+      <mc:AlternateContent xmlns:mc="http://schemas.openxmlformats.org/markup-compatibility/2006" xmlns:a14="http://schemas.microsoft.com/office/drawing/2010/main">
+        <mc:Choice Requires="a14">
           <p:sp>
             <p:nvSpPr>
               <p:cNvPr id="14" name="TextBox 13">
                 <a:extLst>
                   <a:ext uri="{FF2B5EF4-FFF2-40B4-BE49-F238E27FC236}">
-                    <a16:creationId xmlns:a16="http://schemas.microsoft.com/office/drawing/2014/main" id="{F845D679-1B65-4B49-A4EA-166A9898B0D1}"/>
+                    <a16:creationId xmlns:a16="http://schemas.microsoft.com/office/drawing/2014/main" xmlns="" id="{F845D679-1B65-4B49-A4EA-166A9898B0D1}"/>
                   </a:ext>
                 </a:extLst>
               </p:cNvPr>
@@ -4391,6 +4397,7 @@
               </a:bodyPr>
               <a:lstStyle/>
               <a:p>
+                <a:pPr/>
                 <a14:m>
                   <m:oMathPara xmlns:m="http://schemas.openxmlformats.org/officeDocument/2006/math">
                     <m:oMathParaPr>
@@ -4411,7 +4418,7 @@
             </p:txBody>
           </p:sp>
         </mc:Choice>
-        <mc:Fallback>
+        <mc:Fallback xmlns="">
           <p:sp>
             <p:nvSpPr>
               <p:cNvPr id="14" name="TextBox 13">
@@ -4456,14 +4463,14 @@
           </p:sp>
         </mc:Fallback>
       </mc:AlternateContent>
-      <mc:AlternateContent xmlns:mc="http://schemas.openxmlformats.org/markup-compatibility/2006">
-        <mc:Choice xmlns:a14="http://schemas.microsoft.com/office/drawing/2010/main" Requires="a14">
+      <mc:AlternateContent xmlns:mc="http://schemas.openxmlformats.org/markup-compatibility/2006" xmlns:a14="http://schemas.microsoft.com/office/drawing/2010/main">
+        <mc:Choice Requires="a14">
           <p:sp>
             <p:nvSpPr>
               <p:cNvPr id="16" name="TextBox 15">
                 <a:extLst>
                   <a:ext uri="{FF2B5EF4-FFF2-40B4-BE49-F238E27FC236}">
-                    <a16:creationId xmlns:a16="http://schemas.microsoft.com/office/drawing/2014/main" id="{DC8C783C-A7A5-40AB-958D-D307F63BE019}"/>
+                    <a16:creationId xmlns:a16="http://schemas.microsoft.com/office/drawing/2014/main" xmlns="" id="{DC8C783C-A7A5-40AB-958D-D307F63BE019}"/>
                   </a:ext>
                 </a:extLst>
               </p:cNvPr>
@@ -4486,6 +4493,7 @@
               </a:bodyPr>
               <a:lstStyle/>
               <a:p>
+                <a:pPr/>
                 <a14:m>
                   <m:oMathPara xmlns:m="http://schemas.openxmlformats.org/officeDocument/2006/math">
                     <m:oMathParaPr>
@@ -4497,7 +4505,7 @@
                           <m:chr m:val="⃗"/>
                           <m:ctrlPr>
                             <a:rPr lang="en-US" altLang="ko-KR" sz="3200" b="0" i="1" smtClean="0">
-                              <a:latin typeface="Cambria Math" panose="02040503050406030204" pitchFamily="18" charset="0"/>
+                              <a:latin typeface="Cambria Math"/>
                             </a:rPr>
                           </m:ctrlPr>
                         </m:accPr>
@@ -4518,7 +4526,7 @@
             </p:txBody>
           </p:sp>
         </mc:Choice>
-        <mc:Fallback>
+        <mc:Fallback xmlns="">
           <p:sp>
             <p:nvSpPr>
               <p:cNvPr id="16" name="TextBox 15">
@@ -4563,14 +4571,14 @@
           </p:sp>
         </mc:Fallback>
       </mc:AlternateContent>
-      <mc:AlternateContent xmlns:mc="http://schemas.openxmlformats.org/markup-compatibility/2006">
-        <mc:Choice xmlns:a14="http://schemas.microsoft.com/office/drawing/2010/main" Requires="a14">
+      <mc:AlternateContent xmlns:mc="http://schemas.openxmlformats.org/markup-compatibility/2006" xmlns:a14="http://schemas.microsoft.com/office/drawing/2010/main">
+        <mc:Choice Requires="a14">
           <p:sp>
             <p:nvSpPr>
               <p:cNvPr id="17" name="TextBox 16">
                 <a:extLst>
                   <a:ext uri="{FF2B5EF4-FFF2-40B4-BE49-F238E27FC236}">
-                    <a16:creationId xmlns:a16="http://schemas.microsoft.com/office/drawing/2014/main" id="{AC074638-91A2-427E-82A2-58A17708AF61}"/>
+                    <a16:creationId xmlns:a16="http://schemas.microsoft.com/office/drawing/2014/main" xmlns="" id="{AC074638-91A2-427E-82A2-58A17708AF61}"/>
                   </a:ext>
                 </a:extLst>
               </p:cNvPr>
@@ -4593,6 +4601,7 @@
               </a:bodyPr>
               <a:lstStyle/>
               <a:p>
+                <a:pPr/>
                 <a14:m>
                   <m:oMathPara xmlns:m="http://schemas.openxmlformats.org/officeDocument/2006/math">
                     <m:oMathParaPr>
@@ -4604,7 +4613,7 @@
                           <m:chr m:val="⃗"/>
                           <m:ctrlPr>
                             <a:rPr lang="en-US" altLang="ko-KR" sz="3200" b="0" i="1" smtClean="0">
-                              <a:latin typeface="Cambria Math" panose="02040503050406030204" pitchFamily="18" charset="0"/>
+                              <a:latin typeface="Cambria Math"/>
                             </a:rPr>
                           </m:ctrlPr>
                         </m:accPr>
@@ -4625,7 +4634,7 @@
             </p:txBody>
           </p:sp>
         </mc:Choice>
-        <mc:Fallback>
+        <mc:Fallback xmlns="">
           <p:sp>
             <p:nvSpPr>
               <p:cNvPr id="17" name="TextBox 16">
@@ -4675,7 +4684,7 @@
           <p:cNvPr id="24" name="직선 연결선 23">
             <a:extLst>
               <a:ext uri="{FF2B5EF4-FFF2-40B4-BE49-F238E27FC236}">
-                <a16:creationId xmlns:a16="http://schemas.microsoft.com/office/drawing/2014/main" id="{22BDED62-7F2B-4B1A-90BE-2E4369F8A961}"/>
+                <a16:creationId xmlns:a16="http://schemas.microsoft.com/office/drawing/2014/main" xmlns="" id="{22BDED62-7F2B-4B1A-90BE-2E4369F8A961}"/>
               </a:ext>
             </a:extLst>
           </p:cNvPr>
@@ -4719,7 +4728,7 @@
           <p:cNvPr id="25" name="직선 화살표 연결선 24">
             <a:extLst>
               <a:ext uri="{FF2B5EF4-FFF2-40B4-BE49-F238E27FC236}">
-                <a16:creationId xmlns:a16="http://schemas.microsoft.com/office/drawing/2014/main" id="{DEC2B096-5976-46F7-AE8F-EFB24C3C3A4D}"/>
+                <a16:creationId xmlns:a16="http://schemas.microsoft.com/office/drawing/2014/main" xmlns="" id="{DEC2B096-5976-46F7-AE8F-EFB24C3C3A4D}"/>
               </a:ext>
             </a:extLst>
           </p:cNvPr>
@@ -4765,7 +4774,7 @@
           <p:cNvPr id="5" name="직선 화살표 연결선 4">
             <a:extLst>
               <a:ext uri="{FF2B5EF4-FFF2-40B4-BE49-F238E27FC236}">
-                <a16:creationId xmlns:a16="http://schemas.microsoft.com/office/drawing/2014/main" id="{12B93C8E-C00E-4002-A3D5-FA0294CD6D7C}"/>
+                <a16:creationId xmlns:a16="http://schemas.microsoft.com/office/drawing/2014/main" xmlns="" id="{12B93C8E-C00E-4002-A3D5-FA0294CD6D7C}"/>
               </a:ext>
             </a:extLst>
           </p:cNvPr>
@@ -4804,14 +4813,14 @@
           </a:fontRef>
         </p:style>
       </p:cxnSp>
-      <mc:AlternateContent xmlns:mc="http://schemas.openxmlformats.org/markup-compatibility/2006">
-        <mc:Choice xmlns:a14="http://schemas.microsoft.com/office/drawing/2010/main" Requires="a14">
+      <mc:AlternateContent xmlns:mc="http://schemas.openxmlformats.org/markup-compatibility/2006" xmlns:a14="http://schemas.microsoft.com/office/drawing/2010/main">
+        <mc:Choice Requires="a14">
           <p:sp>
             <p:nvSpPr>
               <p:cNvPr id="27" name="TextBox 26">
                 <a:extLst>
                   <a:ext uri="{FF2B5EF4-FFF2-40B4-BE49-F238E27FC236}">
-                    <a16:creationId xmlns:a16="http://schemas.microsoft.com/office/drawing/2014/main" id="{6613D9F3-7A14-4F77-BF01-40CA03E133F4}"/>
+                    <a16:creationId xmlns:a16="http://schemas.microsoft.com/office/drawing/2014/main" xmlns="" id="{6613D9F3-7A14-4F77-BF01-40CA03E133F4}"/>
                   </a:ext>
                 </a:extLst>
               </p:cNvPr>
@@ -4834,6 +4843,7 @@
               </a:bodyPr>
               <a:lstStyle/>
               <a:p>
+                <a:pPr/>
                 <a14:m>
                   <m:oMathPara xmlns:m="http://schemas.openxmlformats.org/officeDocument/2006/math">
                     <m:oMathParaPr>
@@ -4856,7 +4866,7 @@
                               <a:solidFill>
                                 <a:srgbClr val="FF0000"/>
                               </a:solidFill>
-                              <a:latin typeface="Cambria Math" panose="02040503050406030204" pitchFamily="18" charset="0"/>
+                              <a:latin typeface="Cambria Math"/>
                             </a:rPr>
                           </m:ctrlPr>
                         </m:sSubPr>
@@ -4880,7 +4890,7 @@
                                   <a:solidFill>
                                     <a:srgbClr val="FF0000"/>
                                   </a:solidFill>
-                                  <a:latin typeface="Cambria Math" panose="02040503050406030204" pitchFamily="18" charset="0"/>
+                                  <a:latin typeface="Cambria Math"/>
                                 </a:rPr>
                               </m:ctrlPr>
                             </m:accPr>
@@ -4906,7 +4916,7 @@
                               <a:solidFill>
                                 <a:srgbClr val="FF0000"/>
                               </a:solidFill>
-                              <a:latin typeface="Cambria Math" panose="02040503050406030204" pitchFamily="18" charset="0"/>
+                              <a:latin typeface="Cambria Math"/>
                             </a:rPr>
                           </m:ctrlPr>
                         </m:accPr>
@@ -4938,7 +4948,7 @@
                               <a:solidFill>
                                 <a:srgbClr val="FF0000"/>
                               </a:solidFill>
-                              <a:latin typeface="Cambria Math" panose="02040503050406030204" pitchFamily="18" charset="0"/>
+                              <a:latin typeface="Cambria Math"/>
                             </a:rPr>
                           </m:ctrlPr>
                         </m:dPr>
@@ -4950,7 +4960,7 @@
                                   <a:solidFill>
                                     <a:srgbClr val="FF0000"/>
                                   </a:solidFill>
-                                  <a:latin typeface="Cambria Math" panose="02040503050406030204" pitchFamily="18" charset="0"/>
+                                  <a:latin typeface="Cambria Math"/>
                                 </a:rPr>
                               </m:ctrlPr>
                             </m:fPr>
@@ -4963,7 +4973,7 @@
                                       <a:solidFill>
                                         <a:srgbClr val="FF0000"/>
                                       </a:solidFill>
-                                      <a:latin typeface="Cambria Math" panose="02040503050406030204" pitchFamily="18" charset="0"/>
+                                      <a:latin typeface="Cambria Math"/>
                                     </a:rPr>
                                   </m:ctrlPr>
                                 </m:accPr>
@@ -4990,7 +5000,7 @@
                                       <a:solidFill>
                                         <a:srgbClr val="FF0000"/>
                                       </a:solidFill>
-                                      <a:latin typeface="Cambria Math" panose="02040503050406030204" pitchFamily="18" charset="0"/>
+                                      <a:latin typeface="Cambria Math"/>
                                     </a:rPr>
                                   </m:ctrlPr>
                                 </m:dPr>
@@ -5003,7 +5013,7 @@
                                           <a:solidFill>
                                             <a:srgbClr val="FF0000"/>
                                           </a:solidFill>
-                                          <a:latin typeface="Cambria Math" panose="02040503050406030204" pitchFamily="18" charset="0"/>
+                                          <a:latin typeface="Cambria Math"/>
                                         </a:rPr>
                                       </m:ctrlPr>
                                     </m:accPr>
@@ -5050,7 +5060,7 @@
                               <a:solidFill>
                                 <a:srgbClr val="FF0000"/>
                               </a:solidFill>
-                              <a:latin typeface="Cambria Math" panose="02040503050406030204" pitchFamily="18" charset="0"/>
+                              <a:latin typeface="Cambria Math"/>
                             </a:rPr>
                           </m:ctrlPr>
                         </m:sSubPr>
@@ -5074,7 +5084,7 @@
                                   <a:solidFill>
                                     <a:srgbClr val="FF0000"/>
                                   </a:solidFill>
-                                  <a:latin typeface="Cambria Math" panose="02040503050406030204" pitchFamily="18" charset="0"/>
+                                  <a:latin typeface="Cambria Math"/>
                                 </a:rPr>
                               </m:ctrlPr>
                             </m:accPr>
@@ -5100,7 +5110,7 @@
                               <a:solidFill>
                                 <a:srgbClr val="FF0000"/>
                               </a:solidFill>
-                              <a:latin typeface="Cambria Math" panose="02040503050406030204" pitchFamily="18" charset="0"/>
+                              <a:latin typeface="Cambria Math"/>
                             </a:rPr>
                           </m:ctrlPr>
                         </m:accPr>
@@ -5128,7 +5138,7 @@
             </p:txBody>
           </p:sp>
         </mc:Choice>
-        <mc:Fallback>
+        <mc:Fallback xmlns="">
           <p:sp>
             <p:nvSpPr>
               <p:cNvPr id="27" name="TextBox 26">
@@ -5173,14 +5183,14 @@
           </p:sp>
         </mc:Fallback>
       </mc:AlternateContent>
-      <mc:AlternateContent xmlns:mc="http://schemas.openxmlformats.org/markup-compatibility/2006">
-        <mc:Choice xmlns:a14="http://schemas.microsoft.com/office/drawing/2010/main" Requires="a14">
+      <mc:AlternateContent xmlns:mc="http://schemas.openxmlformats.org/markup-compatibility/2006" xmlns:a14="http://schemas.microsoft.com/office/drawing/2010/main">
+        <mc:Choice Requires="a14">
           <p:sp>
             <p:nvSpPr>
               <p:cNvPr id="29" name="TextBox 28">
                 <a:extLst>
                   <a:ext uri="{FF2B5EF4-FFF2-40B4-BE49-F238E27FC236}">
-                    <a16:creationId xmlns:a16="http://schemas.microsoft.com/office/drawing/2014/main" id="{134DC0A7-85D5-4797-98AD-E086BC3532A9}"/>
+                    <a16:creationId xmlns:a16="http://schemas.microsoft.com/office/drawing/2014/main" xmlns="" id="{134DC0A7-85D5-4797-98AD-E086BC3532A9}"/>
                   </a:ext>
                 </a:extLst>
               </p:cNvPr>
@@ -5218,7 +5228,7 @@
                         <m:chr m:val="⃗"/>
                         <m:ctrlPr>
                           <a:rPr lang="en-US" altLang="ko-KR" sz="2400" b="0" i="1" smtClean="0">
-                            <a:latin typeface="Cambria Math" panose="02040503050406030204" pitchFamily="18" charset="0"/>
+                            <a:latin typeface="Cambria Math"/>
                           </a:rPr>
                         </m:ctrlPr>
                       </m:accPr>
@@ -5253,7 +5263,7 @@
                         <m:chr m:val="⃗"/>
                         <m:ctrlPr>
                           <a:rPr lang="en-US" altLang="ko-KR" sz="2400" b="0" i="1" dirty="0" smtClean="0">
-                            <a:latin typeface="Cambria Math" panose="02040503050406030204" pitchFamily="18" charset="0"/>
+                            <a:latin typeface="Cambria Math"/>
                           </a:rPr>
                         </m:ctrlPr>
                       </m:accPr>
@@ -5306,7 +5316,7 @@
             </p:txBody>
           </p:sp>
         </mc:Choice>
-        <mc:Fallback>
+        <mc:Fallback xmlns="">
           <p:sp>
             <p:nvSpPr>
               <p:cNvPr id="29" name="TextBox 28">
@@ -5381,6 +5391,194 @@
           <a:chExt cx="0" cy="0"/>
         </a:xfrm>
       </p:grpSpPr>
+      <p:pic>
+        <p:nvPicPr>
+          <p:cNvPr id="1027" name="Picture 3"/>
+          <p:cNvPicPr>
+            <a:picLocks noChangeAspect="1" noChangeArrowheads="1"/>
+          </p:cNvPicPr>
+          <p:nvPr/>
+        </p:nvPicPr>
+        <p:blipFill>
+          <a:blip r:embed="rId2">
+            <a:extLst>
+              <a:ext uri="{28A0092B-C50C-407E-A947-70E740481C1C}">
+                <a14:useLocalDpi xmlns:a14="http://schemas.microsoft.com/office/drawing/2010/main" val="0"/>
+              </a:ext>
+            </a:extLst>
+          </a:blip>
+          <a:srcRect/>
+          <a:stretch>
+            <a:fillRect/>
+          </a:stretch>
+        </p:blipFill>
+        <p:spPr bwMode="auto">
+          <a:xfrm>
+            <a:off x="-566738" y="1433513"/>
+            <a:ext cx="10277476" cy="3990975"/>
+          </a:xfrm>
+          <a:prstGeom prst="rect">
+            <a:avLst/>
+          </a:prstGeom>
+          <a:noFill/>
+          <a:ln>
+            <a:noFill/>
+          </a:ln>
+          <a:effectLst/>
+          <a:extLst>
+            <a:ext uri="{909E8E84-426E-40DD-AFC4-6F175D3DCCD1}">
+              <a14:hiddenFill xmlns:a14="http://schemas.microsoft.com/office/drawing/2010/main">
+                <a:solidFill>
+                  <a:schemeClr val="accent1"/>
+                </a:solidFill>
+              </a14:hiddenFill>
+            </a:ext>
+            <a:ext uri="{91240B29-F687-4F45-9708-019B960494DF}">
+              <a14:hiddenLine xmlns:a14="http://schemas.microsoft.com/office/drawing/2010/main" w="9525">
+                <a:solidFill>
+                  <a:schemeClr val="tx1"/>
+                </a:solidFill>
+                <a:miter lim="800000"/>
+                <a:headEnd/>
+                <a:tailEnd/>
+              </a14:hiddenLine>
+            </a:ext>
+            <a:ext uri="{AF507438-7753-43E0-B8FC-AC1667EBCBE1}">
+              <a14:hiddenEffects xmlns:a14="http://schemas.microsoft.com/office/drawing/2010/main">
+                <a:effectLst>
+                  <a:outerShdw dist="35921" dir="2700000" algn="ctr" rotWithShape="0">
+                    <a:schemeClr val="bg2"/>
+                  </a:outerShdw>
+                </a:effectLst>
+              </a14:hiddenEffects>
+            </a:ext>
+          </a:extLst>
+        </p:spPr>
+      </p:pic>
+    </p:spTree>
+    <p:extLst>
+      <p:ext uri="{BB962C8B-B14F-4D97-AF65-F5344CB8AC3E}">
+        <p14:creationId xmlns:p14="http://schemas.microsoft.com/office/powerpoint/2010/main" val="2357640210"/>
+      </p:ext>
+    </p:extLst>
+  </p:cSld>
+  <p:clrMapOvr>
+    <a:masterClrMapping/>
+  </p:clrMapOvr>
+</p:sld>
+</file>
+
+<file path=ppt/slides/slide4.xml><?xml version="1.0" encoding="utf-8"?>
+<p:sld xmlns:a="http://schemas.openxmlformats.org/drawingml/2006/main" xmlns:r="http://schemas.openxmlformats.org/officeDocument/2006/relationships" xmlns:p="http://schemas.openxmlformats.org/presentationml/2006/main">
+  <p:cSld>
+    <p:spTree>
+      <p:nvGrpSpPr>
+        <p:cNvPr id="1" name=""/>
+        <p:cNvGrpSpPr/>
+        <p:nvPr/>
+      </p:nvGrpSpPr>
+      <p:grpSpPr>
+        <a:xfrm>
+          <a:off x="0" y="0"/>
+          <a:ext cx="0" cy="0"/>
+          <a:chOff x="0" y="0"/>
+          <a:chExt cx="0" cy="0"/>
+        </a:xfrm>
+      </p:grpSpPr>
+      <p:pic>
+        <p:nvPicPr>
+          <p:cNvPr id="2050" name="Picture 2"/>
+          <p:cNvPicPr>
+            <a:picLocks noChangeAspect="1" noChangeArrowheads="1"/>
+          </p:cNvPicPr>
+          <p:nvPr/>
+        </p:nvPicPr>
+        <p:blipFill>
+          <a:blip r:embed="rId2">
+            <a:extLst>
+              <a:ext uri="{28A0092B-C50C-407E-A947-70E740481C1C}">
+                <a14:useLocalDpi xmlns:a14="http://schemas.microsoft.com/office/drawing/2010/main" val="0"/>
+              </a:ext>
+            </a:extLst>
+          </a:blip>
+          <a:srcRect/>
+          <a:stretch>
+            <a:fillRect/>
+          </a:stretch>
+        </p:blipFill>
+        <p:spPr bwMode="auto">
+          <a:xfrm>
+            <a:off x="-566738" y="1399233"/>
+            <a:ext cx="10277476" cy="3990975"/>
+          </a:xfrm>
+          <a:prstGeom prst="rect">
+            <a:avLst/>
+          </a:prstGeom>
+          <a:noFill/>
+          <a:ln>
+            <a:noFill/>
+          </a:ln>
+          <a:effectLst/>
+          <a:extLst>
+            <a:ext uri="{909E8E84-426E-40DD-AFC4-6F175D3DCCD1}">
+              <a14:hiddenFill xmlns:a14="http://schemas.microsoft.com/office/drawing/2010/main">
+                <a:solidFill>
+                  <a:schemeClr val="accent1"/>
+                </a:solidFill>
+              </a14:hiddenFill>
+            </a:ext>
+            <a:ext uri="{91240B29-F687-4F45-9708-019B960494DF}">
+              <a14:hiddenLine xmlns:a14="http://schemas.microsoft.com/office/drawing/2010/main" w="9525">
+                <a:solidFill>
+                  <a:schemeClr val="tx1"/>
+                </a:solidFill>
+                <a:miter lim="800000"/>
+                <a:headEnd/>
+                <a:tailEnd/>
+              </a14:hiddenLine>
+            </a:ext>
+            <a:ext uri="{AF507438-7753-43E0-B8FC-AC1667EBCBE1}">
+              <a14:hiddenEffects xmlns:a14="http://schemas.microsoft.com/office/drawing/2010/main">
+                <a:effectLst>
+                  <a:outerShdw dist="35921" dir="2700000" algn="ctr" rotWithShape="0">
+                    <a:schemeClr val="bg2"/>
+                  </a:outerShdw>
+                </a:effectLst>
+              </a14:hiddenEffects>
+            </a:ext>
+          </a:extLst>
+        </p:spPr>
+      </p:pic>
+    </p:spTree>
+    <p:extLst>
+      <p:ext uri="{BB962C8B-B14F-4D97-AF65-F5344CB8AC3E}">
+        <p14:creationId xmlns:p14="http://schemas.microsoft.com/office/powerpoint/2010/main" val="4264259977"/>
+      </p:ext>
+    </p:extLst>
+  </p:cSld>
+  <p:clrMapOvr>
+    <a:masterClrMapping/>
+  </p:clrMapOvr>
+</p:sld>
+</file>
+
+<file path=ppt/slides/slide5.xml><?xml version="1.0" encoding="utf-8"?>
+<p:sld xmlns:a="http://schemas.openxmlformats.org/drawingml/2006/main" xmlns:r="http://schemas.openxmlformats.org/officeDocument/2006/relationships" xmlns:p="http://schemas.openxmlformats.org/presentationml/2006/main">
+  <p:cSld>
+    <p:spTree>
+      <p:nvGrpSpPr>
+        <p:cNvPr id="1" name=""/>
+        <p:cNvGrpSpPr/>
+        <p:nvPr/>
+      </p:nvGrpSpPr>
+      <p:grpSpPr>
+        <a:xfrm>
+          <a:off x="0" y="0"/>
+          <a:ext cx="0" cy="0"/>
+          <a:chOff x="0" y="0"/>
+          <a:chExt cx="0" cy="0"/>
+        </a:xfrm>
+      </p:grpSpPr>
       <p:sp>
         <p:nvSpPr>
           <p:cNvPr id="5" name="직사각형 4"/>
@@ -5462,7 +5660,7 @@
                         <m:sSubPr>
                           <m:ctrlPr>
                             <a:rPr lang="en-US" altLang="ko-KR" sz="5400" b="0" i="1" smtClean="0">
-                              <a:latin typeface="Cambria Math" panose="02040503050406030204" pitchFamily="18" charset="0"/>
+                              <a:latin typeface="Cambria Math"/>
                             </a:rPr>
                           </m:ctrlPr>
                         </m:sSubPr>
@@ -5493,7 +5691,7 @@
                         <m:sSubPr>
                           <m:ctrlPr>
                             <a:rPr lang="en-US" altLang="ko-KR" sz="5400" b="0" i="1" smtClean="0">
-                              <a:latin typeface="Cambria Math" panose="02040503050406030204" pitchFamily="18" charset="0"/>
+                              <a:latin typeface="Cambria Math"/>
                             </a:rPr>
                           </m:ctrlPr>
                         </m:sSubPr>
@@ -5524,7 +5722,7 @@
                         <m:sSubPr>
                           <m:ctrlPr>
                             <a:rPr lang="en-US" altLang="ko-KR" sz="5400" b="0" i="1" smtClean="0">
-                              <a:latin typeface="Cambria Math" panose="02040503050406030204" pitchFamily="18" charset="0"/>
+                              <a:latin typeface="Cambria Math"/>
                             </a:rPr>
                           </m:ctrlPr>
                         </m:sSubPr>
@@ -5544,7 +5742,7 @@
                             <m:sSubPr>
                               <m:ctrlPr>
                                 <a:rPr lang="en-US" altLang="ko-KR" sz="5400" b="0" i="1" smtClean="0">
-                                  <a:latin typeface="Cambria Math" panose="02040503050406030204" pitchFamily="18" charset="0"/>
+                                  <a:latin typeface="Cambria Math"/>
                                 </a:rPr>
                               </m:ctrlPr>
                             </m:sSubPr>
@@ -5577,7 +5775,7 @@
                         <m:sSubPr>
                           <m:ctrlPr>
                             <a:rPr lang="en-US" altLang="ko-KR" sz="5400" b="0" i="1" smtClean="0">
-                              <a:latin typeface="Cambria Math" panose="02040503050406030204" pitchFamily="18" charset="0"/>
+                              <a:latin typeface="Cambria Math"/>
                             </a:rPr>
                           </m:ctrlPr>
                         </m:sSubPr>
@@ -5682,7 +5880,7 @@
                       <m:sSubPr>
                         <m:ctrlPr>
                           <a:rPr lang="en-US" altLang="ko-KR" sz="3200" b="0" i="1" smtClean="0">
-                            <a:latin typeface="Cambria Math" panose="02040503050406030204" pitchFamily="18" charset="0"/>
+                            <a:latin typeface="Cambria Math"/>
                           </a:rPr>
                         </m:ctrlPr>
                       </m:sSubPr>
@@ -5718,7 +5916,7 @@
                       <m:sSubPr>
                         <m:ctrlPr>
                           <a:rPr lang="en-US" altLang="ko-KR" sz="3200" b="0" i="1" smtClean="0">
-                            <a:latin typeface="Cambria Math" panose="02040503050406030204" pitchFamily="18" charset="0"/>
+                            <a:latin typeface="Cambria Math"/>
                           </a:rPr>
                         </m:ctrlPr>
                       </m:sSubPr>
@@ -5842,7 +6040,7 @@
 </p:sld>
 </file>
 
-<file path=ppt/slides/slide4.xml><?xml version="1.0" encoding="utf-8"?>
+<file path=ppt/slides/slide6.xml><?xml version="1.0" encoding="utf-8"?>
 <p:sld xmlns:a="http://schemas.openxmlformats.org/drawingml/2006/main" xmlns:r="http://schemas.openxmlformats.org/officeDocument/2006/relationships" xmlns:p="http://schemas.openxmlformats.org/presentationml/2006/main">
   <p:cSld>
     <p:spTree>
@@ -6088,7 +6286,7 @@
                           <m:sSubPr>
                             <m:ctrlPr>
                               <a:rPr lang="en-US" altLang="ko-KR" sz="2800" b="0" i="1" smtClean="0">
-                                <a:latin typeface="Cambria Math" panose="02040503050406030204" pitchFamily="18" charset="0"/>
+                                <a:latin typeface="Cambria Math"/>
                               </a:rPr>
                             </m:ctrlPr>
                           </m:sSubPr>
@@ -6191,7 +6389,7 @@
                           <m:sSubPr>
                             <m:ctrlPr>
                               <a:rPr lang="en-US" altLang="ko-KR" sz="2800" b="0" i="1" smtClean="0">
-                                <a:latin typeface="Cambria Math" panose="02040503050406030204" pitchFamily="18" charset="0"/>
+                                <a:latin typeface="Cambria Math"/>
                               </a:rPr>
                             </m:ctrlPr>
                           </m:sSubPr>
@@ -6294,7 +6492,7 @@
                           <m:sSubPr>
                             <m:ctrlPr>
                               <a:rPr lang="en-US" altLang="ko-KR" sz="2800" b="0" i="1" smtClean="0">
-                                <a:latin typeface="Cambria Math" panose="02040503050406030204" pitchFamily="18" charset="0"/>
+                                <a:latin typeface="Cambria Math"/>
                               </a:rPr>
                             </m:ctrlPr>
                           </m:sSubPr>
@@ -6314,7 +6512,7 @@
                               <m:sSubPr>
                                 <m:ctrlPr>
                                   <a:rPr lang="en-US" altLang="ko-KR" sz="2800" b="0" i="1" smtClean="0">
-                                    <a:latin typeface="Cambria Math" panose="02040503050406030204" pitchFamily="18" charset="0"/>
+                                    <a:latin typeface="Cambria Math"/>
                                   </a:rPr>
                                 </m:ctrlPr>
                               </m:sSubPr>
@@ -6344,7 +6542,7 @@
                           <m:sSubPr>
                             <m:ctrlPr>
                               <a:rPr lang="en-US" altLang="ko-KR" sz="2800" b="0" i="1" smtClean="0">
-                                <a:latin typeface="Cambria Math" panose="02040503050406030204" pitchFamily="18" charset="0"/>
+                                <a:latin typeface="Cambria Math"/>
                               </a:rPr>
                             </m:ctrlPr>
                           </m:sSubPr>
@@ -6558,7 +6756,7 @@
                           <m:sSubPr>
                             <m:ctrlPr>
                               <a:rPr lang="en-US" altLang="ko-KR" sz="2800" b="0" i="1" smtClean="0">
-                                <a:latin typeface="Cambria Math" panose="02040503050406030204" pitchFamily="18" charset="0"/>
+                                <a:latin typeface="Cambria Math"/>
                               </a:rPr>
                             </m:ctrlPr>
                           </m:sSubPr>
@@ -6589,7 +6787,7 @@
                           <m:sSubPr>
                             <m:ctrlPr>
                               <a:rPr lang="en-US" altLang="ko-KR" sz="2800" b="0" i="1" smtClean="0">
-                                <a:latin typeface="Cambria Math" panose="02040503050406030204" pitchFamily="18" charset="0"/>
+                                <a:latin typeface="Cambria Math"/>
                               </a:rPr>
                             </m:ctrlPr>
                           </m:sSubPr>
@@ -6692,7 +6890,7 @@
                           <m:sSubPr>
                             <m:ctrlPr>
                               <a:rPr lang="en-US" altLang="ko-KR" sz="2800" b="0" i="1" smtClean="0">
-                                <a:latin typeface="Cambria Math" panose="02040503050406030204" pitchFamily="18" charset="0"/>
+                                <a:latin typeface="Cambria Math"/>
                               </a:rPr>
                             </m:ctrlPr>
                           </m:sSubPr>
@@ -6795,7 +6993,7 @@
                           <m:sSubPr>
                             <m:ctrlPr>
                               <a:rPr lang="en-US" altLang="ko-KR" sz="2800" b="0" i="1" smtClean="0">
-                                <a:latin typeface="Cambria Math" panose="02040503050406030204" pitchFamily="18" charset="0"/>
+                                <a:latin typeface="Cambria Math"/>
                               </a:rPr>
                             </m:ctrlPr>
                           </m:sSubPr>

--- a/pics/2020-11-23-gram_schmidt/pics.pptx
+++ b/pics/2020-11-23-gram_schmidt/pics.pptx
@@ -6,11 +6,16 @@
   </p:sldMasterIdLst>
   <p:sldIdLst>
     <p:sldId id="258" r:id="rId2"/>
-    <p:sldId id="259" r:id="rId3"/>
-    <p:sldId id="260" r:id="rId4"/>
-    <p:sldId id="261" r:id="rId5"/>
-    <p:sldId id="256" r:id="rId6"/>
-    <p:sldId id="257" r:id="rId7"/>
+    <p:sldId id="262" r:id="rId3"/>
+    <p:sldId id="259" r:id="rId4"/>
+    <p:sldId id="263" r:id="rId5"/>
+    <p:sldId id="260" r:id="rId6"/>
+    <p:sldId id="264" r:id="rId7"/>
+    <p:sldId id="261" r:id="rId8"/>
+    <p:sldId id="265" r:id="rId9"/>
+    <p:sldId id="256" r:id="rId10"/>
+    <p:sldId id="266" r:id="rId11"/>
+    <p:sldId id="257" r:id="rId12"/>
   </p:sldIdLst>
   <p:sldSz cx="9144000" cy="6858000" type="screen4x3"/>
   <p:notesSz cx="6858000" cy="9144000"/>
@@ -111,7 +116,7 @@
   </p:defaultTextStyle>
   <p:extLst>
     <p:ext uri="{EFAFB233-063F-42B5-8137-9DF3F51BA10A}">
-      <p15:sldGuideLst xmlns:p15="http://schemas.microsoft.com/office/powerpoint/2012/main" xmlns="">
+      <p15:sldGuideLst xmlns:p15="http://schemas.microsoft.com/office/powerpoint/2012/main">
         <p15:guide id="1" orient="horz" pos="2160">
           <p15:clr>
             <a:srgbClr val="A4A3A4"/>
@@ -307,7 +312,7 @@
           <a:p>
             <a:fld id="{5E8ADD9A-8404-4EFD-A151-495D085594E9}" type="datetimeFigureOut">
               <a:rPr lang="ko-KR" altLang="en-US" smtClean="0"/>
-              <a:t>2021-02-03</a:t>
+              <a:t>2023-05-07</a:t>
             </a:fld>
             <a:endParaRPr lang="ko-KR" altLang="en-US"/>
           </a:p>
@@ -475,7 +480,7 @@
           <a:p>
             <a:fld id="{5E8ADD9A-8404-4EFD-A151-495D085594E9}" type="datetimeFigureOut">
               <a:rPr lang="ko-KR" altLang="en-US" smtClean="0"/>
-              <a:t>2021-02-03</a:t>
+              <a:t>2023-05-07</a:t>
             </a:fld>
             <a:endParaRPr lang="ko-KR" altLang="en-US"/>
           </a:p>
@@ -653,7 +658,7 @@
           <a:p>
             <a:fld id="{5E8ADD9A-8404-4EFD-A151-495D085594E9}" type="datetimeFigureOut">
               <a:rPr lang="ko-KR" altLang="en-US" smtClean="0"/>
-              <a:t>2021-02-03</a:t>
+              <a:t>2023-05-07</a:t>
             </a:fld>
             <a:endParaRPr lang="ko-KR" altLang="en-US"/>
           </a:p>
@@ -821,7 +826,7 @@
           <a:p>
             <a:fld id="{5E8ADD9A-8404-4EFD-A151-495D085594E9}" type="datetimeFigureOut">
               <a:rPr lang="ko-KR" altLang="en-US" smtClean="0"/>
-              <a:t>2021-02-03</a:t>
+              <a:t>2023-05-07</a:t>
             </a:fld>
             <a:endParaRPr lang="ko-KR" altLang="en-US"/>
           </a:p>
@@ -1066,7 +1071,7 @@
           <a:p>
             <a:fld id="{5E8ADD9A-8404-4EFD-A151-495D085594E9}" type="datetimeFigureOut">
               <a:rPr lang="ko-KR" altLang="en-US" smtClean="0"/>
-              <a:t>2021-02-03</a:t>
+              <a:t>2023-05-07</a:t>
             </a:fld>
             <a:endParaRPr lang="ko-KR" altLang="en-US"/>
           </a:p>
@@ -1351,7 +1356,7 @@
           <a:p>
             <a:fld id="{5E8ADD9A-8404-4EFD-A151-495D085594E9}" type="datetimeFigureOut">
               <a:rPr lang="ko-KR" altLang="en-US" smtClean="0"/>
-              <a:t>2021-02-03</a:t>
+              <a:t>2023-05-07</a:t>
             </a:fld>
             <a:endParaRPr lang="ko-KR" altLang="en-US"/>
           </a:p>
@@ -1770,7 +1775,7 @@
           <a:p>
             <a:fld id="{5E8ADD9A-8404-4EFD-A151-495D085594E9}" type="datetimeFigureOut">
               <a:rPr lang="ko-KR" altLang="en-US" smtClean="0"/>
-              <a:t>2021-02-03</a:t>
+              <a:t>2023-05-07</a:t>
             </a:fld>
             <a:endParaRPr lang="ko-KR" altLang="en-US"/>
           </a:p>
@@ -1887,7 +1892,7 @@
           <a:p>
             <a:fld id="{5E8ADD9A-8404-4EFD-A151-495D085594E9}" type="datetimeFigureOut">
               <a:rPr lang="ko-KR" altLang="en-US" smtClean="0"/>
-              <a:t>2021-02-03</a:t>
+              <a:t>2023-05-07</a:t>
             </a:fld>
             <a:endParaRPr lang="ko-KR" altLang="en-US"/>
           </a:p>
@@ -1982,7 +1987,7 @@
           <a:p>
             <a:fld id="{5E8ADD9A-8404-4EFD-A151-495D085594E9}" type="datetimeFigureOut">
               <a:rPr lang="ko-KR" altLang="en-US" smtClean="0"/>
-              <a:t>2021-02-03</a:t>
+              <a:t>2023-05-07</a:t>
             </a:fld>
             <a:endParaRPr lang="ko-KR" altLang="en-US"/>
           </a:p>
@@ -2257,7 +2262,7 @@
           <a:p>
             <a:fld id="{5E8ADD9A-8404-4EFD-A151-495D085594E9}" type="datetimeFigureOut">
               <a:rPr lang="ko-KR" altLang="en-US" smtClean="0"/>
-              <a:t>2021-02-03</a:t>
+              <a:t>2023-05-07</a:t>
             </a:fld>
             <a:endParaRPr lang="ko-KR" altLang="en-US"/>
           </a:p>
@@ -2509,7 +2514,7 @@
           <a:p>
             <a:fld id="{5E8ADD9A-8404-4EFD-A151-495D085594E9}" type="datetimeFigureOut">
               <a:rPr lang="ko-KR" altLang="en-US" smtClean="0"/>
-              <a:t>2021-02-03</a:t>
+              <a:t>2023-05-07</a:t>
             </a:fld>
             <a:endParaRPr lang="ko-KR" altLang="en-US"/>
           </a:p>
@@ -2720,7 +2725,7 @@
           <a:p>
             <a:fld id="{5E8ADD9A-8404-4EFD-A151-495D085594E9}" type="datetimeFigureOut">
               <a:rPr lang="ko-KR" altLang="en-US" smtClean="0"/>
-              <a:t>2021-02-03</a:t>
+              <a:t>2023-05-07</a:t>
             </a:fld>
             <a:endParaRPr lang="ko-KR" altLang="en-US"/>
           </a:p>
@@ -3100,7 +3105,7 @@
           <p:cNvPr id="13" name="원호 12">
             <a:extLst>
               <a:ext uri="{FF2B5EF4-FFF2-40B4-BE49-F238E27FC236}">
-                <a16:creationId xmlns:a16="http://schemas.microsoft.com/office/drawing/2014/main" xmlns="" id="{888DF389-40DF-44D4-9804-A162E620F3E1}"/>
+                <a16:creationId xmlns:a16="http://schemas.microsoft.com/office/drawing/2014/main" id="{888DF389-40DF-44D4-9804-A162E620F3E1}"/>
               </a:ext>
             </a:extLst>
           </p:cNvPr>
@@ -3153,7 +3158,7 @@
           <p:cNvPr id="6" name="직선 화살표 연결선 5">
             <a:extLst>
               <a:ext uri="{FF2B5EF4-FFF2-40B4-BE49-F238E27FC236}">
-                <a16:creationId xmlns:a16="http://schemas.microsoft.com/office/drawing/2014/main" xmlns="" id="{41871895-115B-4C2D-8AA2-35A27E339D32}"/>
+                <a16:creationId xmlns:a16="http://schemas.microsoft.com/office/drawing/2014/main" id="{41871895-115B-4C2D-8AA2-35A27E339D32}"/>
               </a:ext>
             </a:extLst>
           </p:cNvPr>
@@ -3197,7 +3202,7 @@
           <p:cNvPr id="10" name="직선 연결선 9">
             <a:extLst>
               <a:ext uri="{FF2B5EF4-FFF2-40B4-BE49-F238E27FC236}">
-                <a16:creationId xmlns:a16="http://schemas.microsoft.com/office/drawing/2014/main" xmlns="" id="{A9909453-2E4A-47E9-BF6C-31F5730E0AA2}"/>
+                <a16:creationId xmlns:a16="http://schemas.microsoft.com/office/drawing/2014/main" id="{A9909453-2E4A-47E9-BF6C-31F5730E0AA2}"/>
               </a:ext>
             </a:extLst>
           </p:cNvPr>
@@ -3241,7 +3246,7 @@
           <p:cNvPr id="11" name="직선 화살표 연결선 10">
             <a:extLst>
               <a:ext uri="{FF2B5EF4-FFF2-40B4-BE49-F238E27FC236}">
-                <a16:creationId xmlns:a16="http://schemas.microsoft.com/office/drawing/2014/main" xmlns="" id="{E11BA27E-F99C-44A9-8E1C-71DC2258D47E}"/>
+                <a16:creationId xmlns:a16="http://schemas.microsoft.com/office/drawing/2014/main" id="{E11BA27E-F99C-44A9-8E1C-71DC2258D47E}"/>
               </a:ext>
             </a:extLst>
           </p:cNvPr>
@@ -3288,7 +3293,7 @@
               <p:cNvPr id="14" name="TextBox 13">
                 <a:extLst>
                   <a:ext uri="{FF2B5EF4-FFF2-40B4-BE49-F238E27FC236}">
-                    <a16:creationId xmlns:a16="http://schemas.microsoft.com/office/drawing/2014/main" xmlns="" id="{F845D679-1B65-4B49-A4EA-166A9898B0D1}"/>
+                    <a16:creationId xmlns:a16="http://schemas.microsoft.com/office/drawing/2014/main" id="{F845D679-1B65-4B49-A4EA-166A9898B0D1}"/>
                   </a:ext>
                 </a:extLst>
               </p:cNvPr>
@@ -3384,7 +3389,7 @@
               <p:cNvPr id="16" name="TextBox 15">
                 <a:extLst>
                   <a:ext uri="{FF2B5EF4-FFF2-40B4-BE49-F238E27FC236}">
-                    <a16:creationId xmlns:a16="http://schemas.microsoft.com/office/drawing/2014/main" xmlns="" id="{DC8C783C-A7A5-40AB-958D-D307F63BE019}"/>
+                    <a16:creationId xmlns:a16="http://schemas.microsoft.com/office/drawing/2014/main" id="{DC8C783C-A7A5-40AB-958D-D307F63BE019}"/>
                   </a:ext>
                 </a:extLst>
               </p:cNvPr>
@@ -3419,7 +3424,7 @@
                           <m:chr m:val="⃗"/>
                           <m:ctrlPr>
                             <a:rPr lang="en-US" altLang="ko-KR" sz="3200" b="0" i="1" smtClean="0">
-                              <a:latin typeface="Cambria Math"/>
+                              <a:latin typeface="Cambria Math" panose="02040503050406030204" pitchFamily="18" charset="0"/>
                             </a:rPr>
                           </m:ctrlPr>
                         </m:accPr>
@@ -3492,7 +3497,7 @@
               <p:cNvPr id="17" name="TextBox 16">
                 <a:extLst>
                   <a:ext uri="{FF2B5EF4-FFF2-40B4-BE49-F238E27FC236}">
-                    <a16:creationId xmlns:a16="http://schemas.microsoft.com/office/drawing/2014/main" xmlns="" id="{AC074638-91A2-427E-82A2-58A17708AF61}"/>
+                    <a16:creationId xmlns:a16="http://schemas.microsoft.com/office/drawing/2014/main" id="{AC074638-91A2-427E-82A2-58A17708AF61}"/>
                   </a:ext>
                 </a:extLst>
               </p:cNvPr>
@@ -3527,7 +3532,7 @@
                           <m:chr m:val="⃗"/>
                           <m:ctrlPr>
                             <a:rPr lang="en-US" altLang="ko-KR" sz="3200" b="0" i="1" smtClean="0">
-                              <a:latin typeface="Cambria Math"/>
+                              <a:latin typeface="Cambria Math" panose="02040503050406030204" pitchFamily="18" charset="0"/>
                             </a:rPr>
                           </m:ctrlPr>
                         </m:accPr>
@@ -3598,7 +3603,7 @@
           <p:cNvPr id="24" name="직선 연결선 23">
             <a:extLst>
               <a:ext uri="{FF2B5EF4-FFF2-40B4-BE49-F238E27FC236}">
-                <a16:creationId xmlns:a16="http://schemas.microsoft.com/office/drawing/2014/main" xmlns="" id="{22BDED62-7F2B-4B1A-90BE-2E4369F8A961}"/>
+                <a16:creationId xmlns:a16="http://schemas.microsoft.com/office/drawing/2014/main" id="{22BDED62-7F2B-4B1A-90BE-2E4369F8A961}"/>
               </a:ext>
             </a:extLst>
           </p:cNvPr>
@@ -3642,7 +3647,7 @@
           <p:cNvPr id="25" name="직선 화살표 연결선 24">
             <a:extLst>
               <a:ext uri="{FF2B5EF4-FFF2-40B4-BE49-F238E27FC236}">
-                <a16:creationId xmlns:a16="http://schemas.microsoft.com/office/drawing/2014/main" xmlns="" id="{DEC2B096-5976-46F7-AE8F-EFB24C3C3A4D}"/>
+                <a16:creationId xmlns:a16="http://schemas.microsoft.com/office/drawing/2014/main" id="{DEC2B096-5976-46F7-AE8F-EFB24C3C3A4D}"/>
               </a:ext>
             </a:extLst>
           </p:cNvPr>
@@ -3688,7 +3693,7 @@
           <p:cNvPr id="5" name="직선 화살표 연결선 4">
             <a:extLst>
               <a:ext uri="{FF2B5EF4-FFF2-40B4-BE49-F238E27FC236}">
-                <a16:creationId xmlns:a16="http://schemas.microsoft.com/office/drawing/2014/main" xmlns="" id="{12B93C8E-C00E-4002-A3D5-FA0294CD6D7C}"/>
+                <a16:creationId xmlns:a16="http://schemas.microsoft.com/office/drawing/2014/main" id="{12B93C8E-C00E-4002-A3D5-FA0294CD6D7C}"/>
               </a:ext>
             </a:extLst>
           </p:cNvPr>
@@ -3734,7 +3739,7 @@
               <p:cNvPr id="27" name="TextBox 26">
                 <a:extLst>
                   <a:ext uri="{FF2B5EF4-FFF2-40B4-BE49-F238E27FC236}">
-                    <a16:creationId xmlns:a16="http://schemas.microsoft.com/office/drawing/2014/main" xmlns="" id="{6613D9F3-7A14-4F77-BF01-40CA03E133F4}"/>
+                    <a16:creationId xmlns:a16="http://schemas.microsoft.com/office/drawing/2014/main" id="{6613D9F3-7A14-4F77-BF01-40CA03E133F4}"/>
                   </a:ext>
                 </a:extLst>
               </p:cNvPr>
@@ -3773,7 +3778,7 @@
                               <a:solidFill>
                                 <a:srgbClr val="FF0000"/>
                               </a:solidFill>
-                              <a:latin typeface="Cambria Math"/>
+                              <a:latin typeface="Cambria Math" panose="02040503050406030204" pitchFamily="18" charset="0"/>
                             </a:rPr>
                           </m:ctrlPr>
                         </m:dPr>
@@ -3786,7 +3791,7 @@
                                   <a:solidFill>
                                     <a:srgbClr val="FF0000"/>
                                   </a:solidFill>
-                                  <a:latin typeface="Cambria Math"/>
+                                  <a:latin typeface="Cambria Math" panose="02040503050406030204" pitchFamily="18" charset="0"/>
                                 </a:rPr>
                               </m:ctrlPr>
                             </m:accPr>
@@ -3850,7 +3855,7 @@
                               <a:solidFill>
                                 <a:srgbClr val="FF0000"/>
                               </a:solidFill>
-                              <a:latin typeface="Cambria Math"/>
+                              <a:latin typeface="Cambria Math" panose="02040503050406030204" pitchFamily="18" charset="0"/>
                             </a:rPr>
                           </m:ctrlPr>
                         </m:sSubPr>
@@ -3874,7 +3879,7 @@
                                   <a:solidFill>
                                     <a:srgbClr val="FF0000"/>
                                   </a:solidFill>
-                                  <a:latin typeface="Cambria Math"/>
+                                  <a:latin typeface="Cambria Math" panose="02040503050406030204" pitchFamily="18" charset="0"/>
                                 </a:rPr>
                               </m:ctrlPr>
                             </m:accPr>
@@ -3900,7 +3905,7 @@
                               <a:solidFill>
                                 <a:srgbClr val="FF0000"/>
                               </a:solidFill>
-                              <a:latin typeface="Cambria Math"/>
+                              <a:latin typeface="Cambria Math" panose="02040503050406030204" pitchFamily="18" charset="0"/>
                             </a:rPr>
                           </m:ctrlPr>
                         </m:accPr>
@@ -3980,7 +3985,7 @@
               <p:cNvPr id="29" name="TextBox 28">
                 <a:extLst>
                   <a:ext uri="{FF2B5EF4-FFF2-40B4-BE49-F238E27FC236}">
-                    <a16:creationId xmlns:a16="http://schemas.microsoft.com/office/drawing/2014/main" xmlns="" id="{134DC0A7-85D5-4797-98AD-E086BC3532A9}"/>
+                    <a16:creationId xmlns:a16="http://schemas.microsoft.com/office/drawing/2014/main" id="{134DC0A7-85D5-4797-98AD-E086BC3532A9}"/>
                   </a:ext>
                 </a:extLst>
               </p:cNvPr>
@@ -4018,7 +4023,7 @@
                         <m:chr m:val="⃗"/>
                         <m:ctrlPr>
                           <a:rPr lang="en-US" altLang="ko-KR" sz="2000" b="0" i="1" smtClean="0">
-                            <a:latin typeface="Cambria Math"/>
+                            <a:latin typeface="Cambria Math" panose="02040503050406030204" pitchFamily="18" charset="0"/>
                           </a:rPr>
                         </m:ctrlPr>
                       </m:accPr>
@@ -4053,7 +4058,7 @@
                         <m:chr m:val="⃗"/>
                         <m:ctrlPr>
                           <a:rPr lang="en-US" altLang="ko-KR" sz="2000" b="0" i="1" dirty="0" smtClean="0">
-                            <a:latin typeface="Cambria Math"/>
+                            <a:latin typeface="Cambria Math" panose="02040503050406030204" pitchFamily="18" charset="0"/>
                           </a:rPr>
                         </m:ctrlPr>
                       </m:accPr>
@@ -4164,1405 +4169,7 @@
 </p:sld>
 </file>
 
-<file path=ppt/slides/slide2.xml><?xml version="1.0" encoding="utf-8"?>
-<p:sld xmlns:a="http://schemas.openxmlformats.org/drawingml/2006/main" xmlns:r="http://schemas.openxmlformats.org/officeDocument/2006/relationships" xmlns:p="http://schemas.openxmlformats.org/presentationml/2006/main">
-  <p:cSld>
-    <p:spTree>
-      <p:nvGrpSpPr>
-        <p:cNvPr id="1" name=""/>
-        <p:cNvGrpSpPr/>
-        <p:nvPr/>
-      </p:nvGrpSpPr>
-      <p:grpSpPr>
-        <a:xfrm>
-          <a:off x="0" y="0"/>
-          <a:ext cx="0" cy="0"/>
-          <a:chOff x="0" y="0"/>
-          <a:chExt cx="0" cy="0"/>
-        </a:xfrm>
-      </p:grpSpPr>
-      <p:sp>
-        <p:nvSpPr>
-          <p:cNvPr id="13" name="원호 12">
-            <a:extLst>
-              <a:ext uri="{FF2B5EF4-FFF2-40B4-BE49-F238E27FC236}">
-                <a16:creationId xmlns:a16="http://schemas.microsoft.com/office/drawing/2014/main" xmlns="" id="{888DF389-40DF-44D4-9804-A162E620F3E1}"/>
-              </a:ext>
-            </a:extLst>
-          </p:cNvPr>
-          <p:cNvSpPr/>
-          <p:nvPr/>
-        </p:nvSpPr>
-        <p:spPr>
-          <a:xfrm>
-            <a:off x="2071614" y="4803535"/>
-            <a:ext cx="1427989" cy="1427989"/>
-          </a:xfrm>
-          <a:prstGeom prst="arc">
-            <a:avLst>
-              <a:gd name="adj1" fmla="val 17125588"/>
-              <a:gd name="adj2" fmla="val 19622520"/>
-            </a:avLst>
-          </a:prstGeom>
-          <a:ln>
-            <a:solidFill>
-              <a:schemeClr val="tx1"/>
-            </a:solidFill>
-            <a:prstDash val="dash"/>
-          </a:ln>
-        </p:spPr>
-        <p:style>
-          <a:lnRef idx="1">
-            <a:schemeClr val="accent1"/>
-          </a:lnRef>
-          <a:fillRef idx="0">
-            <a:schemeClr val="accent1"/>
-          </a:fillRef>
-          <a:effectRef idx="0">
-            <a:schemeClr val="accent1"/>
-          </a:effectRef>
-          <a:fontRef idx="minor">
-            <a:schemeClr val="tx1"/>
-          </a:fontRef>
-        </p:style>
-        <p:txBody>
-          <a:bodyPr rtlCol="0" anchor="ctr"/>
-          <a:lstStyle/>
-          <a:p>
-            <a:pPr algn="ctr"/>
-            <a:endParaRPr lang="ko-KR" altLang="en-US"/>
-          </a:p>
-        </p:txBody>
-      </p:sp>
-      <p:cxnSp>
-        <p:nvCxnSpPr>
-          <p:cNvPr id="6" name="직선 화살표 연결선 5">
-            <a:extLst>
-              <a:ext uri="{FF2B5EF4-FFF2-40B4-BE49-F238E27FC236}">
-                <a16:creationId xmlns:a16="http://schemas.microsoft.com/office/drawing/2014/main" xmlns="" id="{41871895-115B-4C2D-8AA2-35A27E339D32}"/>
-              </a:ext>
-            </a:extLst>
-          </p:cNvPr>
-          <p:cNvCxnSpPr>
-            <a:cxnSpLocks/>
-          </p:cNvCxnSpPr>
-          <p:nvPr/>
-        </p:nvCxnSpPr>
-        <p:spPr>
-          <a:xfrm flipV="1">
-            <a:off x="2785609" y="1161971"/>
-            <a:ext cx="4607188" cy="4534057"/>
-          </a:xfrm>
-          <a:prstGeom prst="straightConnector1">
-            <a:avLst/>
-          </a:prstGeom>
-          <a:ln w="57150">
-            <a:solidFill>
-              <a:schemeClr val="tx1"/>
-            </a:solidFill>
-            <a:tailEnd type="triangle"/>
-          </a:ln>
-        </p:spPr>
-        <p:style>
-          <a:lnRef idx="1">
-            <a:schemeClr val="accent1"/>
-          </a:lnRef>
-          <a:fillRef idx="0">
-            <a:schemeClr val="accent1"/>
-          </a:fillRef>
-          <a:effectRef idx="0">
-            <a:schemeClr val="accent1"/>
-          </a:effectRef>
-          <a:fontRef idx="minor">
-            <a:schemeClr val="tx1"/>
-          </a:fontRef>
-        </p:style>
-      </p:cxnSp>
-      <p:cxnSp>
-        <p:nvCxnSpPr>
-          <p:cNvPr id="10" name="직선 연결선 9">
-            <a:extLst>
-              <a:ext uri="{FF2B5EF4-FFF2-40B4-BE49-F238E27FC236}">
-                <a16:creationId xmlns:a16="http://schemas.microsoft.com/office/drawing/2014/main" xmlns="" id="{A9909453-2E4A-47E9-BF6C-31F5730E0AA2}"/>
-              </a:ext>
-            </a:extLst>
-          </p:cNvPr>
-          <p:cNvCxnSpPr>
-            <a:cxnSpLocks/>
-          </p:cNvCxnSpPr>
-          <p:nvPr/>
-        </p:nvCxnSpPr>
-        <p:spPr>
-          <a:xfrm>
-            <a:off x="3736528" y="846601"/>
-            <a:ext cx="1947603" cy="1947603"/>
-          </a:xfrm>
-          <a:prstGeom prst="line">
-            <a:avLst/>
-          </a:prstGeom>
-          <a:ln>
-            <a:solidFill>
-              <a:schemeClr val="tx1"/>
-            </a:solidFill>
-            <a:prstDash val="dash"/>
-          </a:ln>
-        </p:spPr>
-        <p:style>
-          <a:lnRef idx="1">
-            <a:schemeClr val="accent1"/>
-          </a:lnRef>
-          <a:fillRef idx="0">
-            <a:schemeClr val="accent1"/>
-          </a:fillRef>
-          <a:effectRef idx="0">
-            <a:schemeClr val="accent1"/>
-          </a:effectRef>
-          <a:fontRef idx="minor">
-            <a:schemeClr val="tx1"/>
-          </a:fontRef>
-        </p:style>
-      </p:cxnSp>
-      <p:cxnSp>
-        <p:nvCxnSpPr>
-          <p:cNvPr id="11" name="직선 화살표 연결선 10">
-            <a:extLst>
-              <a:ext uri="{FF2B5EF4-FFF2-40B4-BE49-F238E27FC236}">
-                <a16:creationId xmlns:a16="http://schemas.microsoft.com/office/drawing/2014/main" xmlns="" id="{E11BA27E-F99C-44A9-8E1C-71DC2258D47E}"/>
-              </a:ext>
-            </a:extLst>
-          </p:cNvPr>
-          <p:cNvCxnSpPr>
-            <a:cxnSpLocks/>
-          </p:cNvCxnSpPr>
-          <p:nvPr/>
-        </p:nvCxnSpPr>
-        <p:spPr>
-          <a:xfrm flipV="1">
-            <a:off x="2798309" y="2834140"/>
-            <a:ext cx="2908048" cy="2861889"/>
-          </a:xfrm>
-          <a:prstGeom prst="straightConnector1">
-            <a:avLst/>
-          </a:prstGeom>
-          <a:ln w="76200">
-            <a:solidFill>
-              <a:srgbClr val="FF0000"/>
-            </a:solidFill>
-            <a:headEnd type="none" w="med" len="med"/>
-            <a:tailEnd type="arrow" w="med" len="med"/>
-          </a:ln>
-        </p:spPr>
-        <p:style>
-          <a:lnRef idx="1">
-            <a:schemeClr val="accent1"/>
-          </a:lnRef>
-          <a:fillRef idx="0">
-            <a:schemeClr val="accent1"/>
-          </a:fillRef>
-          <a:effectRef idx="0">
-            <a:schemeClr val="accent1"/>
-          </a:effectRef>
-          <a:fontRef idx="minor">
-            <a:schemeClr val="tx1"/>
-          </a:fontRef>
-        </p:style>
-      </p:cxnSp>
-      <mc:AlternateContent xmlns:mc="http://schemas.openxmlformats.org/markup-compatibility/2006" xmlns:a14="http://schemas.microsoft.com/office/drawing/2010/main">
-        <mc:Choice Requires="a14">
-          <p:sp>
-            <p:nvSpPr>
-              <p:cNvPr id="14" name="TextBox 13">
-                <a:extLst>
-                  <a:ext uri="{FF2B5EF4-FFF2-40B4-BE49-F238E27FC236}">
-                    <a16:creationId xmlns:a16="http://schemas.microsoft.com/office/drawing/2014/main" xmlns="" id="{F845D679-1B65-4B49-A4EA-166A9898B0D1}"/>
-                  </a:ext>
-                </a:extLst>
-              </p:cNvPr>
-              <p:cNvSpPr txBox="1"/>
-              <p:nvPr/>
-            </p:nvSpPr>
-            <p:spPr>
-              <a:xfrm>
-                <a:off x="3028967" y="4387452"/>
-                <a:ext cx="571823" cy="584775"/>
-              </a:xfrm>
-              <a:prstGeom prst="rect">
-                <a:avLst/>
-              </a:prstGeom>
-              <a:noFill/>
-            </p:spPr>
-            <p:txBody>
-              <a:bodyPr wrap="none" rtlCol="0">
-                <a:spAutoFit/>
-              </a:bodyPr>
-              <a:lstStyle/>
-              <a:p>
-                <a:pPr/>
-                <a14:m>
-                  <m:oMathPara xmlns:m="http://schemas.openxmlformats.org/officeDocument/2006/math">
-                    <m:oMathParaPr>
-                      <m:jc m:val="centerGroup"/>
-                    </m:oMathParaPr>
-                    <m:oMath xmlns:m="http://schemas.openxmlformats.org/officeDocument/2006/math">
-                      <m:r>
-                        <a:rPr lang="en-US" altLang="ko-KR" sz="3200" b="0" i="1" smtClean="0">
-                          <a:latin typeface="Cambria Math" panose="02040503050406030204" pitchFamily="18" charset="0"/>
-                        </a:rPr>
-                        <m:t>𝜃</m:t>
-                      </m:r>
-                    </m:oMath>
-                  </m:oMathPara>
-                </a14:m>
-                <a:endParaRPr lang="ko-KR" altLang="en-US" sz="3200" dirty="0"/>
-              </a:p>
-            </p:txBody>
-          </p:sp>
-        </mc:Choice>
-        <mc:Fallback xmlns="">
-          <p:sp>
-            <p:nvSpPr>
-              <p:cNvPr id="14" name="TextBox 13">
-                <a:extLst>
-                  <a:ext uri="{FF2B5EF4-FFF2-40B4-BE49-F238E27FC236}">
-                    <a16:creationId xmlns:a16="http://schemas.microsoft.com/office/drawing/2014/main" id="{F845D679-1B65-4B49-A4EA-166A9898B0D1}"/>
-                  </a:ext>
-                </a:extLst>
-              </p:cNvPr>
-              <p:cNvSpPr txBox="1">
-                <a:spLocks noRot="1" noChangeAspect="1" noMove="1" noResize="1" noEditPoints="1" noAdjustHandles="1" noChangeArrowheads="1" noChangeShapeType="1" noTextEdit="1"/>
-              </p:cNvSpPr>
-              <p:nvPr/>
-            </p:nvSpPr>
-            <p:spPr>
-              <a:xfrm>
-                <a:off x="3028967" y="4387452"/>
-                <a:ext cx="571823" cy="584775"/>
-              </a:xfrm>
-              <a:prstGeom prst="rect">
-                <a:avLst/>
-              </a:prstGeom>
-              <a:blipFill>
-                <a:blip r:embed="rId2"/>
-                <a:stretch>
-                  <a:fillRect/>
-                </a:stretch>
-              </a:blipFill>
-            </p:spPr>
-            <p:txBody>
-              <a:bodyPr/>
-              <a:lstStyle/>
-              <a:p>
-                <a:r>
-                  <a:rPr lang="ko-KR" altLang="en-US">
-                    <a:noFill/>
-                  </a:rPr>
-                  <a:t> </a:t>
-                </a:r>
-              </a:p>
-            </p:txBody>
-          </p:sp>
-        </mc:Fallback>
-      </mc:AlternateContent>
-      <mc:AlternateContent xmlns:mc="http://schemas.openxmlformats.org/markup-compatibility/2006" xmlns:a14="http://schemas.microsoft.com/office/drawing/2010/main">
-        <mc:Choice Requires="a14">
-          <p:sp>
-            <p:nvSpPr>
-              <p:cNvPr id="16" name="TextBox 15">
-                <a:extLst>
-                  <a:ext uri="{FF2B5EF4-FFF2-40B4-BE49-F238E27FC236}">
-                    <a16:creationId xmlns:a16="http://schemas.microsoft.com/office/drawing/2014/main" xmlns="" id="{DC8C783C-A7A5-40AB-958D-D307F63BE019}"/>
-                  </a:ext>
-                </a:extLst>
-              </p:cNvPr>
-              <p:cNvSpPr txBox="1"/>
-              <p:nvPr/>
-            </p:nvSpPr>
-            <p:spPr>
-              <a:xfrm>
-                <a:off x="3079726" y="642502"/>
-                <a:ext cx="559191" cy="657681"/>
-              </a:xfrm>
-              <a:prstGeom prst="rect">
-                <a:avLst/>
-              </a:prstGeom>
-              <a:noFill/>
-            </p:spPr>
-            <p:txBody>
-              <a:bodyPr wrap="none" rtlCol="0">
-                <a:spAutoFit/>
-              </a:bodyPr>
-              <a:lstStyle/>
-              <a:p>
-                <a:pPr/>
-                <a14:m>
-                  <m:oMathPara xmlns:m="http://schemas.openxmlformats.org/officeDocument/2006/math">
-                    <m:oMathParaPr>
-                      <m:jc m:val="centerGroup"/>
-                    </m:oMathParaPr>
-                    <m:oMath xmlns:m="http://schemas.openxmlformats.org/officeDocument/2006/math">
-                      <m:acc>
-                        <m:accPr>
-                          <m:chr m:val="⃗"/>
-                          <m:ctrlPr>
-                            <a:rPr lang="en-US" altLang="ko-KR" sz="3200" b="0" i="1" smtClean="0">
-                              <a:latin typeface="Cambria Math"/>
-                            </a:rPr>
-                          </m:ctrlPr>
-                        </m:accPr>
-                        <m:e>
-                          <m:r>
-                            <a:rPr lang="en-US" altLang="ko-KR" sz="3200" b="0" i="1" smtClean="0">
-                              <a:latin typeface="Cambria Math" panose="02040503050406030204" pitchFamily="18" charset="0"/>
-                            </a:rPr>
-                            <m:t>𝑏</m:t>
-                          </m:r>
-                        </m:e>
-                      </m:acc>
-                    </m:oMath>
-                  </m:oMathPara>
-                </a14:m>
-                <a:endParaRPr lang="ko-KR" altLang="en-US" sz="3200" dirty="0"/>
-              </a:p>
-            </p:txBody>
-          </p:sp>
-        </mc:Choice>
-        <mc:Fallback xmlns="">
-          <p:sp>
-            <p:nvSpPr>
-              <p:cNvPr id="16" name="TextBox 15">
-                <a:extLst>
-                  <a:ext uri="{FF2B5EF4-FFF2-40B4-BE49-F238E27FC236}">
-                    <a16:creationId xmlns:a16="http://schemas.microsoft.com/office/drawing/2014/main" id="{DC8C783C-A7A5-40AB-958D-D307F63BE019}"/>
-                  </a:ext>
-                </a:extLst>
-              </p:cNvPr>
-              <p:cNvSpPr txBox="1">
-                <a:spLocks noRot="1" noChangeAspect="1" noMove="1" noResize="1" noEditPoints="1" noAdjustHandles="1" noChangeArrowheads="1" noChangeShapeType="1" noTextEdit="1"/>
-              </p:cNvSpPr>
-              <p:nvPr/>
-            </p:nvSpPr>
-            <p:spPr>
-              <a:xfrm>
-                <a:off x="3079726" y="642502"/>
-                <a:ext cx="559191" cy="657681"/>
-              </a:xfrm>
-              <a:prstGeom prst="rect">
-                <a:avLst/>
-              </a:prstGeom>
-              <a:blipFill>
-                <a:blip r:embed="rId3"/>
-                <a:stretch>
-                  <a:fillRect/>
-                </a:stretch>
-              </a:blipFill>
-            </p:spPr>
-            <p:txBody>
-              <a:bodyPr/>
-              <a:lstStyle/>
-              <a:p>
-                <a:r>
-                  <a:rPr lang="ko-KR" altLang="en-US">
-                    <a:noFill/>
-                  </a:rPr>
-                  <a:t> </a:t>
-                </a:r>
-              </a:p>
-            </p:txBody>
-          </p:sp>
-        </mc:Fallback>
-      </mc:AlternateContent>
-      <mc:AlternateContent xmlns:mc="http://schemas.openxmlformats.org/markup-compatibility/2006" xmlns:a14="http://schemas.microsoft.com/office/drawing/2010/main">
-        <mc:Choice Requires="a14">
-          <p:sp>
-            <p:nvSpPr>
-              <p:cNvPr id="17" name="TextBox 16">
-                <a:extLst>
-                  <a:ext uri="{FF2B5EF4-FFF2-40B4-BE49-F238E27FC236}">
-                    <a16:creationId xmlns:a16="http://schemas.microsoft.com/office/drawing/2014/main" xmlns="" id="{AC074638-91A2-427E-82A2-58A17708AF61}"/>
-                  </a:ext>
-                </a:extLst>
-              </p:cNvPr>
-              <p:cNvSpPr txBox="1"/>
-              <p:nvPr/>
-            </p:nvSpPr>
-            <p:spPr>
-              <a:xfrm>
-                <a:off x="7410352" y="965814"/>
-                <a:ext cx="568169" cy="584775"/>
-              </a:xfrm>
-              <a:prstGeom prst="rect">
-                <a:avLst/>
-              </a:prstGeom>
-              <a:noFill/>
-            </p:spPr>
-            <p:txBody>
-              <a:bodyPr wrap="none" rtlCol="0">
-                <a:spAutoFit/>
-              </a:bodyPr>
-              <a:lstStyle/>
-              <a:p>
-                <a:pPr/>
-                <a14:m>
-                  <m:oMathPara xmlns:m="http://schemas.openxmlformats.org/officeDocument/2006/math">
-                    <m:oMathParaPr>
-                      <m:jc m:val="centerGroup"/>
-                    </m:oMathParaPr>
-                    <m:oMath xmlns:m="http://schemas.openxmlformats.org/officeDocument/2006/math">
-                      <m:acc>
-                        <m:accPr>
-                          <m:chr m:val="⃗"/>
-                          <m:ctrlPr>
-                            <a:rPr lang="en-US" altLang="ko-KR" sz="3200" b="0" i="1" smtClean="0">
-                              <a:latin typeface="Cambria Math"/>
-                            </a:rPr>
-                          </m:ctrlPr>
-                        </m:accPr>
-                        <m:e>
-                          <m:r>
-                            <a:rPr lang="en-US" altLang="ko-KR" sz="3200" b="0" i="1" smtClean="0">
-                              <a:latin typeface="Cambria Math" panose="02040503050406030204" pitchFamily="18" charset="0"/>
-                            </a:rPr>
-                            <m:t>𝑎</m:t>
-                          </m:r>
-                        </m:e>
-                      </m:acc>
-                    </m:oMath>
-                  </m:oMathPara>
-                </a14:m>
-                <a:endParaRPr lang="ko-KR" altLang="en-US" sz="3200" dirty="0"/>
-              </a:p>
-            </p:txBody>
-          </p:sp>
-        </mc:Choice>
-        <mc:Fallback xmlns="">
-          <p:sp>
-            <p:nvSpPr>
-              <p:cNvPr id="17" name="TextBox 16">
-                <a:extLst>
-                  <a:ext uri="{FF2B5EF4-FFF2-40B4-BE49-F238E27FC236}">
-                    <a16:creationId xmlns:a16="http://schemas.microsoft.com/office/drawing/2014/main" id="{AC074638-91A2-427E-82A2-58A17708AF61}"/>
-                  </a:ext>
-                </a:extLst>
-              </p:cNvPr>
-              <p:cNvSpPr txBox="1">
-                <a:spLocks noRot="1" noChangeAspect="1" noMove="1" noResize="1" noEditPoints="1" noAdjustHandles="1" noChangeArrowheads="1" noChangeShapeType="1" noTextEdit="1"/>
-              </p:cNvSpPr>
-              <p:nvPr/>
-            </p:nvSpPr>
-            <p:spPr>
-              <a:xfrm>
-                <a:off x="7410352" y="965814"/>
-                <a:ext cx="568169" cy="584775"/>
-              </a:xfrm>
-              <a:prstGeom prst="rect">
-                <a:avLst/>
-              </a:prstGeom>
-              <a:blipFill>
-                <a:blip r:embed="rId4"/>
-                <a:stretch>
-                  <a:fillRect/>
-                </a:stretch>
-              </a:blipFill>
-            </p:spPr>
-            <p:txBody>
-              <a:bodyPr/>
-              <a:lstStyle/>
-              <a:p>
-                <a:r>
-                  <a:rPr lang="ko-KR" altLang="en-US">
-                    <a:noFill/>
-                  </a:rPr>
-                  <a:t> </a:t>
-                </a:r>
-              </a:p>
-            </p:txBody>
-          </p:sp>
-        </mc:Fallback>
-      </mc:AlternateContent>
-      <p:cxnSp>
-        <p:nvCxnSpPr>
-          <p:cNvPr id="24" name="직선 연결선 23">
-            <a:extLst>
-              <a:ext uri="{FF2B5EF4-FFF2-40B4-BE49-F238E27FC236}">
-                <a16:creationId xmlns:a16="http://schemas.microsoft.com/office/drawing/2014/main" xmlns="" id="{22BDED62-7F2B-4B1A-90BE-2E4369F8A961}"/>
-              </a:ext>
-            </a:extLst>
-          </p:cNvPr>
-          <p:cNvCxnSpPr>
-            <a:cxnSpLocks/>
-          </p:cNvCxnSpPr>
-          <p:nvPr/>
-        </p:nvCxnSpPr>
-        <p:spPr>
-          <a:xfrm>
-            <a:off x="828469" y="3699698"/>
-            <a:ext cx="1996330" cy="1996330"/>
-          </a:xfrm>
-          <a:prstGeom prst="line">
-            <a:avLst/>
-          </a:prstGeom>
-          <a:ln>
-            <a:solidFill>
-              <a:schemeClr val="tx1"/>
-            </a:solidFill>
-            <a:prstDash val="dash"/>
-          </a:ln>
-        </p:spPr>
-        <p:style>
-          <a:lnRef idx="1">
-            <a:schemeClr val="accent1"/>
-          </a:lnRef>
-          <a:fillRef idx="0">
-            <a:schemeClr val="accent1"/>
-          </a:fillRef>
-          <a:effectRef idx="0">
-            <a:schemeClr val="accent1"/>
-          </a:effectRef>
-          <a:fontRef idx="minor">
-            <a:schemeClr val="tx1"/>
-          </a:fontRef>
-        </p:style>
-      </p:cxnSp>
-      <p:cxnSp>
-        <p:nvCxnSpPr>
-          <p:cNvPr id="25" name="직선 화살표 연결선 24">
-            <a:extLst>
-              <a:ext uri="{FF2B5EF4-FFF2-40B4-BE49-F238E27FC236}">
-                <a16:creationId xmlns:a16="http://schemas.microsoft.com/office/drawing/2014/main" xmlns="" id="{DEC2B096-5976-46F7-AE8F-EFB24C3C3A4D}"/>
-              </a:ext>
-            </a:extLst>
-          </p:cNvPr>
-          <p:cNvCxnSpPr>
-            <a:cxnSpLocks/>
-          </p:cNvCxnSpPr>
-          <p:nvPr/>
-        </p:nvCxnSpPr>
-        <p:spPr>
-          <a:xfrm flipV="1">
-            <a:off x="823718" y="837809"/>
-            <a:ext cx="2908048" cy="2861889"/>
-          </a:xfrm>
-          <a:prstGeom prst="straightConnector1">
-            <a:avLst/>
-          </a:prstGeom>
-          <a:ln w="9525">
-            <a:solidFill>
-              <a:schemeClr val="tx1"/>
-            </a:solidFill>
-            <a:prstDash val="sysDash"/>
-            <a:headEnd type="none" w="med" len="med"/>
-            <a:tailEnd type="none" w="med" len="med"/>
-          </a:ln>
-        </p:spPr>
-        <p:style>
-          <a:lnRef idx="1">
-            <a:schemeClr val="accent1"/>
-          </a:lnRef>
-          <a:fillRef idx="0">
-            <a:schemeClr val="accent1"/>
-          </a:fillRef>
-          <a:effectRef idx="0">
-            <a:schemeClr val="accent1"/>
-          </a:effectRef>
-          <a:fontRef idx="minor">
-            <a:schemeClr val="tx1"/>
-          </a:fontRef>
-        </p:style>
-      </p:cxnSp>
-      <p:cxnSp>
-        <p:nvCxnSpPr>
-          <p:cNvPr id="5" name="직선 화살표 연결선 4">
-            <a:extLst>
-              <a:ext uri="{FF2B5EF4-FFF2-40B4-BE49-F238E27FC236}">
-                <a16:creationId xmlns:a16="http://schemas.microsoft.com/office/drawing/2014/main" xmlns="" id="{12B93C8E-C00E-4002-A3D5-FA0294CD6D7C}"/>
-              </a:ext>
-            </a:extLst>
-          </p:cNvPr>
-          <p:cNvCxnSpPr>
-            <a:cxnSpLocks/>
-          </p:cNvCxnSpPr>
-          <p:nvPr/>
-        </p:nvCxnSpPr>
-        <p:spPr>
-          <a:xfrm flipV="1">
-            <a:off x="2785609" y="836712"/>
-            <a:ext cx="946849" cy="4859316"/>
-          </a:xfrm>
-          <a:prstGeom prst="straightConnector1">
-            <a:avLst/>
-          </a:prstGeom>
-          <a:ln w="57150">
-            <a:solidFill>
-              <a:schemeClr val="tx1"/>
-            </a:solidFill>
-            <a:tailEnd type="triangle"/>
-          </a:ln>
-        </p:spPr>
-        <p:style>
-          <a:lnRef idx="1">
-            <a:schemeClr val="accent1"/>
-          </a:lnRef>
-          <a:fillRef idx="0">
-            <a:schemeClr val="accent1"/>
-          </a:fillRef>
-          <a:effectRef idx="0">
-            <a:schemeClr val="accent1"/>
-          </a:effectRef>
-          <a:fontRef idx="minor">
-            <a:schemeClr val="tx1"/>
-          </a:fontRef>
-        </p:style>
-      </p:cxnSp>
-      <mc:AlternateContent xmlns:mc="http://schemas.openxmlformats.org/markup-compatibility/2006" xmlns:a14="http://schemas.microsoft.com/office/drawing/2010/main">
-        <mc:Choice Requires="a14">
-          <p:sp>
-            <p:nvSpPr>
-              <p:cNvPr id="27" name="TextBox 26">
-                <a:extLst>
-                  <a:ext uri="{FF2B5EF4-FFF2-40B4-BE49-F238E27FC236}">
-                    <a16:creationId xmlns:a16="http://schemas.microsoft.com/office/drawing/2014/main" xmlns="" id="{6613D9F3-7A14-4F77-BF01-40CA03E133F4}"/>
-                  </a:ext>
-                </a:extLst>
-              </p:cNvPr>
-              <p:cNvSpPr txBox="1"/>
-              <p:nvPr/>
-            </p:nvSpPr>
-            <p:spPr>
-              <a:xfrm>
-                <a:off x="4067944" y="4105304"/>
-                <a:ext cx="4224939" cy="1060483"/>
-              </a:xfrm>
-              <a:prstGeom prst="rect">
-                <a:avLst/>
-              </a:prstGeom>
-              <a:noFill/>
-            </p:spPr>
-            <p:txBody>
-              <a:bodyPr wrap="none" rtlCol="0">
-                <a:spAutoFit/>
-              </a:bodyPr>
-              <a:lstStyle/>
-              <a:p>
-                <a:pPr/>
-                <a14:m>
-                  <m:oMathPara xmlns:m="http://schemas.openxmlformats.org/officeDocument/2006/math">
-                    <m:oMathParaPr>
-                      <m:jc m:val="centerGroup"/>
-                    </m:oMathParaPr>
-                    <m:oMath xmlns:m="http://schemas.openxmlformats.org/officeDocument/2006/math">
-                      <m:r>
-                        <a:rPr lang="en-US" altLang="ko-KR" sz="2800" b="0" i="1" dirty="0" smtClean="0">
-                          <a:solidFill>
-                            <a:srgbClr val="FF0000"/>
-                          </a:solidFill>
-                          <a:latin typeface="Cambria Math" panose="02040503050406030204" pitchFamily="18" charset="0"/>
-                        </a:rPr>
-                        <m:t>𝑐𝑜𝑚</m:t>
-                      </m:r>
-                      <m:sSub>
-                        <m:sSubPr>
-                          <m:ctrlPr>
-                            <a:rPr lang="en-US" altLang="ko-KR" sz="2800" b="0" i="1" dirty="0" smtClean="0">
-                              <a:solidFill>
-                                <a:srgbClr val="FF0000"/>
-                              </a:solidFill>
-                              <a:latin typeface="Cambria Math"/>
-                            </a:rPr>
-                          </m:ctrlPr>
-                        </m:sSubPr>
-                        <m:e>
-                          <m:r>
-                            <a:rPr lang="en-US" altLang="ko-KR" sz="2800" b="0" i="1" dirty="0" smtClean="0">
-                              <a:solidFill>
-                                <a:srgbClr val="FF0000"/>
-                              </a:solidFill>
-                              <a:latin typeface="Cambria Math" panose="02040503050406030204" pitchFamily="18" charset="0"/>
-                            </a:rPr>
-                            <m:t>𝑝</m:t>
-                          </m:r>
-                        </m:e>
-                        <m:sub>
-                          <m:acc>
-                            <m:accPr>
-                              <m:chr m:val="⃗"/>
-                              <m:ctrlPr>
-                                <a:rPr lang="en-US" altLang="ko-KR" sz="2800" b="0" i="1" dirty="0" smtClean="0">
-                                  <a:solidFill>
-                                    <a:srgbClr val="FF0000"/>
-                                  </a:solidFill>
-                                  <a:latin typeface="Cambria Math"/>
-                                </a:rPr>
-                              </m:ctrlPr>
-                            </m:accPr>
-                            <m:e>
-                              <m:r>
-                                <a:rPr lang="en-US" altLang="ko-KR" sz="2800" b="0" i="1" dirty="0" smtClean="0">
-                                  <a:solidFill>
-                                    <a:srgbClr val="FF0000"/>
-                                  </a:solidFill>
-                                  <a:latin typeface="Cambria Math" panose="02040503050406030204" pitchFamily="18" charset="0"/>
-                                </a:rPr>
-                                <m:t>𝑎</m:t>
-                              </m:r>
-                            </m:e>
-                          </m:acc>
-                        </m:sub>
-                      </m:sSub>
-                      <m:acc>
-                        <m:accPr>
-                          <m:chr m:val="⃗"/>
-                          <m:ctrlPr>
-                            <a:rPr lang="en-US" altLang="ko-KR" sz="2800" b="0" i="1" dirty="0" smtClean="0">
-                              <a:solidFill>
-                                <a:srgbClr val="FF0000"/>
-                              </a:solidFill>
-                              <a:latin typeface="Cambria Math"/>
-                            </a:rPr>
-                          </m:ctrlPr>
-                        </m:accPr>
-                        <m:e>
-                          <m:r>
-                            <a:rPr lang="en-US" altLang="ko-KR" sz="2800" b="0" i="1" dirty="0" smtClean="0">
-                              <a:solidFill>
-                                <a:srgbClr val="FF0000"/>
-                              </a:solidFill>
-                              <a:latin typeface="Cambria Math" panose="02040503050406030204" pitchFamily="18" charset="0"/>
-                            </a:rPr>
-                            <m:t>𝑏</m:t>
-                          </m:r>
-                        </m:e>
-                      </m:acc>
-                      <m:r>
-                        <a:rPr lang="en-US" altLang="ko-KR" sz="2800" b="0" i="1" dirty="0" smtClean="0">
-                          <a:solidFill>
-                            <a:srgbClr val="FF0000"/>
-                          </a:solidFill>
-                          <a:latin typeface="Cambria Math" panose="02040503050406030204" pitchFamily="18" charset="0"/>
-                        </a:rPr>
-                        <m:t>⋅</m:t>
-                      </m:r>
-                      <m:d>
-                        <m:dPr>
-                          <m:ctrlPr>
-                            <a:rPr lang="en-US" altLang="ko-KR" sz="2800" b="0" i="1" dirty="0" smtClean="0">
-                              <a:solidFill>
-                                <a:srgbClr val="FF0000"/>
-                              </a:solidFill>
-                              <a:latin typeface="Cambria Math"/>
-                            </a:rPr>
-                          </m:ctrlPr>
-                        </m:dPr>
-                        <m:e>
-                          <m:f>
-                            <m:fPr>
-                              <m:ctrlPr>
-                                <a:rPr lang="en-US" altLang="ko-KR" sz="2800" b="0" i="1" dirty="0" smtClean="0">
-                                  <a:solidFill>
-                                    <a:srgbClr val="FF0000"/>
-                                  </a:solidFill>
-                                  <a:latin typeface="Cambria Math"/>
-                                </a:rPr>
-                              </m:ctrlPr>
-                            </m:fPr>
-                            <m:num>
-                              <m:acc>
-                                <m:accPr>
-                                  <m:chr m:val="⃗"/>
-                                  <m:ctrlPr>
-                                    <a:rPr lang="en-US" altLang="ko-KR" sz="2800" b="0" i="1" dirty="0" smtClean="0">
-                                      <a:solidFill>
-                                        <a:srgbClr val="FF0000"/>
-                                      </a:solidFill>
-                                      <a:latin typeface="Cambria Math"/>
-                                    </a:rPr>
-                                  </m:ctrlPr>
-                                </m:accPr>
-                                <m:e>
-                                  <m:r>
-                                    <a:rPr lang="en-US" altLang="ko-KR" sz="2800" b="0" i="1" dirty="0" smtClean="0">
-                                      <a:solidFill>
-                                        <a:srgbClr val="FF0000"/>
-                                      </a:solidFill>
-                                      <a:latin typeface="Cambria Math" panose="02040503050406030204" pitchFamily="18" charset="0"/>
-                                    </a:rPr>
-                                    <m:t>𝑎</m:t>
-                                  </m:r>
-                                </m:e>
-                              </m:acc>
-                            </m:num>
-                            <m:den>
-                              <m:d>
-                                <m:dPr>
-                                  <m:begChr m:val="|"/>
-                                  <m:endChr m:val="|"/>
-                                  <m:ctrlPr>
-                                    <a:rPr lang="en-US" altLang="ko-KR" sz="2800" b="0" i="1" dirty="0" smtClean="0">
-                                      <a:solidFill>
-                                        <a:srgbClr val="FF0000"/>
-                                      </a:solidFill>
-                                      <a:latin typeface="Cambria Math"/>
-                                    </a:rPr>
-                                  </m:ctrlPr>
-                                </m:dPr>
-                                <m:e>
-                                  <m:acc>
-                                    <m:accPr>
-                                      <m:chr m:val="⃗"/>
-                                      <m:ctrlPr>
-                                        <a:rPr lang="en-US" altLang="ko-KR" sz="2800" b="0" i="1" dirty="0" smtClean="0">
-                                          <a:solidFill>
-                                            <a:srgbClr val="FF0000"/>
-                                          </a:solidFill>
-                                          <a:latin typeface="Cambria Math"/>
-                                        </a:rPr>
-                                      </m:ctrlPr>
-                                    </m:accPr>
-                                    <m:e>
-                                      <m:r>
-                                        <a:rPr lang="en-US" altLang="ko-KR" sz="2800" b="0" i="1" dirty="0" smtClean="0">
-                                          <a:solidFill>
-                                            <a:srgbClr val="FF0000"/>
-                                          </a:solidFill>
-                                          <a:latin typeface="Cambria Math" panose="02040503050406030204" pitchFamily="18" charset="0"/>
-                                        </a:rPr>
-                                        <m:t>𝑎</m:t>
-                                      </m:r>
-                                    </m:e>
-                                  </m:acc>
-                                </m:e>
-                              </m:d>
-                            </m:den>
-                          </m:f>
-                        </m:e>
-                      </m:d>
-                      <m:r>
-                        <a:rPr lang="en-US" altLang="ko-KR" sz="2800" b="0" i="1" dirty="0" smtClean="0">
-                          <a:solidFill>
-                            <a:srgbClr val="FF0000"/>
-                          </a:solidFill>
-                          <a:latin typeface="Cambria Math" panose="02040503050406030204" pitchFamily="18" charset="0"/>
-                        </a:rPr>
-                        <m:t>=</m:t>
-                      </m:r>
-                      <m:r>
-                        <a:rPr lang="en-US" altLang="ko-KR" sz="2800" b="0" i="1" smtClean="0">
-                          <a:solidFill>
-                            <a:srgbClr val="FF0000"/>
-                          </a:solidFill>
-                          <a:latin typeface="Cambria Math" panose="02040503050406030204" pitchFamily="18" charset="0"/>
-                        </a:rPr>
-                        <m:t>𝑝𝑟𝑜</m:t>
-                      </m:r>
-                      <m:sSub>
-                        <m:sSubPr>
-                          <m:ctrlPr>
-                            <a:rPr lang="en-US" altLang="ko-KR" sz="2800" b="0" i="1" smtClean="0">
-                              <a:solidFill>
-                                <a:srgbClr val="FF0000"/>
-                              </a:solidFill>
-                              <a:latin typeface="Cambria Math"/>
-                            </a:rPr>
-                          </m:ctrlPr>
-                        </m:sSubPr>
-                        <m:e>
-                          <m:r>
-                            <a:rPr lang="en-US" altLang="ko-KR" sz="2800" b="0" i="1" smtClean="0">
-                              <a:solidFill>
-                                <a:srgbClr val="FF0000"/>
-                              </a:solidFill>
-                              <a:latin typeface="Cambria Math" panose="02040503050406030204" pitchFamily="18" charset="0"/>
-                            </a:rPr>
-                            <m:t>𝑗</m:t>
-                          </m:r>
-                        </m:e>
-                        <m:sub>
-                          <m:acc>
-                            <m:accPr>
-                              <m:chr m:val="⃗"/>
-                              <m:ctrlPr>
-                                <a:rPr lang="en-US" altLang="ko-KR" sz="2800" b="0" i="1" smtClean="0">
-                                  <a:solidFill>
-                                    <a:srgbClr val="FF0000"/>
-                                  </a:solidFill>
-                                  <a:latin typeface="Cambria Math"/>
-                                </a:rPr>
-                              </m:ctrlPr>
-                            </m:accPr>
-                            <m:e>
-                              <m:r>
-                                <a:rPr lang="en-US" altLang="ko-KR" sz="2800" b="0" i="1" smtClean="0">
-                                  <a:solidFill>
-                                    <a:srgbClr val="FF0000"/>
-                                  </a:solidFill>
-                                  <a:latin typeface="Cambria Math" panose="02040503050406030204" pitchFamily="18" charset="0"/>
-                                </a:rPr>
-                                <m:t>𝑎</m:t>
-                              </m:r>
-                            </m:e>
-                          </m:acc>
-                        </m:sub>
-                      </m:sSub>
-                      <m:acc>
-                        <m:accPr>
-                          <m:chr m:val="⃗"/>
-                          <m:ctrlPr>
-                            <a:rPr lang="en-US" altLang="ko-KR" sz="2800" i="1">
-                              <a:solidFill>
-                                <a:srgbClr val="FF0000"/>
-                              </a:solidFill>
-                              <a:latin typeface="Cambria Math"/>
-                            </a:rPr>
-                          </m:ctrlPr>
-                        </m:accPr>
-                        <m:e>
-                          <m:r>
-                            <a:rPr lang="en-US" altLang="ko-KR" sz="2800" i="1">
-                              <a:solidFill>
-                                <a:srgbClr val="FF0000"/>
-                              </a:solidFill>
-                              <a:latin typeface="Cambria Math" panose="02040503050406030204" pitchFamily="18" charset="0"/>
-                            </a:rPr>
-                            <m:t>𝑏</m:t>
-                          </m:r>
-                        </m:e>
-                      </m:acc>
-                    </m:oMath>
-                  </m:oMathPara>
-                </a14:m>
-                <a:endParaRPr lang="en-US" altLang="ko-KR" sz="2800" dirty="0">
-                  <a:solidFill>
-                    <a:srgbClr val="FF0000"/>
-                  </a:solidFill>
-                </a:endParaRPr>
-              </a:p>
-            </p:txBody>
-          </p:sp>
-        </mc:Choice>
-        <mc:Fallback xmlns="">
-          <p:sp>
-            <p:nvSpPr>
-              <p:cNvPr id="27" name="TextBox 26">
-                <a:extLst>
-                  <a:ext uri="{FF2B5EF4-FFF2-40B4-BE49-F238E27FC236}">
-                    <a16:creationId xmlns:a16="http://schemas.microsoft.com/office/drawing/2014/main" id="{6613D9F3-7A14-4F77-BF01-40CA03E133F4}"/>
-                  </a:ext>
-                </a:extLst>
-              </p:cNvPr>
-              <p:cNvSpPr txBox="1">
-                <a:spLocks noRot="1" noChangeAspect="1" noMove="1" noResize="1" noEditPoints="1" noAdjustHandles="1" noChangeArrowheads="1" noChangeShapeType="1" noTextEdit="1"/>
-              </p:cNvSpPr>
-              <p:nvPr/>
-            </p:nvSpPr>
-            <p:spPr>
-              <a:xfrm>
-                <a:off x="4067944" y="4105304"/>
-                <a:ext cx="4224939" cy="1060483"/>
-              </a:xfrm>
-              <a:prstGeom prst="rect">
-                <a:avLst/>
-              </a:prstGeom>
-              <a:blipFill>
-                <a:blip r:embed="rId5"/>
-                <a:stretch>
-                  <a:fillRect/>
-                </a:stretch>
-              </a:blipFill>
-            </p:spPr>
-            <p:txBody>
-              <a:bodyPr/>
-              <a:lstStyle/>
-              <a:p>
-                <a:r>
-                  <a:rPr lang="ko-KR" altLang="en-US">
-                    <a:noFill/>
-                  </a:rPr>
-                  <a:t> </a:t>
-                </a:r>
-              </a:p>
-            </p:txBody>
-          </p:sp>
-        </mc:Fallback>
-      </mc:AlternateContent>
-      <mc:AlternateContent xmlns:mc="http://schemas.openxmlformats.org/markup-compatibility/2006" xmlns:a14="http://schemas.microsoft.com/office/drawing/2010/main">
-        <mc:Choice Requires="a14">
-          <p:sp>
-            <p:nvSpPr>
-              <p:cNvPr id="29" name="TextBox 28">
-                <a:extLst>
-                  <a:ext uri="{FF2B5EF4-FFF2-40B4-BE49-F238E27FC236}">
-                    <a16:creationId xmlns:a16="http://schemas.microsoft.com/office/drawing/2014/main" xmlns="" id="{134DC0A7-85D5-4797-98AD-E086BC3532A9}"/>
-                  </a:ext>
-                </a:extLst>
-              </p:cNvPr>
-              <p:cNvSpPr txBox="1"/>
-              <p:nvPr/>
-            </p:nvSpPr>
-            <p:spPr>
-              <a:xfrm>
-                <a:off x="3848743" y="5186099"/>
-                <a:ext cx="4663340" cy="549865"/>
-              </a:xfrm>
-              <a:prstGeom prst="rect">
-                <a:avLst/>
-              </a:prstGeom>
-              <a:noFill/>
-            </p:spPr>
-            <p:txBody>
-              <a:bodyPr wrap="square">
-                <a:spAutoFit/>
-              </a:bodyPr>
-              <a:lstStyle/>
-              <a:p>
-                <a:pPr algn="ctr"/>
-                <a:r>
-                  <a:rPr lang="ko-KR" altLang="en-US" sz="2400" dirty="0">
-                    <a:latin typeface="배달의민족 주아" panose="02020603020101020101" pitchFamily="18" charset="-127"/>
-                    <a:ea typeface="배달의민족 주아" panose="02020603020101020101" pitchFamily="18" charset="-127"/>
-                  </a:rPr>
-                  <a:t>벡터 </a:t>
-                </a:r>
-                <a14:m>
-                  <m:oMath xmlns:m="http://schemas.openxmlformats.org/officeDocument/2006/math">
-                    <m:acc>
-                      <m:accPr>
-                        <m:chr m:val="⃗"/>
-                        <m:ctrlPr>
-                          <a:rPr lang="en-US" altLang="ko-KR" sz="2400" b="0" i="1" smtClean="0">
-                            <a:latin typeface="Cambria Math"/>
-                          </a:rPr>
-                        </m:ctrlPr>
-                      </m:accPr>
-                      <m:e>
-                        <m:r>
-                          <a:rPr lang="en-US" altLang="ko-KR" sz="2400" b="0" i="1" smtClean="0">
-                            <a:latin typeface="Cambria Math" panose="02040503050406030204" pitchFamily="18" charset="0"/>
-                          </a:rPr>
-                          <m:t>𝑏</m:t>
-                        </m:r>
-                      </m:e>
-                    </m:acc>
-                    <m:r>
-                      <a:rPr lang="ko-KR" altLang="en-US" sz="2400" i="1" dirty="0">
-                        <a:latin typeface="Cambria Math" panose="02040503050406030204" pitchFamily="18" charset="0"/>
-                      </a:rPr>
-                      <m:t>의</m:t>
-                    </m:r>
-                  </m:oMath>
-                </a14:m>
-                <a:r>
-                  <a:rPr lang="ko-KR" altLang="en-US" sz="2400" dirty="0">
-                    <a:latin typeface="배달의민족 주아" panose="02020603020101020101" pitchFamily="18" charset="-127"/>
-                    <a:ea typeface="배달의민족 주아" panose="02020603020101020101" pitchFamily="18" charset="-127"/>
-                  </a:rPr>
-                  <a:t> </a:t>
-                </a:r>
-                <a14:m>
-                  <m:oMath xmlns:m="http://schemas.openxmlformats.org/officeDocument/2006/math">
-                    <m:acc>
-                      <m:accPr>
-                        <m:chr m:val="⃗"/>
-                        <m:ctrlPr>
-                          <a:rPr lang="en-US" altLang="ko-KR" sz="2400" b="0" i="1" dirty="0" smtClean="0">
-                            <a:latin typeface="Cambria Math"/>
-                          </a:rPr>
-                        </m:ctrlPr>
-                      </m:accPr>
-                      <m:e>
-                        <m:r>
-                          <a:rPr lang="en-US" altLang="ko-KR" sz="2400" b="0" i="1" dirty="0" smtClean="0">
-                            <a:latin typeface="Cambria Math" panose="02040503050406030204" pitchFamily="18" charset="0"/>
-                          </a:rPr>
-                          <m:t>𝑎</m:t>
-                        </m:r>
-                      </m:e>
-                    </m:acc>
-                    <m:r>
-                      <a:rPr lang="en-US" altLang="ko-KR" sz="2400" b="0" i="1" dirty="0" smtClean="0">
-                        <a:latin typeface="Cambria Math" panose="02040503050406030204" pitchFamily="18" charset="0"/>
-                      </a:rPr>
-                      <m:t> </m:t>
-                    </m:r>
-                  </m:oMath>
-                </a14:m>
-                <a:r>
-                  <a:rPr lang="ko-KR" altLang="en-US" sz="2400" dirty="0">
-                    <a:latin typeface="배달의민족 주아" panose="02020603020101020101" pitchFamily="18" charset="-127"/>
-                    <a:ea typeface="배달의민족 주아" panose="02020603020101020101" pitchFamily="18" charset="-127"/>
-                  </a:rPr>
-                  <a:t>방향으로의 정사영 </a:t>
-                </a:r>
-                <a:r>
-                  <a:rPr lang="en-US" altLang="ko-KR" sz="2400" dirty="0">
-                    <a:latin typeface="배달의민족 주아" panose="02020603020101020101" pitchFamily="18" charset="-127"/>
-                    <a:ea typeface="배달의민족 주아" panose="02020603020101020101" pitchFamily="18" charset="-127"/>
-                  </a:rPr>
-                  <a:t>(</a:t>
-                </a:r>
-                <a:r>
-                  <a:rPr lang="ko-KR" altLang="en-US" sz="2400" dirty="0">
-                    <a:latin typeface="배달의민족 주아" panose="02020603020101020101" pitchFamily="18" charset="-127"/>
-                    <a:ea typeface="배달의민족 주아" panose="02020603020101020101" pitchFamily="18" charset="-127"/>
-                  </a:rPr>
-                  <a:t>벡터</a:t>
-                </a:r>
-                <a:r>
-                  <a:rPr lang="en-US" altLang="ko-KR" sz="2400" dirty="0">
-                    <a:latin typeface="배달의민족 주아" panose="02020603020101020101" pitchFamily="18" charset="-127"/>
-                    <a:ea typeface="배달의민족 주아" panose="02020603020101020101" pitchFamily="18" charset="-127"/>
-                  </a:rPr>
-                  <a:t>)</a:t>
-                </a:r>
-              </a:p>
-            </p:txBody>
-          </p:sp>
-        </mc:Choice>
-        <mc:Fallback xmlns="">
-          <p:sp>
-            <p:nvSpPr>
-              <p:cNvPr id="29" name="TextBox 28">
-                <a:extLst>
-                  <a:ext uri="{FF2B5EF4-FFF2-40B4-BE49-F238E27FC236}">
-                    <a16:creationId xmlns:a16="http://schemas.microsoft.com/office/drawing/2014/main" id="{134DC0A7-85D5-4797-98AD-E086BC3532A9}"/>
-                  </a:ext>
-                </a:extLst>
-              </p:cNvPr>
-              <p:cNvSpPr txBox="1">
-                <a:spLocks noRot="1" noChangeAspect="1" noMove="1" noResize="1" noEditPoints="1" noAdjustHandles="1" noChangeArrowheads="1" noChangeShapeType="1" noTextEdit="1"/>
-              </p:cNvSpPr>
-              <p:nvPr/>
-            </p:nvSpPr>
-            <p:spPr>
-              <a:xfrm>
-                <a:off x="3848743" y="5186099"/>
-                <a:ext cx="4663340" cy="549865"/>
-              </a:xfrm>
-              <a:prstGeom prst="rect">
-                <a:avLst/>
-              </a:prstGeom>
-              <a:blipFill>
-                <a:blip r:embed="rId6"/>
-                <a:stretch>
-                  <a:fillRect b="-20000"/>
-                </a:stretch>
-              </a:blipFill>
-            </p:spPr>
-            <p:txBody>
-              <a:bodyPr/>
-              <a:lstStyle/>
-              <a:p>
-                <a:r>
-                  <a:rPr lang="ko-KR" altLang="en-US">
-                    <a:noFill/>
-                  </a:rPr>
-                  <a:t> </a:t>
-                </a:r>
-              </a:p>
-            </p:txBody>
-          </p:sp>
-        </mc:Fallback>
-      </mc:AlternateContent>
-    </p:spTree>
-    <p:extLst>
-      <p:ext uri="{BB962C8B-B14F-4D97-AF65-F5344CB8AC3E}">
-        <p14:creationId xmlns:p14="http://schemas.microsoft.com/office/powerpoint/2010/main" val="2326454113"/>
-      </p:ext>
-    </p:extLst>
-  </p:cSld>
-  <p:clrMapOvr>
-    <a:masterClrMapping/>
-  </p:clrMapOvr>
-</p:sld>
-</file>
-
-<file path=ppt/slides/slide3.xml><?xml version="1.0" encoding="utf-8"?>
-<p:sld xmlns:a="http://schemas.openxmlformats.org/drawingml/2006/main" xmlns:r="http://schemas.openxmlformats.org/officeDocument/2006/relationships" xmlns:p="http://schemas.openxmlformats.org/presentationml/2006/main">
-  <p:cSld>
-    <p:spTree>
-      <p:nvGrpSpPr>
-        <p:cNvPr id="1" name=""/>
-        <p:cNvGrpSpPr/>
-        <p:nvPr/>
-      </p:nvGrpSpPr>
-      <p:grpSpPr>
-        <a:xfrm>
-          <a:off x="0" y="0"/>
-          <a:ext cx="0" cy="0"/>
-          <a:chOff x="0" y="0"/>
-          <a:chExt cx="0" cy="0"/>
-        </a:xfrm>
-      </p:grpSpPr>
-      <p:pic>
-        <p:nvPicPr>
-          <p:cNvPr id="1027" name="Picture 3"/>
-          <p:cNvPicPr>
-            <a:picLocks noChangeAspect="1" noChangeArrowheads="1"/>
-          </p:cNvPicPr>
-          <p:nvPr/>
-        </p:nvPicPr>
-        <p:blipFill>
-          <a:blip r:embed="rId2">
-            <a:extLst>
-              <a:ext uri="{28A0092B-C50C-407E-A947-70E740481C1C}">
-                <a14:useLocalDpi xmlns:a14="http://schemas.microsoft.com/office/drawing/2010/main" val="0"/>
-              </a:ext>
-            </a:extLst>
-          </a:blip>
-          <a:srcRect/>
-          <a:stretch>
-            <a:fillRect/>
-          </a:stretch>
-        </p:blipFill>
-        <p:spPr bwMode="auto">
-          <a:xfrm>
-            <a:off x="-566738" y="1433513"/>
-            <a:ext cx="10277476" cy="3990975"/>
-          </a:xfrm>
-          <a:prstGeom prst="rect">
-            <a:avLst/>
-          </a:prstGeom>
-          <a:noFill/>
-          <a:ln>
-            <a:noFill/>
-          </a:ln>
-          <a:effectLst/>
-          <a:extLst>
-            <a:ext uri="{909E8E84-426E-40DD-AFC4-6F175D3DCCD1}">
-              <a14:hiddenFill xmlns:a14="http://schemas.microsoft.com/office/drawing/2010/main">
-                <a:solidFill>
-                  <a:schemeClr val="accent1"/>
-                </a:solidFill>
-              </a14:hiddenFill>
-            </a:ext>
-            <a:ext uri="{91240B29-F687-4F45-9708-019B960494DF}">
-              <a14:hiddenLine xmlns:a14="http://schemas.microsoft.com/office/drawing/2010/main" w="9525">
-                <a:solidFill>
-                  <a:schemeClr val="tx1"/>
-                </a:solidFill>
-                <a:miter lim="800000"/>
-                <a:headEnd/>
-                <a:tailEnd/>
-              </a14:hiddenLine>
-            </a:ext>
-            <a:ext uri="{AF507438-7753-43E0-B8FC-AC1667EBCBE1}">
-              <a14:hiddenEffects xmlns:a14="http://schemas.microsoft.com/office/drawing/2010/main">
-                <a:effectLst>
-                  <a:outerShdw dist="35921" dir="2700000" algn="ctr" rotWithShape="0">
-                    <a:schemeClr val="bg2"/>
-                  </a:outerShdw>
-                </a:effectLst>
-              </a14:hiddenEffects>
-            </a:ext>
-          </a:extLst>
-        </p:spPr>
-      </p:pic>
-    </p:spTree>
-    <p:extLst>
-      <p:ext uri="{BB962C8B-B14F-4D97-AF65-F5344CB8AC3E}">
-        <p14:creationId xmlns:p14="http://schemas.microsoft.com/office/powerpoint/2010/main" val="2357640210"/>
-      </p:ext>
-    </p:extLst>
-  </p:cSld>
-  <p:clrMapOvr>
-    <a:masterClrMapping/>
-  </p:clrMapOvr>
-</p:sld>
-</file>
-
-<file path=ppt/slides/slide4.xml><?xml version="1.0" encoding="utf-8"?>
-<p:sld xmlns:a="http://schemas.openxmlformats.org/drawingml/2006/main" xmlns:r="http://schemas.openxmlformats.org/officeDocument/2006/relationships" xmlns:p="http://schemas.openxmlformats.org/presentationml/2006/main">
-  <p:cSld>
-    <p:spTree>
-      <p:nvGrpSpPr>
-        <p:cNvPr id="1" name=""/>
-        <p:cNvGrpSpPr/>
-        <p:nvPr/>
-      </p:nvGrpSpPr>
-      <p:grpSpPr>
-        <a:xfrm>
-          <a:off x="0" y="0"/>
-          <a:ext cx="0" cy="0"/>
-          <a:chOff x="0" y="0"/>
-          <a:chExt cx="0" cy="0"/>
-        </a:xfrm>
-      </p:grpSpPr>
-      <p:pic>
-        <p:nvPicPr>
-          <p:cNvPr id="2050" name="Picture 2"/>
-          <p:cNvPicPr>
-            <a:picLocks noChangeAspect="1" noChangeArrowheads="1"/>
-          </p:cNvPicPr>
-          <p:nvPr/>
-        </p:nvPicPr>
-        <p:blipFill>
-          <a:blip r:embed="rId2">
-            <a:extLst>
-              <a:ext uri="{28A0092B-C50C-407E-A947-70E740481C1C}">
-                <a14:useLocalDpi xmlns:a14="http://schemas.microsoft.com/office/drawing/2010/main" val="0"/>
-              </a:ext>
-            </a:extLst>
-          </a:blip>
-          <a:srcRect/>
-          <a:stretch>
-            <a:fillRect/>
-          </a:stretch>
-        </p:blipFill>
-        <p:spPr bwMode="auto">
-          <a:xfrm>
-            <a:off x="-566738" y="1399233"/>
-            <a:ext cx="10277476" cy="3990975"/>
-          </a:xfrm>
-          <a:prstGeom prst="rect">
-            <a:avLst/>
-          </a:prstGeom>
-          <a:noFill/>
-          <a:ln>
-            <a:noFill/>
-          </a:ln>
-          <a:effectLst/>
-          <a:extLst>
-            <a:ext uri="{909E8E84-426E-40DD-AFC4-6F175D3DCCD1}">
-              <a14:hiddenFill xmlns:a14="http://schemas.microsoft.com/office/drawing/2010/main">
-                <a:solidFill>
-                  <a:schemeClr val="accent1"/>
-                </a:solidFill>
-              </a14:hiddenFill>
-            </a:ext>
-            <a:ext uri="{91240B29-F687-4F45-9708-019B960494DF}">
-              <a14:hiddenLine xmlns:a14="http://schemas.microsoft.com/office/drawing/2010/main" w="9525">
-                <a:solidFill>
-                  <a:schemeClr val="tx1"/>
-                </a:solidFill>
-                <a:miter lim="800000"/>
-                <a:headEnd/>
-                <a:tailEnd/>
-              </a14:hiddenLine>
-            </a:ext>
-            <a:ext uri="{AF507438-7753-43E0-B8FC-AC1667EBCBE1}">
-              <a14:hiddenEffects xmlns:a14="http://schemas.microsoft.com/office/drawing/2010/main">
-                <a:effectLst>
-                  <a:outerShdw dist="35921" dir="2700000" algn="ctr" rotWithShape="0">
-                    <a:schemeClr val="bg2"/>
-                  </a:outerShdw>
-                </a:effectLst>
-              </a14:hiddenEffects>
-            </a:ext>
-          </a:extLst>
-        </p:spPr>
-      </p:pic>
-    </p:spTree>
-    <p:extLst>
-      <p:ext uri="{BB962C8B-B14F-4D97-AF65-F5344CB8AC3E}">
-        <p14:creationId xmlns:p14="http://schemas.microsoft.com/office/powerpoint/2010/main" val="4264259977"/>
-      </p:ext>
-    </p:extLst>
-  </p:cSld>
-  <p:clrMapOvr>
-    <a:masterClrMapping/>
-  </p:clrMapOvr>
-</p:sld>
-</file>
-
-<file path=ppt/slides/slide5.xml><?xml version="1.0" encoding="utf-8"?>
+<file path=ppt/slides/slide10.xml><?xml version="1.0" encoding="utf-8"?>
 <p:sld xmlns:a="http://schemas.openxmlformats.org/drawingml/2006/main" xmlns:r="http://schemas.openxmlformats.org/officeDocument/2006/relationships" xmlns:p="http://schemas.openxmlformats.org/presentationml/2006/main">
   <p:cSld>
     <p:spTree>
@@ -5660,7 +4267,7 @@
                         <m:sSubPr>
                           <m:ctrlPr>
                             <a:rPr lang="en-US" altLang="ko-KR" sz="5400" b="0" i="1" smtClean="0">
-                              <a:latin typeface="Cambria Math"/>
+                              <a:latin typeface="Cambria Math" panose="02040503050406030204" pitchFamily="18" charset="0"/>
                             </a:rPr>
                           </m:ctrlPr>
                         </m:sSubPr>
@@ -5691,7 +4298,7 @@
                         <m:sSubPr>
                           <m:ctrlPr>
                             <a:rPr lang="en-US" altLang="ko-KR" sz="5400" b="0" i="1" smtClean="0">
-                              <a:latin typeface="Cambria Math"/>
+                              <a:latin typeface="Cambria Math" panose="02040503050406030204" pitchFamily="18" charset="0"/>
                             </a:rPr>
                           </m:ctrlPr>
                         </m:sSubPr>
@@ -5722,7 +4329,7 @@
                         <m:sSubPr>
                           <m:ctrlPr>
                             <a:rPr lang="en-US" altLang="ko-KR" sz="5400" b="0" i="1" smtClean="0">
-                              <a:latin typeface="Cambria Math"/>
+                              <a:latin typeface="Cambria Math" panose="02040503050406030204" pitchFamily="18" charset="0"/>
                             </a:rPr>
                           </m:ctrlPr>
                         </m:sSubPr>
@@ -5742,7 +4349,7 @@
                             <m:sSubPr>
                               <m:ctrlPr>
                                 <a:rPr lang="en-US" altLang="ko-KR" sz="5400" b="0" i="1" smtClean="0">
-                                  <a:latin typeface="Cambria Math"/>
+                                  <a:latin typeface="Cambria Math" panose="02040503050406030204" pitchFamily="18" charset="0"/>
                                 </a:rPr>
                               </m:ctrlPr>
                             </m:sSubPr>
@@ -5775,7 +4382,7 @@
                         <m:sSubPr>
                           <m:ctrlPr>
                             <a:rPr lang="en-US" altLang="ko-KR" sz="5400" b="0" i="1" smtClean="0">
-                              <a:latin typeface="Cambria Math"/>
+                              <a:latin typeface="Cambria Math" panose="02040503050406030204" pitchFamily="18" charset="0"/>
                             </a:rPr>
                           </m:ctrlPr>
                         </m:sSubPr>
@@ -5849,8 +4456,8 @@
           </p:sp>
         </mc:Fallback>
       </mc:AlternateContent>
-      <mc:AlternateContent xmlns:mc="http://schemas.openxmlformats.org/markup-compatibility/2006" xmlns:a14="http://schemas.microsoft.com/office/drawing/2010/main">
-        <mc:Choice Requires="a14">
+      <mc:AlternateContent xmlns:mc="http://schemas.openxmlformats.org/markup-compatibility/2006">
+        <mc:Choice xmlns:a14="http://schemas.microsoft.com/office/drawing/2010/main" Requires="a14">
           <p:sp>
             <p:nvSpPr>
               <p:cNvPr id="6" name="TextBox 5"/>
@@ -5859,8 +4466,8 @@
             </p:nvSpPr>
             <p:spPr>
               <a:xfrm>
-                <a:off x="3714548" y="3789040"/>
-                <a:ext cx="4701736" cy="584775"/>
+                <a:off x="3406618" y="3789040"/>
+                <a:ext cx="5317610" cy="584775"/>
               </a:xfrm>
               <a:prstGeom prst="rect">
                 <a:avLst/>
@@ -5880,50 +4487,14 @@
                       <m:sSubPr>
                         <m:ctrlPr>
                           <a:rPr lang="en-US" altLang="ko-KR" sz="3200" b="0" i="1" smtClean="0">
-                            <a:latin typeface="Cambria Math"/>
+                            <a:latin typeface="Cambria Math" panose="02040503050406030204" pitchFamily="18" charset="0"/>
                           </a:rPr>
                         </m:ctrlPr>
                       </m:sSubPr>
                       <m:e>
                         <m:r>
                           <a:rPr lang="en-US" altLang="ko-KR" sz="3200" b="0" i="1" smtClean="0">
-                            <a:latin typeface="Cambria Math"/>
-                          </a:rPr>
-                          <m:t>𝑎</m:t>
-                        </m:r>
-                      </m:e>
-                      <m:sub>
-                        <m:r>
-                          <a:rPr lang="en-US" altLang="ko-KR" sz="3200" b="0" i="1" smtClean="0">
-                            <a:latin typeface="Cambria Math"/>
-                          </a:rPr>
-                          <m:t>2</m:t>
-                        </m:r>
-                      </m:sub>
-                    </m:sSub>
-                  </m:oMath>
-                </a14:m>
-                <a:r>
-                  <a:rPr lang="ko-KR" altLang="en-US" sz="3200" dirty="0">
-                    <a:latin typeface="KoPub돋움체 Bold" pitchFamily="18" charset="-127"/>
-                    <a:ea typeface="KoPub돋움체 Bold" pitchFamily="18" charset="-127"/>
-                  </a:rPr>
-                  <a:t>가 갖고 있는 </a:t>
-                </a:r>
-                <a14:m>
-                  <m:oMath xmlns:m="http://schemas.openxmlformats.org/officeDocument/2006/math">
-                    <m:sSub>
-                      <m:sSubPr>
-                        <m:ctrlPr>
-                          <a:rPr lang="en-US" altLang="ko-KR" sz="3200" b="0" i="1" smtClean="0">
-                            <a:latin typeface="Cambria Math"/>
-                          </a:rPr>
-                        </m:ctrlPr>
-                      </m:sSubPr>
-                      <m:e>
-                        <m:r>
-                          <a:rPr lang="en-US" altLang="ko-KR" sz="3200" b="0" i="1" smtClean="0">
-                            <a:latin typeface="Cambria Math"/>
+                            <a:latin typeface="Cambria Math" panose="02040503050406030204" pitchFamily="18" charset="0"/>
                           </a:rPr>
                           <m:t>𝑢</m:t>
                         </m:r>
@@ -5931,7 +4502,7 @@
                       <m:sub>
                         <m:r>
                           <a:rPr lang="en-US" altLang="ko-KR" sz="3200" b="0" i="1" smtClean="0">
-                            <a:latin typeface="Cambria Math"/>
+                            <a:latin typeface="Cambria Math" panose="02040503050406030204" pitchFamily="18" charset="0"/>
                           </a:rPr>
                           <m:t>1</m:t>
                         </m:r>
@@ -5940,17 +4511,53 @@
                   </m:oMath>
                 </a14:m>
                 <a:r>
-                  <a:rPr lang="ko-KR" altLang="en-US" sz="3200" dirty="0">
+                  <a:rPr lang="en-US" altLang="ko-KR" sz="3200" dirty="0">
                     <a:latin typeface="KoPub돋움체 Bold" pitchFamily="18" charset="-127"/>
                     <a:ea typeface="KoPub돋움체 Bold" pitchFamily="18" charset="-127"/>
                   </a:rPr>
-                  <a:t>관련 성분</a:t>
+                  <a:t>-related component of </a:t>
                 </a:r>
+                <a14:m>
+                  <m:oMath xmlns:m="http://schemas.openxmlformats.org/officeDocument/2006/math">
+                    <m:sSub>
+                      <m:sSubPr>
+                        <m:ctrlPr>
+                          <a:rPr lang="en-US" altLang="ko-KR" sz="3200" b="0" i="1" smtClean="0">
+                            <a:latin typeface="Cambria Math" panose="02040503050406030204" pitchFamily="18" charset="0"/>
+                            <a:ea typeface="KoPub돋움체 Bold" pitchFamily="18" charset="-127"/>
+                          </a:rPr>
+                        </m:ctrlPr>
+                      </m:sSubPr>
+                      <m:e>
+                        <m:r>
+                          <a:rPr lang="en-US" altLang="ko-KR" sz="3200" b="0" i="1" smtClean="0">
+                            <a:latin typeface="Cambria Math" panose="02040503050406030204" pitchFamily="18" charset="0"/>
+                            <a:ea typeface="KoPub돋움체 Bold" pitchFamily="18" charset="-127"/>
+                          </a:rPr>
+                          <m:t>𝑎</m:t>
+                        </m:r>
+                      </m:e>
+                      <m:sub>
+                        <m:r>
+                          <a:rPr lang="en-US" altLang="ko-KR" sz="3200" b="0" i="1" smtClean="0">
+                            <a:latin typeface="Cambria Math" panose="02040503050406030204" pitchFamily="18" charset="0"/>
+                            <a:ea typeface="KoPub돋움체 Bold" pitchFamily="18" charset="-127"/>
+                          </a:rPr>
+                          <m:t>2</m:t>
+                        </m:r>
+                      </m:sub>
+                    </m:sSub>
+                  </m:oMath>
+                </a14:m>
+                <a:endParaRPr lang="ko-KR" altLang="en-US" sz="3200" dirty="0">
+                  <a:latin typeface="KoPub돋움체 Bold" pitchFamily="18" charset="-127"/>
+                  <a:ea typeface="KoPub돋움체 Bold" pitchFamily="18" charset="-127"/>
+                </a:endParaRPr>
               </a:p>
             </p:txBody>
           </p:sp>
         </mc:Choice>
-        <mc:Fallback xmlns="">
+        <mc:Fallback>
           <p:sp>
             <p:nvSpPr>
               <p:cNvPr id="6" name="TextBox 5"/>
@@ -5961,16 +4568,16 @@
             </p:nvSpPr>
             <p:spPr>
               <a:xfrm>
-                <a:off x="3714548" y="3789040"/>
-                <a:ext cx="4701736" cy="584775"/>
+                <a:off x="3406618" y="3789040"/>
+                <a:ext cx="5317610" cy="584775"/>
               </a:xfrm>
               <a:prstGeom prst="rect">
                 <a:avLst/>
               </a:prstGeom>
-              <a:blipFill rotWithShape="1">
+              <a:blipFill>
                 <a:blip r:embed="rId3"/>
                 <a:stretch>
-                  <a:fillRect t="-13684" r="-2850" b="-34737"/>
+                  <a:fillRect t="-13684" b="-34737"/>
                 </a:stretch>
               </a:blipFill>
             </p:spPr>
@@ -5979,7 +4586,7 @@
               <a:lstStyle/>
               <a:p>
                 <a:r>
-                  <a:rPr lang="ko-KR" altLang="en-US">
+                  <a:rPr lang="en-US">
                     <a:noFill/>
                   </a:rPr>
                   <a:t> </a:t>
@@ -5998,9 +4605,9 @@
           <p:nvPr/>
         </p:nvCxnSpPr>
         <p:spPr>
-          <a:xfrm flipV="1">
+          <a:xfrm flipH="1" flipV="1">
             <a:off x="6065416" y="3212976"/>
-            <a:ext cx="0" cy="576064"/>
+            <a:ext cx="7" cy="576064"/>
           </a:xfrm>
           <a:prstGeom prst="straightConnector1">
             <a:avLst/>
@@ -6030,7 +4637,7 @@
     </p:spTree>
     <p:extLst>
       <p:ext uri="{BB962C8B-B14F-4D97-AF65-F5344CB8AC3E}">
-        <p14:creationId xmlns:p14="http://schemas.microsoft.com/office/powerpoint/2010/main" val="2789664253"/>
+        <p14:creationId xmlns:p14="http://schemas.microsoft.com/office/powerpoint/2010/main" val="512827933"/>
       </p:ext>
     </p:extLst>
   </p:cSld>
@@ -6040,7 +4647,7 @@
 </p:sld>
 </file>
 
-<file path=ppt/slides/slide6.xml><?xml version="1.0" encoding="utf-8"?>
+<file path=ppt/slides/slide11.xml><?xml version="1.0" encoding="utf-8"?>
 <p:sld xmlns:a="http://schemas.openxmlformats.org/drawingml/2006/main" xmlns:r="http://schemas.openxmlformats.org/officeDocument/2006/relationships" xmlns:p="http://schemas.openxmlformats.org/presentationml/2006/main">
   <p:cSld>
     <p:spTree>
@@ -6286,7 +4893,7 @@
                           <m:sSubPr>
                             <m:ctrlPr>
                               <a:rPr lang="en-US" altLang="ko-KR" sz="2800" b="0" i="1" smtClean="0">
-                                <a:latin typeface="Cambria Math"/>
+                                <a:latin typeface="Cambria Math" panose="02040503050406030204" pitchFamily="18" charset="0"/>
                               </a:rPr>
                             </m:ctrlPr>
                           </m:sSubPr>
@@ -6389,7 +4996,7 @@
                           <m:sSubPr>
                             <m:ctrlPr>
                               <a:rPr lang="en-US" altLang="ko-KR" sz="2800" b="0" i="1" smtClean="0">
-                                <a:latin typeface="Cambria Math"/>
+                                <a:latin typeface="Cambria Math" panose="02040503050406030204" pitchFamily="18" charset="0"/>
                               </a:rPr>
                             </m:ctrlPr>
                           </m:sSubPr>
@@ -6492,7 +5099,7 @@
                           <m:sSubPr>
                             <m:ctrlPr>
                               <a:rPr lang="en-US" altLang="ko-KR" sz="2800" b="0" i="1" smtClean="0">
-                                <a:latin typeface="Cambria Math"/>
+                                <a:latin typeface="Cambria Math" panose="02040503050406030204" pitchFamily="18" charset="0"/>
                               </a:rPr>
                             </m:ctrlPr>
                           </m:sSubPr>
@@ -6512,7 +5119,7 @@
                               <m:sSubPr>
                                 <m:ctrlPr>
                                   <a:rPr lang="en-US" altLang="ko-KR" sz="2800" b="0" i="1" smtClean="0">
-                                    <a:latin typeface="Cambria Math"/>
+                                    <a:latin typeface="Cambria Math" panose="02040503050406030204" pitchFamily="18" charset="0"/>
                                   </a:rPr>
                                 </m:ctrlPr>
                               </m:sSubPr>
@@ -6542,7 +5149,7 @@
                           <m:sSubPr>
                             <m:ctrlPr>
                               <a:rPr lang="en-US" altLang="ko-KR" sz="2800" b="0" i="1" smtClean="0">
-                                <a:latin typeface="Cambria Math"/>
+                                <a:latin typeface="Cambria Math" panose="02040503050406030204" pitchFamily="18" charset="0"/>
                               </a:rPr>
                             </m:ctrlPr>
                           </m:sSubPr>
@@ -6756,7 +5363,7 @@
                           <m:sSubPr>
                             <m:ctrlPr>
                               <a:rPr lang="en-US" altLang="ko-KR" sz="2800" b="0" i="1" smtClean="0">
-                                <a:latin typeface="Cambria Math"/>
+                                <a:latin typeface="Cambria Math" panose="02040503050406030204" pitchFamily="18" charset="0"/>
                               </a:rPr>
                             </m:ctrlPr>
                           </m:sSubPr>
@@ -6787,7 +5394,7 @@
                           <m:sSubPr>
                             <m:ctrlPr>
                               <a:rPr lang="en-US" altLang="ko-KR" sz="2800" b="0" i="1" smtClean="0">
-                                <a:latin typeface="Cambria Math"/>
+                                <a:latin typeface="Cambria Math" panose="02040503050406030204" pitchFamily="18" charset="0"/>
                               </a:rPr>
                             </m:ctrlPr>
                           </m:sSubPr>
@@ -6890,7 +5497,7 @@
                           <m:sSubPr>
                             <m:ctrlPr>
                               <a:rPr lang="en-US" altLang="ko-KR" sz="2800" b="0" i="1" smtClean="0">
-                                <a:latin typeface="Cambria Math"/>
+                                <a:latin typeface="Cambria Math" panose="02040503050406030204" pitchFamily="18" charset="0"/>
                               </a:rPr>
                             </m:ctrlPr>
                           </m:sSubPr>
@@ -6993,7 +5600,7 @@
                           <m:sSubPr>
                             <m:ctrlPr>
                               <a:rPr lang="en-US" altLang="ko-KR" sz="2800" b="0" i="1" smtClean="0">
-                                <a:latin typeface="Cambria Math"/>
+                                <a:latin typeface="Cambria Math" panose="02040503050406030204" pitchFamily="18" charset="0"/>
                               </a:rPr>
                             </m:ctrlPr>
                           </m:sSubPr>
@@ -7066,6 +5673,4499 @@
     <p:extLst>
       <p:ext uri="{BB962C8B-B14F-4D97-AF65-F5344CB8AC3E}">
         <p14:creationId xmlns:p14="http://schemas.microsoft.com/office/powerpoint/2010/main" val="2202131605"/>
+      </p:ext>
+    </p:extLst>
+  </p:cSld>
+  <p:clrMapOvr>
+    <a:masterClrMapping/>
+  </p:clrMapOvr>
+</p:sld>
+</file>
+
+<file path=ppt/slides/slide2.xml><?xml version="1.0" encoding="utf-8"?>
+<p:sld xmlns:a="http://schemas.openxmlformats.org/drawingml/2006/main" xmlns:r="http://schemas.openxmlformats.org/officeDocument/2006/relationships" xmlns:p="http://schemas.openxmlformats.org/presentationml/2006/main">
+  <p:cSld>
+    <p:spTree>
+      <p:nvGrpSpPr>
+        <p:cNvPr id="1" name=""/>
+        <p:cNvGrpSpPr/>
+        <p:nvPr/>
+      </p:nvGrpSpPr>
+      <p:grpSpPr>
+        <a:xfrm>
+          <a:off x="0" y="0"/>
+          <a:ext cx="0" cy="0"/>
+          <a:chOff x="0" y="0"/>
+          <a:chExt cx="0" cy="0"/>
+        </a:xfrm>
+      </p:grpSpPr>
+      <p:sp>
+        <p:nvSpPr>
+          <p:cNvPr id="13" name="원호 12">
+            <a:extLst>
+              <a:ext uri="{FF2B5EF4-FFF2-40B4-BE49-F238E27FC236}">
+                <a16:creationId xmlns:a16="http://schemas.microsoft.com/office/drawing/2014/main" id="{888DF389-40DF-44D4-9804-A162E620F3E1}"/>
+              </a:ext>
+            </a:extLst>
+          </p:cNvPr>
+          <p:cNvSpPr/>
+          <p:nvPr/>
+        </p:nvSpPr>
+        <p:spPr>
+          <a:xfrm>
+            <a:off x="2489853" y="4937662"/>
+            <a:ext cx="1427989" cy="1427989"/>
+          </a:xfrm>
+          <a:prstGeom prst="arc">
+            <a:avLst>
+              <a:gd name="adj1" fmla="val 17125588"/>
+              <a:gd name="adj2" fmla="val 19622520"/>
+            </a:avLst>
+          </a:prstGeom>
+          <a:ln>
+            <a:solidFill>
+              <a:schemeClr val="tx1"/>
+            </a:solidFill>
+            <a:prstDash val="dash"/>
+          </a:ln>
+        </p:spPr>
+        <p:style>
+          <a:lnRef idx="1">
+            <a:schemeClr val="accent1"/>
+          </a:lnRef>
+          <a:fillRef idx="0">
+            <a:schemeClr val="accent1"/>
+          </a:fillRef>
+          <a:effectRef idx="0">
+            <a:schemeClr val="accent1"/>
+          </a:effectRef>
+          <a:fontRef idx="minor">
+            <a:schemeClr val="tx1"/>
+          </a:fontRef>
+        </p:style>
+        <p:txBody>
+          <a:bodyPr rtlCol="0" anchor="ctr"/>
+          <a:lstStyle/>
+          <a:p>
+            <a:pPr algn="ctr"/>
+            <a:endParaRPr lang="ko-KR" altLang="en-US"/>
+          </a:p>
+        </p:txBody>
+      </p:sp>
+      <p:cxnSp>
+        <p:nvCxnSpPr>
+          <p:cNvPr id="6" name="직선 화살표 연결선 5">
+            <a:extLst>
+              <a:ext uri="{FF2B5EF4-FFF2-40B4-BE49-F238E27FC236}">
+                <a16:creationId xmlns:a16="http://schemas.microsoft.com/office/drawing/2014/main" id="{41871895-115B-4C2D-8AA2-35A27E339D32}"/>
+              </a:ext>
+            </a:extLst>
+          </p:cNvPr>
+          <p:cNvCxnSpPr>
+            <a:cxnSpLocks/>
+          </p:cNvCxnSpPr>
+          <p:nvPr/>
+        </p:nvCxnSpPr>
+        <p:spPr>
+          <a:xfrm flipV="1">
+            <a:off x="3203848" y="1296098"/>
+            <a:ext cx="4607188" cy="4534057"/>
+          </a:xfrm>
+          <a:prstGeom prst="straightConnector1">
+            <a:avLst/>
+          </a:prstGeom>
+          <a:ln w="57150">
+            <a:solidFill>
+              <a:schemeClr val="tx1"/>
+            </a:solidFill>
+            <a:tailEnd type="triangle"/>
+          </a:ln>
+        </p:spPr>
+        <p:style>
+          <a:lnRef idx="1">
+            <a:schemeClr val="accent1"/>
+          </a:lnRef>
+          <a:fillRef idx="0">
+            <a:schemeClr val="accent1"/>
+          </a:fillRef>
+          <a:effectRef idx="0">
+            <a:schemeClr val="accent1"/>
+          </a:effectRef>
+          <a:fontRef idx="minor">
+            <a:schemeClr val="tx1"/>
+          </a:fontRef>
+        </p:style>
+      </p:cxnSp>
+      <p:cxnSp>
+        <p:nvCxnSpPr>
+          <p:cNvPr id="10" name="직선 연결선 9">
+            <a:extLst>
+              <a:ext uri="{FF2B5EF4-FFF2-40B4-BE49-F238E27FC236}">
+                <a16:creationId xmlns:a16="http://schemas.microsoft.com/office/drawing/2014/main" id="{A9909453-2E4A-47E9-BF6C-31F5730E0AA2}"/>
+              </a:ext>
+            </a:extLst>
+          </p:cNvPr>
+          <p:cNvCxnSpPr>
+            <a:cxnSpLocks/>
+          </p:cNvCxnSpPr>
+          <p:nvPr/>
+        </p:nvCxnSpPr>
+        <p:spPr>
+          <a:xfrm>
+            <a:off x="4154767" y="980728"/>
+            <a:ext cx="1947603" cy="1947603"/>
+          </a:xfrm>
+          <a:prstGeom prst="line">
+            <a:avLst/>
+          </a:prstGeom>
+          <a:ln>
+            <a:solidFill>
+              <a:schemeClr val="tx1"/>
+            </a:solidFill>
+            <a:prstDash val="dash"/>
+          </a:ln>
+        </p:spPr>
+        <p:style>
+          <a:lnRef idx="1">
+            <a:schemeClr val="accent1"/>
+          </a:lnRef>
+          <a:fillRef idx="0">
+            <a:schemeClr val="accent1"/>
+          </a:fillRef>
+          <a:effectRef idx="0">
+            <a:schemeClr val="accent1"/>
+          </a:effectRef>
+          <a:fontRef idx="minor">
+            <a:schemeClr val="tx1"/>
+          </a:fontRef>
+        </p:style>
+      </p:cxnSp>
+      <p:cxnSp>
+        <p:nvCxnSpPr>
+          <p:cNvPr id="11" name="직선 화살표 연결선 10">
+            <a:extLst>
+              <a:ext uri="{FF2B5EF4-FFF2-40B4-BE49-F238E27FC236}">
+                <a16:creationId xmlns:a16="http://schemas.microsoft.com/office/drawing/2014/main" id="{E11BA27E-F99C-44A9-8E1C-71DC2258D47E}"/>
+              </a:ext>
+            </a:extLst>
+          </p:cNvPr>
+          <p:cNvCxnSpPr>
+            <a:cxnSpLocks/>
+          </p:cNvCxnSpPr>
+          <p:nvPr/>
+        </p:nvCxnSpPr>
+        <p:spPr>
+          <a:xfrm flipV="1">
+            <a:off x="3216548" y="2968267"/>
+            <a:ext cx="2908048" cy="2861889"/>
+          </a:xfrm>
+          <a:prstGeom prst="straightConnector1">
+            <a:avLst/>
+          </a:prstGeom>
+          <a:ln w="76200">
+            <a:solidFill>
+              <a:srgbClr val="FF0000"/>
+            </a:solidFill>
+            <a:headEnd type="none" w="med" len="med"/>
+            <a:tailEnd type="none" w="med" len="med"/>
+          </a:ln>
+        </p:spPr>
+        <p:style>
+          <a:lnRef idx="1">
+            <a:schemeClr val="accent1"/>
+          </a:lnRef>
+          <a:fillRef idx="0">
+            <a:schemeClr val="accent1"/>
+          </a:fillRef>
+          <a:effectRef idx="0">
+            <a:schemeClr val="accent1"/>
+          </a:effectRef>
+          <a:fontRef idx="minor">
+            <a:schemeClr val="tx1"/>
+          </a:fontRef>
+        </p:style>
+      </p:cxnSp>
+      <mc:AlternateContent xmlns:mc="http://schemas.openxmlformats.org/markup-compatibility/2006" xmlns:a14="http://schemas.microsoft.com/office/drawing/2010/main">
+        <mc:Choice Requires="a14">
+          <p:sp>
+            <p:nvSpPr>
+              <p:cNvPr id="14" name="TextBox 13">
+                <a:extLst>
+                  <a:ext uri="{FF2B5EF4-FFF2-40B4-BE49-F238E27FC236}">
+                    <a16:creationId xmlns:a16="http://schemas.microsoft.com/office/drawing/2014/main" id="{F845D679-1B65-4B49-A4EA-166A9898B0D1}"/>
+                  </a:ext>
+                </a:extLst>
+              </p:cNvPr>
+              <p:cNvSpPr txBox="1"/>
+              <p:nvPr/>
+            </p:nvSpPr>
+            <p:spPr>
+              <a:xfrm>
+                <a:off x="3447206" y="4521579"/>
+                <a:ext cx="571823" cy="584775"/>
+              </a:xfrm>
+              <a:prstGeom prst="rect">
+                <a:avLst/>
+              </a:prstGeom>
+              <a:noFill/>
+            </p:spPr>
+            <p:txBody>
+              <a:bodyPr wrap="none" rtlCol="0">
+                <a:spAutoFit/>
+              </a:bodyPr>
+              <a:lstStyle/>
+              <a:p>
+                <a:pPr/>
+                <a14:m>
+                  <m:oMathPara xmlns:m="http://schemas.openxmlformats.org/officeDocument/2006/math">
+                    <m:oMathParaPr>
+                      <m:jc m:val="centerGroup"/>
+                    </m:oMathParaPr>
+                    <m:oMath xmlns:m="http://schemas.openxmlformats.org/officeDocument/2006/math">
+                      <m:r>
+                        <a:rPr lang="en-US" altLang="ko-KR" sz="3200" b="0" i="1" smtClean="0">
+                          <a:latin typeface="Cambria Math" panose="02040503050406030204" pitchFamily="18" charset="0"/>
+                        </a:rPr>
+                        <m:t>𝜃</m:t>
+                      </m:r>
+                    </m:oMath>
+                  </m:oMathPara>
+                </a14:m>
+                <a:endParaRPr lang="ko-KR" altLang="en-US" sz="3200" dirty="0"/>
+              </a:p>
+            </p:txBody>
+          </p:sp>
+        </mc:Choice>
+        <mc:Fallback xmlns="">
+          <p:sp>
+            <p:nvSpPr>
+              <p:cNvPr id="14" name="TextBox 13">
+                <a:extLst>
+                  <a:ext uri="{FF2B5EF4-FFF2-40B4-BE49-F238E27FC236}">
+                    <a16:creationId xmlns:a16="http://schemas.microsoft.com/office/drawing/2014/main" id="{F845D679-1B65-4B49-A4EA-166A9898B0D1}"/>
+                  </a:ext>
+                </a:extLst>
+              </p:cNvPr>
+              <p:cNvSpPr txBox="1">
+                <a:spLocks noRot="1" noChangeAspect="1" noMove="1" noResize="1" noEditPoints="1" noAdjustHandles="1" noChangeArrowheads="1" noChangeShapeType="1" noTextEdit="1"/>
+              </p:cNvSpPr>
+              <p:nvPr/>
+            </p:nvSpPr>
+            <p:spPr>
+              <a:xfrm>
+                <a:off x="3447206" y="4521579"/>
+                <a:ext cx="571823" cy="584775"/>
+              </a:xfrm>
+              <a:prstGeom prst="rect">
+                <a:avLst/>
+              </a:prstGeom>
+              <a:blipFill>
+                <a:blip r:embed="rId2"/>
+                <a:stretch>
+                  <a:fillRect/>
+                </a:stretch>
+              </a:blipFill>
+            </p:spPr>
+            <p:txBody>
+              <a:bodyPr/>
+              <a:lstStyle/>
+              <a:p>
+                <a:r>
+                  <a:rPr lang="ko-KR" altLang="en-US">
+                    <a:noFill/>
+                  </a:rPr>
+                  <a:t> </a:t>
+                </a:r>
+              </a:p>
+            </p:txBody>
+          </p:sp>
+        </mc:Fallback>
+      </mc:AlternateContent>
+      <mc:AlternateContent xmlns:mc="http://schemas.openxmlformats.org/markup-compatibility/2006" xmlns:a14="http://schemas.microsoft.com/office/drawing/2010/main">
+        <mc:Choice Requires="a14">
+          <p:sp>
+            <p:nvSpPr>
+              <p:cNvPr id="16" name="TextBox 15">
+                <a:extLst>
+                  <a:ext uri="{FF2B5EF4-FFF2-40B4-BE49-F238E27FC236}">
+                    <a16:creationId xmlns:a16="http://schemas.microsoft.com/office/drawing/2014/main" id="{DC8C783C-A7A5-40AB-958D-D307F63BE019}"/>
+                  </a:ext>
+                </a:extLst>
+              </p:cNvPr>
+              <p:cNvSpPr txBox="1"/>
+              <p:nvPr/>
+            </p:nvSpPr>
+            <p:spPr>
+              <a:xfrm>
+                <a:off x="3497965" y="776629"/>
+                <a:ext cx="559191" cy="657681"/>
+              </a:xfrm>
+              <a:prstGeom prst="rect">
+                <a:avLst/>
+              </a:prstGeom>
+              <a:noFill/>
+            </p:spPr>
+            <p:txBody>
+              <a:bodyPr wrap="none" rtlCol="0">
+                <a:spAutoFit/>
+              </a:bodyPr>
+              <a:lstStyle/>
+              <a:p>
+                <a:pPr/>
+                <a14:m>
+                  <m:oMathPara xmlns:m="http://schemas.openxmlformats.org/officeDocument/2006/math">
+                    <m:oMathParaPr>
+                      <m:jc m:val="centerGroup"/>
+                    </m:oMathParaPr>
+                    <m:oMath xmlns:m="http://schemas.openxmlformats.org/officeDocument/2006/math">
+                      <m:acc>
+                        <m:accPr>
+                          <m:chr m:val="⃗"/>
+                          <m:ctrlPr>
+                            <a:rPr lang="en-US" altLang="ko-KR" sz="3200" b="0" i="1" smtClean="0">
+                              <a:latin typeface="Cambria Math" panose="02040503050406030204" pitchFamily="18" charset="0"/>
+                            </a:rPr>
+                          </m:ctrlPr>
+                        </m:accPr>
+                        <m:e>
+                          <m:r>
+                            <a:rPr lang="en-US" altLang="ko-KR" sz="3200" b="0" i="1" smtClean="0">
+                              <a:latin typeface="Cambria Math" panose="02040503050406030204" pitchFamily="18" charset="0"/>
+                            </a:rPr>
+                            <m:t>𝑏</m:t>
+                          </m:r>
+                        </m:e>
+                      </m:acc>
+                    </m:oMath>
+                  </m:oMathPara>
+                </a14:m>
+                <a:endParaRPr lang="ko-KR" altLang="en-US" sz="3200" dirty="0"/>
+              </a:p>
+            </p:txBody>
+          </p:sp>
+        </mc:Choice>
+        <mc:Fallback xmlns="">
+          <p:sp>
+            <p:nvSpPr>
+              <p:cNvPr id="16" name="TextBox 15">
+                <a:extLst>
+                  <a:ext uri="{FF2B5EF4-FFF2-40B4-BE49-F238E27FC236}">
+                    <a16:creationId xmlns:a16="http://schemas.microsoft.com/office/drawing/2014/main" id="{DC8C783C-A7A5-40AB-958D-D307F63BE019}"/>
+                  </a:ext>
+                </a:extLst>
+              </p:cNvPr>
+              <p:cNvSpPr txBox="1">
+                <a:spLocks noRot="1" noChangeAspect="1" noMove="1" noResize="1" noEditPoints="1" noAdjustHandles="1" noChangeArrowheads="1" noChangeShapeType="1" noTextEdit="1"/>
+              </p:cNvSpPr>
+              <p:nvPr/>
+            </p:nvSpPr>
+            <p:spPr>
+              <a:xfrm>
+                <a:off x="3497965" y="776629"/>
+                <a:ext cx="559191" cy="657681"/>
+              </a:xfrm>
+              <a:prstGeom prst="rect">
+                <a:avLst/>
+              </a:prstGeom>
+              <a:blipFill>
+                <a:blip r:embed="rId3"/>
+                <a:stretch>
+                  <a:fillRect/>
+                </a:stretch>
+              </a:blipFill>
+            </p:spPr>
+            <p:txBody>
+              <a:bodyPr/>
+              <a:lstStyle/>
+              <a:p>
+                <a:r>
+                  <a:rPr lang="ko-KR" altLang="en-US">
+                    <a:noFill/>
+                  </a:rPr>
+                  <a:t> </a:t>
+                </a:r>
+              </a:p>
+            </p:txBody>
+          </p:sp>
+        </mc:Fallback>
+      </mc:AlternateContent>
+      <mc:AlternateContent xmlns:mc="http://schemas.openxmlformats.org/markup-compatibility/2006" xmlns:a14="http://schemas.microsoft.com/office/drawing/2010/main">
+        <mc:Choice Requires="a14">
+          <p:sp>
+            <p:nvSpPr>
+              <p:cNvPr id="17" name="TextBox 16">
+                <a:extLst>
+                  <a:ext uri="{FF2B5EF4-FFF2-40B4-BE49-F238E27FC236}">
+                    <a16:creationId xmlns:a16="http://schemas.microsoft.com/office/drawing/2014/main" id="{AC074638-91A2-427E-82A2-58A17708AF61}"/>
+                  </a:ext>
+                </a:extLst>
+              </p:cNvPr>
+              <p:cNvSpPr txBox="1"/>
+              <p:nvPr/>
+            </p:nvSpPr>
+            <p:spPr>
+              <a:xfrm>
+                <a:off x="7828591" y="1099941"/>
+                <a:ext cx="568169" cy="584775"/>
+              </a:xfrm>
+              <a:prstGeom prst="rect">
+                <a:avLst/>
+              </a:prstGeom>
+              <a:noFill/>
+            </p:spPr>
+            <p:txBody>
+              <a:bodyPr wrap="none" rtlCol="0">
+                <a:spAutoFit/>
+              </a:bodyPr>
+              <a:lstStyle/>
+              <a:p>
+                <a:pPr/>
+                <a14:m>
+                  <m:oMathPara xmlns:m="http://schemas.openxmlformats.org/officeDocument/2006/math">
+                    <m:oMathParaPr>
+                      <m:jc m:val="centerGroup"/>
+                    </m:oMathParaPr>
+                    <m:oMath xmlns:m="http://schemas.openxmlformats.org/officeDocument/2006/math">
+                      <m:acc>
+                        <m:accPr>
+                          <m:chr m:val="⃗"/>
+                          <m:ctrlPr>
+                            <a:rPr lang="en-US" altLang="ko-KR" sz="3200" b="0" i="1" smtClean="0">
+                              <a:latin typeface="Cambria Math" panose="02040503050406030204" pitchFamily="18" charset="0"/>
+                            </a:rPr>
+                          </m:ctrlPr>
+                        </m:accPr>
+                        <m:e>
+                          <m:r>
+                            <a:rPr lang="en-US" altLang="ko-KR" sz="3200" b="0" i="1" smtClean="0">
+                              <a:latin typeface="Cambria Math" panose="02040503050406030204" pitchFamily="18" charset="0"/>
+                            </a:rPr>
+                            <m:t>𝑎</m:t>
+                          </m:r>
+                        </m:e>
+                      </m:acc>
+                    </m:oMath>
+                  </m:oMathPara>
+                </a14:m>
+                <a:endParaRPr lang="ko-KR" altLang="en-US" sz="3200" dirty="0"/>
+              </a:p>
+            </p:txBody>
+          </p:sp>
+        </mc:Choice>
+        <mc:Fallback xmlns="">
+          <p:sp>
+            <p:nvSpPr>
+              <p:cNvPr id="17" name="TextBox 16">
+                <a:extLst>
+                  <a:ext uri="{FF2B5EF4-FFF2-40B4-BE49-F238E27FC236}">
+                    <a16:creationId xmlns:a16="http://schemas.microsoft.com/office/drawing/2014/main" id="{AC074638-91A2-427E-82A2-58A17708AF61}"/>
+                  </a:ext>
+                </a:extLst>
+              </p:cNvPr>
+              <p:cNvSpPr txBox="1">
+                <a:spLocks noRot="1" noChangeAspect="1" noMove="1" noResize="1" noEditPoints="1" noAdjustHandles="1" noChangeArrowheads="1" noChangeShapeType="1" noTextEdit="1"/>
+              </p:cNvSpPr>
+              <p:nvPr/>
+            </p:nvSpPr>
+            <p:spPr>
+              <a:xfrm>
+                <a:off x="7828591" y="1099941"/>
+                <a:ext cx="568169" cy="584775"/>
+              </a:xfrm>
+              <a:prstGeom prst="rect">
+                <a:avLst/>
+              </a:prstGeom>
+              <a:blipFill>
+                <a:blip r:embed="rId4"/>
+                <a:stretch>
+                  <a:fillRect/>
+                </a:stretch>
+              </a:blipFill>
+            </p:spPr>
+            <p:txBody>
+              <a:bodyPr/>
+              <a:lstStyle/>
+              <a:p>
+                <a:r>
+                  <a:rPr lang="ko-KR" altLang="en-US">
+                    <a:noFill/>
+                  </a:rPr>
+                  <a:t> </a:t>
+                </a:r>
+              </a:p>
+            </p:txBody>
+          </p:sp>
+        </mc:Fallback>
+      </mc:AlternateContent>
+      <p:cxnSp>
+        <p:nvCxnSpPr>
+          <p:cNvPr id="24" name="직선 연결선 23">
+            <a:extLst>
+              <a:ext uri="{FF2B5EF4-FFF2-40B4-BE49-F238E27FC236}">
+                <a16:creationId xmlns:a16="http://schemas.microsoft.com/office/drawing/2014/main" id="{22BDED62-7F2B-4B1A-90BE-2E4369F8A961}"/>
+              </a:ext>
+            </a:extLst>
+          </p:cNvPr>
+          <p:cNvCxnSpPr>
+            <a:cxnSpLocks/>
+          </p:cNvCxnSpPr>
+          <p:nvPr/>
+        </p:nvCxnSpPr>
+        <p:spPr>
+          <a:xfrm>
+            <a:off x="1246708" y="3833825"/>
+            <a:ext cx="1996330" cy="1996330"/>
+          </a:xfrm>
+          <a:prstGeom prst="line">
+            <a:avLst/>
+          </a:prstGeom>
+          <a:ln>
+            <a:solidFill>
+              <a:schemeClr val="tx1"/>
+            </a:solidFill>
+            <a:prstDash val="dash"/>
+          </a:ln>
+        </p:spPr>
+        <p:style>
+          <a:lnRef idx="1">
+            <a:schemeClr val="accent1"/>
+          </a:lnRef>
+          <a:fillRef idx="0">
+            <a:schemeClr val="accent1"/>
+          </a:fillRef>
+          <a:effectRef idx="0">
+            <a:schemeClr val="accent1"/>
+          </a:effectRef>
+          <a:fontRef idx="minor">
+            <a:schemeClr val="tx1"/>
+          </a:fontRef>
+        </p:style>
+      </p:cxnSp>
+      <p:cxnSp>
+        <p:nvCxnSpPr>
+          <p:cNvPr id="25" name="직선 화살표 연결선 24">
+            <a:extLst>
+              <a:ext uri="{FF2B5EF4-FFF2-40B4-BE49-F238E27FC236}">
+                <a16:creationId xmlns:a16="http://schemas.microsoft.com/office/drawing/2014/main" id="{DEC2B096-5976-46F7-AE8F-EFB24C3C3A4D}"/>
+              </a:ext>
+            </a:extLst>
+          </p:cNvPr>
+          <p:cNvCxnSpPr>
+            <a:cxnSpLocks/>
+          </p:cNvCxnSpPr>
+          <p:nvPr/>
+        </p:nvCxnSpPr>
+        <p:spPr>
+          <a:xfrm flipV="1">
+            <a:off x="1241957" y="971936"/>
+            <a:ext cx="2908048" cy="2861889"/>
+          </a:xfrm>
+          <a:prstGeom prst="straightConnector1">
+            <a:avLst/>
+          </a:prstGeom>
+          <a:ln w="9525">
+            <a:solidFill>
+              <a:schemeClr val="tx1"/>
+            </a:solidFill>
+            <a:prstDash val="sysDash"/>
+            <a:headEnd type="none" w="med" len="med"/>
+            <a:tailEnd type="none" w="med" len="med"/>
+          </a:ln>
+        </p:spPr>
+        <p:style>
+          <a:lnRef idx="1">
+            <a:schemeClr val="accent1"/>
+          </a:lnRef>
+          <a:fillRef idx="0">
+            <a:schemeClr val="accent1"/>
+          </a:fillRef>
+          <a:effectRef idx="0">
+            <a:schemeClr val="accent1"/>
+          </a:effectRef>
+          <a:fontRef idx="minor">
+            <a:schemeClr val="tx1"/>
+          </a:fontRef>
+        </p:style>
+      </p:cxnSp>
+      <p:cxnSp>
+        <p:nvCxnSpPr>
+          <p:cNvPr id="5" name="직선 화살표 연결선 4">
+            <a:extLst>
+              <a:ext uri="{FF2B5EF4-FFF2-40B4-BE49-F238E27FC236}">
+                <a16:creationId xmlns:a16="http://schemas.microsoft.com/office/drawing/2014/main" id="{12B93C8E-C00E-4002-A3D5-FA0294CD6D7C}"/>
+              </a:ext>
+            </a:extLst>
+          </p:cNvPr>
+          <p:cNvCxnSpPr>
+            <a:cxnSpLocks/>
+          </p:cNvCxnSpPr>
+          <p:nvPr/>
+        </p:nvCxnSpPr>
+        <p:spPr>
+          <a:xfrm flipV="1">
+            <a:off x="3203848" y="970839"/>
+            <a:ext cx="946849" cy="4859316"/>
+          </a:xfrm>
+          <a:prstGeom prst="straightConnector1">
+            <a:avLst/>
+          </a:prstGeom>
+          <a:ln w="57150">
+            <a:solidFill>
+              <a:schemeClr val="tx1"/>
+            </a:solidFill>
+            <a:tailEnd type="triangle"/>
+          </a:ln>
+        </p:spPr>
+        <p:style>
+          <a:lnRef idx="1">
+            <a:schemeClr val="accent1"/>
+          </a:lnRef>
+          <a:fillRef idx="0">
+            <a:schemeClr val="accent1"/>
+          </a:fillRef>
+          <a:effectRef idx="0">
+            <a:schemeClr val="accent1"/>
+          </a:effectRef>
+          <a:fontRef idx="minor">
+            <a:schemeClr val="tx1"/>
+          </a:fontRef>
+        </p:style>
+      </p:cxnSp>
+      <mc:AlternateContent xmlns:mc="http://schemas.openxmlformats.org/markup-compatibility/2006" xmlns:a14="http://schemas.microsoft.com/office/drawing/2010/main">
+        <mc:Choice Requires="a14">
+          <p:sp>
+            <p:nvSpPr>
+              <p:cNvPr id="27" name="TextBox 26">
+                <a:extLst>
+                  <a:ext uri="{FF2B5EF4-FFF2-40B4-BE49-F238E27FC236}">
+                    <a16:creationId xmlns:a16="http://schemas.microsoft.com/office/drawing/2014/main" id="{6613D9F3-7A14-4F77-BF01-40CA03E133F4}"/>
+                  </a:ext>
+                </a:extLst>
+              </p:cNvPr>
+              <p:cNvSpPr txBox="1"/>
+              <p:nvPr/>
+            </p:nvSpPr>
+            <p:spPr>
+              <a:xfrm>
+                <a:off x="4769527" y="4133989"/>
+                <a:ext cx="3173881" cy="621452"/>
+              </a:xfrm>
+              <a:prstGeom prst="rect">
+                <a:avLst/>
+              </a:prstGeom>
+              <a:noFill/>
+            </p:spPr>
+            <p:txBody>
+              <a:bodyPr wrap="none" rtlCol="0">
+                <a:spAutoFit/>
+              </a:bodyPr>
+              <a:lstStyle/>
+              <a:p>
+                <a:pPr/>
+                <a14:m>
+                  <m:oMathPara xmlns:m="http://schemas.openxmlformats.org/officeDocument/2006/math">
+                    <m:oMathParaPr>
+                      <m:jc m:val="centerGroup"/>
+                    </m:oMathParaPr>
+                    <m:oMath xmlns:m="http://schemas.openxmlformats.org/officeDocument/2006/math">
+                      <m:d>
+                        <m:dPr>
+                          <m:begChr m:val="|"/>
+                          <m:endChr m:val="|"/>
+                          <m:ctrlPr>
+                            <a:rPr lang="en-US" altLang="ko-KR" sz="2800" b="0" i="1" dirty="0" smtClean="0">
+                              <a:solidFill>
+                                <a:srgbClr val="FF0000"/>
+                              </a:solidFill>
+                              <a:latin typeface="Cambria Math" panose="02040503050406030204" pitchFamily="18" charset="0"/>
+                            </a:rPr>
+                          </m:ctrlPr>
+                        </m:dPr>
+                        <m:e>
+                          <m:acc>
+                            <m:accPr>
+                              <m:chr m:val="⃗"/>
+                              <m:ctrlPr>
+                                <a:rPr lang="en-US" altLang="ko-KR" sz="2800" b="0" i="1" dirty="0" smtClean="0">
+                                  <a:solidFill>
+                                    <a:srgbClr val="FF0000"/>
+                                  </a:solidFill>
+                                  <a:latin typeface="Cambria Math" panose="02040503050406030204" pitchFamily="18" charset="0"/>
+                                </a:rPr>
+                              </m:ctrlPr>
+                            </m:accPr>
+                            <m:e>
+                              <m:r>
+                                <a:rPr lang="en-US" altLang="ko-KR" sz="2800" b="0" i="1" dirty="0" smtClean="0">
+                                  <a:solidFill>
+                                    <a:srgbClr val="FF0000"/>
+                                  </a:solidFill>
+                                  <a:latin typeface="Cambria Math" panose="02040503050406030204" pitchFamily="18" charset="0"/>
+                                </a:rPr>
+                                <m:t>𝑏</m:t>
+                              </m:r>
+                            </m:e>
+                          </m:acc>
+                        </m:e>
+                      </m:d>
+                      <m:r>
+                        <m:rPr>
+                          <m:sty m:val="p"/>
+                        </m:rPr>
+                        <a:rPr lang="en-US" altLang="ko-KR" sz="2800" b="0" i="0" dirty="0" smtClean="0">
+                          <a:solidFill>
+                            <a:srgbClr val="FF0000"/>
+                          </a:solidFill>
+                          <a:latin typeface="Cambria Math" panose="02040503050406030204" pitchFamily="18" charset="0"/>
+                        </a:rPr>
+                        <m:t>cos</m:t>
+                      </m:r>
+                      <m:r>
+                        <a:rPr lang="en-US" altLang="ko-KR" sz="2800" b="0" i="1" dirty="0" smtClean="0">
+                          <a:solidFill>
+                            <a:srgbClr val="FF0000"/>
+                          </a:solidFill>
+                          <a:latin typeface="Cambria Math" panose="02040503050406030204" pitchFamily="18" charset="0"/>
+                        </a:rPr>
+                        <m:t>𝜃</m:t>
+                      </m:r>
+                      <m:r>
+                        <a:rPr lang="en-US" altLang="ko-KR" sz="2800" b="0" i="1" dirty="0" smtClean="0">
+                          <a:solidFill>
+                            <a:srgbClr val="FF0000"/>
+                          </a:solidFill>
+                          <a:latin typeface="Cambria Math" panose="02040503050406030204" pitchFamily="18" charset="0"/>
+                        </a:rPr>
+                        <m:t>=</m:t>
+                      </m:r>
+                      <m:r>
+                        <a:rPr lang="en-US" altLang="ko-KR" sz="2800" i="1">
+                          <a:solidFill>
+                            <a:srgbClr val="FF0000"/>
+                          </a:solidFill>
+                          <a:latin typeface="Cambria Math" panose="02040503050406030204" pitchFamily="18" charset="0"/>
+                        </a:rPr>
+                        <m:t>𝑐𝑜𝑚</m:t>
+                      </m:r>
+                      <m:sSub>
+                        <m:sSubPr>
+                          <m:ctrlPr>
+                            <a:rPr lang="en-US" altLang="ko-KR" sz="2800" i="1">
+                              <a:solidFill>
+                                <a:srgbClr val="FF0000"/>
+                              </a:solidFill>
+                              <a:latin typeface="Cambria Math" panose="02040503050406030204" pitchFamily="18" charset="0"/>
+                            </a:rPr>
+                          </m:ctrlPr>
+                        </m:sSubPr>
+                        <m:e>
+                          <m:r>
+                            <a:rPr lang="en-US" altLang="ko-KR" sz="2800" i="1">
+                              <a:solidFill>
+                                <a:srgbClr val="FF0000"/>
+                              </a:solidFill>
+                              <a:latin typeface="Cambria Math" panose="02040503050406030204" pitchFamily="18" charset="0"/>
+                            </a:rPr>
+                            <m:t>𝑝</m:t>
+                          </m:r>
+                        </m:e>
+                        <m:sub>
+                          <m:acc>
+                            <m:accPr>
+                              <m:chr m:val="⃗"/>
+                              <m:ctrlPr>
+                                <a:rPr lang="en-US" altLang="ko-KR" sz="2800" i="1">
+                                  <a:solidFill>
+                                    <a:srgbClr val="FF0000"/>
+                                  </a:solidFill>
+                                  <a:latin typeface="Cambria Math" panose="02040503050406030204" pitchFamily="18" charset="0"/>
+                                </a:rPr>
+                              </m:ctrlPr>
+                            </m:accPr>
+                            <m:e>
+                              <m:r>
+                                <a:rPr lang="en-US" altLang="ko-KR" sz="2800" i="1">
+                                  <a:solidFill>
+                                    <a:srgbClr val="FF0000"/>
+                                  </a:solidFill>
+                                  <a:latin typeface="Cambria Math" panose="02040503050406030204" pitchFamily="18" charset="0"/>
+                                </a:rPr>
+                                <m:t>𝑎</m:t>
+                              </m:r>
+                            </m:e>
+                          </m:acc>
+                        </m:sub>
+                      </m:sSub>
+                      <m:acc>
+                        <m:accPr>
+                          <m:chr m:val="⃗"/>
+                          <m:ctrlPr>
+                            <a:rPr lang="en-US" altLang="ko-KR" sz="2800" i="1">
+                              <a:solidFill>
+                                <a:srgbClr val="FF0000"/>
+                              </a:solidFill>
+                              <a:latin typeface="Cambria Math" panose="02040503050406030204" pitchFamily="18" charset="0"/>
+                            </a:rPr>
+                          </m:ctrlPr>
+                        </m:accPr>
+                        <m:e>
+                          <m:r>
+                            <a:rPr lang="en-US" altLang="ko-KR" sz="2800" i="1">
+                              <a:solidFill>
+                                <a:srgbClr val="FF0000"/>
+                              </a:solidFill>
+                              <a:latin typeface="Cambria Math" panose="02040503050406030204" pitchFamily="18" charset="0"/>
+                            </a:rPr>
+                            <m:t>𝑏</m:t>
+                          </m:r>
+                        </m:e>
+                      </m:acc>
+                    </m:oMath>
+                  </m:oMathPara>
+                </a14:m>
+                <a:endParaRPr lang="en-US" altLang="ko-KR" sz="2800" dirty="0">
+                  <a:solidFill>
+                    <a:srgbClr val="FF0000"/>
+                  </a:solidFill>
+                </a:endParaRPr>
+              </a:p>
+            </p:txBody>
+          </p:sp>
+        </mc:Choice>
+        <mc:Fallback xmlns="">
+          <p:sp>
+            <p:nvSpPr>
+              <p:cNvPr id="27" name="TextBox 26">
+                <a:extLst>
+                  <a:ext uri="{FF2B5EF4-FFF2-40B4-BE49-F238E27FC236}">
+                    <a16:creationId xmlns:a16="http://schemas.microsoft.com/office/drawing/2014/main" id="{6613D9F3-7A14-4F77-BF01-40CA03E133F4}"/>
+                  </a:ext>
+                </a:extLst>
+              </p:cNvPr>
+              <p:cNvSpPr txBox="1">
+                <a:spLocks noRot="1" noChangeAspect="1" noMove="1" noResize="1" noEditPoints="1" noAdjustHandles="1" noChangeArrowheads="1" noChangeShapeType="1" noTextEdit="1"/>
+              </p:cNvSpPr>
+              <p:nvPr/>
+            </p:nvSpPr>
+            <p:spPr>
+              <a:xfrm>
+                <a:off x="4769527" y="4133989"/>
+                <a:ext cx="3173881" cy="621452"/>
+              </a:xfrm>
+              <a:prstGeom prst="rect">
+                <a:avLst/>
+              </a:prstGeom>
+              <a:blipFill>
+                <a:blip r:embed="rId5"/>
+                <a:stretch>
+                  <a:fillRect/>
+                </a:stretch>
+              </a:blipFill>
+            </p:spPr>
+            <p:txBody>
+              <a:bodyPr/>
+              <a:lstStyle/>
+              <a:p>
+                <a:r>
+                  <a:rPr lang="ko-KR" altLang="en-US">
+                    <a:noFill/>
+                  </a:rPr>
+                  <a:t> </a:t>
+                </a:r>
+              </a:p>
+            </p:txBody>
+          </p:sp>
+        </mc:Fallback>
+      </mc:AlternateContent>
+      <mc:AlternateContent xmlns:mc="http://schemas.openxmlformats.org/markup-compatibility/2006">
+        <mc:Choice xmlns:a14="http://schemas.microsoft.com/office/drawing/2010/main" Requires="a14">
+          <p:sp>
+            <p:nvSpPr>
+              <p:cNvPr id="29" name="TextBox 28">
+                <a:extLst>
+                  <a:ext uri="{FF2B5EF4-FFF2-40B4-BE49-F238E27FC236}">
+                    <a16:creationId xmlns:a16="http://schemas.microsoft.com/office/drawing/2014/main" id="{134DC0A7-85D5-4797-98AD-E086BC3532A9}"/>
+                  </a:ext>
+                </a:extLst>
+              </p:cNvPr>
+              <p:cNvSpPr txBox="1"/>
+              <p:nvPr/>
+            </p:nvSpPr>
+            <p:spPr>
+              <a:xfrm>
+                <a:off x="4283968" y="4831990"/>
+                <a:ext cx="4114720" cy="753411"/>
+              </a:xfrm>
+              <a:prstGeom prst="rect">
+                <a:avLst/>
+              </a:prstGeom>
+              <a:noFill/>
+            </p:spPr>
+            <p:txBody>
+              <a:bodyPr wrap="square">
+                <a:spAutoFit/>
+              </a:bodyPr>
+              <a:lstStyle/>
+              <a:p>
+                <a:pPr algn="ctr"/>
+                <a:r>
+                  <a:rPr lang="en-US" altLang="ko-KR" sz="2000" dirty="0">
+                    <a:latin typeface="배달의민족 주아" panose="02020603020101020101" pitchFamily="18" charset="-127"/>
+                    <a:ea typeface="배달의민족 주아" panose="02020603020101020101" pitchFamily="18" charset="-127"/>
+                  </a:rPr>
+                  <a:t>A component of </a:t>
+                </a:r>
+                <a14:m>
+                  <m:oMath xmlns:m="http://schemas.openxmlformats.org/officeDocument/2006/math">
+                    <m:acc>
+                      <m:accPr>
+                        <m:chr m:val="⃗"/>
+                        <m:ctrlPr>
+                          <a:rPr lang="en-US" altLang="ko-KR" sz="2000" b="0" i="1" smtClean="0">
+                            <a:latin typeface="Cambria Math" panose="02040503050406030204" pitchFamily="18" charset="0"/>
+                          </a:rPr>
+                        </m:ctrlPr>
+                      </m:accPr>
+                      <m:e>
+                        <m:r>
+                          <a:rPr lang="en-US" altLang="ko-KR" sz="2000" b="0" i="1" smtClean="0">
+                            <a:latin typeface="Cambria Math" panose="02040503050406030204" pitchFamily="18" charset="0"/>
+                          </a:rPr>
+                          <m:t>𝑏</m:t>
+                        </m:r>
+                      </m:e>
+                    </m:acc>
+                  </m:oMath>
+                </a14:m>
+                <a:r>
+                  <a:rPr lang="en-US" altLang="ko-KR" sz="2000" dirty="0">
+                    <a:latin typeface="배달의민족 주아" panose="02020603020101020101" pitchFamily="18" charset="-127"/>
+                    <a:ea typeface="배달의민족 주아" panose="02020603020101020101" pitchFamily="18" charset="-127"/>
+                  </a:rPr>
+                  <a:t>(scalar)</a:t>
+                </a:r>
+                <a:br>
+                  <a:rPr lang="en-US" altLang="ko-KR" sz="2000" dirty="0">
+                    <a:latin typeface="배달의민족 주아" panose="02020603020101020101" pitchFamily="18" charset="-127"/>
+                    <a:ea typeface="배달의민족 주아" panose="02020603020101020101" pitchFamily="18" charset="-127"/>
+                  </a:rPr>
+                </a:br>
+                <a:r>
+                  <a:rPr lang="en-US" altLang="ko-KR" sz="2000" dirty="0">
+                    <a:latin typeface="배달의민족 주아" panose="02020603020101020101" pitchFamily="18" charset="-127"/>
+                    <a:ea typeface="배달의민족 주아" panose="02020603020101020101" pitchFamily="18" charset="-127"/>
+                  </a:rPr>
+                  <a:t>in </a:t>
+                </a:r>
+                <a14:m>
+                  <m:oMath xmlns:m="http://schemas.openxmlformats.org/officeDocument/2006/math">
+                    <m:acc>
+                      <m:accPr>
+                        <m:chr m:val="⃗"/>
+                        <m:ctrlPr>
+                          <a:rPr lang="en-US" altLang="ko-KR" sz="2000" i="1">
+                            <a:latin typeface="Cambria Math" panose="02040503050406030204" pitchFamily="18" charset="0"/>
+                            <a:ea typeface="배달의민족 주아" panose="02020603020101020101" pitchFamily="18" charset="-127"/>
+                          </a:rPr>
+                        </m:ctrlPr>
+                      </m:accPr>
+                      <m:e>
+                        <m:r>
+                          <a:rPr lang="en-US" altLang="ko-KR" sz="2000" i="1">
+                            <a:latin typeface="Cambria Math" panose="02040503050406030204" pitchFamily="18" charset="0"/>
+                            <a:ea typeface="배달의민족 주아" panose="02020603020101020101" pitchFamily="18" charset="-127"/>
+                          </a:rPr>
+                          <m:t>𝑎</m:t>
+                        </m:r>
+                      </m:e>
+                    </m:acc>
+                    <m:r>
+                      <a:rPr lang="en-US" altLang="ko-KR" sz="2000" b="0" i="0" smtClean="0">
+                        <a:latin typeface="Cambria Math" panose="02040503050406030204" pitchFamily="18" charset="0"/>
+                        <a:ea typeface="배달의민족 주아" panose="02020603020101020101" pitchFamily="18" charset="-127"/>
+                      </a:rPr>
+                      <m:t>′</m:t>
+                    </m:r>
+                  </m:oMath>
+                </a14:m>
+                <a:r>
+                  <a:rPr lang="en-US" altLang="ko-KR" sz="2000" dirty="0">
+                    <a:latin typeface="배달의민족 주아" panose="02020603020101020101" pitchFamily="18" charset="-127"/>
+                    <a:ea typeface="배달의민족 주아" panose="02020603020101020101" pitchFamily="18" charset="-127"/>
+                  </a:rPr>
+                  <a:t>s direction</a:t>
+                </a:r>
+                <a:endParaRPr lang="en-US" altLang="ko-KR" sz="2000" dirty="0">
+                  <a:latin typeface="Cambria Math" panose="02040503050406030204" pitchFamily="18" charset="0"/>
+                </a:endParaRPr>
+              </a:p>
+            </p:txBody>
+          </p:sp>
+        </mc:Choice>
+        <mc:Fallback>
+          <p:sp>
+            <p:nvSpPr>
+              <p:cNvPr id="29" name="TextBox 28">
+                <a:extLst>
+                  <a:ext uri="{FF2B5EF4-FFF2-40B4-BE49-F238E27FC236}">
+                    <a16:creationId xmlns:a16="http://schemas.microsoft.com/office/drawing/2014/main" id="{134DC0A7-85D5-4797-98AD-E086BC3532A9}"/>
+                  </a:ext>
+                </a:extLst>
+              </p:cNvPr>
+              <p:cNvSpPr txBox="1">
+                <a:spLocks noRot="1" noChangeAspect="1" noMove="1" noResize="1" noEditPoints="1" noAdjustHandles="1" noChangeArrowheads="1" noChangeShapeType="1" noTextEdit="1"/>
+              </p:cNvSpPr>
+              <p:nvPr/>
+            </p:nvSpPr>
+            <p:spPr>
+              <a:xfrm>
+                <a:off x="4283968" y="4831990"/>
+                <a:ext cx="4114720" cy="753411"/>
+              </a:xfrm>
+              <a:prstGeom prst="rect">
+                <a:avLst/>
+              </a:prstGeom>
+              <a:blipFill>
+                <a:blip r:embed="rId6"/>
+                <a:stretch>
+                  <a:fillRect b="-15447"/>
+                </a:stretch>
+              </a:blipFill>
+            </p:spPr>
+            <p:txBody>
+              <a:bodyPr/>
+              <a:lstStyle/>
+              <a:p>
+                <a:r>
+                  <a:rPr lang="en-US">
+                    <a:noFill/>
+                  </a:rPr>
+                  <a:t> </a:t>
+                </a:r>
+              </a:p>
+            </p:txBody>
+          </p:sp>
+        </mc:Fallback>
+      </mc:AlternateContent>
+    </p:spTree>
+    <p:extLst>
+      <p:ext uri="{BB962C8B-B14F-4D97-AF65-F5344CB8AC3E}">
+        <p14:creationId xmlns:p14="http://schemas.microsoft.com/office/powerpoint/2010/main" val="3835152687"/>
+      </p:ext>
+    </p:extLst>
+  </p:cSld>
+  <p:clrMapOvr>
+    <a:masterClrMapping/>
+  </p:clrMapOvr>
+</p:sld>
+</file>
+
+<file path=ppt/slides/slide3.xml><?xml version="1.0" encoding="utf-8"?>
+<p:sld xmlns:a="http://schemas.openxmlformats.org/drawingml/2006/main" xmlns:r="http://schemas.openxmlformats.org/officeDocument/2006/relationships" xmlns:p="http://schemas.openxmlformats.org/presentationml/2006/main">
+  <p:cSld>
+    <p:spTree>
+      <p:nvGrpSpPr>
+        <p:cNvPr id="1" name=""/>
+        <p:cNvGrpSpPr/>
+        <p:nvPr/>
+      </p:nvGrpSpPr>
+      <p:grpSpPr>
+        <a:xfrm>
+          <a:off x="0" y="0"/>
+          <a:ext cx="0" cy="0"/>
+          <a:chOff x="0" y="0"/>
+          <a:chExt cx="0" cy="0"/>
+        </a:xfrm>
+      </p:grpSpPr>
+      <p:sp>
+        <p:nvSpPr>
+          <p:cNvPr id="13" name="원호 12">
+            <a:extLst>
+              <a:ext uri="{FF2B5EF4-FFF2-40B4-BE49-F238E27FC236}">
+                <a16:creationId xmlns:a16="http://schemas.microsoft.com/office/drawing/2014/main" id="{888DF389-40DF-44D4-9804-A162E620F3E1}"/>
+              </a:ext>
+            </a:extLst>
+          </p:cNvPr>
+          <p:cNvSpPr/>
+          <p:nvPr/>
+        </p:nvSpPr>
+        <p:spPr>
+          <a:xfrm>
+            <a:off x="2071614" y="4803535"/>
+            <a:ext cx="1427989" cy="1427989"/>
+          </a:xfrm>
+          <a:prstGeom prst="arc">
+            <a:avLst>
+              <a:gd name="adj1" fmla="val 17125588"/>
+              <a:gd name="adj2" fmla="val 19622520"/>
+            </a:avLst>
+          </a:prstGeom>
+          <a:ln>
+            <a:solidFill>
+              <a:schemeClr val="tx1"/>
+            </a:solidFill>
+            <a:prstDash val="dash"/>
+          </a:ln>
+        </p:spPr>
+        <p:style>
+          <a:lnRef idx="1">
+            <a:schemeClr val="accent1"/>
+          </a:lnRef>
+          <a:fillRef idx="0">
+            <a:schemeClr val="accent1"/>
+          </a:fillRef>
+          <a:effectRef idx="0">
+            <a:schemeClr val="accent1"/>
+          </a:effectRef>
+          <a:fontRef idx="minor">
+            <a:schemeClr val="tx1"/>
+          </a:fontRef>
+        </p:style>
+        <p:txBody>
+          <a:bodyPr rtlCol="0" anchor="ctr"/>
+          <a:lstStyle/>
+          <a:p>
+            <a:pPr algn="ctr"/>
+            <a:endParaRPr lang="ko-KR" altLang="en-US"/>
+          </a:p>
+        </p:txBody>
+      </p:sp>
+      <p:cxnSp>
+        <p:nvCxnSpPr>
+          <p:cNvPr id="6" name="직선 화살표 연결선 5">
+            <a:extLst>
+              <a:ext uri="{FF2B5EF4-FFF2-40B4-BE49-F238E27FC236}">
+                <a16:creationId xmlns:a16="http://schemas.microsoft.com/office/drawing/2014/main" id="{41871895-115B-4C2D-8AA2-35A27E339D32}"/>
+              </a:ext>
+            </a:extLst>
+          </p:cNvPr>
+          <p:cNvCxnSpPr>
+            <a:cxnSpLocks/>
+          </p:cNvCxnSpPr>
+          <p:nvPr/>
+        </p:nvCxnSpPr>
+        <p:spPr>
+          <a:xfrm flipV="1">
+            <a:off x="2785609" y="1161971"/>
+            <a:ext cx="4607188" cy="4534057"/>
+          </a:xfrm>
+          <a:prstGeom prst="straightConnector1">
+            <a:avLst/>
+          </a:prstGeom>
+          <a:ln w="57150">
+            <a:solidFill>
+              <a:schemeClr val="tx1"/>
+            </a:solidFill>
+            <a:tailEnd type="triangle"/>
+          </a:ln>
+        </p:spPr>
+        <p:style>
+          <a:lnRef idx="1">
+            <a:schemeClr val="accent1"/>
+          </a:lnRef>
+          <a:fillRef idx="0">
+            <a:schemeClr val="accent1"/>
+          </a:fillRef>
+          <a:effectRef idx="0">
+            <a:schemeClr val="accent1"/>
+          </a:effectRef>
+          <a:fontRef idx="minor">
+            <a:schemeClr val="tx1"/>
+          </a:fontRef>
+        </p:style>
+      </p:cxnSp>
+      <p:cxnSp>
+        <p:nvCxnSpPr>
+          <p:cNvPr id="10" name="직선 연결선 9">
+            <a:extLst>
+              <a:ext uri="{FF2B5EF4-FFF2-40B4-BE49-F238E27FC236}">
+                <a16:creationId xmlns:a16="http://schemas.microsoft.com/office/drawing/2014/main" id="{A9909453-2E4A-47E9-BF6C-31F5730E0AA2}"/>
+              </a:ext>
+            </a:extLst>
+          </p:cNvPr>
+          <p:cNvCxnSpPr>
+            <a:cxnSpLocks/>
+          </p:cNvCxnSpPr>
+          <p:nvPr/>
+        </p:nvCxnSpPr>
+        <p:spPr>
+          <a:xfrm>
+            <a:off x="3736528" y="846601"/>
+            <a:ext cx="1947603" cy="1947603"/>
+          </a:xfrm>
+          <a:prstGeom prst="line">
+            <a:avLst/>
+          </a:prstGeom>
+          <a:ln>
+            <a:solidFill>
+              <a:schemeClr val="tx1"/>
+            </a:solidFill>
+            <a:prstDash val="dash"/>
+          </a:ln>
+        </p:spPr>
+        <p:style>
+          <a:lnRef idx="1">
+            <a:schemeClr val="accent1"/>
+          </a:lnRef>
+          <a:fillRef idx="0">
+            <a:schemeClr val="accent1"/>
+          </a:fillRef>
+          <a:effectRef idx="0">
+            <a:schemeClr val="accent1"/>
+          </a:effectRef>
+          <a:fontRef idx="minor">
+            <a:schemeClr val="tx1"/>
+          </a:fontRef>
+        </p:style>
+      </p:cxnSp>
+      <p:cxnSp>
+        <p:nvCxnSpPr>
+          <p:cNvPr id="11" name="직선 화살표 연결선 10">
+            <a:extLst>
+              <a:ext uri="{FF2B5EF4-FFF2-40B4-BE49-F238E27FC236}">
+                <a16:creationId xmlns:a16="http://schemas.microsoft.com/office/drawing/2014/main" id="{E11BA27E-F99C-44A9-8E1C-71DC2258D47E}"/>
+              </a:ext>
+            </a:extLst>
+          </p:cNvPr>
+          <p:cNvCxnSpPr>
+            <a:cxnSpLocks/>
+          </p:cNvCxnSpPr>
+          <p:nvPr/>
+        </p:nvCxnSpPr>
+        <p:spPr>
+          <a:xfrm flipV="1">
+            <a:off x="2798309" y="2834140"/>
+            <a:ext cx="2908048" cy="2861889"/>
+          </a:xfrm>
+          <a:prstGeom prst="straightConnector1">
+            <a:avLst/>
+          </a:prstGeom>
+          <a:ln w="76200">
+            <a:solidFill>
+              <a:srgbClr val="FF0000"/>
+            </a:solidFill>
+            <a:headEnd type="none" w="med" len="med"/>
+            <a:tailEnd type="arrow" w="med" len="med"/>
+          </a:ln>
+        </p:spPr>
+        <p:style>
+          <a:lnRef idx="1">
+            <a:schemeClr val="accent1"/>
+          </a:lnRef>
+          <a:fillRef idx="0">
+            <a:schemeClr val="accent1"/>
+          </a:fillRef>
+          <a:effectRef idx="0">
+            <a:schemeClr val="accent1"/>
+          </a:effectRef>
+          <a:fontRef idx="minor">
+            <a:schemeClr val="tx1"/>
+          </a:fontRef>
+        </p:style>
+      </p:cxnSp>
+      <mc:AlternateContent xmlns:mc="http://schemas.openxmlformats.org/markup-compatibility/2006" xmlns:a14="http://schemas.microsoft.com/office/drawing/2010/main">
+        <mc:Choice Requires="a14">
+          <p:sp>
+            <p:nvSpPr>
+              <p:cNvPr id="14" name="TextBox 13">
+                <a:extLst>
+                  <a:ext uri="{FF2B5EF4-FFF2-40B4-BE49-F238E27FC236}">
+                    <a16:creationId xmlns:a16="http://schemas.microsoft.com/office/drawing/2014/main" id="{F845D679-1B65-4B49-A4EA-166A9898B0D1}"/>
+                  </a:ext>
+                </a:extLst>
+              </p:cNvPr>
+              <p:cNvSpPr txBox="1"/>
+              <p:nvPr/>
+            </p:nvSpPr>
+            <p:spPr>
+              <a:xfrm>
+                <a:off x="3028967" y="4387452"/>
+                <a:ext cx="571823" cy="584775"/>
+              </a:xfrm>
+              <a:prstGeom prst="rect">
+                <a:avLst/>
+              </a:prstGeom>
+              <a:noFill/>
+            </p:spPr>
+            <p:txBody>
+              <a:bodyPr wrap="none" rtlCol="0">
+                <a:spAutoFit/>
+              </a:bodyPr>
+              <a:lstStyle/>
+              <a:p>
+                <a:pPr/>
+                <a14:m>
+                  <m:oMathPara xmlns:m="http://schemas.openxmlformats.org/officeDocument/2006/math">
+                    <m:oMathParaPr>
+                      <m:jc m:val="centerGroup"/>
+                    </m:oMathParaPr>
+                    <m:oMath xmlns:m="http://schemas.openxmlformats.org/officeDocument/2006/math">
+                      <m:r>
+                        <a:rPr lang="en-US" altLang="ko-KR" sz="3200" b="0" i="1" smtClean="0">
+                          <a:latin typeface="Cambria Math" panose="02040503050406030204" pitchFamily="18" charset="0"/>
+                        </a:rPr>
+                        <m:t>𝜃</m:t>
+                      </m:r>
+                    </m:oMath>
+                  </m:oMathPara>
+                </a14:m>
+                <a:endParaRPr lang="ko-KR" altLang="en-US" sz="3200" dirty="0"/>
+              </a:p>
+            </p:txBody>
+          </p:sp>
+        </mc:Choice>
+        <mc:Fallback xmlns="">
+          <p:sp>
+            <p:nvSpPr>
+              <p:cNvPr id="14" name="TextBox 13">
+                <a:extLst>
+                  <a:ext uri="{FF2B5EF4-FFF2-40B4-BE49-F238E27FC236}">
+                    <a16:creationId xmlns:a16="http://schemas.microsoft.com/office/drawing/2014/main" id="{F845D679-1B65-4B49-A4EA-166A9898B0D1}"/>
+                  </a:ext>
+                </a:extLst>
+              </p:cNvPr>
+              <p:cNvSpPr txBox="1">
+                <a:spLocks noRot="1" noChangeAspect="1" noMove="1" noResize="1" noEditPoints="1" noAdjustHandles="1" noChangeArrowheads="1" noChangeShapeType="1" noTextEdit="1"/>
+              </p:cNvSpPr>
+              <p:nvPr/>
+            </p:nvSpPr>
+            <p:spPr>
+              <a:xfrm>
+                <a:off x="3028967" y="4387452"/>
+                <a:ext cx="571823" cy="584775"/>
+              </a:xfrm>
+              <a:prstGeom prst="rect">
+                <a:avLst/>
+              </a:prstGeom>
+              <a:blipFill>
+                <a:blip r:embed="rId2"/>
+                <a:stretch>
+                  <a:fillRect/>
+                </a:stretch>
+              </a:blipFill>
+            </p:spPr>
+            <p:txBody>
+              <a:bodyPr/>
+              <a:lstStyle/>
+              <a:p>
+                <a:r>
+                  <a:rPr lang="ko-KR" altLang="en-US">
+                    <a:noFill/>
+                  </a:rPr>
+                  <a:t> </a:t>
+                </a:r>
+              </a:p>
+            </p:txBody>
+          </p:sp>
+        </mc:Fallback>
+      </mc:AlternateContent>
+      <mc:AlternateContent xmlns:mc="http://schemas.openxmlformats.org/markup-compatibility/2006" xmlns:a14="http://schemas.microsoft.com/office/drawing/2010/main">
+        <mc:Choice Requires="a14">
+          <p:sp>
+            <p:nvSpPr>
+              <p:cNvPr id="16" name="TextBox 15">
+                <a:extLst>
+                  <a:ext uri="{FF2B5EF4-FFF2-40B4-BE49-F238E27FC236}">
+                    <a16:creationId xmlns:a16="http://schemas.microsoft.com/office/drawing/2014/main" id="{DC8C783C-A7A5-40AB-958D-D307F63BE019}"/>
+                  </a:ext>
+                </a:extLst>
+              </p:cNvPr>
+              <p:cNvSpPr txBox="1"/>
+              <p:nvPr/>
+            </p:nvSpPr>
+            <p:spPr>
+              <a:xfrm>
+                <a:off x="3079726" y="642502"/>
+                <a:ext cx="559191" cy="657681"/>
+              </a:xfrm>
+              <a:prstGeom prst="rect">
+                <a:avLst/>
+              </a:prstGeom>
+              <a:noFill/>
+            </p:spPr>
+            <p:txBody>
+              <a:bodyPr wrap="none" rtlCol="0">
+                <a:spAutoFit/>
+              </a:bodyPr>
+              <a:lstStyle/>
+              <a:p>
+                <a:pPr/>
+                <a14:m>
+                  <m:oMathPara xmlns:m="http://schemas.openxmlformats.org/officeDocument/2006/math">
+                    <m:oMathParaPr>
+                      <m:jc m:val="centerGroup"/>
+                    </m:oMathParaPr>
+                    <m:oMath xmlns:m="http://schemas.openxmlformats.org/officeDocument/2006/math">
+                      <m:acc>
+                        <m:accPr>
+                          <m:chr m:val="⃗"/>
+                          <m:ctrlPr>
+                            <a:rPr lang="en-US" altLang="ko-KR" sz="3200" b="0" i="1" smtClean="0">
+                              <a:latin typeface="Cambria Math" panose="02040503050406030204" pitchFamily="18" charset="0"/>
+                            </a:rPr>
+                          </m:ctrlPr>
+                        </m:accPr>
+                        <m:e>
+                          <m:r>
+                            <a:rPr lang="en-US" altLang="ko-KR" sz="3200" b="0" i="1" smtClean="0">
+                              <a:latin typeface="Cambria Math" panose="02040503050406030204" pitchFamily="18" charset="0"/>
+                            </a:rPr>
+                            <m:t>𝑏</m:t>
+                          </m:r>
+                        </m:e>
+                      </m:acc>
+                    </m:oMath>
+                  </m:oMathPara>
+                </a14:m>
+                <a:endParaRPr lang="ko-KR" altLang="en-US" sz="3200" dirty="0"/>
+              </a:p>
+            </p:txBody>
+          </p:sp>
+        </mc:Choice>
+        <mc:Fallback xmlns="">
+          <p:sp>
+            <p:nvSpPr>
+              <p:cNvPr id="16" name="TextBox 15">
+                <a:extLst>
+                  <a:ext uri="{FF2B5EF4-FFF2-40B4-BE49-F238E27FC236}">
+                    <a16:creationId xmlns:a16="http://schemas.microsoft.com/office/drawing/2014/main" id="{DC8C783C-A7A5-40AB-958D-D307F63BE019}"/>
+                  </a:ext>
+                </a:extLst>
+              </p:cNvPr>
+              <p:cNvSpPr txBox="1">
+                <a:spLocks noRot="1" noChangeAspect="1" noMove="1" noResize="1" noEditPoints="1" noAdjustHandles="1" noChangeArrowheads="1" noChangeShapeType="1" noTextEdit="1"/>
+              </p:cNvSpPr>
+              <p:nvPr/>
+            </p:nvSpPr>
+            <p:spPr>
+              <a:xfrm>
+                <a:off x="3079726" y="642502"/>
+                <a:ext cx="559191" cy="657681"/>
+              </a:xfrm>
+              <a:prstGeom prst="rect">
+                <a:avLst/>
+              </a:prstGeom>
+              <a:blipFill>
+                <a:blip r:embed="rId3"/>
+                <a:stretch>
+                  <a:fillRect/>
+                </a:stretch>
+              </a:blipFill>
+            </p:spPr>
+            <p:txBody>
+              <a:bodyPr/>
+              <a:lstStyle/>
+              <a:p>
+                <a:r>
+                  <a:rPr lang="ko-KR" altLang="en-US">
+                    <a:noFill/>
+                  </a:rPr>
+                  <a:t> </a:t>
+                </a:r>
+              </a:p>
+            </p:txBody>
+          </p:sp>
+        </mc:Fallback>
+      </mc:AlternateContent>
+      <mc:AlternateContent xmlns:mc="http://schemas.openxmlformats.org/markup-compatibility/2006" xmlns:a14="http://schemas.microsoft.com/office/drawing/2010/main">
+        <mc:Choice Requires="a14">
+          <p:sp>
+            <p:nvSpPr>
+              <p:cNvPr id="17" name="TextBox 16">
+                <a:extLst>
+                  <a:ext uri="{FF2B5EF4-FFF2-40B4-BE49-F238E27FC236}">
+                    <a16:creationId xmlns:a16="http://schemas.microsoft.com/office/drawing/2014/main" id="{AC074638-91A2-427E-82A2-58A17708AF61}"/>
+                  </a:ext>
+                </a:extLst>
+              </p:cNvPr>
+              <p:cNvSpPr txBox="1"/>
+              <p:nvPr/>
+            </p:nvSpPr>
+            <p:spPr>
+              <a:xfrm>
+                <a:off x="7410352" y="965814"/>
+                <a:ext cx="568169" cy="584775"/>
+              </a:xfrm>
+              <a:prstGeom prst="rect">
+                <a:avLst/>
+              </a:prstGeom>
+              <a:noFill/>
+            </p:spPr>
+            <p:txBody>
+              <a:bodyPr wrap="none" rtlCol="0">
+                <a:spAutoFit/>
+              </a:bodyPr>
+              <a:lstStyle/>
+              <a:p>
+                <a:pPr/>
+                <a14:m>
+                  <m:oMathPara xmlns:m="http://schemas.openxmlformats.org/officeDocument/2006/math">
+                    <m:oMathParaPr>
+                      <m:jc m:val="centerGroup"/>
+                    </m:oMathParaPr>
+                    <m:oMath xmlns:m="http://schemas.openxmlformats.org/officeDocument/2006/math">
+                      <m:acc>
+                        <m:accPr>
+                          <m:chr m:val="⃗"/>
+                          <m:ctrlPr>
+                            <a:rPr lang="en-US" altLang="ko-KR" sz="3200" b="0" i="1" smtClean="0">
+                              <a:latin typeface="Cambria Math" panose="02040503050406030204" pitchFamily="18" charset="0"/>
+                            </a:rPr>
+                          </m:ctrlPr>
+                        </m:accPr>
+                        <m:e>
+                          <m:r>
+                            <a:rPr lang="en-US" altLang="ko-KR" sz="3200" b="0" i="1" smtClean="0">
+                              <a:latin typeface="Cambria Math" panose="02040503050406030204" pitchFamily="18" charset="0"/>
+                            </a:rPr>
+                            <m:t>𝑎</m:t>
+                          </m:r>
+                        </m:e>
+                      </m:acc>
+                    </m:oMath>
+                  </m:oMathPara>
+                </a14:m>
+                <a:endParaRPr lang="ko-KR" altLang="en-US" sz="3200" dirty="0"/>
+              </a:p>
+            </p:txBody>
+          </p:sp>
+        </mc:Choice>
+        <mc:Fallback xmlns="">
+          <p:sp>
+            <p:nvSpPr>
+              <p:cNvPr id="17" name="TextBox 16">
+                <a:extLst>
+                  <a:ext uri="{FF2B5EF4-FFF2-40B4-BE49-F238E27FC236}">
+                    <a16:creationId xmlns:a16="http://schemas.microsoft.com/office/drawing/2014/main" id="{AC074638-91A2-427E-82A2-58A17708AF61}"/>
+                  </a:ext>
+                </a:extLst>
+              </p:cNvPr>
+              <p:cNvSpPr txBox="1">
+                <a:spLocks noRot="1" noChangeAspect="1" noMove="1" noResize="1" noEditPoints="1" noAdjustHandles="1" noChangeArrowheads="1" noChangeShapeType="1" noTextEdit="1"/>
+              </p:cNvSpPr>
+              <p:nvPr/>
+            </p:nvSpPr>
+            <p:spPr>
+              <a:xfrm>
+                <a:off x="7410352" y="965814"/>
+                <a:ext cx="568169" cy="584775"/>
+              </a:xfrm>
+              <a:prstGeom prst="rect">
+                <a:avLst/>
+              </a:prstGeom>
+              <a:blipFill>
+                <a:blip r:embed="rId4"/>
+                <a:stretch>
+                  <a:fillRect/>
+                </a:stretch>
+              </a:blipFill>
+            </p:spPr>
+            <p:txBody>
+              <a:bodyPr/>
+              <a:lstStyle/>
+              <a:p>
+                <a:r>
+                  <a:rPr lang="ko-KR" altLang="en-US">
+                    <a:noFill/>
+                  </a:rPr>
+                  <a:t> </a:t>
+                </a:r>
+              </a:p>
+            </p:txBody>
+          </p:sp>
+        </mc:Fallback>
+      </mc:AlternateContent>
+      <p:cxnSp>
+        <p:nvCxnSpPr>
+          <p:cNvPr id="24" name="직선 연결선 23">
+            <a:extLst>
+              <a:ext uri="{FF2B5EF4-FFF2-40B4-BE49-F238E27FC236}">
+                <a16:creationId xmlns:a16="http://schemas.microsoft.com/office/drawing/2014/main" id="{22BDED62-7F2B-4B1A-90BE-2E4369F8A961}"/>
+              </a:ext>
+            </a:extLst>
+          </p:cNvPr>
+          <p:cNvCxnSpPr>
+            <a:cxnSpLocks/>
+          </p:cNvCxnSpPr>
+          <p:nvPr/>
+        </p:nvCxnSpPr>
+        <p:spPr>
+          <a:xfrm>
+            <a:off x="828469" y="3699698"/>
+            <a:ext cx="1996330" cy="1996330"/>
+          </a:xfrm>
+          <a:prstGeom prst="line">
+            <a:avLst/>
+          </a:prstGeom>
+          <a:ln>
+            <a:solidFill>
+              <a:schemeClr val="tx1"/>
+            </a:solidFill>
+            <a:prstDash val="dash"/>
+          </a:ln>
+        </p:spPr>
+        <p:style>
+          <a:lnRef idx="1">
+            <a:schemeClr val="accent1"/>
+          </a:lnRef>
+          <a:fillRef idx="0">
+            <a:schemeClr val="accent1"/>
+          </a:fillRef>
+          <a:effectRef idx="0">
+            <a:schemeClr val="accent1"/>
+          </a:effectRef>
+          <a:fontRef idx="minor">
+            <a:schemeClr val="tx1"/>
+          </a:fontRef>
+        </p:style>
+      </p:cxnSp>
+      <p:cxnSp>
+        <p:nvCxnSpPr>
+          <p:cNvPr id="25" name="직선 화살표 연결선 24">
+            <a:extLst>
+              <a:ext uri="{FF2B5EF4-FFF2-40B4-BE49-F238E27FC236}">
+                <a16:creationId xmlns:a16="http://schemas.microsoft.com/office/drawing/2014/main" id="{DEC2B096-5976-46F7-AE8F-EFB24C3C3A4D}"/>
+              </a:ext>
+            </a:extLst>
+          </p:cNvPr>
+          <p:cNvCxnSpPr>
+            <a:cxnSpLocks/>
+          </p:cNvCxnSpPr>
+          <p:nvPr/>
+        </p:nvCxnSpPr>
+        <p:spPr>
+          <a:xfrm flipV="1">
+            <a:off x="823718" y="837809"/>
+            <a:ext cx="2908048" cy="2861889"/>
+          </a:xfrm>
+          <a:prstGeom prst="straightConnector1">
+            <a:avLst/>
+          </a:prstGeom>
+          <a:ln w="9525">
+            <a:solidFill>
+              <a:schemeClr val="tx1"/>
+            </a:solidFill>
+            <a:prstDash val="sysDash"/>
+            <a:headEnd type="none" w="med" len="med"/>
+            <a:tailEnd type="none" w="med" len="med"/>
+          </a:ln>
+        </p:spPr>
+        <p:style>
+          <a:lnRef idx="1">
+            <a:schemeClr val="accent1"/>
+          </a:lnRef>
+          <a:fillRef idx="0">
+            <a:schemeClr val="accent1"/>
+          </a:fillRef>
+          <a:effectRef idx="0">
+            <a:schemeClr val="accent1"/>
+          </a:effectRef>
+          <a:fontRef idx="minor">
+            <a:schemeClr val="tx1"/>
+          </a:fontRef>
+        </p:style>
+      </p:cxnSp>
+      <p:cxnSp>
+        <p:nvCxnSpPr>
+          <p:cNvPr id="5" name="직선 화살표 연결선 4">
+            <a:extLst>
+              <a:ext uri="{FF2B5EF4-FFF2-40B4-BE49-F238E27FC236}">
+                <a16:creationId xmlns:a16="http://schemas.microsoft.com/office/drawing/2014/main" id="{12B93C8E-C00E-4002-A3D5-FA0294CD6D7C}"/>
+              </a:ext>
+            </a:extLst>
+          </p:cNvPr>
+          <p:cNvCxnSpPr>
+            <a:cxnSpLocks/>
+          </p:cNvCxnSpPr>
+          <p:nvPr/>
+        </p:nvCxnSpPr>
+        <p:spPr>
+          <a:xfrm flipV="1">
+            <a:off x="2785609" y="836712"/>
+            <a:ext cx="946849" cy="4859316"/>
+          </a:xfrm>
+          <a:prstGeom prst="straightConnector1">
+            <a:avLst/>
+          </a:prstGeom>
+          <a:ln w="57150">
+            <a:solidFill>
+              <a:schemeClr val="tx1"/>
+            </a:solidFill>
+            <a:tailEnd type="triangle"/>
+          </a:ln>
+        </p:spPr>
+        <p:style>
+          <a:lnRef idx="1">
+            <a:schemeClr val="accent1"/>
+          </a:lnRef>
+          <a:fillRef idx="0">
+            <a:schemeClr val="accent1"/>
+          </a:fillRef>
+          <a:effectRef idx="0">
+            <a:schemeClr val="accent1"/>
+          </a:effectRef>
+          <a:fontRef idx="minor">
+            <a:schemeClr val="tx1"/>
+          </a:fontRef>
+        </p:style>
+      </p:cxnSp>
+      <mc:AlternateContent xmlns:mc="http://schemas.openxmlformats.org/markup-compatibility/2006" xmlns:a14="http://schemas.microsoft.com/office/drawing/2010/main">
+        <mc:Choice Requires="a14">
+          <p:sp>
+            <p:nvSpPr>
+              <p:cNvPr id="27" name="TextBox 26">
+                <a:extLst>
+                  <a:ext uri="{FF2B5EF4-FFF2-40B4-BE49-F238E27FC236}">
+                    <a16:creationId xmlns:a16="http://schemas.microsoft.com/office/drawing/2014/main" id="{6613D9F3-7A14-4F77-BF01-40CA03E133F4}"/>
+                  </a:ext>
+                </a:extLst>
+              </p:cNvPr>
+              <p:cNvSpPr txBox="1"/>
+              <p:nvPr/>
+            </p:nvSpPr>
+            <p:spPr>
+              <a:xfrm>
+                <a:off x="4067944" y="4105304"/>
+                <a:ext cx="4224939" cy="1060483"/>
+              </a:xfrm>
+              <a:prstGeom prst="rect">
+                <a:avLst/>
+              </a:prstGeom>
+              <a:noFill/>
+            </p:spPr>
+            <p:txBody>
+              <a:bodyPr wrap="none" rtlCol="0">
+                <a:spAutoFit/>
+              </a:bodyPr>
+              <a:lstStyle/>
+              <a:p>
+                <a:pPr/>
+                <a14:m>
+                  <m:oMathPara xmlns:m="http://schemas.openxmlformats.org/officeDocument/2006/math">
+                    <m:oMathParaPr>
+                      <m:jc m:val="centerGroup"/>
+                    </m:oMathParaPr>
+                    <m:oMath xmlns:m="http://schemas.openxmlformats.org/officeDocument/2006/math">
+                      <m:r>
+                        <a:rPr lang="en-US" altLang="ko-KR" sz="2800" b="0" i="1" dirty="0" smtClean="0">
+                          <a:solidFill>
+                            <a:srgbClr val="FF0000"/>
+                          </a:solidFill>
+                          <a:latin typeface="Cambria Math" panose="02040503050406030204" pitchFamily="18" charset="0"/>
+                        </a:rPr>
+                        <m:t>𝑐𝑜𝑚</m:t>
+                      </m:r>
+                      <m:sSub>
+                        <m:sSubPr>
+                          <m:ctrlPr>
+                            <a:rPr lang="en-US" altLang="ko-KR" sz="2800" b="0" i="1" dirty="0" smtClean="0">
+                              <a:solidFill>
+                                <a:srgbClr val="FF0000"/>
+                              </a:solidFill>
+                              <a:latin typeface="Cambria Math" panose="02040503050406030204" pitchFamily="18" charset="0"/>
+                            </a:rPr>
+                          </m:ctrlPr>
+                        </m:sSubPr>
+                        <m:e>
+                          <m:r>
+                            <a:rPr lang="en-US" altLang="ko-KR" sz="2800" b="0" i="1" dirty="0" smtClean="0">
+                              <a:solidFill>
+                                <a:srgbClr val="FF0000"/>
+                              </a:solidFill>
+                              <a:latin typeface="Cambria Math" panose="02040503050406030204" pitchFamily="18" charset="0"/>
+                            </a:rPr>
+                            <m:t>𝑝</m:t>
+                          </m:r>
+                        </m:e>
+                        <m:sub>
+                          <m:acc>
+                            <m:accPr>
+                              <m:chr m:val="⃗"/>
+                              <m:ctrlPr>
+                                <a:rPr lang="en-US" altLang="ko-KR" sz="2800" b="0" i="1" dirty="0" smtClean="0">
+                                  <a:solidFill>
+                                    <a:srgbClr val="FF0000"/>
+                                  </a:solidFill>
+                                  <a:latin typeface="Cambria Math" panose="02040503050406030204" pitchFamily="18" charset="0"/>
+                                </a:rPr>
+                              </m:ctrlPr>
+                            </m:accPr>
+                            <m:e>
+                              <m:r>
+                                <a:rPr lang="en-US" altLang="ko-KR" sz="2800" b="0" i="1" dirty="0" smtClean="0">
+                                  <a:solidFill>
+                                    <a:srgbClr val="FF0000"/>
+                                  </a:solidFill>
+                                  <a:latin typeface="Cambria Math" panose="02040503050406030204" pitchFamily="18" charset="0"/>
+                                </a:rPr>
+                                <m:t>𝑎</m:t>
+                              </m:r>
+                            </m:e>
+                          </m:acc>
+                        </m:sub>
+                      </m:sSub>
+                      <m:acc>
+                        <m:accPr>
+                          <m:chr m:val="⃗"/>
+                          <m:ctrlPr>
+                            <a:rPr lang="en-US" altLang="ko-KR" sz="2800" b="0" i="1" dirty="0" smtClean="0">
+                              <a:solidFill>
+                                <a:srgbClr val="FF0000"/>
+                              </a:solidFill>
+                              <a:latin typeface="Cambria Math" panose="02040503050406030204" pitchFamily="18" charset="0"/>
+                            </a:rPr>
+                          </m:ctrlPr>
+                        </m:accPr>
+                        <m:e>
+                          <m:r>
+                            <a:rPr lang="en-US" altLang="ko-KR" sz="2800" b="0" i="1" dirty="0" smtClean="0">
+                              <a:solidFill>
+                                <a:srgbClr val="FF0000"/>
+                              </a:solidFill>
+                              <a:latin typeface="Cambria Math" panose="02040503050406030204" pitchFamily="18" charset="0"/>
+                            </a:rPr>
+                            <m:t>𝑏</m:t>
+                          </m:r>
+                        </m:e>
+                      </m:acc>
+                      <m:r>
+                        <a:rPr lang="en-US" altLang="ko-KR" sz="2800" b="0" i="1" dirty="0" smtClean="0">
+                          <a:solidFill>
+                            <a:srgbClr val="FF0000"/>
+                          </a:solidFill>
+                          <a:latin typeface="Cambria Math" panose="02040503050406030204" pitchFamily="18" charset="0"/>
+                        </a:rPr>
+                        <m:t>⋅</m:t>
+                      </m:r>
+                      <m:d>
+                        <m:dPr>
+                          <m:ctrlPr>
+                            <a:rPr lang="en-US" altLang="ko-KR" sz="2800" b="0" i="1" dirty="0" smtClean="0">
+                              <a:solidFill>
+                                <a:srgbClr val="FF0000"/>
+                              </a:solidFill>
+                              <a:latin typeface="Cambria Math" panose="02040503050406030204" pitchFamily="18" charset="0"/>
+                            </a:rPr>
+                          </m:ctrlPr>
+                        </m:dPr>
+                        <m:e>
+                          <m:f>
+                            <m:fPr>
+                              <m:ctrlPr>
+                                <a:rPr lang="en-US" altLang="ko-KR" sz="2800" b="0" i="1" dirty="0" smtClean="0">
+                                  <a:solidFill>
+                                    <a:srgbClr val="FF0000"/>
+                                  </a:solidFill>
+                                  <a:latin typeface="Cambria Math" panose="02040503050406030204" pitchFamily="18" charset="0"/>
+                                </a:rPr>
+                              </m:ctrlPr>
+                            </m:fPr>
+                            <m:num>
+                              <m:acc>
+                                <m:accPr>
+                                  <m:chr m:val="⃗"/>
+                                  <m:ctrlPr>
+                                    <a:rPr lang="en-US" altLang="ko-KR" sz="2800" b="0" i="1" dirty="0" smtClean="0">
+                                      <a:solidFill>
+                                        <a:srgbClr val="FF0000"/>
+                                      </a:solidFill>
+                                      <a:latin typeface="Cambria Math" panose="02040503050406030204" pitchFamily="18" charset="0"/>
+                                    </a:rPr>
+                                  </m:ctrlPr>
+                                </m:accPr>
+                                <m:e>
+                                  <m:r>
+                                    <a:rPr lang="en-US" altLang="ko-KR" sz="2800" b="0" i="1" dirty="0" smtClean="0">
+                                      <a:solidFill>
+                                        <a:srgbClr val="FF0000"/>
+                                      </a:solidFill>
+                                      <a:latin typeface="Cambria Math" panose="02040503050406030204" pitchFamily="18" charset="0"/>
+                                    </a:rPr>
+                                    <m:t>𝑎</m:t>
+                                  </m:r>
+                                </m:e>
+                              </m:acc>
+                            </m:num>
+                            <m:den>
+                              <m:d>
+                                <m:dPr>
+                                  <m:begChr m:val="|"/>
+                                  <m:endChr m:val="|"/>
+                                  <m:ctrlPr>
+                                    <a:rPr lang="en-US" altLang="ko-KR" sz="2800" b="0" i="1" dirty="0" smtClean="0">
+                                      <a:solidFill>
+                                        <a:srgbClr val="FF0000"/>
+                                      </a:solidFill>
+                                      <a:latin typeface="Cambria Math" panose="02040503050406030204" pitchFamily="18" charset="0"/>
+                                    </a:rPr>
+                                  </m:ctrlPr>
+                                </m:dPr>
+                                <m:e>
+                                  <m:acc>
+                                    <m:accPr>
+                                      <m:chr m:val="⃗"/>
+                                      <m:ctrlPr>
+                                        <a:rPr lang="en-US" altLang="ko-KR" sz="2800" b="0" i="1" dirty="0" smtClean="0">
+                                          <a:solidFill>
+                                            <a:srgbClr val="FF0000"/>
+                                          </a:solidFill>
+                                          <a:latin typeface="Cambria Math" panose="02040503050406030204" pitchFamily="18" charset="0"/>
+                                        </a:rPr>
+                                      </m:ctrlPr>
+                                    </m:accPr>
+                                    <m:e>
+                                      <m:r>
+                                        <a:rPr lang="en-US" altLang="ko-KR" sz="2800" b="0" i="1" dirty="0" smtClean="0">
+                                          <a:solidFill>
+                                            <a:srgbClr val="FF0000"/>
+                                          </a:solidFill>
+                                          <a:latin typeface="Cambria Math" panose="02040503050406030204" pitchFamily="18" charset="0"/>
+                                        </a:rPr>
+                                        <m:t>𝑎</m:t>
+                                      </m:r>
+                                    </m:e>
+                                  </m:acc>
+                                </m:e>
+                              </m:d>
+                            </m:den>
+                          </m:f>
+                        </m:e>
+                      </m:d>
+                      <m:r>
+                        <a:rPr lang="en-US" altLang="ko-KR" sz="2800" b="0" i="1" dirty="0" smtClean="0">
+                          <a:solidFill>
+                            <a:srgbClr val="FF0000"/>
+                          </a:solidFill>
+                          <a:latin typeface="Cambria Math" panose="02040503050406030204" pitchFamily="18" charset="0"/>
+                        </a:rPr>
+                        <m:t>=</m:t>
+                      </m:r>
+                      <m:r>
+                        <a:rPr lang="en-US" altLang="ko-KR" sz="2800" b="0" i="1" smtClean="0">
+                          <a:solidFill>
+                            <a:srgbClr val="FF0000"/>
+                          </a:solidFill>
+                          <a:latin typeface="Cambria Math" panose="02040503050406030204" pitchFamily="18" charset="0"/>
+                        </a:rPr>
+                        <m:t>𝑝𝑟𝑜</m:t>
+                      </m:r>
+                      <m:sSub>
+                        <m:sSubPr>
+                          <m:ctrlPr>
+                            <a:rPr lang="en-US" altLang="ko-KR" sz="2800" b="0" i="1" smtClean="0">
+                              <a:solidFill>
+                                <a:srgbClr val="FF0000"/>
+                              </a:solidFill>
+                              <a:latin typeface="Cambria Math" panose="02040503050406030204" pitchFamily="18" charset="0"/>
+                            </a:rPr>
+                          </m:ctrlPr>
+                        </m:sSubPr>
+                        <m:e>
+                          <m:r>
+                            <a:rPr lang="en-US" altLang="ko-KR" sz="2800" b="0" i="1" smtClean="0">
+                              <a:solidFill>
+                                <a:srgbClr val="FF0000"/>
+                              </a:solidFill>
+                              <a:latin typeface="Cambria Math" panose="02040503050406030204" pitchFamily="18" charset="0"/>
+                            </a:rPr>
+                            <m:t>𝑗</m:t>
+                          </m:r>
+                        </m:e>
+                        <m:sub>
+                          <m:acc>
+                            <m:accPr>
+                              <m:chr m:val="⃗"/>
+                              <m:ctrlPr>
+                                <a:rPr lang="en-US" altLang="ko-KR" sz="2800" b="0" i="1" smtClean="0">
+                                  <a:solidFill>
+                                    <a:srgbClr val="FF0000"/>
+                                  </a:solidFill>
+                                  <a:latin typeface="Cambria Math" panose="02040503050406030204" pitchFamily="18" charset="0"/>
+                                </a:rPr>
+                              </m:ctrlPr>
+                            </m:accPr>
+                            <m:e>
+                              <m:r>
+                                <a:rPr lang="en-US" altLang="ko-KR" sz="2800" b="0" i="1" smtClean="0">
+                                  <a:solidFill>
+                                    <a:srgbClr val="FF0000"/>
+                                  </a:solidFill>
+                                  <a:latin typeface="Cambria Math" panose="02040503050406030204" pitchFamily="18" charset="0"/>
+                                </a:rPr>
+                                <m:t>𝑎</m:t>
+                              </m:r>
+                            </m:e>
+                          </m:acc>
+                        </m:sub>
+                      </m:sSub>
+                      <m:acc>
+                        <m:accPr>
+                          <m:chr m:val="⃗"/>
+                          <m:ctrlPr>
+                            <a:rPr lang="en-US" altLang="ko-KR" sz="2800" i="1">
+                              <a:solidFill>
+                                <a:srgbClr val="FF0000"/>
+                              </a:solidFill>
+                              <a:latin typeface="Cambria Math" panose="02040503050406030204" pitchFamily="18" charset="0"/>
+                            </a:rPr>
+                          </m:ctrlPr>
+                        </m:accPr>
+                        <m:e>
+                          <m:r>
+                            <a:rPr lang="en-US" altLang="ko-KR" sz="2800" i="1">
+                              <a:solidFill>
+                                <a:srgbClr val="FF0000"/>
+                              </a:solidFill>
+                              <a:latin typeface="Cambria Math" panose="02040503050406030204" pitchFamily="18" charset="0"/>
+                            </a:rPr>
+                            <m:t>𝑏</m:t>
+                          </m:r>
+                        </m:e>
+                      </m:acc>
+                    </m:oMath>
+                  </m:oMathPara>
+                </a14:m>
+                <a:endParaRPr lang="en-US" altLang="ko-KR" sz="2800" dirty="0">
+                  <a:solidFill>
+                    <a:srgbClr val="FF0000"/>
+                  </a:solidFill>
+                </a:endParaRPr>
+              </a:p>
+            </p:txBody>
+          </p:sp>
+        </mc:Choice>
+        <mc:Fallback xmlns="">
+          <p:sp>
+            <p:nvSpPr>
+              <p:cNvPr id="27" name="TextBox 26">
+                <a:extLst>
+                  <a:ext uri="{FF2B5EF4-FFF2-40B4-BE49-F238E27FC236}">
+                    <a16:creationId xmlns:a16="http://schemas.microsoft.com/office/drawing/2014/main" id="{6613D9F3-7A14-4F77-BF01-40CA03E133F4}"/>
+                  </a:ext>
+                </a:extLst>
+              </p:cNvPr>
+              <p:cNvSpPr txBox="1">
+                <a:spLocks noRot="1" noChangeAspect="1" noMove="1" noResize="1" noEditPoints="1" noAdjustHandles="1" noChangeArrowheads="1" noChangeShapeType="1" noTextEdit="1"/>
+              </p:cNvSpPr>
+              <p:nvPr/>
+            </p:nvSpPr>
+            <p:spPr>
+              <a:xfrm>
+                <a:off x="4067944" y="4105304"/>
+                <a:ext cx="4224939" cy="1060483"/>
+              </a:xfrm>
+              <a:prstGeom prst="rect">
+                <a:avLst/>
+              </a:prstGeom>
+              <a:blipFill>
+                <a:blip r:embed="rId5"/>
+                <a:stretch>
+                  <a:fillRect/>
+                </a:stretch>
+              </a:blipFill>
+            </p:spPr>
+            <p:txBody>
+              <a:bodyPr/>
+              <a:lstStyle/>
+              <a:p>
+                <a:r>
+                  <a:rPr lang="ko-KR" altLang="en-US">
+                    <a:noFill/>
+                  </a:rPr>
+                  <a:t> </a:t>
+                </a:r>
+              </a:p>
+            </p:txBody>
+          </p:sp>
+        </mc:Fallback>
+      </mc:AlternateContent>
+      <mc:AlternateContent xmlns:mc="http://schemas.openxmlformats.org/markup-compatibility/2006" xmlns:a14="http://schemas.microsoft.com/office/drawing/2010/main">
+        <mc:Choice Requires="a14">
+          <p:sp>
+            <p:nvSpPr>
+              <p:cNvPr id="29" name="TextBox 28">
+                <a:extLst>
+                  <a:ext uri="{FF2B5EF4-FFF2-40B4-BE49-F238E27FC236}">
+                    <a16:creationId xmlns:a16="http://schemas.microsoft.com/office/drawing/2014/main" id="{134DC0A7-85D5-4797-98AD-E086BC3532A9}"/>
+                  </a:ext>
+                </a:extLst>
+              </p:cNvPr>
+              <p:cNvSpPr txBox="1"/>
+              <p:nvPr/>
+            </p:nvSpPr>
+            <p:spPr>
+              <a:xfrm>
+                <a:off x="3848743" y="5186099"/>
+                <a:ext cx="4663340" cy="549865"/>
+              </a:xfrm>
+              <a:prstGeom prst="rect">
+                <a:avLst/>
+              </a:prstGeom>
+              <a:noFill/>
+            </p:spPr>
+            <p:txBody>
+              <a:bodyPr wrap="square">
+                <a:spAutoFit/>
+              </a:bodyPr>
+              <a:lstStyle/>
+              <a:p>
+                <a:pPr algn="ctr"/>
+                <a:r>
+                  <a:rPr lang="ko-KR" altLang="en-US" sz="2400" dirty="0">
+                    <a:latin typeface="배달의민족 주아" panose="02020603020101020101" pitchFamily="18" charset="-127"/>
+                    <a:ea typeface="배달의민족 주아" panose="02020603020101020101" pitchFamily="18" charset="-127"/>
+                  </a:rPr>
+                  <a:t>벡터 </a:t>
+                </a:r>
+                <a14:m>
+                  <m:oMath xmlns:m="http://schemas.openxmlformats.org/officeDocument/2006/math">
+                    <m:acc>
+                      <m:accPr>
+                        <m:chr m:val="⃗"/>
+                        <m:ctrlPr>
+                          <a:rPr lang="en-US" altLang="ko-KR" sz="2400" b="0" i="1" smtClean="0">
+                            <a:latin typeface="Cambria Math" panose="02040503050406030204" pitchFamily="18" charset="0"/>
+                          </a:rPr>
+                        </m:ctrlPr>
+                      </m:accPr>
+                      <m:e>
+                        <m:r>
+                          <a:rPr lang="en-US" altLang="ko-KR" sz="2400" b="0" i="1" smtClean="0">
+                            <a:latin typeface="Cambria Math" panose="02040503050406030204" pitchFamily="18" charset="0"/>
+                          </a:rPr>
+                          <m:t>𝑏</m:t>
+                        </m:r>
+                      </m:e>
+                    </m:acc>
+                    <m:r>
+                      <a:rPr lang="ko-KR" altLang="en-US" sz="2400" i="1" dirty="0">
+                        <a:latin typeface="Cambria Math" panose="02040503050406030204" pitchFamily="18" charset="0"/>
+                      </a:rPr>
+                      <m:t>의</m:t>
+                    </m:r>
+                  </m:oMath>
+                </a14:m>
+                <a:r>
+                  <a:rPr lang="ko-KR" altLang="en-US" sz="2400" dirty="0">
+                    <a:latin typeface="배달의민족 주아" panose="02020603020101020101" pitchFamily="18" charset="-127"/>
+                    <a:ea typeface="배달의민족 주아" panose="02020603020101020101" pitchFamily="18" charset="-127"/>
+                  </a:rPr>
+                  <a:t> </a:t>
+                </a:r>
+                <a14:m>
+                  <m:oMath xmlns:m="http://schemas.openxmlformats.org/officeDocument/2006/math">
+                    <m:acc>
+                      <m:accPr>
+                        <m:chr m:val="⃗"/>
+                        <m:ctrlPr>
+                          <a:rPr lang="en-US" altLang="ko-KR" sz="2400" b="0" i="1" dirty="0" smtClean="0">
+                            <a:latin typeface="Cambria Math" panose="02040503050406030204" pitchFamily="18" charset="0"/>
+                          </a:rPr>
+                        </m:ctrlPr>
+                      </m:accPr>
+                      <m:e>
+                        <m:r>
+                          <a:rPr lang="en-US" altLang="ko-KR" sz="2400" b="0" i="1" dirty="0" smtClean="0">
+                            <a:latin typeface="Cambria Math" panose="02040503050406030204" pitchFamily="18" charset="0"/>
+                          </a:rPr>
+                          <m:t>𝑎</m:t>
+                        </m:r>
+                      </m:e>
+                    </m:acc>
+                    <m:r>
+                      <a:rPr lang="en-US" altLang="ko-KR" sz="2400" b="0" i="1" dirty="0" smtClean="0">
+                        <a:latin typeface="Cambria Math" panose="02040503050406030204" pitchFamily="18" charset="0"/>
+                      </a:rPr>
+                      <m:t> </m:t>
+                    </m:r>
+                  </m:oMath>
+                </a14:m>
+                <a:r>
+                  <a:rPr lang="ko-KR" altLang="en-US" sz="2400" dirty="0">
+                    <a:latin typeface="배달의민족 주아" panose="02020603020101020101" pitchFamily="18" charset="-127"/>
+                    <a:ea typeface="배달의민족 주아" panose="02020603020101020101" pitchFamily="18" charset="-127"/>
+                  </a:rPr>
+                  <a:t>방향으로의 정사영 </a:t>
+                </a:r>
+                <a:r>
+                  <a:rPr lang="en-US" altLang="ko-KR" sz="2400" dirty="0">
+                    <a:latin typeface="배달의민족 주아" panose="02020603020101020101" pitchFamily="18" charset="-127"/>
+                    <a:ea typeface="배달의민족 주아" panose="02020603020101020101" pitchFamily="18" charset="-127"/>
+                  </a:rPr>
+                  <a:t>(</a:t>
+                </a:r>
+                <a:r>
+                  <a:rPr lang="ko-KR" altLang="en-US" sz="2400" dirty="0">
+                    <a:latin typeface="배달의민족 주아" panose="02020603020101020101" pitchFamily="18" charset="-127"/>
+                    <a:ea typeface="배달의민족 주아" panose="02020603020101020101" pitchFamily="18" charset="-127"/>
+                  </a:rPr>
+                  <a:t>벡터</a:t>
+                </a:r>
+                <a:r>
+                  <a:rPr lang="en-US" altLang="ko-KR" sz="2400" dirty="0">
+                    <a:latin typeface="배달의민족 주아" panose="02020603020101020101" pitchFamily="18" charset="-127"/>
+                    <a:ea typeface="배달의민족 주아" panose="02020603020101020101" pitchFamily="18" charset="-127"/>
+                  </a:rPr>
+                  <a:t>)</a:t>
+                </a:r>
+              </a:p>
+            </p:txBody>
+          </p:sp>
+        </mc:Choice>
+        <mc:Fallback xmlns="">
+          <p:sp>
+            <p:nvSpPr>
+              <p:cNvPr id="29" name="TextBox 28">
+                <a:extLst>
+                  <a:ext uri="{FF2B5EF4-FFF2-40B4-BE49-F238E27FC236}">
+                    <a16:creationId xmlns:a16="http://schemas.microsoft.com/office/drawing/2014/main" id="{134DC0A7-85D5-4797-98AD-E086BC3532A9}"/>
+                  </a:ext>
+                </a:extLst>
+              </p:cNvPr>
+              <p:cNvSpPr txBox="1">
+                <a:spLocks noRot="1" noChangeAspect="1" noMove="1" noResize="1" noEditPoints="1" noAdjustHandles="1" noChangeArrowheads="1" noChangeShapeType="1" noTextEdit="1"/>
+              </p:cNvSpPr>
+              <p:nvPr/>
+            </p:nvSpPr>
+            <p:spPr>
+              <a:xfrm>
+                <a:off x="3848743" y="5186099"/>
+                <a:ext cx="4663340" cy="549865"/>
+              </a:xfrm>
+              <a:prstGeom prst="rect">
+                <a:avLst/>
+              </a:prstGeom>
+              <a:blipFill>
+                <a:blip r:embed="rId6"/>
+                <a:stretch>
+                  <a:fillRect b="-20000"/>
+                </a:stretch>
+              </a:blipFill>
+            </p:spPr>
+            <p:txBody>
+              <a:bodyPr/>
+              <a:lstStyle/>
+              <a:p>
+                <a:r>
+                  <a:rPr lang="ko-KR" altLang="en-US">
+                    <a:noFill/>
+                  </a:rPr>
+                  <a:t> </a:t>
+                </a:r>
+              </a:p>
+            </p:txBody>
+          </p:sp>
+        </mc:Fallback>
+      </mc:AlternateContent>
+    </p:spTree>
+    <p:extLst>
+      <p:ext uri="{BB962C8B-B14F-4D97-AF65-F5344CB8AC3E}">
+        <p14:creationId xmlns:p14="http://schemas.microsoft.com/office/powerpoint/2010/main" val="2326454113"/>
+      </p:ext>
+    </p:extLst>
+  </p:cSld>
+  <p:clrMapOvr>
+    <a:masterClrMapping/>
+  </p:clrMapOvr>
+</p:sld>
+</file>
+
+<file path=ppt/slides/slide4.xml><?xml version="1.0" encoding="utf-8"?>
+<p:sld xmlns:a="http://schemas.openxmlformats.org/drawingml/2006/main" xmlns:r="http://schemas.openxmlformats.org/officeDocument/2006/relationships" xmlns:p="http://schemas.openxmlformats.org/presentationml/2006/main">
+  <p:cSld>
+    <p:spTree>
+      <p:nvGrpSpPr>
+        <p:cNvPr id="1" name=""/>
+        <p:cNvGrpSpPr/>
+        <p:nvPr/>
+      </p:nvGrpSpPr>
+      <p:grpSpPr>
+        <a:xfrm>
+          <a:off x="0" y="0"/>
+          <a:ext cx="0" cy="0"/>
+          <a:chOff x="0" y="0"/>
+          <a:chExt cx="0" cy="0"/>
+        </a:xfrm>
+      </p:grpSpPr>
+      <p:sp>
+        <p:nvSpPr>
+          <p:cNvPr id="13" name="원호 12">
+            <a:extLst>
+              <a:ext uri="{FF2B5EF4-FFF2-40B4-BE49-F238E27FC236}">
+                <a16:creationId xmlns:a16="http://schemas.microsoft.com/office/drawing/2014/main" id="{888DF389-40DF-44D4-9804-A162E620F3E1}"/>
+              </a:ext>
+            </a:extLst>
+          </p:cNvPr>
+          <p:cNvSpPr/>
+          <p:nvPr/>
+        </p:nvSpPr>
+        <p:spPr>
+          <a:xfrm>
+            <a:off x="2071614" y="4803535"/>
+            <a:ext cx="1427989" cy="1427989"/>
+          </a:xfrm>
+          <a:prstGeom prst="arc">
+            <a:avLst>
+              <a:gd name="adj1" fmla="val 17125588"/>
+              <a:gd name="adj2" fmla="val 19622520"/>
+            </a:avLst>
+          </a:prstGeom>
+          <a:ln>
+            <a:solidFill>
+              <a:schemeClr val="tx1"/>
+            </a:solidFill>
+            <a:prstDash val="dash"/>
+          </a:ln>
+        </p:spPr>
+        <p:style>
+          <a:lnRef idx="1">
+            <a:schemeClr val="accent1"/>
+          </a:lnRef>
+          <a:fillRef idx="0">
+            <a:schemeClr val="accent1"/>
+          </a:fillRef>
+          <a:effectRef idx="0">
+            <a:schemeClr val="accent1"/>
+          </a:effectRef>
+          <a:fontRef idx="minor">
+            <a:schemeClr val="tx1"/>
+          </a:fontRef>
+        </p:style>
+        <p:txBody>
+          <a:bodyPr rtlCol="0" anchor="ctr"/>
+          <a:lstStyle/>
+          <a:p>
+            <a:pPr algn="ctr"/>
+            <a:endParaRPr lang="ko-KR" altLang="en-US"/>
+          </a:p>
+        </p:txBody>
+      </p:sp>
+      <p:cxnSp>
+        <p:nvCxnSpPr>
+          <p:cNvPr id="6" name="직선 화살표 연결선 5">
+            <a:extLst>
+              <a:ext uri="{FF2B5EF4-FFF2-40B4-BE49-F238E27FC236}">
+                <a16:creationId xmlns:a16="http://schemas.microsoft.com/office/drawing/2014/main" id="{41871895-115B-4C2D-8AA2-35A27E339D32}"/>
+              </a:ext>
+            </a:extLst>
+          </p:cNvPr>
+          <p:cNvCxnSpPr>
+            <a:cxnSpLocks/>
+          </p:cNvCxnSpPr>
+          <p:nvPr/>
+        </p:nvCxnSpPr>
+        <p:spPr>
+          <a:xfrm flipV="1">
+            <a:off x="2785609" y="1161971"/>
+            <a:ext cx="4607188" cy="4534057"/>
+          </a:xfrm>
+          <a:prstGeom prst="straightConnector1">
+            <a:avLst/>
+          </a:prstGeom>
+          <a:ln w="57150">
+            <a:solidFill>
+              <a:schemeClr val="tx1"/>
+            </a:solidFill>
+            <a:tailEnd type="triangle"/>
+          </a:ln>
+        </p:spPr>
+        <p:style>
+          <a:lnRef idx="1">
+            <a:schemeClr val="accent1"/>
+          </a:lnRef>
+          <a:fillRef idx="0">
+            <a:schemeClr val="accent1"/>
+          </a:fillRef>
+          <a:effectRef idx="0">
+            <a:schemeClr val="accent1"/>
+          </a:effectRef>
+          <a:fontRef idx="minor">
+            <a:schemeClr val="tx1"/>
+          </a:fontRef>
+        </p:style>
+      </p:cxnSp>
+      <p:cxnSp>
+        <p:nvCxnSpPr>
+          <p:cNvPr id="10" name="직선 연결선 9">
+            <a:extLst>
+              <a:ext uri="{FF2B5EF4-FFF2-40B4-BE49-F238E27FC236}">
+                <a16:creationId xmlns:a16="http://schemas.microsoft.com/office/drawing/2014/main" id="{A9909453-2E4A-47E9-BF6C-31F5730E0AA2}"/>
+              </a:ext>
+            </a:extLst>
+          </p:cNvPr>
+          <p:cNvCxnSpPr>
+            <a:cxnSpLocks/>
+          </p:cNvCxnSpPr>
+          <p:nvPr/>
+        </p:nvCxnSpPr>
+        <p:spPr>
+          <a:xfrm>
+            <a:off x="3736528" y="846601"/>
+            <a:ext cx="1947603" cy="1947603"/>
+          </a:xfrm>
+          <a:prstGeom prst="line">
+            <a:avLst/>
+          </a:prstGeom>
+          <a:ln>
+            <a:solidFill>
+              <a:schemeClr val="tx1"/>
+            </a:solidFill>
+            <a:prstDash val="dash"/>
+          </a:ln>
+        </p:spPr>
+        <p:style>
+          <a:lnRef idx="1">
+            <a:schemeClr val="accent1"/>
+          </a:lnRef>
+          <a:fillRef idx="0">
+            <a:schemeClr val="accent1"/>
+          </a:fillRef>
+          <a:effectRef idx="0">
+            <a:schemeClr val="accent1"/>
+          </a:effectRef>
+          <a:fontRef idx="minor">
+            <a:schemeClr val="tx1"/>
+          </a:fontRef>
+        </p:style>
+      </p:cxnSp>
+      <p:cxnSp>
+        <p:nvCxnSpPr>
+          <p:cNvPr id="11" name="직선 화살표 연결선 10">
+            <a:extLst>
+              <a:ext uri="{FF2B5EF4-FFF2-40B4-BE49-F238E27FC236}">
+                <a16:creationId xmlns:a16="http://schemas.microsoft.com/office/drawing/2014/main" id="{E11BA27E-F99C-44A9-8E1C-71DC2258D47E}"/>
+              </a:ext>
+            </a:extLst>
+          </p:cNvPr>
+          <p:cNvCxnSpPr>
+            <a:cxnSpLocks/>
+          </p:cNvCxnSpPr>
+          <p:nvPr/>
+        </p:nvCxnSpPr>
+        <p:spPr>
+          <a:xfrm flipV="1">
+            <a:off x="2798309" y="2834140"/>
+            <a:ext cx="2908048" cy="2861889"/>
+          </a:xfrm>
+          <a:prstGeom prst="straightConnector1">
+            <a:avLst/>
+          </a:prstGeom>
+          <a:ln w="76200">
+            <a:solidFill>
+              <a:srgbClr val="FF0000"/>
+            </a:solidFill>
+            <a:headEnd type="none" w="med" len="med"/>
+            <a:tailEnd type="arrow" w="med" len="med"/>
+          </a:ln>
+        </p:spPr>
+        <p:style>
+          <a:lnRef idx="1">
+            <a:schemeClr val="accent1"/>
+          </a:lnRef>
+          <a:fillRef idx="0">
+            <a:schemeClr val="accent1"/>
+          </a:fillRef>
+          <a:effectRef idx="0">
+            <a:schemeClr val="accent1"/>
+          </a:effectRef>
+          <a:fontRef idx="minor">
+            <a:schemeClr val="tx1"/>
+          </a:fontRef>
+        </p:style>
+      </p:cxnSp>
+      <mc:AlternateContent xmlns:mc="http://schemas.openxmlformats.org/markup-compatibility/2006" xmlns:a14="http://schemas.microsoft.com/office/drawing/2010/main">
+        <mc:Choice Requires="a14">
+          <p:sp>
+            <p:nvSpPr>
+              <p:cNvPr id="14" name="TextBox 13">
+                <a:extLst>
+                  <a:ext uri="{FF2B5EF4-FFF2-40B4-BE49-F238E27FC236}">
+                    <a16:creationId xmlns:a16="http://schemas.microsoft.com/office/drawing/2014/main" id="{F845D679-1B65-4B49-A4EA-166A9898B0D1}"/>
+                  </a:ext>
+                </a:extLst>
+              </p:cNvPr>
+              <p:cNvSpPr txBox="1"/>
+              <p:nvPr/>
+            </p:nvSpPr>
+            <p:spPr>
+              <a:xfrm>
+                <a:off x="3028967" y="4387452"/>
+                <a:ext cx="571823" cy="584775"/>
+              </a:xfrm>
+              <a:prstGeom prst="rect">
+                <a:avLst/>
+              </a:prstGeom>
+              <a:noFill/>
+            </p:spPr>
+            <p:txBody>
+              <a:bodyPr wrap="none" rtlCol="0">
+                <a:spAutoFit/>
+              </a:bodyPr>
+              <a:lstStyle/>
+              <a:p>
+                <a:pPr/>
+                <a14:m>
+                  <m:oMathPara xmlns:m="http://schemas.openxmlformats.org/officeDocument/2006/math">
+                    <m:oMathParaPr>
+                      <m:jc m:val="centerGroup"/>
+                    </m:oMathParaPr>
+                    <m:oMath xmlns:m="http://schemas.openxmlformats.org/officeDocument/2006/math">
+                      <m:r>
+                        <a:rPr lang="en-US" altLang="ko-KR" sz="3200" b="0" i="1" smtClean="0">
+                          <a:latin typeface="Cambria Math" panose="02040503050406030204" pitchFamily="18" charset="0"/>
+                        </a:rPr>
+                        <m:t>𝜃</m:t>
+                      </m:r>
+                    </m:oMath>
+                  </m:oMathPara>
+                </a14:m>
+                <a:endParaRPr lang="ko-KR" altLang="en-US" sz="3200" dirty="0"/>
+              </a:p>
+            </p:txBody>
+          </p:sp>
+        </mc:Choice>
+        <mc:Fallback xmlns="">
+          <p:sp>
+            <p:nvSpPr>
+              <p:cNvPr id="14" name="TextBox 13">
+                <a:extLst>
+                  <a:ext uri="{FF2B5EF4-FFF2-40B4-BE49-F238E27FC236}">
+                    <a16:creationId xmlns:a16="http://schemas.microsoft.com/office/drawing/2014/main" id="{F845D679-1B65-4B49-A4EA-166A9898B0D1}"/>
+                  </a:ext>
+                </a:extLst>
+              </p:cNvPr>
+              <p:cNvSpPr txBox="1">
+                <a:spLocks noRot="1" noChangeAspect="1" noMove="1" noResize="1" noEditPoints="1" noAdjustHandles="1" noChangeArrowheads="1" noChangeShapeType="1" noTextEdit="1"/>
+              </p:cNvSpPr>
+              <p:nvPr/>
+            </p:nvSpPr>
+            <p:spPr>
+              <a:xfrm>
+                <a:off x="3028967" y="4387452"/>
+                <a:ext cx="571823" cy="584775"/>
+              </a:xfrm>
+              <a:prstGeom prst="rect">
+                <a:avLst/>
+              </a:prstGeom>
+              <a:blipFill>
+                <a:blip r:embed="rId2"/>
+                <a:stretch>
+                  <a:fillRect/>
+                </a:stretch>
+              </a:blipFill>
+            </p:spPr>
+            <p:txBody>
+              <a:bodyPr/>
+              <a:lstStyle/>
+              <a:p>
+                <a:r>
+                  <a:rPr lang="ko-KR" altLang="en-US">
+                    <a:noFill/>
+                  </a:rPr>
+                  <a:t> </a:t>
+                </a:r>
+              </a:p>
+            </p:txBody>
+          </p:sp>
+        </mc:Fallback>
+      </mc:AlternateContent>
+      <mc:AlternateContent xmlns:mc="http://schemas.openxmlformats.org/markup-compatibility/2006" xmlns:a14="http://schemas.microsoft.com/office/drawing/2010/main">
+        <mc:Choice Requires="a14">
+          <p:sp>
+            <p:nvSpPr>
+              <p:cNvPr id="16" name="TextBox 15">
+                <a:extLst>
+                  <a:ext uri="{FF2B5EF4-FFF2-40B4-BE49-F238E27FC236}">
+                    <a16:creationId xmlns:a16="http://schemas.microsoft.com/office/drawing/2014/main" id="{DC8C783C-A7A5-40AB-958D-D307F63BE019}"/>
+                  </a:ext>
+                </a:extLst>
+              </p:cNvPr>
+              <p:cNvSpPr txBox="1"/>
+              <p:nvPr/>
+            </p:nvSpPr>
+            <p:spPr>
+              <a:xfrm>
+                <a:off x="3079726" y="642502"/>
+                <a:ext cx="559191" cy="657681"/>
+              </a:xfrm>
+              <a:prstGeom prst="rect">
+                <a:avLst/>
+              </a:prstGeom>
+              <a:noFill/>
+            </p:spPr>
+            <p:txBody>
+              <a:bodyPr wrap="none" rtlCol="0">
+                <a:spAutoFit/>
+              </a:bodyPr>
+              <a:lstStyle/>
+              <a:p>
+                <a:pPr/>
+                <a14:m>
+                  <m:oMathPara xmlns:m="http://schemas.openxmlformats.org/officeDocument/2006/math">
+                    <m:oMathParaPr>
+                      <m:jc m:val="centerGroup"/>
+                    </m:oMathParaPr>
+                    <m:oMath xmlns:m="http://schemas.openxmlformats.org/officeDocument/2006/math">
+                      <m:acc>
+                        <m:accPr>
+                          <m:chr m:val="⃗"/>
+                          <m:ctrlPr>
+                            <a:rPr lang="en-US" altLang="ko-KR" sz="3200" b="0" i="1" smtClean="0">
+                              <a:latin typeface="Cambria Math" panose="02040503050406030204" pitchFamily="18" charset="0"/>
+                            </a:rPr>
+                          </m:ctrlPr>
+                        </m:accPr>
+                        <m:e>
+                          <m:r>
+                            <a:rPr lang="en-US" altLang="ko-KR" sz="3200" b="0" i="1" smtClean="0">
+                              <a:latin typeface="Cambria Math" panose="02040503050406030204" pitchFamily="18" charset="0"/>
+                            </a:rPr>
+                            <m:t>𝑏</m:t>
+                          </m:r>
+                        </m:e>
+                      </m:acc>
+                    </m:oMath>
+                  </m:oMathPara>
+                </a14:m>
+                <a:endParaRPr lang="ko-KR" altLang="en-US" sz="3200" dirty="0"/>
+              </a:p>
+            </p:txBody>
+          </p:sp>
+        </mc:Choice>
+        <mc:Fallback xmlns="">
+          <p:sp>
+            <p:nvSpPr>
+              <p:cNvPr id="16" name="TextBox 15">
+                <a:extLst>
+                  <a:ext uri="{FF2B5EF4-FFF2-40B4-BE49-F238E27FC236}">
+                    <a16:creationId xmlns:a16="http://schemas.microsoft.com/office/drawing/2014/main" id="{DC8C783C-A7A5-40AB-958D-D307F63BE019}"/>
+                  </a:ext>
+                </a:extLst>
+              </p:cNvPr>
+              <p:cNvSpPr txBox="1">
+                <a:spLocks noRot="1" noChangeAspect="1" noMove="1" noResize="1" noEditPoints="1" noAdjustHandles="1" noChangeArrowheads="1" noChangeShapeType="1" noTextEdit="1"/>
+              </p:cNvSpPr>
+              <p:nvPr/>
+            </p:nvSpPr>
+            <p:spPr>
+              <a:xfrm>
+                <a:off x="3079726" y="642502"/>
+                <a:ext cx="559191" cy="657681"/>
+              </a:xfrm>
+              <a:prstGeom prst="rect">
+                <a:avLst/>
+              </a:prstGeom>
+              <a:blipFill>
+                <a:blip r:embed="rId3"/>
+                <a:stretch>
+                  <a:fillRect/>
+                </a:stretch>
+              </a:blipFill>
+            </p:spPr>
+            <p:txBody>
+              <a:bodyPr/>
+              <a:lstStyle/>
+              <a:p>
+                <a:r>
+                  <a:rPr lang="ko-KR" altLang="en-US">
+                    <a:noFill/>
+                  </a:rPr>
+                  <a:t> </a:t>
+                </a:r>
+              </a:p>
+            </p:txBody>
+          </p:sp>
+        </mc:Fallback>
+      </mc:AlternateContent>
+      <mc:AlternateContent xmlns:mc="http://schemas.openxmlformats.org/markup-compatibility/2006" xmlns:a14="http://schemas.microsoft.com/office/drawing/2010/main">
+        <mc:Choice Requires="a14">
+          <p:sp>
+            <p:nvSpPr>
+              <p:cNvPr id="17" name="TextBox 16">
+                <a:extLst>
+                  <a:ext uri="{FF2B5EF4-FFF2-40B4-BE49-F238E27FC236}">
+                    <a16:creationId xmlns:a16="http://schemas.microsoft.com/office/drawing/2014/main" id="{AC074638-91A2-427E-82A2-58A17708AF61}"/>
+                  </a:ext>
+                </a:extLst>
+              </p:cNvPr>
+              <p:cNvSpPr txBox="1"/>
+              <p:nvPr/>
+            </p:nvSpPr>
+            <p:spPr>
+              <a:xfrm>
+                <a:off x="7410352" y="965814"/>
+                <a:ext cx="568169" cy="584775"/>
+              </a:xfrm>
+              <a:prstGeom prst="rect">
+                <a:avLst/>
+              </a:prstGeom>
+              <a:noFill/>
+            </p:spPr>
+            <p:txBody>
+              <a:bodyPr wrap="none" rtlCol="0">
+                <a:spAutoFit/>
+              </a:bodyPr>
+              <a:lstStyle/>
+              <a:p>
+                <a:pPr/>
+                <a14:m>
+                  <m:oMathPara xmlns:m="http://schemas.openxmlformats.org/officeDocument/2006/math">
+                    <m:oMathParaPr>
+                      <m:jc m:val="centerGroup"/>
+                    </m:oMathParaPr>
+                    <m:oMath xmlns:m="http://schemas.openxmlformats.org/officeDocument/2006/math">
+                      <m:acc>
+                        <m:accPr>
+                          <m:chr m:val="⃗"/>
+                          <m:ctrlPr>
+                            <a:rPr lang="en-US" altLang="ko-KR" sz="3200" b="0" i="1" smtClean="0">
+                              <a:latin typeface="Cambria Math" panose="02040503050406030204" pitchFamily="18" charset="0"/>
+                            </a:rPr>
+                          </m:ctrlPr>
+                        </m:accPr>
+                        <m:e>
+                          <m:r>
+                            <a:rPr lang="en-US" altLang="ko-KR" sz="3200" b="0" i="1" smtClean="0">
+                              <a:latin typeface="Cambria Math" panose="02040503050406030204" pitchFamily="18" charset="0"/>
+                            </a:rPr>
+                            <m:t>𝑎</m:t>
+                          </m:r>
+                        </m:e>
+                      </m:acc>
+                    </m:oMath>
+                  </m:oMathPara>
+                </a14:m>
+                <a:endParaRPr lang="ko-KR" altLang="en-US" sz="3200" dirty="0"/>
+              </a:p>
+            </p:txBody>
+          </p:sp>
+        </mc:Choice>
+        <mc:Fallback xmlns="">
+          <p:sp>
+            <p:nvSpPr>
+              <p:cNvPr id="17" name="TextBox 16">
+                <a:extLst>
+                  <a:ext uri="{FF2B5EF4-FFF2-40B4-BE49-F238E27FC236}">
+                    <a16:creationId xmlns:a16="http://schemas.microsoft.com/office/drawing/2014/main" id="{AC074638-91A2-427E-82A2-58A17708AF61}"/>
+                  </a:ext>
+                </a:extLst>
+              </p:cNvPr>
+              <p:cNvSpPr txBox="1">
+                <a:spLocks noRot="1" noChangeAspect="1" noMove="1" noResize="1" noEditPoints="1" noAdjustHandles="1" noChangeArrowheads="1" noChangeShapeType="1" noTextEdit="1"/>
+              </p:cNvSpPr>
+              <p:nvPr/>
+            </p:nvSpPr>
+            <p:spPr>
+              <a:xfrm>
+                <a:off x="7410352" y="965814"/>
+                <a:ext cx="568169" cy="584775"/>
+              </a:xfrm>
+              <a:prstGeom prst="rect">
+                <a:avLst/>
+              </a:prstGeom>
+              <a:blipFill>
+                <a:blip r:embed="rId4"/>
+                <a:stretch>
+                  <a:fillRect/>
+                </a:stretch>
+              </a:blipFill>
+            </p:spPr>
+            <p:txBody>
+              <a:bodyPr/>
+              <a:lstStyle/>
+              <a:p>
+                <a:r>
+                  <a:rPr lang="ko-KR" altLang="en-US">
+                    <a:noFill/>
+                  </a:rPr>
+                  <a:t> </a:t>
+                </a:r>
+              </a:p>
+            </p:txBody>
+          </p:sp>
+        </mc:Fallback>
+      </mc:AlternateContent>
+      <p:cxnSp>
+        <p:nvCxnSpPr>
+          <p:cNvPr id="24" name="직선 연결선 23">
+            <a:extLst>
+              <a:ext uri="{FF2B5EF4-FFF2-40B4-BE49-F238E27FC236}">
+                <a16:creationId xmlns:a16="http://schemas.microsoft.com/office/drawing/2014/main" id="{22BDED62-7F2B-4B1A-90BE-2E4369F8A961}"/>
+              </a:ext>
+            </a:extLst>
+          </p:cNvPr>
+          <p:cNvCxnSpPr>
+            <a:cxnSpLocks/>
+          </p:cNvCxnSpPr>
+          <p:nvPr/>
+        </p:nvCxnSpPr>
+        <p:spPr>
+          <a:xfrm>
+            <a:off x="828469" y="3699698"/>
+            <a:ext cx="1996330" cy="1996330"/>
+          </a:xfrm>
+          <a:prstGeom prst="line">
+            <a:avLst/>
+          </a:prstGeom>
+          <a:ln>
+            <a:solidFill>
+              <a:schemeClr val="tx1"/>
+            </a:solidFill>
+            <a:prstDash val="dash"/>
+          </a:ln>
+        </p:spPr>
+        <p:style>
+          <a:lnRef idx="1">
+            <a:schemeClr val="accent1"/>
+          </a:lnRef>
+          <a:fillRef idx="0">
+            <a:schemeClr val="accent1"/>
+          </a:fillRef>
+          <a:effectRef idx="0">
+            <a:schemeClr val="accent1"/>
+          </a:effectRef>
+          <a:fontRef idx="minor">
+            <a:schemeClr val="tx1"/>
+          </a:fontRef>
+        </p:style>
+      </p:cxnSp>
+      <p:cxnSp>
+        <p:nvCxnSpPr>
+          <p:cNvPr id="25" name="직선 화살표 연결선 24">
+            <a:extLst>
+              <a:ext uri="{FF2B5EF4-FFF2-40B4-BE49-F238E27FC236}">
+                <a16:creationId xmlns:a16="http://schemas.microsoft.com/office/drawing/2014/main" id="{DEC2B096-5976-46F7-AE8F-EFB24C3C3A4D}"/>
+              </a:ext>
+            </a:extLst>
+          </p:cNvPr>
+          <p:cNvCxnSpPr>
+            <a:cxnSpLocks/>
+          </p:cNvCxnSpPr>
+          <p:nvPr/>
+        </p:nvCxnSpPr>
+        <p:spPr>
+          <a:xfrm flipV="1">
+            <a:off x="823718" y="837809"/>
+            <a:ext cx="2908048" cy="2861889"/>
+          </a:xfrm>
+          <a:prstGeom prst="straightConnector1">
+            <a:avLst/>
+          </a:prstGeom>
+          <a:ln w="9525">
+            <a:solidFill>
+              <a:schemeClr val="tx1"/>
+            </a:solidFill>
+            <a:prstDash val="sysDash"/>
+            <a:headEnd type="none" w="med" len="med"/>
+            <a:tailEnd type="none" w="med" len="med"/>
+          </a:ln>
+        </p:spPr>
+        <p:style>
+          <a:lnRef idx="1">
+            <a:schemeClr val="accent1"/>
+          </a:lnRef>
+          <a:fillRef idx="0">
+            <a:schemeClr val="accent1"/>
+          </a:fillRef>
+          <a:effectRef idx="0">
+            <a:schemeClr val="accent1"/>
+          </a:effectRef>
+          <a:fontRef idx="minor">
+            <a:schemeClr val="tx1"/>
+          </a:fontRef>
+        </p:style>
+      </p:cxnSp>
+      <p:cxnSp>
+        <p:nvCxnSpPr>
+          <p:cNvPr id="5" name="직선 화살표 연결선 4">
+            <a:extLst>
+              <a:ext uri="{FF2B5EF4-FFF2-40B4-BE49-F238E27FC236}">
+                <a16:creationId xmlns:a16="http://schemas.microsoft.com/office/drawing/2014/main" id="{12B93C8E-C00E-4002-A3D5-FA0294CD6D7C}"/>
+              </a:ext>
+            </a:extLst>
+          </p:cNvPr>
+          <p:cNvCxnSpPr>
+            <a:cxnSpLocks/>
+          </p:cNvCxnSpPr>
+          <p:nvPr/>
+        </p:nvCxnSpPr>
+        <p:spPr>
+          <a:xfrm flipV="1">
+            <a:off x="2785609" y="836712"/>
+            <a:ext cx="946849" cy="4859316"/>
+          </a:xfrm>
+          <a:prstGeom prst="straightConnector1">
+            <a:avLst/>
+          </a:prstGeom>
+          <a:ln w="57150">
+            <a:solidFill>
+              <a:schemeClr val="tx1"/>
+            </a:solidFill>
+            <a:tailEnd type="triangle"/>
+          </a:ln>
+        </p:spPr>
+        <p:style>
+          <a:lnRef idx="1">
+            <a:schemeClr val="accent1"/>
+          </a:lnRef>
+          <a:fillRef idx="0">
+            <a:schemeClr val="accent1"/>
+          </a:fillRef>
+          <a:effectRef idx="0">
+            <a:schemeClr val="accent1"/>
+          </a:effectRef>
+          <a:fontRef idx="minor">
+            <a:schemeClr val="tx1"/>
+          </a:fontRef>
+        </p:style>
+      </p:cxnSp>
+      <mc:AlternateContent xmlns:mc="http://schemas.openxmlformats.org/markup-compatibility/2006" xmlns:a14="http://schemas.microsoft.com/office/drawing/2010/main">
+        <mc:Choice Requires="a14">
+          <p:sp>
+            <p:nvSpPr>
+              <p:cNvPr id="27" name="TextBox 26">
+                <a:extLst>
+                  <a:ext uri="{FF2B5EF4-FFF2-40B4-BE49-F238E27FC236}">
+                    <a16:creationId xmlns:a16="http://schemas.microsoft.com/office/drawing/2014/main" id="{6613D9F3-7A14-4F77-BF01-40CA03E133F4}"/>
+                  </a:ext>
+                </a:extLst>
+              </p:cNvPr>
+              <p:cNvSpPr txBox="1"/>
+              <p:nvPr/>
+            </p:nvSpPr>
+            <p:spPr>
+              <a:xfrm>
+                <a:off x="4067944" y="4105304"/>
+                <a:ext cx="4224939" cy="1060483"/>
+              </a:xfrm>
+              <a:prstGeom prst="rect">
+                <a:avLst/>
+              </a:prstGeom>
+              <a:noFill/>
+            </p:spPr>
+            <p:txBody>
+              <a:bodyPr wrap="none" rtlCol="0">
+                <a:spAutoFit/>
+              </a:bodyPr>
+              <a:lstStyle/>
+              <a:p>
+                <a:pPr/>
+                <a14:m>
+                  <m:oMathPara xmlns:m="http://schemas.openxmlformats.org/officeDocument/2006/math">
+                    <m:oMathParaPr>
+                      <m:jc m:val="centerGroup"/>
+                    </m:oMathParaPr>
+                    <m:oMath xmlns:m="http://schemas.openxmlformats.org/officeDocument/2006/math">
+                      <m:r>
+                        <a:rPr lang="en-US" altLang="ko-KR" sz="2800" b="0" i="1" dirty="0" smtClean="0">
+                          <a:solidFill>
+                            <a:srgbClr val="FF0000"/>
+                          </a:solidFill>
+                          <a:latin typeface="Cambria Math" panose="02040503050406030204" pitchFamily="18" charset="0"/>
+                        </a:rPr>
+                        <m:t>𝑐𝑜𝑚</m:t>
+                      </m:r>
+                      <m:sSub>
+                        <m:sSubPr>
+                          <m:ctrlPr>
+                            <a:rPr lang="en-US" altLang="ko-KR" sz="2800" b="0" i="1" dirty="0" smtClean="0">
+                              <a:solidFill>
+                                <a:srgbClr val="FF0000"/>
+                              </a:solidFill>
+                              <a:latin typeface="Cambria Math" panose="02040503050406030204" pitchFamily="18" charset="0"/>
+                            </a:rPr>
+                          </m:ctrlPr>
+                        </m:sSubPr>
+                        <m:e>
+                          <m:r>
+                            <a:rPr lang="en-US" altLang="ko-KR" sz="2800" b="0" i="1" dirty="0" smtClean="0">
+                              <a:solidFill>
+                                <a:srgbClr val="FF0000"/>
+                              </a:solidFill>
+                              <a:latin typeface="Cambria Math" panose="02040503050406030204" pitchFamily="18" charset="0"/>
+                            </a:rPr>
+                            <m:t>𝑝</m:t>
+                          </m:r>
+                        </m:e>
+                        <m:sub>
+                          <m:acc>
+                            <m:accPr>
+                              <m:chr m:val="⃗"/>
+                              <m:ctrlPr>
+                                <a:rPr lang="en-US" altLang="ko-KR" sz="2800" b="0" i="1" dirty="0" smtClean="0">
+                                  <a:solidFill>
+                                    <a:srgbClr val="FF0000"/>
+                                  </a:solidFill>
+                                  <a:latin typeface="Cambria Math" panose="02040503050406030204" pitchFamily="18" charset="0"/>
+                                </a:rPr>
+                              </m:ctrlPr>
+                            </m:accPr>
+                            <m:e>
+                              <m:r>
+                                <a:rPr lang="en-US" altLang="ko-KR" sz="2800" b="0" i="1" dirty="0" smtClean="0">
+                                  <a:solidFill>
+                                    <a:srgbClr val="FF0000"/>
+                                  </a:solidFill>
+                                  <a:latin typeface="Cambria Math" panose="02040503050406030204" pitchFamily="18" charset="0"/>
+                                </a:rPr>
+                                <m:t>𝑎</m:t>
+                              </m:r>
+                            </m:e>
+                          </m:acc>
+                        </m:sub>
+                      </m:sSub>
+                      <m:acc>
+                        <m:accPr>
+                          <m:chr m:val="⃗"/>
+                          <m:ctrlPr>
+                            <a:rPr lang="en-US" altLang="ko-KR" sz="2800" b="0" i="1" dirty="0" smtClean="0">
+                              <a:solidFill>
+                                <a:srgbClr val="FF0000"/>
+                              </a:solidFill>
+                              <a:latin typeface="Cambria Math" panose="02040503050406030204" pitchFamily="18" charset="0"/>
+                            </a:rPr>
+                          </m:ctrlPr>
+                        </m:accPr>
+                        <m:e>
+                          <m:r>
+                            <a:rPr lang="en-US" altLang="ko-KR" sz="2800" b="0" i="1" dirty="0" smtClean="0">
+                              <a:solidFill>
+                                <a:srgbClr val="FF0000"/>
+                              </a:solidFill>
+                              <a:latin typeface="Cambria Math" panose="02040503050406030204" pitchFamily="18" charset="0"/>
+                            </a:rPr>
+                            <m:t>𝑏</m:t>
+                          </m:r>
+                        </m:e>
+                      </m:acc>
+                      <m:r>
+                        <a:rPr lang="en-US" altLang="ko-KR" sz="2800" b="0" i="1" dirty="0" smtClean="0">
+                          <a:solidFill>
+                            <a:srgbClr val="FF0000"/>
+                          </a:solidFill>
+                          <a:latin typeface="Cambria Math" panose="02040503050406030204" pitchFamily="18" charset="0"/>
+                        </a:rPr>
+                        <m:t>⋅</m:t>
+                      </m:r>
+                      <m:d>
+                        <m:dPr>
+                          <m:ctrlPr>
+                            <a:rPr lang="en-US" altLang="ko-KR" sz="2800" b="0" i="1" dirty="0" smtClean="0">
+                              <a:solidFill>
+                                <a:srgbClr val="FF0000"/>
+                              </a:solidFill>
+                              <a:latin typeface="Cambria Math" panose="02040503050406030204" pitchFamily="18" charset="0"/>
+                            </a:rPr>
+                          </m:ctrlPr>
+                        </m:dPr>
+                        <m:e>
+                          <m:f>
+                            <m:fPr>
+                              <m:ctrlPr>
+                                <a:rPr lang="en-US" altLang="ko-KR" sz="2800" b="0" i="1" dirty="0" smtClean="0">
+                                  <a:solidFill>
+                                    <a:srgbClr val="FF0000"/>
+                                  </a:solidFill>
+                                  <a:latin typeface="Cambria Math" panose="02040503050406030204" pitchFamily="18" charset="0"/>
+                                </a:rPr>
+                              </m:ctrlPr>
+                            </m:fPr>
+                            <m:num>
+                              <m:acc>
+                                <m:accPr>
+                                  <m:chr m:val="⃗"/>
+                                  <m:ctrlPr>
+                                    <a:rPr lang="en-US" altLang="ko-KR" sz="2800" b="0" i="1" dirty="0" smtClean="0">
+                                      <a:solidFill>
+                                        <a:srgbClr val="FF0000"/>
+                                      </a:solidFill>
+                                      <a:latin typeface="Cambria Math" panose="02040503050406030204" pitchFamily="18" charset="0"/>
+                                    </a:rPr>
+                                  </m:ctrlPr>
+                                </m:accPr>
+                                <m:e>
+                                  <m:r>
+                                    <a:rPr lang="en-US" altLang="ko-KR" sz="2800" b="0" i="1" dirty="0" smtClean="0">
+                                      <a:solidFill>
+                                        <a:srgbClr val="FF0000"/>
+                                      </a:solidFill>
+                                      <a:latin typeface="Cambria Math" panose="02040503050406030204" pitchFamily="18" charset="0"/>
+                                    </a:rPr>
+                                    <m:t>𝑎</m:t>
+                                  </m:r>
+                                </m:e>
+                              </m:acc>
+                            </m:num>
+                            <m:den>
+                              <m:d>
+                                <m:dPr>
+                                  <m:begChr m:val="|"/>
+                                  <m:endChr m:val="|"/>
+                                  <m:ctrlPr>
+                                    <a:rPr lang="en-US" altLang="ko-KR" sz="2800" b="0" i="1" dirty="0" smtClean="0">
+                                      <a:solidFill>
+                                        <a:srgbClr val="FF0000"/>
+                                      </a:solidFill>
+                                      <a:latin typeface="Cambria Math" panose="02040503050406030204" pitchFamily="18" charset="0"/>
+                                    </a:rPr>
+                                  </m:ctrlPr>
+                                </m:dPr>
+                                <m:e>
+                                  <m:acc>
+                                    <m:accPr>
+                                      <m:chr m:val="⃗"/>
+                                      <m:ctrlPr>
+                                        <a:rPr lang="en-US" altLang="ko-KR" sz="2800" b="0" i="1" dirty="0" smtClean="0">
+                                          <a:solidFill>
+                                            <a:srgbClr val="FF0000"/>
+                                          </a:solidFill>
+                                          <a:latin typeface="Cambria Math" panose="02040503050406030204" pitchFamily="18" charset="0"/>
+                                        </a:rPr>
+                                      </m:ctrlPr>
+                                    </m:accPr>
+                                    <m:e>
+                                      <m:r>
+                                        <a:rPr lang="en-US" altLang="ko-KR" sz="2800" b="0" i="1" dirty="0" smtClean="0">
+                                          <a:solidFill>
+                                            <a:srgbClr val="FF0000"/>
+                                          </a:solidFill>
+                                          <a:latin typeface="Cambria Math" panose="02040503050406030204" pitchFamily="18" charset="0"/>
+                                        </a:rPr>
+                                        <m:t>𝑎</m:t>
+                                      </m:r>
+                                    </m:e>
+                                  </m:acc>
+                                </m:e>
+                              </m:d>
+                            </m:den>
+                          </m:f>
+                        </m:e>
+                      </m:d>
+                      <m:r>
+                        <a:rPr lang="en-US" altLang="ko-KR" sz="2800" b="0" i="1" dirty="0" smtClean="0">
+                          <a:solidFill>
+                            <a:srgbClr val="FF0000"/>
+                          </a:solidFill>
+                          <a:latin typeface="Cambria Math" panose="02040503050406030204" pitchFamily="18" charset="0"/>
+                        </a:rPr>
+                        <m:t>=</m:t>
+                      </m:r>
+                      <m:r>
+                        <a:rPr lang="en-US" altLang="ko-KR" sz="2800" b="0" i="1" smtClean="0">
+                          <a:solidFill>
+                            <a:srgbClr val="FF0000"/>
+                          </a:solidFill>
+                          <a:latin typeface="Cambria Math" panose="02040503050406030204" pitchFamily="18" charset="0"/>
+                        </a:rPr>
+                        <m:t>𝑝𝑟𝑜</m:t>
+                      </m:r>
+                      <m:sSub>
+                        <m:sSubPr>
+                          <m:ctrlPr>
+                            <a:rPr lang="en-US" altLang="ko-KR" sz="2800" b="0" i="1" smtClean="0">
+                              <a:solidFill>
+                                <a:srgbClr val="FF0000"/>
+                              </a:solidFill>
+                              <a:latin typeface="Cambria Math" panose="02040503050406030204" pitchFamily="18" charset="0"/>
+                            </a:rPr>
+                          </m:ctrlPr>
+                        </m:sSubPr>
+                        <m:e>
+                          <m:r>
+                            <a:rPr lang="en-US" altLang="ko-KR" sz="2800" b="0" i="1" smtClean="0">
+                              <a:solidFill>
+                                <a:srgbClr val="FF0000"/>
+                              </a:solidFill>
+                              <a:latin typeface="Cambria Math" panose="02040503050406030204" pitchFamily="18" charset="0"/>
+                            </a:rPr>
+                            <m:t>𝑗</m:t>
+                          </m:r>
+                        </m:e>
+                        <m:sub>
+                          <m:acc>
+                            <m:accPr>
+                              <m:chr m:val="⃗"/>
+                              <m:ctrlPr>
+                                <a:rPr lang="en-US" altLang="ko-KR" sz="2800" b="0" i="1" smtClean="0">
+                                  <a:solidFill>
+                                    <a:srgbClr val="FF0000"/>
+                                  </a:solidFill>
+                                  <a:latin typeface="Cambria Math" panose="02040503050406030204" pitchFamily="18" charset="0"/>
+                                </a:rPr>
+                              </m:ctrlPr>
+                            </m:accPr>
+                            <m:e>
+                              <m:r>
+                                <a:rPr lang="en-US" altLang="ko-KR" sz="2800" b="0" i="1" smtClean="0">
+                                  <a:solidFill>
+                                    <a:srgbClr val="FF0000"/>
+                                  </a:solidFill>
+                                  <a:latin typeface="Cambria Math" panose="02040503050406030204" pitchFamily="18" charset="0"/>
+                                </a:rPr>
+                                <m:t>𝑎</m:t>
+                              </m:r>
+                            </m:e>
+                          </m:acc>
+                        </m:sub>
+                      </m:sSub>
+                      <m:acc>
+                        <m:accPr>
+                          <m:chr m:val="⃗"/>
+                          <m:ctrlPr>
+                            <a:rPr lang="en-US" altLang="ko-KR" sz="2800" i="1">
+                              <a:solidFill>
+                                <a:srgbClr val="FF0000"/>
+                              </a:solidFill>
+                              <a:latin typeface="Cambria Math" panose="02040503050406030204" pitchFamily="18" charset="0"/>
+                            </a:rPr>
+                          </m:ctrlPr>
+                        </m:accPr>
+                        <m:e>
+                          <m:r>
+                            <a:rPr lang="en-US" altLang="ko-KR" sz="2800" i="1">
+                              <a:solidFill>
+                                <a:srgbClr val="FF0000"/>
+                              </a:solidFill>
+                              <a:latin typeface="Cambria Math" panose="02040503050406030204" pitchFamily="18" charset="0"/>
+                            </a:rPr>
+                            <m:t>𝑏</m:t>
+                          </m:r>
+                        </m:e>
+                      </m:acc>
+                    </m:oMath>
+                  </m:oMathPara>
+                </a14:m>
+                <a:endParaRPr lang="en-US" altLang="ko-KR" sz="2800" dirty="0">
+                  <a:solidFill>
+                    <a:srgbClr val="FF0000"/>
+                  </a:solidFill>
+                </a:endParaRPr>
+              </a:p>
+            </p:txBody>
+          </p:sp>
+        </mc:Choice>
+        <mc:Fallback xmlns="">
+          <p:sp>
+            <p:nvSpPr>
+              <p:cNvPr id="27" name="TextBox 26">
+                <a:extLst>
+                  <a:ext uri="{FF2B5EF4-FFF2-40B4-BE49-F238E27FC236}">
+                    <a16:creationId xmlns:a16="http://schemas.microsoft.com/office/drawing/2014/main" id="{6613D9F3-7A14-4F77-BF01-40CA03E133F4}"/>
+                  </a:ext>
+                </a:extLst>
+              </p:cNvPr>
+              <p:cNvSpPr txBox="1">
+                <a:spLocks noRot="1" noChangeAspect="1" noMove="1" noResize="1" noEditPoints="1" noAdjustHandles="1" noChangeArrowheads="1" noChangeShapeType="1" noTextEdit="1"/>
+              </p:cNvSpPr>
+              <p:nvPr/>
+            </p:nvSpPr>
+            <p:spPr>
+              <a:xfrm>
+                <a:off x="4067944" y="4105304"/>
+                <a:ext cx="4224939" cy="1060483"/>
+              </a:xfrm>
+              <a:prstGeom prst="rect">
+                <a:avLst/>
+              </a:prstGeom>
+              <a:blipFill>
+                <a:blip r:embed="rId5"/>
+                <a:stretch>
+                  <a:fillRect/>
+                </a:stretch>
+              </a:blipFill>
+            </p:spPr>
+            <p:txBody>
+              <a:bodyPr/>
+              <a:lstStyle/>
+              <a:p>
+                <a:r>
+                  <a:rPr lang="ko-KR" altLang="en-US">
+                    <a:noFill/>
+                  </a:rPr>
+                  <a:t> </a:t>
+                </a:r>
+              </a:p>
+            </p:txBody>
+          </p:sp>
+        </mc:Fallback>
+      </mc:AlternateContent>
+      <mc:AlternateContent xmlns:mc="http://schemas.openxmlformats.org/markup-compatibility/2006">
+        <mc:Choice xmlns:a14="http://schemas.microsoft.com/office/drawing/2010/main" Requires="a14">
+          <p:sp>
+            <p:nvSpPr>
+              <p:cNvPr id="29" name="TextBox 28">
+                <a:extLst>
+                  <a:ext uri="{FF2B5EF4-FFF2-40B4-BE49-F238E27FC236}">
+                    <a16:creationId xmlns:a16="http://schemas.microsoft.com/office/drawing/2014/main" id="{134DC0A7-85D5-4797-98AD-E086BC3532A9}"/>
+                  </a:ext>
+                </a:extLst>
+              </p:cNvPr>
+              <p:cNvSpPr txBox="1"/>
+              <p:nvPr/>
+            </p:nvSpPr>
+            <p:spPr>
+              <a:xfrm>
+                <a:off x="3848743" y="5186099"/>
+                <a:ext cx="4663340" cy="885563"/>
+              </a:xfrm>
+              <a:prstGeom prst="rect">
+                <a:avLst/>
+              </a:prstGeom>
+              <a:noFill/>
+            </p:spPr>
+            <p:txBody>
+              <a:bodyPr wrap="square">
+                <a:spAutoFit/>
+              </a:bodyPr>
+              <a:lstStyle/>
+              <a:p>
+                <a:pPr algn="ctr"/>
+                <a:r>
+                  <a:rPr lang="en-US" altLang="ko-KR" sz="2400" dirty="0">
+                    <a:latin typeface="배달의민족 주아" panose="02020603020101020101" pitchFamily="18" charset="-127"/>
+                    <a:ea typeface="배달의민족 주아" panose="02020603020101020101" pitchFamily="18" charset="-127"/>
+                  </a:rPr>
+                  <a:t>projection of </a:t>
+                </a:r>
+                <a14:m>
+                  <m:oMath xmlns:m="http://schemas.openxmlformats.org/officeDocument/2006/math">
+                    <m:acc>
+                      <m:accPr>
+                        <m:chr m:val="⃗"/>
+                        <m:ctrlPr>
+                          <a:rPr lang="en-US" altLang="ko-KR" sz="2400" b="0" i="1" smtClean="0">
+                            <a:latin typeface="Cambria Math" panose="02040503050406030204" pitchFamily="18" charset="0"/>
+                          </a:rPr>
+                        </m:ctrlPr>
+                      </m:accPr>
+                      <m:e>
+                        <m:r>
+                          <a:rPr lang="en-US" altLang="ko-KR" sz="2400" b="0" i="1" smtClean="0">
+                            <a:latin typeface="Cambria Math" panose="02040503050406030204" pitchFamily="18" charset="0"/>
+                          </a:rPr>
+                          <m:t>𝑏</m:t>
+                        </m:r>
+                      </m:e>
+                    </m:acc>
+                  </m:oMath>
+                </a14:m>
+                <a:endParaRPr lang="en-US" altLang="ko-KR" sz="2400" b="0" i="1" dirty="0">
+                  <a:latin typeface="Cambria Math" panose="02040503050406030204" pitchFamily="18" charset="0"/>
+                </a:endParaRPr>
+              </a:p>
+              <a:p>
+                <a:pPr algn="ctr"/>
+                <a:r>
+                  <a:rPr lang="en-US" altLang="ko-KR" sz="2400" dirty="0">
+                    <a:latin typeface="배달의민족 주아" panose="02020603020101020101" pitchFamily="18" charset="-127"/>
+                    <a:ea typeface="배달의민족 주아" panose="02020603020101020101" pitchFamily="18" charset="-127"/>
+                  </a:rPr>
+                  <a:t>onto </a:t>
+                </a:r>
+                <a14:m>
+                  <m:oMath xmlns:m="http://schemas.openxmlformats.org/officeDocument/2006/math">
+                    <m:acc>
+                      <m:accPr>
+                        <m:chr m:val="⃗"/>
+                        <m:ctrlPr>
+                          <a:rPr lang="en-US" altLang="ko-KR" sz="2400" b="0" i="1" dirty="0" smtClean="0">
+                            <a:latin typeface="Cambria Math" panose="02040503050406030204" pitchFamily="18" charset="0"/>
+                          </a:rPr>
+                        </m:ctrlPr>
+                      </m:accPr>
+                      <m:e>
+                        <m:r>
+                          <a:rPr lang="en-US" altLang="ko-KR" sz="2400" b="0" i="1" dirty="0" smtClean="0">
+                            <a:latin typeface="Cambria Math" panose="02040503050406030204" pitchFamily="18" charset="0"/>
+                          </a:rPr>
+                          <m:t>𝑎</m:t>
+                        </m:r>
+                      </m:e>
+                    </m:acc>
+                    <m:r>
+                      <a:rPr lang="en-US" altLang="ko-KR" sz="2400" b="0" i="1" dirty="0" smtClean="0">
+                        <a:latin typeface="Cambria Math" panose="02040503050406030204" pitchFamily="18" charset="0"/>
+                      </a:rPr>
+                      <m:t>′</m:t>
+                    </m:r>
+                  </m:oMath>
+                </a14:m>
+                <a:r>
+                  <a:rPr lang="en-US" altLang="ko-KR" sz="2400" dirty="0">
+                    <a:latin typeface="배달의민족 주아" panose="02020603020101020101" pitchFamily="18" charset="-127"/>
+                    <a:ea typeface="배달의민족 주아" panose="02020603020101020101" pitchFamily="18" charset="-127"/>
+                  </a:rPr>
+                  <a:t>s direction (vector)</a:t>
+                </a:r>
+              </a:p>
+            </p:txBody>
+          </p:sp>
+        </mc:Choice>
+        <mc:Fallback>
+          <p:sp>
+            <p:nvSpPr>
+              <p:cNvPr id="29" name="TextBox 28">
+                <a:extLst>
+                  <a:ext uri="{FF2B5EF4-FFF2-40B4-BE49-F238E27FC236}">
+                    <a16:creationId xmlns:a16="http://schemas.microsoft.com/office/drawing/2014/main" id="{134DC0A7-85D5-4797-98AD-E086BC3532A9}"/>
+                  </a:ext>
+                </a:extLst>
+              </p:cNvPr>
+              <p:cNvSpPr txBox="1">
+                <a:spLocks noRot="1" noChangeAspect="1" noMove="1" noResize="1" noEditPoints="1" noAdjustHandles="1" noChangeArrowheads="1" noChangeShapeType="1" noTextEdit="1"/>
+              </p:cNvSpPr>
+              <p:nvPr/>
+            </p:nvSpPr>
+            <p:spPr>
+              <a:xfrm>
+                <a:off x="3848743" y="5186099"/>
+                <a:ext cx="4663340" cy="885563"/>
+              </a:xfrm>
+              <a:prstGeom prst="rect">
+                <a:avLst/>
+              </a:prstGeom>
+              <a:blipFill>
+                <a:blip r:embed="rId6"/>
+                <a:stretch>
+                  <a:fillRect b="-15862"/>
+                </a:stretch>
+              </a:blipFill>
+            </p:spPr>
+            <p:txBody>
+              <a:bodyPr/>
+              <a:lstStyle/>
+              <a:p>
+                <a:r>
+                  <a:rPr lang="en-US">
+                    <a:noFill/>
+                  </a:rPr>
+                  <a:t> </a:t>
+                </a:r>
+              </a:p>
+            </p:txBody>
+          </p:sp>
+        </mc:Fallback>
+      </mc:AlternateContent>
+    </p:spTree>
+    <p:extLst>
+      <p:ext uri="{BB962C8B-B14F-4D97-AF65-F5344CB8AC3E}">
+        <p14:creationId xmlns:p14="http://schemas.microsoft.com/office/powerpoint/2010/main" val="2894440060"/>
+      </p:ext>
+    </p:extLst>
+  </p:cSld>
+  <p:clrMapOvr>
+    <a:masterClrMapping/>
+  </p:clrMapOvr>
+</p:sld>
+</file>
+
+<file path=ppt/slides/slide5.xml><?xml version="1.0" encoding="utf-8"?>
+<p:sld xmlns:a="http://schemas.openxmlformats.org/drawingml/2006/main" xmlns:r="http://schemas.openxmlformats.org/officeDocument/2006/relationships" xmlns:p="http://schemas.openxmlformats.org/presentationml/2006/main">
+  <p:cSld>
+    <p:spTree>
+      <p:nvGrpSpPr>
+        <p:cNvPr id="1" name=""/>
+        <p:cNvGrpSpPr/>
+        <p:nvPr/>
+      </p:nvGrpSpPr>
+      <p:grpSpPr>
+        <a:xfrm>
+          <a:off x="0" y="0"/>
+          <a:ext cx="0" cy="0"/>
+          <a:chOff x="0" y="0"/>
+          <a:chExt cx="0" cy="0"/>
+        </a:xfrm>
+      </p:grpSpPr>
+      <p:pic>
+        <p:nvPicPr>
+          <p:cNvPr id="1027" name="Picture 3"/>
+          <p:cNvPicPr>
+            <a:picLocks noChangeAspect="1" noChangeArrowheads="1"/>
+          </p:cNvPicPr>
+          <p:nvPr/>
+        </p:nvPicPr>
+        <p:blipFill>
+          <a:blip r:embed="rId2">
+            <a:extLst>
+              <a:ext uri="{28A0092B-C50C-407E-A947-70E740481C1C}">
+                <a14:useLocalDpi xmlns:a14="http://schemas.microsoft.com/office/drawing/2010/main" val="0"/>
+              </a:ext>
+            </a:extLst>
+          </a:blip>
+          <a:srcRect/>
+          <a:stretch>
+            <a:fillRect/>
+          </a:stretch>
+        </p:blipFill>
+        <p:spPr bwMode="auto">
+          <a:xfrm>
+            <a:off x="-566738" y="1433513"/>
+            <a:ext cx="10277476" cy="3990975"/>
+          </a:xfrm>
+          <a:prstGeom prst="rect">
+            <a:avLst/>
+          </a:prstGeom>
+          <a:noFill/>
+          <a:ln>
+            <a:noFill/>
+          </a:ln>
+          <a:effectLst/>
+          <a:extLst>
+            <a:ext uri="{909E8E84-426E-40DD-AFC4-6F175D3DCCD1}">
+              <a14:hiddenFill xmlns:a14="http://schemas.microsoft.com/office/drawing/2010/main">
+                <a:solidFill>
+                  <a:schemeClr val="accent1"/>
+                </a:solidFill>
+              </a14:hiddenFill>
+            </a:ext>
+            <a:ext uri="{91240B29-F687-4F45-9708-019B960494DF}">
+              <a14:hiddenLine xmlns:a14="http://schemas.microsoft.com/office/drawing/2010/main" w="9525">
+                <a:solidFill>
+                  <a:schemeClr val="tx1"/>
+                </a:solidFill>
+                <a:miter lim="800000"/>
+                <a:headEnd/>
+                <a:tailEnd/>
+              </a14:hiddenLine>
+            </a:ext>
+            <a:ext uri="{AF507438-7753-43E0-B8FC-AC1667EBCBE1}">
+              <a14:hiddenEffects xmlns:a14="http://schemas.microsoft.com/office/drawing/2010/main">
+                <a:effectLst>
+                  <a:outerShdw dist="35921" dir="2700000" algn="ctr" rotWithShape="0">
+                    <a:schemeClr val="bg2"/>
+                  </a:outerShdw>
+                </a:effectLst>
+              </a14:hiddenEffects>
+            </a:ext>
+          </a:extLst>
+        </p:spPr>
+      </p:pic>
+    </p:spTree>
+    <p:extLst>
+      <p:ext uri="{BB962C8B-B14F-4D97-AF65-F5344CB8AC3E}">
+        <p14:creationId xmlns:p14="http://schemas.microsoft.com/office/powerpoint/2010/main" val="2357640210"/>
+      </p:ext>
+    </p:extLst>
+  </p:cSld>
+  <p:clrMapOvr>
+    <a:masterClrMapping/>
+  </p:clrMapOvr>
+</p:sld>
+</file>
+
+<file path=ppt/slides/slide6.xml><?xml version="1.0" encoding="utf-8"?>
+<p:sld xmlns:a="http://schemas.openxmlformats.org/drawingml/2006/main" xmlns:r="http://schemas.openxmlformats.org/officeDocument/2006/relationships" xmlns:p="http://schemas.openxmlformats.org/presentationml/2006/main">
+  <p:cSld>
+    <p:spTree>
+      <p:nvGrpSpPr>
+        <p:cNvPr id="1" name=""/>
+        <p:cNvGrpSpPr/>
+        <p:nvPr/>
+      </p:nvGrpSpPr>
+      <p:grpSpPr>
+        <a:xfrm>
+          <a:off x="0" y="0"/>
+          <a:ext cx="0" cy="0"/>
+          <a:chOff x="0" y="0"/>
+          <a:chExt cx="0" cy="0"/>
+        </a:xfrm>
+      </p:grpSpPr>
+      <p:pic>
+        <p:nvPicPr>
+          <p:cNvPr id="1027" name="Picture 3"/>
+          <p:cNvPicPr>
+            <a:picLocks noChangeAspect="1" noChangeArrowheads="1"/>
+          </p:cNvPicPr>
+          <p:nvPr/>
+        </p:nvPicPr>
+        <p:blipFill>
+          <a:blip r:embed="rId2">
+            <a:extLst>
+              <a:ext uri="{28A0092B-C50C-407E-A947-70E740481C1C}">
+                <a14:useLocalDpi xmlns:a14="http://schemas.microsoft.com/office/drawing/2010/main" val="0"/>
+              </a:ext>
+            </a:extLst>
+          </a:blip>
+          <a:srcRect/>
+          <a:stretch>
+            <a:fillRect/>
+          </a:stretch>
+        </p:blipFill>
+        <p:spPr bwMode="auto">
+          <a:xfrm>
+            <a:off x="-566738" y="1433513"/>
+            <a:ext cx="10277476" cy="3990975"/>
+          </a:xfrm>
+          <a:prstGeom prst="rect">
+            <a:avLst/>
+          </a:prstGeom>
+          <a:noFill/>
+          <a:ln>
+            <a:noFill/>
+          </a:ln>
+          <a:effectLst/>
+          <a:extLst>
+            <a:ext uri="{909E8E84-426E-40DD-AFC4-6F175D3DCCD1}">
+              <a14:hiddenFill xmlns:a14="http://schemas.microsoft.com/office/drawing/2010/main">
+                <a:solidFill>
+                  <a:schemeClr val="accent1"/>
+                </a:solidFill>
+              </a14:hiddenFill>
+            </a:ext>
+            <a:ext uri="{91240B29-F687-4F45-9708-019B960494DF}">
+              <a14:hiddenLine xmlns:a14="http://schemas.microsoft.com/office/drawing/2010/main" w="9525">
+                <a:solidFill>
+                  <a:schemeClr val="tx1"/>
+                </a:solidFill>
+                <a:miter lim="800000"/>
+                <a:headEnd/>
+                <a:tailEnd/>
+              </a14:hiddenLine>
+            </a:ext>
+            <a:ext uri="{AF507438-7753-43E0-B8FC-AC1667EBCBE1}">
+              <a14:hiddenEffects xmlns:a14="http://schemas.microsoft.com/office/drawing/2010/main">
+                <a:effectLst>
+                  <a:outerShdw dist="35921" dir="2700000" algn="ctr" rotWithShape="0">
+                    <a:schemeClr val="bg2"/>
+                  </a:outerShdw>
+                </a:effectLst>
+              </a14:hiddenEffects>
+            </a:ext>
+          </a:extLst>
+        </p:spPr>
+      </p:pic>
+      <p:sp>
+        <p:nvSpPr>
+          <p:cNvPr id="2" name="TextBox 1">
+            <a:extLst>
+              <a:ext uri="{FF2B5EF4-FFF2-40B4-BE49-F238E27FC236}">
+                <a16:creationId xmlns:a16="http://schemas.microsoft.com/office/drawing/2014/main" id="{22004F66-926D-DDBE-ABAD-D8E24AF86CD4}"/>
+              </a:ext>
+            </a:extLst>
+          </p:cNvPr>
+          <p:cNvSpPr txBox="1"/>
+          <p:nvPr/>
+        </p:nvSpPr>
+        <p:spPr>
+          <a:xfrm>
+            <a:off x="1246780" y="1433512"/>
+            <a:ext cx="2485039" cy="276999"/>
+          </a:xfrm>
+          <a:prstGeom prst="rect">
+            <a:avLst/>
+          </a:prstGeom>
+          <a:solidFill>
+            <a:schemeClr val="bg1"/>
+          </a:solidFill>
+          <a:ln>
+            <a:noFill/>
+          </a:ln>
+        </p:spPr>
+        <p:txBody>
+          <a:bodyPr wrap="none" rtlCol="0">
+            <a:spAutoFit/>
+          </a:bodyPr>
+          <a:lstStyle/>
+          <a:p>
+            <a:pPr algn="ctr"/>
+            <a:r>
+              <a:rPr lang="en-US" sz="1200" dirty="0"/>
+              <a:t>two linearly independent vectors</a:t>
+            </a:r>
+          </a:p>
+        </p:txBody>
+      </p:sp>
+      <p:sp>
+        <p:nvSpPr>
+          <p:cNvPr id="3" name="TextBox 2">
+            <a:extLst>
+              <a:ext uri="{FF2B5EF4-FFF2-40B4-BE49-F238E27FC236}">
+                <a16:creationId xmlns:a16="http://schemas.microsoft.com/office/drawing/2014/main" id="{77B2ECCC-BCC9-374C-39E9-1C310EDA683E}"/>
+              </a:ext>
+            </a:extLst>
+          </p:cNvPr>
+          <p:cNvSpPr txBox="1"/>
+          <p:nvPr/>
+        </p:nvSpPr>
+        <p:spPr>
+          <a:xfrm>
+            <a:off x="6084168" y="1433512"/>
+            <a:ext cx="1831014" cy="276999"/>
+          </a:xfrm>
+          <a:prstGeom prst="rect">
+            <a:avLst/>
+          </a:prstGeom>
+          <a:solidFill>
+            <a:schemeClr val="bg1"/>
+          </a:solidFill>
+          <a:ln>
+            <a:noFill/>
+          </a:ln>
+        </p:spPr>
+        <p:txBody>
+          <a:bodyPr wrap="none" rtlCol="0">
+            <a:spAutoFit/>
+          </a:bodyPr>
+          <a:lstStyle/>
+          <a:p>
+            <a:r>
+              <a:rPr lang="en-US" sz="1200" dirty="0"/>
+              <a:t>two orthogonal vectors</a:t>
+            </a:r>
+          </a:p>
+        </p:txBody>
+      </p:sp>
+    </p:spTree>
+    <p:extLst>
+      <p:ext uri="{BB962C8B-B14F-4D97-AF65-F5344CB8AC3E}">
+        <p14:creationId xmlns:p14="http://schemas.microsoft.com/office/powerpoint/2010/main" val="2932604582"/>
+      </p:ext>
+    </p:extLst>
+  </p:cSld>
+  <p:clrMapOvr>
+    <a:masterClrMapping/>
+  </p:clrMapOvr>
+</p:sld>
+</file>
+
+<file path=ppt/slides/slide7.xml><?xml version="1.0" encoding="utf-8"?>
+<p:sld xmlns:a="http://schemas.openxmlformats.org/drawingml/2006/main" xmlns:r="http://schemas.openxmlformats.org/officeDocument/2006/relationships" xmlns:p="http://schemas.openxmlformats.org/presentationml/2006/main">
+  <p:cSld>
+    <p:spTree>
+      <p:nvGrpSpPr>
+        <p:cNvPr id="1" name=""/>
+        <p:cNvGrpSpPr/>
+        <p:nvPr/>
+      </p:nvGrpSpPr>
+      <p:grpSpPr>
+        <a:xfrm>
+          <a:off x="0" y="0"/>
+          <a:ext cx="0" cy="0"/>
+          <a:chOff x="0" y="0"/>
+          <a:chExt cx="0" cy="0"/>
+        </a:xfrm>
+      </p:grpSpPr>
+      <p:pic>
+        <p:nvPicPr>
+          <p:cNvPr id="2050" name="Picture 2"/>
+          <p:cNvPicPr>
+            <a:picLocks noChangeAspect="1" noChangeArrowheads="1"/>
+          </p:cNvPicPr>
+          <p:nvPr/>
+        </p:nvPicPr>
+        <p:blipFill>
+          <a:blip r:embed="rId2">
+            <a:extLst>
+              <a:ext uri="{28A0092B-C50C-407E-A947-70E740481C1C}">
+                <a14:useLocalDpi xmlns:a14="http://schemas.microsoft.com/office/drawing/2010/main" val="0"/>
+              </a:ext>
+            </a:extLst>
+          </a:blip>
+          <a:srcRect/>
+          <a:stretch>
+            <a:fillRect/>
+          </a:stretch>
+        </p:blipFill>
+        <p:spPr bwMode="auto">
+          <a:xfrm>
+            <a:off x="-566738" y="1399233"/>
+            <a:ext cx="10277476" cy="3990975"/>
+          </a:xfrm>
+          <a:prstGeom prst="rect">
+            <a:avLst/>
+          </a:prstGeom>
+          <a:noFill/>
+          <a:ln>
+            <a:noFill/>
+          </a:ln>
+          <a:effectLst/>
+          <a:extLst>
+            <a:ext uri="{909E8E84-426E-40DD-AFC4-6F175D3DCCD1}">
+              <a14:hiddenFill xmlns:a14="http://schemas.microsoft.com/office/drawing/2010/main">
+                <a:solidFill>
+                  <a:schemeClr val="accent1"/>
+                </a:solidFill>
+              </a14:hiddenFill>
+            </a:ext>
+            <a:ext uri="{91240B29-F687-4F45-9708-019B960494DF}">
+              <a14:hiddenLine xmlns:a14="http://schemas.microsoft.com/office/drawing/2010/main" w="9525">
+                <a:solidFill>
+                  <a:schemeClr val="tx1"/>
+                </a:solidFill>
+                <a:miter lim="800000"/>
+                <a:headEnd/>
+                <a:tailEnd/>
+              </a14:hiddenLine>
+            </a:ext>
+            <a:ext uri="{AF507438-7753-43E0-B8FC-AC1667EBCBE1}">
+              <a14:hiddenEffects xmlns:a14="http://schemas.microsoft.com/office/drawing/2010/main">
+                <a:effectLst>
+                  <a:outerShdw dist="35921" dir="2700000" algn="ctr" rotWithShape="0">
+                    <a:schemeClr val="bg2"/>
+                  </a:outerShdw>
+                </a:effectLst>
+              </a14:hiddenEffects>
+            </a:ext>
+          </a:extLst>
+        </p:spPr>
+      </p:pic>
+    </p:spTree>
+    <p:extLst>
+      <p:ext uri="{BB962C8B-B14F-4D97-AF65-F5344CB8AC3E}">
+        <p14:creationId xmlns:p14="http://schemas.microsoft.com/office/powerpoint/2010/main" val="4264259977"/>
+      </p:ext>
+    </p:extLst>
+  </p:cSld>
+  <p:clrMapOvr>
+    <a:masterClrMapping/>
+  </p:clrMapOvr>
+</p:sld>
+</file>
+
+<file path=ppt/slides/slide8.xml><?xml version="1.0" encoding="utf-8"?>
+<p:sld xmlns:a="http://schemas.openxmlformats.org/drawingml/2006/main" xmlns:r="http://schemas.openxmlformats.org/officeDocument/2006/relationships" xmlns:p="http://schemas.openxmlformats.org/presentationml/2006/main">
+  <p:cSld>
+    <p:spTree>
+      <p:nvGrpSpPr>
+        <p:cNvPr id="1" name=""/>
+        <p:cNvGrpSpPr/>
+        <p:nvPr/>
+      </p:nvGrpSpPr>
+      <p:grpSpPr>
+        <a:xfrm>
+          <a:off x="0" y="0"/>
+          <a:ext cx="0" cy="0"/>
+          <a:chOff x="0" y="0"/>
+          <a:chExt cx="0" cy="0"/>
+        </a:xfrm>
+      </p:grpSpPr>
+      <p:pic>
+        <p:nvPicPr>
+          <p:cNvPr id="2050" name="Picture 2"/>
+          <p:cNvPicPr>
+            <a:picLocks noChangeAspect="1" noChangeArrowheads="1"/>
+          </p:cNvPicPr>
+          <p:nvPr/>
+        </p:nvPicPr>
+        <p:blipFill>
+          <a:blip r:embed="rId2">
+            <a:extLst>
+              <a:ext uri="{28A0092B-C50C-407E-A947-70E740481C1C}">
+                <a14:useLocalDpi xmlns:a14="http://schemas.microsoft.com/office/drawing/2010/main" val="0"/>
+              </a:ext>
+            </a:extLst>
+          </a:blip>
+          <a:srcRect/>
+          <a:stretch>
+            <a:fillRect/>
+          </a:stretch>
+        </p:blipFill>
+        <p:spPr bwMode="auto">
+          <a:xfrm>
+            <a:off x="-566738" y="1399233"/>
+            <a:ext cx="10277476" cy="3990975"/>
+          </a:xfrm>
+          <a:prstGeom prst="rect">
+            <a:avLst/>
+          </a:prstGeom>
+          <a:noFill/>
+          <a:ln>
+            <a:noFill/>
+          </a:ln>
+          <a:effectLst/>
+          <a:extLst>
+            <a:ext uri="{909E8E84-426E-40DD-AFC4-6F175D3DCCD1}">
+              <a14:hiddenFill xmlns:a14="http://schemas.microsoft.com/office/drawing/2010/main">
+                <a:solidFill>
+                  <a:schemeClr val="accent1"/>
+                </a:solidFill>
+              </a14:hiddenFill>
+            </a:ext>
+            <a:ext uri="{91240B29-F687-4F45-9708-019B960494DF}">
+              <a14:hiddenLine xmlns:a14="http://schemas.microsoft.com/office/drawing/2010/main" w="9525">
+                <a:solidFill>
+                  <a:schemeClr val="tx1"/>
+                </a:solidFill>
+                <a:miter lim="800000"/>
+                <a:headEnd/>
+                <a:tailEnd/>
+              </a14:hiddenLine>
+            </a:ext>
+            <a:ext uri="{AF507438-7753-43E0-B8FC-AC1667EBCBE1}">
+              <a14:hiddenEffects xmlns:a14="http://schemas.microsoft.com/office/drawing/2010/main">
+                <a:effectLst>
+                  <a:outerShdw dist="35921" dir="2700000" algn="ctr" rotWithShape="0">
+                    <a:schemeClr val="bg2"/>
+                  </a:outerShdw>
+                </a:effectLst>
+              </a14:hiddenEffects>
+            </a:ext>
+          </a:extLst>
+        </p:spPr>
+      </p:pic>
+      <p:sp>
+        <p:nvSpPr>
+          <p:cNvPr id="2" name="TextBox 1">
+            <a:extLst>
+              <a:ext uri="{FF2B5EF4-FFF2-40B4-BE49-F238E27FC236}">
+                <a16:creationId xmlns:a16="http://schemas.microsoft.com/office/drawing/2014/main" id="{08FC6C59-1942-2CCE-A08A-A9C5B745BC4C}"/>
+              </a:ext>
+            </a:extLst>
+          </p:cNvPr>
+          <p:cNvSpPr txBox="1"/>
+          <p:nvPr/>
+        </p:nvSpPr>
+        <p:spPr>
+          <a:xfrm>
+            <a:off x="1246780" y="1404759"/>
+            <a:ext cx="2485039" cy="276999"/>
+          </a:xfrm>
+          <a:prstGeom prst="rect">
+            <a:avLst/>
+          </a:prstGeom>
+          <a:solidFill>
+            <a:schemeClr val="bg1"/>
+          </a:solidFill>
+          <a:ln>
+            <a:noFill/>
+          </a:ln>
+        </p:spPr>
+        <p:txBody>
+          <a:bodyPr wrap="none" rtlCol="0">
+            <a:spAutoFit/>
+          </a:bodyPr>
+          <a:lstStyle/>
+          <a:p>
+            <a:pPr algn="ctr"/>
+            <a:r>
+              <a:rPr lang="en-US" sz="1200" dirty="0"/>
+              <a:t>two linearly independent vectors</a:t>
+            </a:r>
+          </a:p>
+        </p:txBody>
+      </p:sp>
+      <p:sp>
+        <p:nvSpPr>
+          <p:cNvPr id="3" name="TextBox 2">
+            <a:extLst>
+              <a:ext uri="{FF2B5EF4-FFF2-40B4-BE49-F238E27FC236}">
+                <a16:creationId xmlns:a16="http://schemas.microsoft.com/office/drawing/2014/main" id="{3EFAE947-D4D8-B742-8CD9-8C3A6FB32A0B}"/>
+              </a:ext>
+            </a:extLst>
+          </p:cNvPr>
+          <p:cNvSpPr txBox="1"/>
+          <p:nvPr/>
+        </p:nvSpPr>
+        <p:spPr>
+          <a:xfrm>
+            <a:off x="6084168" y="1404759"/>
+            <a:ext cx="1831014" cy="276999"/>
+          </a:xfrm>
+          <a:prstGeom prst="rect">
+            <a:avLst/>
+          </a:prstGeom>
+          <a:solidFill>
+            <a:schemeClr val="bg1"/>
+          </a:solidFill>
+          <a:ln>
+            <a:noFill/>
+          </a:ln>
+        </p:spPr>
+        <p:txBody>
+          <a:bodyPr wrap="none" rtlCol="0">
+            <a:spAutoFit/>
+          </a:bodyPr>
+          <a:lstStyle/>
+          <a:p>
+            <a:r>
+              <a:rPr lang="en-US" sz="1200" dirty="0"/>
+              <a:t>two orthogonal vectors</a:t>
+            </a:r>
+          </a:p>
+        </p:txBody>
+      </p:sp>
+    </p:spTree>
+    <p:extLst>
+      <p:ext uri="{BB962C8B-B14F-4D97-AF65-F5344CB8AC3E}">
+        <p14:creationId xmlns:p14="http://schemas.microsoft.com/office/powerpoint/2010/main" val="336549890"/>
+      </p:ext>
+    </p:extLst>
+  </p:cSld>
+  <p:clrMapOvr>
+    <a:masterClrMapping/>
+  </p:clrMapOvr>
+</p:sld>
+</file>
+
+<file path=ppt/slides/slide9.xml><?xml version="1.0" encoding="utf-8"?>
+<p:sld xmlns:a="http://schemas.openxmlformats.org/drawingml/2006/main" xmlns:r="http://schemas.openxmlformats.org/officeDocument/2006/relationships" xmlns:p="http://schemas.openxmlformats.org/presentationml/2006/main">
+  <p:cSld>
+    <p:spTree>
+      <p:nvGrpSpPr>
+        <p:cNvPr id="1" name=""/>
+        <p:cNvGrpSpPr/>
+        <p:nvPr/>
+      </p:nvGrpSpPr>
+      <p:grpSpPr>
+        <a:xfrm>
+          <a:off x="0" y="0"/>
+          <a:ext cx="0" cy="0"/>
+          <a:chOff x="0" y="0"/>
+          <a:chExt cx="0" cy="0"/>
+        </a:xfrm>
+      </p:grpSpPr>
+      <p:sp>
+        <p:nvSpPr>
+          <p:cNvPr id="5" name="직사각형 4"/>
+          <p:cNvSpPr/>
+          <p:nvPr/>
+        </p:nvSpPr>
+        <p:spPr>
+          <a:xfrm>
+            <a:off x="4445236" y="2204864"/>
+            <a:ext cx="3240360" cy="936104"/>
+          </a:xfrm>
+          <a:prstGeom prst="rect">
+            <a:avLst/>
+          </a:prstGeom>
+          <a:solidFill>
+            <a:srgbClr val="FFFF00"/>
+          </a:solidFill>
+          <a:ln>
+            <a:noFill/>
+          </a:ln>
+        </p:spPr>
+        <p:style>
+          <a:lnRef idx="2">
+            <a:schemeClr val="accent1">
+              <a:shade val="50000"/>
+            </a:schemeClr>
+          </a:lnRef>
+          <a:fillRef idx="1">
+            <a:schemeClr val="accent1"/>
+          </a:fillRef>
+          <a:effectRef idx="0">
+            <a:schemeClr val="accent1"/>
+          </a:effectRef>
+          <a:fontRef idx="minor">
+            <a:schemeClr val="lt1"/>
+          </a:fontRef>
+        </p:style>
+        <p:txBody>
+          <a:bodyPr rtlCol="0" anchor="ctr"/>
+          <a:lstStyle/>
+          <a:p>
+            <a:pPr algn="ctr"/>
+            <a:endParaRPr lang="ko-KR" altLang="en-US"/>
+          </a:p>
+        </p:txBody>
+      </p:sp>
+      <mc:AlternateContent xmlns:mc="http://schemas.openxmlformats.org/markup-compatibility/2006" xmlns:a14="http://schemas.microsoft.com/office/drawing/2010/main">
+        <mc:Choice Requires="a14">
+          <p:sp>
+            <p:nvSpPr>
+              <p:cNvPr id="4" name="TextBox 3"/>
+              <p:cNvSpPr txBox="1"/>
+              <p:nvPr/>
+            </p:nvSpPr>
+            <p:spPr>
+              <a:xfrm>
+                <a:off x="1034927" y="2116570"/>
+                <a:ext cx="7074146" cy="1027397"/>
+              </a:xfrm>
+              <a:prstGeom prst="rect">
+                <a:avLst/>
+              </a:prstGeom>
+              <a:noFill/>
+            </p:spPr>
+            <p:txBody>
+              <a:bodyPr wrap="square" rtlCol="0" anchor="ctr">
+                <a:spAutoFit/>
+              </a:bodyPr>
+              <a:lstStyle/>
+              <a:p>
+                <a:pPr/>
+                <a14:m>
+                  <m:oMathPara xmlns:m="http://schemas.openxmlformats.org/officeDocument/2006/math">
+                    <m:oMathParaPr>
+                      <m:jc m:val="centerGroup"/>
+                    </m:oMathParaPr>
+                    <m:oMath xmlns:m="http://schemas.openxmlformats.org/officeDocument/2006/math">
+                      <m:sSub>
+                        <m:sSubPr>
+                          <m:ctrlPr>
+                            <a:rPr lang="en-US" altLang="ko-KR" sz="5400" b="0" i="1" smtClean="0">
+                              <a:latin typeface="Cambria Math" panose="02040503050406030204" pitchFamily="18" charset="0"/>
+                            </a:rPr>
+                          </m:ctrlPr>
+                        </m:sSubPr>
+                        <m:e>
+                          <m:r>
+                            <a:rPr lang="en-US" altLang="ko-KR" sz="5400" b="0" i="1" smtClean="0">
+                              <a:latin typeface="Cambria Math"/>
+                            </a:rPr>
+                            <m:t>𝑢</m:t>
+                          </m:r>
+                        </m:e>
+                        <m:sub>
+                          <m:r>
+                            <a:rPr lang="en-US" altLang="ko-KR" sz="5400" b="0" i="1" smtClean="0">
+                              <a:latin typeface="Cambria Math"/>
+                            </a:rPr>
+                            <m:t>2</m:t>
+                          </m:r>
+                        </m:sub>
+                      </m:sSub>
+                      <m:r>
+                        <a:rPr lang="en-US" altLang="ko-KR" sz="5400" b="0" i="1" smtClean="0">
+                          <a:latin typeface="Cambria Math"/>
+                        </a:rPr>
+                        <m:t>=</m:t>
+                      </m:r>
+                      <m:sSub>
+                        <m:sSubPr>
+                          <m:ctrlPr>
+                            <a:rPr lang="en-US" altLang="ko-KR" sz="5400" b="0" i="1" smtClean="0">
+                              <a:latin typeface="Cambria Math" panose="02040503050406030204" pitchFamily="18" charset="0"/>
+                            </a:rPr>
+                          </m:ctrlPr>
+                        </m:sSubPr>
+                        <m:e>
+                          <m:r>
+                            <a:rPr lang="en-US" altLang="ko-KR" sz="5400" b="0" i="1" smtClean="0">
+                              <a:latin typeface="Cambria Math"/>
+                            </a:rPr>
+                            <m:t>𝑎</m:t>
+                          </m:r>
+                        </m:e>
+                        <m:sub>
+                          <m:r>
+                            <a:rPr lang="en-US" altLang="ko-KR" sz="5400" b="0" i="1" smtClean="0">
+                              <a:latin typeface="Cambria Math"/>
+                            </a:rPr>
+                            <m:t>2</m:t>
+                          </m:r>
+                        </m:sub>
+                      </m:sSub>
+                      <m:r>
+                        <a:rPr lang="en-US" altLang="ko-KR" sz="5400" b="0" i="1" smtClean="0">
+                          <a:latin typeface="Cambria Math"/>
+                        </a:rPr>
+                        <m:t>−</m:t>
+                      </m:r>
+                      <m:sSub>
+                        <m:sSubPr>
+                          <m:ctrlPr>
+                            <a:rPr lang="en-US" altLang="ko-KR" sz="5400" b="0" i="1" smtClean="0">
+                              <a:latin typeface="Cambria Math" panose="02040503050406030204" pitchFamily="18" charset="0"/>
+                            </a:rPr>
+                          </m:ctrlPr>
+                        </m:sSubPr>
+                        <m:e>
+                          <m:r>
+                            <m:rPr>
+                              <m:sty m:val="p"/>
+                            </m:rPr>
+                            <a:rPr lang="en-US" altLang="ko-KR" sz="5400" b="0" i="0" smtClean="0">
+                              <a:latin typeface="Cambria Math"/>
+                            </a:rPr>
+                            <m:t>proj</m:t>
+                          </m:r>
+                        </m:e>
+                        <m:sub>
+                          <m:sSub>
+                            <m:sSubPr>
+                              <m:ctrlPr>
+                                <a:rPr lang="en-US" altLang="ko-KR" sz="5400" b="0" i="1" smtClean="0">
+                                  <a:latin typeface="Cambria Math" panose="02040503050406030204" pitchFamily="18" charset="0"/>
+                                </a:rPr>
+                              </m:ctrlPr>
+                            </m:sSubPr>
+                            <m:e>
+                              <m:r>
+                                <a:rPr lang="en-US" altLang="ko-KR" sz="5400" b="0" i="1" smtClean="0">
+                                  <a:latin typeface="Cambria Math"/>
+                                </a:rPr>
+                                <m:t>𝑢</m:t>
+                              </m:r>
+                            </m:e>
+                            <m:sub>
+                              <m:r>
+                                <a:rPr lang="en-US" altLang="ko-KR" sz="5400" b="0" i="1" smtClean="0">
+                                  <a:latin typeface="Cambria Math"/>
+                                </a:rPr>
+                                <m:t>1</m:t>
+                              </m:r>
+                            </m:sub>
+                          </m:sSub>
+                        </m:sub>
+                      </m:sSub>
+                      <m:r>
+                        <a:rPr lang="en-US" altLang="ko-KR" sz="5400" b="0" i="1" smtClean="0">
+                          <a:latin typeface="Cambria Math"/>
+                        </a:rPr>
+                        <m:t>(</m:t>
+                      </m:r>
+                      <m:sSub>
+                        <m:sSubPr>
+                          <m:ctrlPr>
+                            <a:rPr lang="en-US" altLang="ko-KR" sz="5400" b="0" i="1" smtClean="0">
+                              <a:latin typeface="Cambria Math" panose="02040503050406030204" pitchFamily="18" charset="0"/>
+                            </a:rPr>
+                          </m:ctrlPr>
+                        </m:sSubPr>
+                        <m:e>
+                          <m:r>
+                            <a:rPr lang="en-US" altLang="ko-KR" sz="5400" b="0" i="1" smtClean="0">
+                              <a:latin typeface="Cambria Math"/>
+                            </a:rPr>
+                            <m:t>𝑎</m:t>
+                          </m:r>
+                        </m:e>
+                        <m:sub>
+                          <m:r>
+                            <a:rPr lang="en-US" altLang="ko-KR" sz="5400" b="0" i="1" smtClean="0">
+                              <a:latin typeface="Cambria Math"/>
+                            </a:rPr>
+                            <m:t>2</m:t>
+                          </m:r>
+                        </m:sub>
+                      </m:sSub>
+                      <m:r>
+                        <a:rPr lang="en-US" altLang="ko-KR" sz="5400" b="0" i="1" smtClean="0">
+                          <a:latin typeface="Cambria Math"/>
+                        </a:rPr>
+                        <m:t>)</m:t>
+                      </m:r>
+                    </m:oMath>
+                  </m:oMathPara>
+                </a14:m>
+                <a:endParaRPr lang="ko-KR" altLang="en-US" sz="5400" dirty="0"/>
+              </a:p>
+            </p:txBody>
+          </p:sp>
+        </mc:Choice>
+        <mc:Fallback xmlns="">
+          <p:sp>
+            <p:nvSpPr>
+              <p:cNvPr id="4" name="TextBox 3"/>
+              <p:cNvSpPr txBox="1">
+                <a:spLocks noRot="1" noChangeAspect="1" noMove="1" noResize="1" noEditPoints="1" noAdjustHandles="1" noChangeArrowheads="1" noChangeShapeType="1" noTextEdit="1"/>
+              </p:cNvSpPr>
+              <p:nvPr/>
+            </p:nvSpPr>
+            <p:spPr>
+              <a:xfrm>
+                <a:off x="1034927" y="2116570"/>
+                <a:ext cx="7074146" cy="1027397"/>
+              </a:xfrm>
+              <a:prstGeom prst="rect">
+                <a:avLst/>
+              </a:prstGeom>
+              <a:blipFill rotWithShape="1">
+                <a:blip r:embed="rId2"/>
+                <a:stretch>
+                  <a:fillRect/>
+                </a:stretch>
+              </a:blipFill>
+            </p:spPr>
+            <p:txBody>
+              <a:bodyPr/>
+              <a:lstStyle/>
+              <a:p>
+                <a:r>
+                  <a:rPr lang="ko-KR" altLang="en-US">
+                    <a:noFill/>
+                  </a:rPr>
+                  <a:t> </a:t>
+                </a:r>
+              </a:p>
+            </p:txBody>
+          </p:sp>
+        </mc:Fallback>
+      </mc:AlternateContent>
+      <mc:AlternateContent xmlns:mc="http://schemas.openxmlformats.org/markup-compatibility/2006" xmlns:a14="http://schemas.microsoft.com/office/drawing/2010/main">
+        <mc:Choice Requires="a14">
+          <p:sp>
+            <p:nvSpPr>
+              <p:cNvPr id="6" name="TextBox 5"/>
+              <p:cNvSpPr txBox="1"/>
+              <p:nvPr/>
+            </p:nvSpPr>
+            <p:spPr>
+              <a:xfrm>
+                <a:off x="3714548" y="3789040"/>
+                <a:ext cx="4701736" cy="584775"/>
+              </a:xfrm>
+              <a:prstGeom prst="rect">
+                <a:avLst/>
+              </a:prstGeom>
+              <a:noFill/>
+            </p:spPr>
+            <p:txBody>
+              <a:bodyPr wrap="none" rtlCol="0">
+                <a:spAutoFit/>
+              </a:bodyPr>
+              <a:lstStyle/>
+              <a:p>
+                <a:pPr algn="ctr"/>
+                <a14:m>
+                  <m:oMath xmlns:m="http://schemas.openxmlformats.org/officeDocument/2006/math">
+                    <m:sSub>
+                      <m:sSubPr>
+                        <m:ctrlPr>
+                          <a:rPr lang="en-US" altLang="ko-KR" sz="3200" b="0" i="1" smtClean="0">
+                            <a:latin typeface="Cambria Math" panose="02040503050406030204" pitchFamily="18" charset="0"/>
+                          </a:rPr>
+                        </m:ctrlPr>
+                      </m:sSubPr>
+                      <m:e>
+                        <m:r>
+                          <a:rPr lang="en-US" altLang="ko-KR" sz="3200" b="0" i="1" smtClean="0">
+                            <a:latin typeface="Cambria Math"/>
+                          </a:rPr>
+                          <m:t>𝑎</m:t>
+                        </m:r>
+                      </m:e>
+                      <m:sub>
+                        <m:r>
+                          <a:rPr lang="en-US" altLang="ko-KR" sz="3200" b="0" i="1" smtClean="0">
+                            <a:latin typeface="Cambria Math"/>
+                          </a:rPr>
+                          <m:t>2</m:t>
+                        </m:r>
+                      </m:sub>
+                    </m:sSub>
+                  </m:oMath>
+                </a14:m>
+                <a:r>
+                  <a:rPr lang="ko-KR" altLang="en-US" sz="3200" dirty="0">
+                    <a:latin typeface="KoPub돋움체 Bold" pitchFamily="18" charset="-127"/>
+                    <a:ea typeface="KoPub돋움체 Bold" pitchFamily="18" charset="-127"/>
+                  </a:rPr>
+                  <a:t>가 갖고 있는 </a:t>
+                </a:r>
+                <a14:m>
+                  <m:oMath xmlns:m="http://schemas.openxmlformats.org/officeDocument/2006/math">
+                    <m:sSub>
+                      <m:sSubPr>
+                        <m:ctrlPr>
+                          <a:rPr lang="en-US" altLang="ko-KR" sz="3200" b="0" i="1" smtClean="0">
+                            <a:latin typeface="Cambria Math" panose="02040503050406030204" pitchFamily="18" charset="0"/>
+                          </a:rPr>
+                        </m:ctrlPr>
+                      </m:sSubPr>
+                      <m:e>
+                        <m:r>
+                          <a:rPr lang="en-US" altLang="ko-KR" sz="3200" b="0" i="1" smtClean="0">
+                            <a:latin typeface="Cambria Math"/>
+                          </a:rPr>
+                          <m:t>𝑢</m:t>
+                        </m:r>
+                      </m:e>
+                      <m:sub>
+                        <m:r>
+                          <a:rPr lang="en-US" altLang="ko-KR" sz="3200" b="0" i="1" smtClean="0">
+                            <a:latin typeface="Cambria Math"/>
+                          </a:rPr>
+                          <m:t>1</m:t>
+                        </m:r>
+                      </m:sub>
+                    </m:sSub>
+                  </m:oMath>
+                </a14:m>
+                <a:r>
+                  <a:rPr lang="ko-KR" altLang="en-US" sz="3200" dirty="0">
+                    <a:latin typeface="KoPub돋움체 Bold" pitchFamily="18" charset="-127"/>
+                    <a:ea typeface="KoPub돋움체 Bold" pitchFamily="18" charset="-127"/>
+                  </a:rPr>
+                  <a:t>관련 성분</a:t>
+                </a:r>
+              </a:p>
+            </p:txBody>
+          </p:sp>
+        </mc:Choice>
+        <mc:Fallback xmlns="">
+          <p:sp>
+            <p:nvSpPr>
+              <p:cNvPr id="6" name="TextBox 5"/>
+              <p:cNvSpPr txBox="1">
+                <a:spLocks noRot="1" noChangeAspect="1" noMove="1" noResize="1" noEditPoints="1" noAdjustHandles="1" noChangeArrowheads="1" noChangeShapeType="1" noTextEdit="1"/>
+              </p:cNvSpPr>
+              <p:nvPr/>
+            </p:nvSpPr>
+            <p:spPr>
+              <a:xfrm>
+                <a:off x="3714548" y="3789040"/>
+                <a:ext cx="4701736" cy="584775"/>
+              </a:xfrm>
+              <a:prstGeom prst="rect">
+                <a:avLst/>
+              </a:prstGeom>
+              <a:blipFill rotWithShape="1">
+                <a:blip r:embed="rId3"/>
+                <a:stretch>
+                  <a:fillRect t="-13684" r="-2850" b="-34737"/>
+                </a:stretch>
+              </a:blipFill>
+            </p:spPr>
+            <p:txBody>
+              <a:bodyPr/>
+              <a:lstStyle/>
+              <a:p>
+                <a:r>
+                  <a:rPr lang="ko-KR" altLang="en-US">
+                    <a:noFill/>
+                  </a:rPr>
+                  <a:t> </a:t>
+                </a:r>
+              </a:p>
+            </p:txBody>
+          </p:sp>
+        </mc:Fallback>
+      </mc:AlternateContent>
+      <p:cxnSp>
+        <p:nvCxnSpPr>
+          <p:cNvPr id="8" name="직선 화살표 연결선 7"/>
+          <p:cNvCxnSpPr>
+            <a:stCxn id="6" idx="0"/>
+          </p:cNvCxnSpPr>
+          <p:nvPr/>
+        </p:nvCxnSpPr>
+        <p:spPr>
+          <a:xfrm flipV="1">
+            <a:off x="6065416" y="3212976"/>
+            <a:ext cx="0" cy="576064"/>
+          </a:xfrm>
+          <a:prstGeom prst="straightConnector1">
+            <a:avLst/>
+          </a:prstGeom>
+          <a:ln w="38100">
+            <a:solidFill>
+              <a:srgbClr val="FF0000"/>
+            </a:solidFill>
+            <a:tailEnd type="arrow"/>
+          </a:ln>
+        </p:spPr>
+        <p:style>
+          <a:lnRef idx="1">
+            <a:schemeClr val="accent1"/>
+          </a:lnRef>
+          <a:fillRef idx="0">
+            <a:schemeClr val="accent1"/>
+          </a:fillRef>
+          <a:effectRef idx="0">
+            <a:schemeClr val="accent1"/>
+          </a:effectRef>
+          <a:fontRef idx="minor">
+            <a:schemeClr val="tx1"/>
+          </a:fontRef>
+        </p:style>
+      </p:cxnSp>
+    </p:spTree>
+    <p:extLst>
+      <p:ext uri="{BB962C8B-B14F-4D97-AF65-F5344CB8AC3E}">
+        <p14:creationId xmlns:p14="http://schemas.microsoft.com/office/powerpoint/2010/main" val="2789664253"/>
       </p:ext>
     </p:extLst>
   </p:cSld>
